--- a/Git/images/images.pptx
+++ b/Git/images/images.pptx
@@ -26,6 +26,16 @@
     <p:sldId id="279" r:id="rId20"/>
     <p:sldId id="280" r:id="rId21"/>
     <p:sldId id="281" r:id="rId22"/>
+    <p:sldId id="282" r:id="rId23"/>
+    <p:sldId id="283" r:id="rId24"/>
+    <p:sldId id="285" r:id="rId25"/>
+    <p:sldId id="286" r:id="rId26"/>
+    <p:sldId id="287" r:id="rId27"/>
+    <p:sldId id="288" r:id="rId28"/>
+    <p:sldId id="289" r:id="rId29"/>
+    <p:sldId id="290" r:id="rId30"/>
+    <p:sldId id="291" r:id="rId31"/>
+    <p:sldId id="292" r:id="rId32"/>
   </p:sldIdLst>
   <p:sldSz cx="12192000" cy="6858000"/>
   <p:notesSz cx="6858000" cy="9144000"/>
@@ -290,7 +300,7 @@
           <a:p>
             <a:fld id="{5E2742A0-9B02-4E65-9D56-B5AFA763D91D}" type="datetimeFigureOut">
               <a:rPr lang="ko-KR" altLang="en-US" smtClean="0"/>
-              <a:t>2021-01-26</a:t>
+              <a:t>2021-01-28</a:t>
             </a:fld>
             <a:endParaRPr lang="ko-KR" altLang="en-US"/>
           </a:p>
@@ -488,7 +498,7 @@
           <a:p>
             <a:fld id="{5E2742A0-9B02-4E65-9D56-B5AFA763D91D}" type="datetimeFigureOut">
               <a:rPr lang="ko-KR" altLang="en-US" smtClean="0"/>
-              <a:t>2021-01-26</a:t>
+              <a:t>2021-01-28</a:t>
             </a:fld>
             <a:endParaRPr lang="ko-KR" altLang="en-US"/>
           </a:p>
@@ -696,7 +706,7 @@
           <a:p>
             <a:fld id="{5E2742A0-9B02-4E65-9D56-B5AFA763D91D}" type="datetimeFigureOut">
               <a:rPr lang="ko-KR" altLang="en-US" smtClean="0"/>
-              <a:t>2021-01-26</a:t>
+              <a:t>2021-01-28</a:t>
             </a:fld>
             <a:endParaRPr lang="ko-KR" altLang="en-US"/>
           </a:p>
@@ -1001,7 +1011,7 @@
           <a:p>
             <a:fld id="{5E2742A0-9B02-4E65-9D56-B5AFA763D91D}" type="datetimeFigureOut">
               <a:rPr lang="ko-KR" altLang="en-US" smtClean="0"/>
-              <a:t>2021-01-26</a:t>
+              <a:t>2021-01-28</a:t>
             </a:fld>
             <a:endParaRPr lang="ko-KR" altLang="en-US"/>
           </a:p>
@@ -1266,7 +1276,7 @@
           <a:p>
             <a:fld id="{5E2742A0-9B02-4E65-9D56-B5AFA763D91D}" type="datetimeFigureOut">
               <a:rPr lang="ko-KR" altLang="en-US" smtClean="0"/>
-              <a:t>2021-01-26</a:t>
+              <a:t>2021-01-28</a:t>
             </a:fld>
             <a:endParaRPr lang="ko-KR" altLang="en-US"/>
           </a:p>
@@ -1678,7 +1688,7 @@
           <a:p>
             <a:fld id="{5E2742A0-9B02-4E65-9D56-B5AFA763D91D}" type="datetimeFigureOut">
               <a:rPr lang="ko-KR" altLang="en-US" smtClean="0"/>
-              <a:t>2021-01-26</a:t>
+              <a:t>2021-01-28</a:t>
             </a:fld>
             <a:endParaRPr lang="ko-KR" altLang="en-US"/>
           </a:p>
@@ -1819,7 +1829,7 @@
           <a:p>
             <a:fld id="{5E2742A0-9B02-4E65-9D56-B5AFA763D91D}" type="datetimeFigureOut">
               <a:rPr lang="ko-KR" altLang="en-US" smtClean="0"/>
-              <a:t>2021-01-26</a:t>
+              <a:t>2021-01-28</a:t>
             </a:fld>
             <a:endParaRPr lang="ko-KR" altLang="en-US"/>
           </a:p>
@@ -1932,7 +1942,7 @@
           <a:p>
             <a:fld id="{5E2742A0-9B02-4E65-9D56-B5AFA763D91D}" type="datetimeFigureOut">
               <a:rPr lang="ko-KR" altLang="en-US" smtClean="0"/>
-              <a:t>2021-01-26</a:t>
+              <a:t>2021-01-28</a:t>
             </a:fld>
             <a:endParaRPr lang="ko-KR" altLang="en-US"/>
           </a:p>
@@ -2243,7 +2253,7 @@
           <a:p>
             <a:fld id="{5E2742A0-9B02-4E65-9D56-B5AFA763D91D}" type="datetimeFigureOut">
               <a:rPr lang="ko-KR" altLang="en-US" smtClean="0"/>
-              <a:t>2021-01-26</a:t>
+              <a:t>2021-01-28</a:t>
             </a:fld>
             <a:endParaRPr lang="ko-KR" altLang="en-US"/>
           </a:p>
@@ -2531,7 +2541,7 @@
           <a:p>
             <a:fld id="{5E2742A0-9B02-4E65-9D56-B5AFA763D91D}" type="datetimeFigureOut">
               <a:rPr lang="ko-KR" altLang="en-US" smtClean="0"/>
-              <a:t>2021-01-26</a:t>
+              <a:t>2021-01-28</a:t>
             </a:fld>
             <a:endParaRPr lang="ko-KR" altLang="en-US"/>
           </a:p>
@@ -2772,7 +2782,7 @@
           <a:p>
             <a:fld id="{5E2742A0-9B02-4E65-9D56-B5AFA763D91D}" type="datetimeFigureOut">
               <a:rPr lang="ko-KR" altLang="en-US" smtClean="0"/>
-              <a:t>2021-01-26</a:t>
+              <a:t>2021-01-28</a:t>
             </a:fld>
             <a:endParaRPr lang="ko-KR" altLang="en-US"/>
           </a:p>
@@ -13462,6 +13472,4012 @@
 </p:sld>
 </file>
 
+<file path=ppt/slides/slide22.xml><?xml version="1.0" encoding="utf-8"?>
+<p:sld xmlns:a="http://schemas.openxmlformats.org/drawingml/2006/main" xmlns:r="http://schemas.openxmlformats.org/officeDocument/2006/relationships" xmlns:p="http://schemas.openxmlformats.org/presentationml/2006/main">
+  <p:cSld>
+    <p:spTree>
+      <p:nvGrpSpPr>
+        <p:cNvPr id="1" name=""/>
+        <p:cNvGrpSpPr/>
+        <p:nvPr/>
+      </p:nvGrpSpPr>
+      <p:grpSpPr>
+        <a:xfrm>
+          <a:off x="0" y="0"/>
+          <a:ext cx="0" cy="0"/>
+          <a:chOff x="0" y="0"/>
+          <a:chExt cx="0" cy="0"/>
+        </a:xfrm>
+      </p:grpSpPr>
+      <p:pic>
+        <p:nvPicPr>
+          <p:cNvPr id="4" name="그림 3">
+            <a:extLst>
+              <a:ext uri="{FF2B5EF4-FFF2-40B4-BE49-F238E27FC236}">
+                <a16:creationId xmlns:a16="http://schemas.microsoft.com/office/drawing/2014/main" id="{D04CFE1E-5E73-4C88-A778-9E724DA6DAB6}"/>
+              </a:ext>
+            </a:extLst>
+          </p:cNvPr>
+          <p:cNvPicPr>
+            <a:picLocks noChangeAspect="1"/>
+          </p:cNvPicPr>
+          <p:nvPr/>
+        </p:nvPicPr>
+        <p:blipFill>
+          <a:blip r:embed="rId2"/>
+          <a:stretch>
+            <a:fillRect/>
+          </a:stretch>
+        </p:blipFill>
+        <p:spPr>
+          <a:xfrm>
+            <a:off x="2583890" y="2821130"/>
+            <a:ext cx="3412596" cy="1370944"/>
+          </a:xfrm>
+          <a:prstGeom prst="rect">
+            <a:avLst/>
+          </a:prstGeom>
+        </p:spPr>
+      </p:pic>
+      <p:sp>
+        <p:nvSpPr>
+          <p:cNvPr id="13" name="직사각형 12">
+            <a:extLst>
+              <a:ext uri="{FF2B5EF4-FFF2-40B4-BE49-F238E27FC236}">
+                <a16:creationId xmlns:a16="http://schemas.microsoft.com/office/drawing/2014/main" id="{CACE8AC1-26D7-4A01-A035-413E0727FF90}"/>
+              </a:ext>
+            </a:extLst>
+          </p:cNvPr>
+          <p:cNvSpPr/>
+          <p:nvPr/>
+        </p:nvSpPr>
+        <p:spPr>
+          <a:xfrm>
+            <a:off x="2594599" y="3233823"/>
+            <a:ext cx="3401887" cy="423777"/>
+          </a:xfrm>
+          <a:prstGeom prst="rect">
+            <a:avLst/>
+          </a:prstGeom>
+          <a:noFill/>
+          <a:ln w="38100">
+            <a:solidFill>
+              <a:srgbClr val="FF0000"/>
+            </a:solidFill>
+          </a:ln>
+        </p:spPr>
+        <p:style>
+          <a:lnRef idx="2">
+            <a:schemeClr val="accent1">
+              <a:shade val="50000"/>
+            </a:schemeClr>
+          </a:lnRef>
+          <a:fillRef idx="1">
+            <a:schemeClr val="accent1"/>
+          </a:fillRef>
+          <a:effectRef idx="0">
+            <a:schemeClr val="accent1"/>
+          </a:effectRef>
+          <a:fontRef idx="minor">
+            <a:schemeClr val="lt1"/>
+          </a:fontRef>
+        </p:style>
+        <p:txBody>
+          <a:bodyPr rtlCol="0" anchor="ctr"/>
+          <a:lstStyle/>
+          <a:p>
+            <a:pPr algn="ctr"/>
+            <a:endParaRPr lang="ko-KR" altLang="en-US"/>
+          </a:p>
+        </p:txBody>
+      </p:sp>
+      <p:sp>
+        <p:nvSpPr>
+          <p:cNvPr id="12" name="직사각형 11">
+            <a:extLst>
+              <a:ext uri="{FF2B5EF4-FFF2-40B4-BE49-F238E27FC236}">
+                <a16:creationId xmlns:a16="http://schemas.microsoft.com/office/drawing/2014/main" id="{E91D806D-91FA-476F-A54B-27F49E9A9386}"/>
+              </a:ext>
+            </a:extLst>
+          </p:cNvPr>
+          <p:cNvSpPr/>
+          <p:nvPr/>
+        </p:nvSpPr>
+        <p:spPr>
+          <a:xfrm>
+            <a:off x="2594599" y="3733493"/>
+            <a:ext cx="3401887" cy="423777"/>
+          </a:xfrm>
+          <a:prstGeom prst="rect">
+            <a:avLst/>
+          </a:prstGeom>
+          <a:noFill/>
+          <a:ln w="38100">
+            <a:solidFill>
+              <a:srgbClr val="FF0000"/>
+            </a:solidFill>
+          </a:ln>
+        </p:spPr>
+        <p:style>
+          <a:lnRef idx="2">
+            <a:schemeClr val="accent1">
+              <a:shade val="50000"/>
+            </a:schemeClr>
+          </a:lnRef>
+          <a:fillRef idx="1">
+            <a:schemeClr val="accent1"/>
+          </a:fillRef>
+          <a:effectRef idx="0">
+            <a:schemeClr val="accent1"/>
+          </a:effectRef>
+          <a:fontRef idx="minor">
+            <a:schemeClr val="lt1"/>
+          </a:fontRef>
+        </p:style>
+        <p:txBody>
+          <a:bodyPr rtlCol="0" anchor="ctr"/>
+          <a:lstStyle/>
+          <a:p>
+            <a:pPr algn="ctr"/>
+            <a:endParaRPr lang="ko-KR" altLang="en-US"/>
+          </a:p>
+        </p:txBody>
+      </p:sp>
+      <p:sp>
+        <p:nvSpPr>
+          <p:cNvPr id="5" name="TextBox 4">
+            <a:extLst>
+              <a:ext uri="{FF2B5EF4-FFF2-40B4-BE49-F238E27FC236}">
+                <a16:creationId xmlns:a16="http://schemas.microsoft.com/office/drawing/2014/main" id="{7B3391EF-9598-4B19-BD21-AAA37DF6DD6F}"/>
+              </a:ext>
+            </a:extLst>
+          </p:cNvPr>
+          <p:cNvSpPr txBox="1"/>
+          <p:nvPr/>
+        </p:nvSpPr>
+        <p:spPr>
+          <a:xfrm>
+            <a:off x="6195516" y="3168203"/>
+            <a:ext cx="2859110" cy="430887"/>
+          </a:xfrm>
+          <a:prstGeom prst="rect">
+            <a:avLst/>
+          </a:prstGeom>
+          <a:noFill/>
+        </p:spPr>
+        <p:txBody>
+          <a:bodyPr wrap="square" rtlCol="0">
+            <a:spAutoFit/>
+          </a:bodyPr>
+          <a:lstStyle/>
+          <a:p>
+            <a:r>
+              <a:rPr lang="en-US" altLang="ko-KR" sz="1100" b="1" dirty="0">
+                <a:latin typeface="AppleSDGothicNeoM00" panose="02000503000000000000" pitchFamily="2" charset="-127"/>
+                <a:ea typeface="AppleSDGothicNeoM00" panose="02000503000000000000" pitchFamily="2" charset="-127"/>
+              </a:rPr>
+              <a:t>index</a:t>
+            </a:r>
+          </a:p>
+          <a:p>
+            <a:r>
+              <a:rPr lang="en-US" altLang="ko-KR" sz="1100" dirty="0">
+                <a:latin typeface="AppleSDGothicNeoM00" panose="02000503000000000000" pitchFamily="2" charset="-127"/>
+                <a:ea typeface="AppleSDGothicNeoM00" panose="02000503000000000000" pitchFamily="2" charset="-127"/>
+              </a:rPr>
+              <a:t>- </a:t>
+            </a:r>
+            <a:r>
+              <a:rPr lang="ko-KR" altLang="en-US" sz="1100" dirty="0">
+                <a:latin typeface="AppleSDGothicNeoM00" panose="02000503000000000000" pitchFamily="2" charset="-127"/>
+                <a:ea typeface="AppleSDGothicNeoM00" panose="02000503000000000000" pitchFamily="2" charset="-127"/>
+              </a:rPr>
+              <a:t>현재 </a:t>
+            </a:r>
+            <a:r>
+              <a:rPr lang="ko-KR" altLang="en-US" sz="1100" dirty="0" err="1">
+                <a:latin typeface="AppleSDGothicNeoM00" panose="02000503000000000000" pitchFamily="2" charset="-127"/>
+                <a:ea typeface="AppleSDGothicNeoM00" panose="02000503000000000000" pitchFamily="2" charset="-127"/>
+              </a:rPr>
+              <a:t>스테이징</a:t>
+            </a:r>
+            <a:r>
+              <a:rPr lang="ko-KR" altLang="en-US" sz="1100" dirty="0">
+                <a:latin typeface="AppleSDGothicNeoM00" panose="02000503000000000000" pitchFamily="2" charset="-127"/>
+                <a:ea typeface="AppleSDGothicNeoM00" panose="02000503000000000000" pitchFamily="2" charset="-127"/>
+              </a:rPr>
+              <a:t> 영역에 존재하는 파일들의 목록</a:t>
+            </a:r>
+          </a:p>
+        </p:txBody>
+      </p:sp>
+      <p:sp>
+        <p:nvSpPr>
+          <p:cNvPr id="16" name="TextBox 15">
+            <a:extLst>
+              <a:ext uri="{FF2B5EF4-FFF2-40B4-BE49-F238E27FC236}">
+                <a16:creationId xmlns:a16="http://schemas.microsoft.com/office/drawing/2014/main" id="{3A975A1D-9A2B-4F05-B850-8F81688FDA0C}"/>
+              </a:ext>
+            </a:extLst>
+          </p:cNvPr>
+          <p:cNvSpPr txBox="1"/>
+          <p:nvPr/>
+        </p:nvSpPr>
+        <p:spPr>
+          <a:xfrm>
+            <a:off x="6195515" y="3726383"/>
+            <a:ext cx="3032197" cy="430887"/>
+          </a:xfrm>
+          <a:prstGeom prst="rect">
+            <a:avLst/>
+          </a:prstGeom>
+          <a:noFill/>
+        </p:spPr>
+        <p:txBody>
+          <a:bodyPr wrap="square" rtlCol="0">
+            <a:spAutoFit/>
+          </a:bodyPr>
+          <a:lstStyle/>
+          <a:p>
+            <a:r>
+              <a:rPr lang="en-US" altLang="ko-KR" sz="1100" b="1" dirty="0">
+                <a:latin typeface="AppleSDGothicNeoM00" panose="02000503000000000000" pitchFamily="2" charset="-127"/>
+                <a:ea typeface="AppleSDGothicNeoM00" panose="02000503000000000000" pitchFamily="2" charset="-127"/>
+              </a:rPr>
+              <a:t>objects/78/9812…85</a:t>
+            </a:r>
+          </a:p>
+          <a:p>
+            <a:r>
+              <a:rPr lang="en-US" altLang="ko-KR" sz="1100" dirty="0">
+                <a:latin typeface="AppleSDGothicNeoM00" panose="02000503000000000000" pitchFamily="2" charset="-127"/>
+                <a:ea typeface="AppleSDGothicNeoM00" panose="02000503000000000000" pitchFamily="2" charset="-127"/>
+              </a:rPr>
+              <a:t>- </a:t>
+            </a:r>
+            <a:r>
+              <a:rPr lang="ko-KR" altLang="en-US" sz="1100" dirty="0">
+                <a:latin typeface="AppleSDGothicNeoM00" panose="02000503000000000000" pitchFamily="2" charset="-127"/>
+                <a:ea typeface="AppleSDGothicNeoM00" panose="02000503000000000000" pitchFamily="2" charset="-127"/>
+              </a:rPr>
+              <a:t>추가한 파일에 대한 객체</a:t>
+            </a:r>
+            <a:r>
+              <a:rPr lang="en-US" altLang="ko-KR" sz="1100" dirty="0">
+                <a:latin typeface="AppleSDGothicNeoM00" panose="02000503000000000000" pitchFamily="2" charset="-127"/>
+                <a:ea typeface="AppleSDGothicNeoM00" panose="02000503000000000000" pitchFamily="2" charset="-127"/>
+              </a:rPr>
+              <a:t>. </a:t>
+            </a:r>
+            <a:r>
+              <a:rPr lang="ko-KR" altLang="en-US" sz="1100" dirty="0">
+                <a:latin typeface="AppleSDGothicNeoM00" panose="02000503000000000000" pitchFamily="2" charset="-127"/>
+                <a:ea typeface="AppleSDGothicNeoM00" panose="02000503000000000000" pitchFamily="2" charset="-127"/>
+              </a:rPr>
+              <a:t>파일 내용이 담겨있다</a:t>
+            </a:r>
+            <a:r>
+              <a:rPr lang="en-US" altLang="ko-KR" sz="1100" dirty="0">
+                <a:latin typeface="AppleSDGothicNeoM00" panose="02000503000000000000" pitchFamily="2" charset="-127"/>
+                <a:ea typeface="AppleSDGothicNeoM00" panose="02000503000000000000" pitchFamily="2" charset="-127"/>
+              </a:rPr>
+              <a:t>.</a:t>
+            </a:r>
+            <a:endParaRPr lang="ko-KR" altLang="en-US" sz="1100" dirty="0">
+              <a:latin typeface="AppleSDGothicNeoM00" panose="02000503000000000000" pitchFamily="2" charset="-127"/>
+              <a:ea typeface="AppleSDGothicNeoM00" panose="02000503000000000000" pitchFamily="2" charset="-127"/>
+            </a:endParaRPr>
+          </a:p>
+        </p:txBody>
+      </p:sp>
+    </p:spTree>
+    <p:extLst>
+      <p:ext uri="{BB962C8B-B14F-4D97-AF65-F5344CB8AC3E}">
+        <p14:creationId xmlns:p14="http://schemas.microsoft.com/office/powerpoint/2010/main" val="366394991"/>
+      </p:ext>
+    </p:extLst>
+  </p:cSld>
+  <p:clrMapOvr>
+    <a:masterClrMapping/>
+  </p:clrMapOvr>
+</p:sld>
+</file>
+
+<file path=ppt/slides/slide23.xml><?xml version="1.0" encoding="utf-8"?>
+<p:sld xmlns:a="http://schemas.openxmlformats.org/drawingml/2006/main" xmlns:r="http://schemas.openxmlformats.org/officeDocument/2006/relationships" xmlns:p="http://schemas.openxmlformats.org/presentationml/2006/main">
+  <p:cSld>
+    <p:spTree>
+      <p:nvGrpSpPr>
+        <p:cNvPr id="1" name=""/>
+        <p:cNvGrpSpPr/>
+        <p:nvPr/>
+      </p:nvGrpSpPr>
+      <p:grpSpPr>
+        <a:xfrm>
+          <a:off x="0" y="0"/>
+          <a:ext cx="0" cy="0"/>
+          <a:chOff x="0" y="0"/>
+          <a:chExt cx="0" cy="0"/>
+        </a:xfrm>
+      </p:grpSpPr>
+      <p:pic>
+        <p:nvPicPr>
+          <p:cNvPr id="3" name="그림 2">
+            <a:extLst>
+              <a:ext uri="{FF2B5EF4-FFF2-40B4-BE49-F238E27FC236}">
+                <a16:creationId xmlns:a16="http://schemas.microsoft.com/office/drawing/2014/main" id="{5532C879-695E-4FBC-A296-725485380332}"/>
+              </a:ext>
+            </a:extLst>
+          </p:cNvPr>
+          <p:cNvPicPr>
+            <a:picLocks noChangeAspect="1"/>
+          </p:cNvPicPr>
+          <p:nvPr/>
+        </p:nvPicPr>
+        <p:blipFill>
+          <a:blip r:embed="rId2"/>
+          <a:stretch>
+            <a:fillRect/>
+          </a:stretch>
+        </p:blipFill>
+        <p:spPr>
+          <a:xfrm>
+            <a:off x="2709145" y="1876929"/>
+            <a:ext cx="5329955" cy="1254688"/>
+          </a:xfrm>
+          <a:prstGeom prst="rect">
+            <a:avLst/>
+          </a:prstGeom>
+        </p:spPr>
+      </p:pic>
+      <p:sp>
+        <p:nvSpPr>
+          <p:cNvPr id="13" name="직사각형 12">
+            <a:extLst>
+              <a:ext uri="{FF2B5EF4-FFF2-40B4-BE49-F238E27FC236}">
+                <a16:creationId xmlns:a16="http://schemas.microsoft.com/office/drawing/2014/main" id="{CACE8AC1-26D7-4A01-A035-413E0727FF90}"/>
+              </a:ext>
+            </a:extLst>
+          </p:cNvPr>
+          <p:cNvSpPr/>
+          <p:nvPr/>
+        </p:nvSpPr>
+        <p:spPr>
+          <a:xfrm>
+            <a:off x="5464799" y="2559598"/>
+            <a:ext cx="2574301" cy="481312"/>
+          </a:xfrm>
+          <a:prstGeom prst="rect">
+            <a:avLst/>
+          </a:prstGeom>
+          <a:noFill/>
+          <a:ln w="38100">
+            <a:solidFill>
+              <a:srgbClr val="FF0000"/>
+            </a:solidFill>
+          </a:ln>
+        </p:spPr>
+        <p:style>
+          <a:lnRef idx="2">
+            <a:schemeClr val="accent1">
+              <a:shade val="50000"/>
+            </a:schemeClr>
+          </a:lnRef>
+          <a:fillRef idx="1">
+            <a:schemeClr val="accent1"/>
+          </a:fillRef>
+          <a:effectRef idx="0">
+            <a:schemeClr val="accent1"/>
+          </a:effectRef>
+          <a:fontRef idx="minor">
+            <a:schemeClr val="lt1"/>
+          </a:fontRef>
+        </p:style>
+        <p:txBody>
+          <a:bodyPr rtlCol="0" anchor="ctr"/>
+          <a:lstStyle/>
+          <a:p>
+            <a:pPr algn="ctr"/>
+            <a:endParaRPr lang="ko-KR" altLang="en-US"/>
+          </a:p>
+        </p:txBody>
+      </p:sp>
+      <p:sp>
+        <p:nvSpPr>
+          <p:cNvPr id="5" name="TextBox 4">
+            <a:extLst>
+              <a:ext uri="{FF2B5EF4-FFF2-40B4-BE49-F238E27FC236}">
+                <a16:creationId xmlns:a16="http://schemas.microsoft.com/office/drawing/2014/main" id="{7B3391EF-9598-4B19-BD21-AAA37DF6DD6F}"/>
+              </a:ext>
+            </a:extLst>
+          </p:cNvPr>
+          <p:cNvSpPr txBox="1"/>
+          <p:nvPr/>
+        </p:nvSpPr>
+        <p:spPr>
+          <a:xfrm>
+            <a:off x="8189416" y="2584810"/>
+            <a:ext cx="2859110" cy="430887"/>
+          </a:xfrm>
+          <a:prstGeom prst="rect">
+            <a:avLst/>
+          </a:prstGeom>
+          <a:noFill/>
+        </p:spPr>
+        <p:txBody>
+          <a:bodyPr wrap="square" rtlCol="0">
+            <a:spAutoFit/>
+          </a:bodyPr>
+          <a:lstStyle/>
+          <a:p>
+            <a:r>
+              <a:rPr lang="en-US" altLang="ko-KR" sz="1100" b="1" dirty="0">
+                <a:latin typeface="AppleSDGothicNeoM00" panose="02000503000000000000" pitchFamily="2" charset="-127"/>
+                <a:ea typeface="AppleSDGothicNeoM00" panose="02000503000000000000" pitchFamily="2" charset="-127"/>
+              </a:rPr>
+              <a:t>f1.txt</a:t>
+            </a:r>
+          </a:p>
+          <a:p>
+            <a:r>
+              <a:rPr lang="en-US" altLang="ko-KR" sz="1100" dirty="0">
+                <a:latin typeface="AppleSDGothicNeoM00" panose="02000503000000000000" pitchFamily="2" charset="-127"/>
+                <a:ea typeface="AppleSDGothicNeoM00" panose="02000503000000000000" pitchFamily="2" charset="-127"/>
+              </a:rPr>
+              <a:t>- </a:t>
+            </a:r>
+            <a:r>
+              <a:rPr lang="ko-KR" altLang="en-US" sz="1100" dirty="0">
+                <a:latin typeface="AppleSDGothicNeoM00" panose="02000503000000000000" pitchFamily="2" charset="-127"/>
+                <a:ea typeface="AppleSDGothicNeoM00" panose="02000503000000000000" pitchFamily="2" charset="-127"/>
+              </a:rPr>
+              <a:t>방금 생성한 파일의 내용이 담겨있다</a:t>
+            </a:r>
+            <a:r>
+              <a:rPr lang="en-US" altLang="ko-KR" sz="1100" dirty="0">
+                <a:latin typeface="AppleSDGothicNeoM00" panose="02000503000000000000" pitchFamily="2" charset="-127"/>
+                <a:ea typeface="AppleSDGothicNeoM00" panose="02000503000000000000" pitchFamily="2" charset="-127"/>
+              </a:rPr>
+              <a:t>.</a:t>
+            </a:r>
+            <a:endParaRPr lang="ko-KR" altLang="en-US" sz="1100" dirty="0">
+              <a:latin typeface="AppleSDGothicNeoM00" panose="02000503000000000000" pitchFamily="2" charset="-127"/>
+              <a:ea typeface="AppleSDGothicNeoM00" panose="02000503000000000000" pitchFamily="2" charset="-127"/>
+            </a:endParaRPr>
+          </a:p>
+        </p:txBody>
+      </p:sp>
+    </p:spTree>
+    <p:extLst>
+      <p:ext uri="{BB962C8B-B14F-4D97-AF65-F5344CB8AC3E}">
+        <p14:creationId xmlns:p14="http://schemas.microsoft.com/office/powerpoint/2010/main" val="2463961928"/>
+      </p:ext>
+    </p:extLst>
+  </p:cSld>
+  <p:clrMapOvr>
+    <a:masterClrMapping/>
+  </p:clrMapOvr>
+</p:sld>
+</file>
+
+<file path=ppt/slides/slide24.xml><?xml version="1.0" encoding="utf-8"?>
+<p:sld xmlns:a="http://schemas.openxmlformats.org/drawingml/2006/main" xmlns:r="http://schemas.openxmlformats.org/officeDocument/2006/relationships" xmlns:p="http://schemas.openxmlformats.org/presentationml/2006/main">
+  <p:cSld>
+    <p:spTree>
+      <p:nvGrpSpPr>
+        <p:cNvPr id="1" name=""/>
+        <p:cNvGrpSpPr/>
+        <p:nvPr/>
+      </p:nvGrpSpPr>
+      <p:grpSpPr>
+        <a:xfrm>
+          <a:off x="0" y="0"/>
+          <a:ext cx="0" cy="0"/>
+          <a:chOff x="0" y="0"/>
+          <a:chExt cx="0" cy="0"/>
+        </a:xfrm>
+      </p:grpSpPr>
+      <p:pic>
+        <p:nvPicPr>
+          <p:cNvPr id="4" name="그림 3">
+            <a:extLst>
+              <a:ext uri="{FF2B5EF4-FFF2-40B4-BE49-F238E27FC236}">
+                <a16:creationId xmlns:a16="http://schemas.microsoft.com/office/drawing/2014/main" id="{7E3496E8-3D42-41D9-9505-158844592B61}"/>
+              </a:ext>
+            </a:extLst>
+          </p:cNvPr>
+          <p:cNvPicPr>
+            <a:picLocks noChangeAspect="1"/>
+          </p:cNvPicPr>
+          <p:nvPr/>
+        </p:nvPicPr>
+        <p:blipFill>
+          <a:blip r:embed="rId2"/>
+          <a:stretch>
+            <a:fillRect/>
+          </a:stretch>
+        </p:blipFill>
+        <p:spPr>
+          <a:xfrm>
+            <a:off x="1421655" y="1514558"/>
+            <a:ext cx="7277845" cy="1520550"/>
+          </a:xfrm>
+          <a:prstGeom prst="rect">
+            <a:avLst/>
+          </a:prstGeom>
+        </p:spPr>
+      </p:pic>
+      <p:sp>
+        <p:nvSpPr>
+          <p:cNvPr id="13" name="직사각형 12">
+            <a:extLst>
+              <a:ext uri="{FF2B5EF4-FFF2-40B4-BE49-F238E27FC236}">
+                <a16:creationId xmlns:a16="http://schemas.microsoft.com/office/drawing/2014/main" id="{CACE8AC1-26D7-4A01-A035-413E0727FF90}"/>
+              </a:ext>
+            </a:extLst>
+          </p:cNvPr>
+          <p:cNvSpPr/>
+          <p:nvPr/>
+        </p:nvSpPr>
+        <p:spPr>
+          <a:xfrm>
+            <a:off x="5537200" y="2451100"/>
+            <a:ext cx="2540000" cy="279400"/>
+          </a:xfrm>
+          <a:prstGeom prst="rect">
+            <a:avLst/>
+          </a:prstGeom>
+          <a:noFill/>
+          <a:ln w="38100">
+            <a:solidFill>
+              <a:srgbClr val="FF0000"/>
+            </a:solidFill>
+          </a:ln>
+        </p:spPr>
+        <p:style>
+          <a:lnRef idx="2">
+            <a:schemeClr val="accent1">
+              <a:shade val="50000"/>
+            </a:schemeClr>
+          </a:lnRef>
+          <a:fillRef idx="1">
+            <a:schemeClr val="accent1"/>
+          </a:fillRef>
+          <a:effectRef idx="0">
+            <a:schemeClr val="accent1"/>
+          </a:effectRef>
+          <a:fontRef idx="minor">
+            <a:schemeClr val="lt1"/>
+          </a:fontRef>
+        </p:style>
+        <p:txBody>
+          <a:bodyPr rtlCol="0" anchor="ctr"/>
+          <a:lstStyle/>
+          <a:p>
+            <a:pPr algn="ctr"/>
+            <a:endParaRPr lang="ko-KR" altLang="en-US"/>
+          </a:p>
+        </p:txBody>
+      </p:sp>
+      <p:sp>
+        <p:nvSpPr>
+          <p:cNvPr id="5" name="TextBox 4">
+            <a:extLst>
+              <a:ext uri="{FF2B5EF4-FFF2-40B4-BE49-F238E27FC236}">
+                <a16:creationId xmlns:a16="http://schemas.microsoft.com/office/drawing/2014/main" id="{7B3391EF-9598-4B19-BD21-AAA37DF6DD6F}"/>
+              </a:ext>
+            </a:extLst>
+          </p:cNvPr>
+          <p:cNvSpPr txBox="1"/>
+          <p:nvPr/>
+        </p:nvSpPr>
+        <p:spPr>
+          <a:xfrm>
+            <a:off x="9497516" y="2055139"/>
+            <a:ext cx="2859110" cy="430887"/>
+          </a:xfrm>
+          <a:prstGeom prst="rect">
+            <a:avLst/>
+          </a:prstGeom>
+          <a:noFill/>
+        </p:spPr>
+        <p:txBody>
+          <a:bodyPr wrap="square" rtlCol="0">
+            <a:spAutoFit/>
+          </a:bodyPr>
+          <a:lstStyle/>
+          <a:p>
+            <a:r>
+              <a:rPr lang="en-US" altLang="ko-KR" sz="1100" b="1" dirty="0">
+                <a:latin typeface="AppleSDGothicNeoM00" panose="02000503000000000000" pitchFamily="2" charset="-127"/>
+                <a:ea typeface="AppleSDGothicNeoM00" panose="02000503000000000000" pitchFamily="2" charset="-127"/>
+              </a:rPr>
+              <a:t>f1.txt</a:t>
+            </a:r>
+          </a:p>
+          <a:p>
+            <a:r>
+              <a:rPr lang="en-US" altLang="ko-KR" sz="1100" dirty="0">
+                <a:latin typeface="AppleSDGothicNeoM00" panose="02000503000000000000" pitchFamily="2" charset="-127"/>
+                <a:ea typeface="AppleSDGothicNeoM00" panose="02000503000000000000" pitchFamily="2" charset="-127"/>
+              </a:rPr>
+              <a:t>- </a:t>
+            </a:r>
+            <a:r>
+              <a:rPr lang="ko-KR" altLang="en-US" sz="1100" dirty="0">
+                <a:latin typeface="AppleSDGothicNeoM00" panose="02000503000000000000" pitchFamily="2" charset="-127"/>
+                <a:ea typeface="AppleSDGothicNeoM00" panose="02000503000000000000" pitchFamily="2" charset="-127"/>
+              </a:rPr>
+              <a:t>방금 생성한 파일의 내용이 담겨있다</a:t>
+            </a:r>
+            <a:r>
+              <a:rPr lang="en-US" altLang="ko-KR" sz="1100" dirty="0">
+                <a:latin typeface="AppleSDGothicNeoM00" panose="02000503000000000000" pitchFamily="2" charset="-127"/>
+                <a:ea typeface="AppleSDGothicNeoM00" panose="02000503000000000000" pitchFamily="2" charset="-127"/>
+              </a:rPr>
+              <a:t>.</a:t>
+            </a:r>
+            <a:endParaRPr lang="ko-KR" altLang="en-US" sz="1100" dirty="0">
+              <a:latin typeface="AppleSDGothicNeoM00" panose="02000503000000000000" pitchFamily="2" charset="-127"/>
+              <a:ea typeface="AppleSDGothicNeoM00" panose="02000503000000000000" pitchFamily="2" charset="-127"/>
+            </a:endParaRPr>
+          </a:p>
+        </p:txBody>
+      </p:sp>
+      <p:pic>
+        <p:nvPicPr>
+          <p:cNvPr id="7" name="그림 6">
+            <a:extLst>
+              <a:ext uri="{FF2B5EF4-FFF2-40B4-BE49-F238E27FC236}">
+                <a16:creationId xmlns:a16="http://schemas.microsoft.com/office/drawing/2014/main" id="{3C696D7D-58B7-42A8-A45A-28BA835305AC}"/>
+              </a:ext>
+            </a:extLst>
+          </p:cNvPr>
+          <p:cNvPicPr>
+            <a:picLocks noChangeAspect="1"/>
+          </p:cNvPicPr>
+          <p:nvPr/>
+        </p:nvPicPr>
+        <p:blipFill>
+          <a:blip r:embed="rId3"/>
+          <a:stretch>
+            <a:fillRect/>
+          </a:stretch>
+        </p:blipFill>
+        <p:spPr>
+          <a:xfrm>
+            <a:off x="1421655" y="3429000"/>
+            <a:ext cx="7277845" cy="2725127"/>
+          </a:xfrm>
+          <a:prstGeom prst="rect">
+            <a:avLst/>
+          </a:prstGeom>
+        </p:spPr>
+      </p:pic>
+      <p:sp>
+        <p:nvSpPr>
+          <p:cNvPr id="9" name="직사각형 8">
+            <a:extLst>
+              <a:ext uri="{FF2B5EF4-FFF2-40B4-BE49-F238E27FC236}">
+                <a16:creationId xmlns:a16="http://schemas.microsoft.com/office/drawing/2014/main" id="{23A7154F-6F66-4315-8B80-AECAB8FB2805}"/>
+              </a:ext>
+            </a:extLst>
+          </p:cNvPr>
+          <p:cNvSpPr/>
+          <p:nvPr/>
+        </p:nvSpPr>
+        <p:spPr>
+          <a:xfrm>
+            <a:off x="5060576" y="4902200"/>
+            <a:ext cx="3270623" cy="1104900"/>
+          </a:xfrm>
+          <a:prstGeom prst="rect">
+            <a:avLst/>
+          </a:prstGeom>
+          <a:noFill/>
+          <a:ln w="38100">
+            <a:solidFill>
+              <a:srgbClr val="FF0000"/>
+            </a:solidFill>
+          </a:ln>
+        </p:spPr>
+        <p:style>
+          <a:lnRef idx="2">
+            <a:schemeClr val="accent1">
+              <a:shade val="50000"/>
+            </a:schemeClr>
+          </a:lnRef>
+          <a:fillRef idx="1">
+            <a:schemeClr val="accent1"/>
+          </a:fillRef>
+          <a:effectRef idx="0">
+            <a:schemeClr val="accent1"/>
+          </a:effectRef>
+          <a:fontRef idx="minor">
+            <a:schemeClr val="lt1"/>
+          </a:fontRef>
+        </p:style>
+        <p:txBody>
+          <a:bodyPr rtlCol="0" anchor="ctr"/>
+          <a:lstStyle/>
+          <a:p>
+            <a:pPr algn="ctr"/>
+            <a:endParaRPr lang="ko-KR" altLang="en-US"/>
+          </a:p>
+        </p:txBody>
+      </p:sp>
+      <p:sp>
+        <p:nvSpPr>
+          <p:cNvPr id="8" name="화살표: 오른쪽 7">
+            <a:extLst>
+              <a:ext uri="{FF2B5EF4-FFF2-40B4-BE49-F238E27FC236}">
+                <a16:creationId xmlns:a16="http://schemas.microsoft.com/office/drawing/2014/main" id="{895DBDEE-58C3-4BFF-8E2B-698A0591C479}"/>
+              </a:ext>
+            </a:extLst>
+          </p:cNvPr>
+          <p:cNvSpPr/>
+          <p:nvPr/>
+        </p:nvSpPr>
+        <p:spPr>
+          <a:xfrm rot="5400000">
+            <a:off x="5946774" y="3425634"/>
+            <a:ext cx="1631952" cy="787785"/>
+          </a:xfrm>
+          <a:prstGeom prst="rightArrow">
+            <a:avLst/>
+          </a:prstGeom>
+          <a:solidFill>
+            <a:schemeClr val="accent1">
+              <a:lumMod val="60000"/>
+              <a:lumOff val="40000"/>
+            </a:schemeClr>
+          </a:solidFill>
+          <a:ln>
+            <a:noFill/>
+          </a:ln>
+        </p:spPr>
+        <p:style>
+          <a:lnRef idx="2">
+            <a:schemeClr val="accent1">
+              <a:shade val="50000"/>
+            </a:schemeClr>
+          </a:lnRef>
+          <a:fillRef idx="1">
+            <a:schemeClr val="accent1"/>
+          </a:fillRef>
+          <a:effectRef idx="0">
+            <a:schemeClr val="accent1"/>
+          </a:effectRef>
+          <a:fontRef idx="minor">
+            <a:schemeClr val="lt1"/>
+          </a:fontRef>
+        </p:style>
+        <p:txBody>
+          <a:bodyPr rtlCol="0" anchor="ctr"/>
+          <a:lstStyle/>
+          <a:p>
+            <a:pPr algn="ctr"/>
+            <a:endParaRPr lang="ko-KR" altLang="en-US"/>
+          </a:p>
+        </p:txBody>
+      </p:sp>
+    </p:spTree>
+    <p:extLst>
+      <p:ext uri="{BB962C8B-B14F-4D97-AF65-F5344CB8AC3E}">
+        <p14:creationId xmlns:p14="http://schemas.microsoft.com/office/powerpoint/2010/main" val="300730597"/>
+      </p:ext>
+    </p:extLst>
+  </p:cSld>
+  <p:clrMapOvr>
+    <a:masterClrMapping/>
+  </p:clrMapOvr>
+</p:sld>
+</file>
+
+<file path=ppt/slides/slide25.xml><?xml version="1.0" encoding="utf-8"?>
+<p:sld xmlns:a="http://schemas.openxmlformats.org/drawingml/2006/main" xmlns:r="http://schemas.openxmlformats.org/officeDocument/2006/relationships" xmlns:p="http://schemas.openxmlformats.org/presentationml/2006/main">
+  <p:cSld>
+    <p:spTree>
+      <p:nvGrpSpPr>
+        <p:cNvPr id="1" name=""/>
+        <p:cNvGrpSpPr/>
+        <p:nvPr/>
+      </p:nvGrpSpPr>
+      <p:grpSpPr>
+        <a:xfrm>
+          <a:off x="0" y="0"/>
+          <a:ext cx="0" cy="0"/>
+          <a:chOff x="0" y="0"/>
+          <a:chExt cx="0" cy="0"/>
+        </a:xfrm>
+      </p:grpSpPr>
+      <p:pic>
+        <p:nvPicPr>
+          <p:cNvPr id="4" name="그림 3">
+            <a:extLst>
+              <a:ext uri="{FF2B5EF4-FFF2-40B4-BE49-F238E27FC236}">
+                <a16:creationId xmlns:a16="http://schemas.microsoft.com/office/drawing/2014/main" id="{05E762CB-FF43-4F09-9E0B-BAEB6647B208}"/>
+              </a:ext>
+            </a:extLst>
+          </p:cNvPr>
+          <p:cNvPicPr>
+            <a:picLocks noChangeAspect="1"/>
+          </p:cNvPicPr>
+          <p:nvPr/>
+        </p:nvPicPr>
+        <p:blipFill>
+          <a:blip r:embed="rId2"/>
+          <a:stretch>
+            <a:fillRect/>
+          </a:stretch>
+        </p:blipFill>
+        <p:spPr>
+          <a:xfrm>
+            <a:off x="637413" y="1309391"/>
+            <a:ext cx="7552003" cy="2932497"/>
+          </a:xfrm>
+          <a:prstGeom prst="rect">
+            <a:avLst/>
+          </a:prstGeom>
+        </p:spPr>
+      </p:pic>
+      <p:sp>
+        <p:nvSpPr>
+          <p:cNvPr id="13" name="직사각형 12">
+            <a:extLst>
+              <a:ext uri="{FF2B5EF4-FFF2-40B4-BE49-F238E27FC236}">
+                <a16:creationId xmlns:a16="http://schemas.microsoft.com/office/drawing/2014/main" id="{CACE8AC1-26D7-4A01-A035-413E0727FF90}"/>
+              </a:ext>
+            </a:extLst>
+          </p:cNvPr>
+          <p:cNvSpPr/>
+          <p:nvPr/>
+        </p:nvSpPr>
+        <p:spPr>
+          <a:xfrm>
+            <a:off x="4537699" y="2400300"/>
+            <a:ext cx="3501401" cy="292100"/>
+          </a:xfrm>
+          <a:prstGeom prst="rect">
+            <a:avLst/>
+          </a:prstGeom>
+          <a:noFill/>
+          <a:ln w="38100">
+            <a:solidFill>
+              <a:srgbClr val="FF0000"/>
+            </a:solidFill>
+          </a:ln>
+        </p:spPr>
+        <p:style>
+          <a:lnRef idx="2">
+            <a:schemeClr val="accent1">
+              <a:shade val="50000"/>
+            </a:schemeClr>
+          </a:lnRef>
+          <a:fillRef idx="1">
+            <a:schemeClr val="accent1"/>
+          </a:fillRef>
+          <a:effectRef idx="0">
+            <a:schemeClr val="accent1"/>
+          </a:effectRef>
+          <a:fontRef idx="minor">
+            <a:schemeClr val="lt1"/>
+          </a:fontRef>
+        </p:style>
+        <p:txBody>
+          <a:bodyPr rtlCol="0" anchor="ctr"/>
+          <a:lstStyle/>
+          <a:p>
+            <a:pPr algn="ctr"/>
+            <a:endParaRPr lang="ko-KR" altLang="en-US"/>
+          </a:p>
+        </p:txBody>
+      </p:sp>
+      <p:sp>
+        <p:nvSpPr>
+          <p:cNvPr id="5" name="TextBox 4">
+            <a:extLst>
+              <a:ext uri="{FF2B5EF4-FFF2-40B4-BE49-F238E27FC236}">
+                <a16:creationId xmlns:a16="http://schemas.microsoft.com/office/drawing/2014/main" id="{7B3391EF-9598-4B19-BD21-AAA37DF6DD6F}"/>
+              </a:ext>
+            </a:extLst>
+          </p:cNvPr>
+          <p:cNvSpPr txBox="1"/>
+          <p:nvPr/>
+        </p:nvSpPr>
+        <p:spPr>
+          <a:xfrm>
+            <a:off x="8189416" y="2584810"/>
+            <a:ext cx="2859110" cy="430887"/>
+          </a:xfrm>
+          <a:prstGeom prst="rect">
+            <a:avLst/>
+          </a:prstGeom>
+          <a:noFill/>
+        </p:spPr>
+        <p:txBody>
+          <a:bodyPr wrap="square" rtlCol="0">
+            <a:spAutoFit/>
+          </a:bodyPr>
+          <a:lstStyle/>
+          <a:p>
+            <a:r>
+              <a:rPr lang="en-US" altLang="ko-KR" sz="1100" b="1" dirty="0">
+                <a:latin typeface="AppleSDGothicNeoM00" panose="02000503000000000000" pitchFamily="2" charset="-127"/>
+                <a:ea typeface="AppleSDGothicNeoM00" panose="02000503000000000000" pitchFamily="2" charset="-127"/>
+              </a:rPr>
+              <a:t>f2.txt</a:t>
+            </a:r>
+          </a:p>
+          <a:p>
+            <a:r>
+              <a:rPr lang="en-US" altLang="ko-KR" sz="1100" dirty="0">
+                <a:latin typeface="AppleSDGothicNeoM00" panose="02000503000000000000" pitchFamily="2" charset="-127"/>
+                <a:ea typeface="AppleSDGothicNeoM00" panose="02000503000000000000" pitchFamily="2" charset="-127"/>
+              </a:rPr>
+              <a:t>- f1.txt</a:t>
+            </a:r>
+            <a:r>
+              <a:rPr lang="ko-KR" altLang="en-US" sz="1100" dirty="0">
+                <a:latin typeface="AppleSDGothicNeoM00" panose="02000503000000000000" pitchFamily="2" charset="-127"/>
+                <a:ea typeface="AppleSDGothicNeoM00" panose="02000503000000000000" pitchFamily="2" charset="-127"/>
+              </a:rPr>
+              <a:t>와는 다른 </a:t>
+            </a:r>
+            <a:r>
+              <a:rPr lang="ko-KR" altLang="en-US" sz="1100" dirty="0" err="1">
+                <a:latin typeface="AppleSDGothicNeoM00" panose="02000503000000000000" pitchFamily="2" charset="-127"/>
+                <a:ea typeface="AppleSDGothicNeoM00" panose="02000503000000000000" pitchFamily="2" charset="-127"/>
+              </a:rPr>
+              <a:t>해시값으로</a:t>
+            </a:r>
+            <a:r>
+              <a:rPr lang="ko-KR" altLang="en-US" sz="1100" dirty="0">
+                <a:latin typeface="AppleSDGothicNeoM00" panose="02000503000000000000" pitchFamily="2" charset="-127"/>
+                <a:ea typeface="AppleSDGothicNeoM00" panose="02000503000000000000" pitchFamily="2" charset="-127"/>
+              </a:rPr>
+              <a:t> 생성되었다</a:t>
+            </a:r>
+            <a:r>
+              <a:rPr lang="en-US" altLang="ko-KR" sz="1100" dirty="0">
+                <a:latin typeface="AppleSDGothicNeoM00" panose="02000503000000000000" pitchFamily="2" charset="-127"/>
+                <a:ea typeface="AppleSDGothicNeoM00" panose="02000503000000000000" pitchFamily="2" charset="-127"/>
+              </a:rPr>
+              <a:t>.</a:t>
+            </a:r>
+            <a:endParaRPr lang="ko-KR" altLang="en-US" sz="1100" dirty="0">
+              <a:latin typeface="AppleSDGothicNeoM00" panose="02000503000000000000" pitchFamily="2" charset="-127"/>
+              <a:ea typeface="AppleSDGothicNeoM00" panose="02000503000000000000" pitchFamily="2" charset="-127"/>
+            </a:endParaRPr>
+          </a:p>
+        </p:txBody>
+      </p:sp>
+      <p:sp>
+        <p:nvSpPr>
+          <p:cNvPr id="7" name="직사각형 6">
+            <a:extLst>
+              <a:ext uri="{FF2B5EF4-FFF2-40B4-BE49-F238E27FC236}">
+                <a16:creationId xmlns:a16="http://schemas.microsoft.com/office/drawing/2014/main" id="{5C22D059-48C9-4495-A80C-142D5EC4F825}"/>
+              </a:ext>
+            </a:extLst>
+          </p:cNvPr>
+          <p:cNvSpPr/>
+          <p:nvPr/>
+        </p:nvSpPr>
+        <p:spPr>
+          <a:xfrm>
+            <a:off x="4413414" y="3491209"/>
+            <a:ext cx="3501401" cy="674392"/>
+          </a:xfrm>
+          <a:prstGeom prst="rect">
+            <a:avLst/>
+          </a:prstGeom>
+          <a:noFill/>
+          <a:ln w="38100">
+            <a:solidFill>
+              <a:srgbClr val="FF0000"/>
+            </a:solidFill>
+          </a:ln>
+        </p:spPr>
+        <p:style>
+          <a:lnRef idx="2">
+            <a:schemeClr val="accent1">
+              <a:shade val="50000"/>
+            </a:schemeClr>
+          </a:lnRef>
+          <a:fillRef idx="1">
+            <a:schemeClr val="accent1"/>
+          </a:fillRef>
+          <a:effectRef idx="0">
+            <a:schemeClr val="accent1"/>
+          </a:effectRef>
+          <a:fontRef idx="minor">
+            <a:schemeClr val="lt1"/>
+          </a:fontRef>
+        </p:style>
+        <p:txBody>
+          <a:bodyPr rtlCol="0" anchor="ctr"/>
+          <a:lstStyle/>
+          <a:p>
+            <a:pPr algn="ctr"/>
+            <a:endParaRPr lang="ko-KR" altLang="en-US"/>
+          </a:p>
+        </p:txBody>
+      </p:sp>
+    </p:spTree>
+    <p:extLst>
+      <p:ext uri="{BB962C8B-B14F-4D97-AF65-F5344CB8AC3E}">
+        <p14:creationId xmlns:p14="http://schemas.microsoft.com/office/powerpoint/2010/main" val="3923568850"/>
+      </p:ext>
+    </p:extLst>
+  </p:cSld>
+  <p:clrMapOvr>
+    <a:masterClrMapping/>
+  </p:clrMapOvr>
+</p:sld>
+</file>
+
+<file path=ppt/slides/slide26.xml><?xml version="1.0" encoding="utf-8"?>
+<p:sld xmlns:a="http://schemas.openxmlformats.org/drawingml/2006/main" xmlns:r="http://schemas.openxmlformats.org/officeDocument/2006/relationships" xmlns:p="http://schemas.openxmlformats.org/presentationml/2006/main">
+  <p:cSld>
+    <p:spTree>
+      <p:nvGrpSpPr>
+        <p:cNvPr id="1" name=""/>
+        <p:cNvGrpSpPr/>
+        <p:nvPr/>
+      </p:nvGrpSpPr>
+      <p:grpSpPr>
+        <a:xfrm>
+          <a:off x="0" y="0"/>
+          <a:ext cx="0" cy="0"/>
+          <a:chOff x="0" y="0"/>
+          <a:chExt cx="0" cy="0"/>
+        </a:xfrm>
+      </p:grpSpPr>
+      <p:pic>
+        <p:nvPicPr>
+          <p:cNvPr id="3" name="그림 2">
+            <a:extLst>
+              <a:ext uri="{FF2B5EF4-FFF2-40B4-BE49-F238E27FC236}">
+                <a16:creationId xmlns:a16="http://schemas.microsoft.com/office/drawing/2014/main" id="{4C6816F7-D9E9-4449-9141-133AC7238344}"/>
+              </a:ext>
+            </a:extLst>
+          </p:cNvPr>
+          <p:cNvPicPr>
+            <a:picLocks noChangeAspect="1"/>
+          </p:cNvPicPr>
+          <p:nvPr/>
+        </p:nvPicPr>
+        <p:blipFill>
+          <a:blip r:embed="rId2"/>
+          <a:stretch>
+            <a:fillRect/>
+          </a:stretch>
+        </p:blipFill>
+        <p:spPr>
+          <a:xfrm>
+            <a:off x="808887" y="1952419"/>
+            <a:ext cx="6595213" cy="1841906"/>
+          </a:xfrm>
+          <a:prstGeom prst="rect">
+            <a:avLst/>
+          </a:prstGeom>
+        </p:spPr>
+      </p:pic>
+      <p:sp>
+        <p:nvSpPr>
+          <p:cNvPr id="13" name="직사각형 12">
+            <a:extLst>
+              <a:ext uri="{FF2B5EF4-FFF2-40B4-BE49-F238E27FC236}">
+                <a16:creationId xmlns:a16="http://schemas.microsoft.com/office/drawing/2014/main" id="{CACE8AC1-26D7-4A01-A035-413E0727FF90}"/>
+              </a:ext>
+            </a:extLst>
+          </p:cNvPr>
+          <p:cNvSpPr/>
+          <p:nvPr/>
+        </p:nvSpPr>
+        <p:spPr>
+          <a:xfrm>
+            <a:off x="4185409" y="3119932"/>
+            <a:ext cx="3218692" cy="309067"/>
+          </a:xfrm>
+          <a:prstGeom prst="rect">
+            <a:avLst/>
+          </a:prstGeom>
+          <a:noFill/>
+          <a:ln w="38100">
+            <a:solidFill>
+              <a:srgbClr val="FF0000"/>
+            </a:solidFill>
+          </a:ln>
+        </p:spPr>
+        <p:style>
+          <a:lnRef idx="2">
+            <a:schemeClr val="accent1">
+              <a:shade val="50000"/>
+            </a:schemeClr>
+          </a:lnRef>
+          <a:fillRef idx="1">
+            <a:schemeClr val="accent1"/>
+          </a:fillRef>
+          <a:effectRef idx="0">
+            <a:schemeClr val="accent1"/>
+          </a:effectRef>
+          <a:fontRef idx="minor">
+            <a:schemeClr val="lt1"/>
+          </a:fontRef>
+        </p:style>
+        <p:txBody>
+          <a:bodyPr rtlCol="0" anchor="ctr"/>
+          <a:lstStyle/>
+          <a:p>
+            <a:pPr algn="ctr"/>
+            <a:endParaRPr lang="ko-KR" altLang="en-US"/>
+          </a:p>
+        </p:txBody>
+      </p:sp>
+      <p:sp>
+        <p:nvSpPr>
+          <p:cNvPr id="5" name="TextBox 4">
+            <a:extLst>
+              <a:ext uri="{FF2B5EF4-FFF2-40B4-BE49-F238E27FC236}">
+                <a16:creationId xmlns:a16="http://schemas.microsoft.com/office/drawing/2014/main" id="{7B3391EF-9598-4B19-BD21-AAA37DF6DD6F}"/>
+              </a:ext>
+            </a:extLst>
+          </p:cNvPr>
+          <p:cNvSpPr txBox="1"/>
+          <p:nvPr/>
+        </p:nvSpPr>
+        <p:spPr>
+          <a:xfrm>
+            <a:off x="7592516" y="2573290"/>
+            <a:ext cx="2859110" cy="600164"/>
+          </a:xfrm>
+          <a:prstGeom prst="rect">
+            <a:avLst/>
+          </a:prstGeom>
+          <a:noFill/>
+        </p:spPr>
+        <p:txBody>
+          <a:bodyPr wrap="square" rtlCol="0">
+            <a:spAutoFit/>
+          </a:bodyPr>
+          <a:lstStyle/>
+          <a:p>
+            <a:pPr latinLnBrk="0"/>
+            <a:r>
+              <a:rPr lang="en-US" altLang="ko-KR" sz="1100" b="1" dirty="0">
+                <a:latin typeface="AppleSDGothicNeoM00" panose="02000503000000000000" pitchFamily="2" charset="-127"/>
+                <a:ea typeface="AppleSDGothicNeoM00" panose="02000503000000000000" pitchFamily="2" charset="-127"/>
+              </a:rPr>
+              <a:t>f1.txt, f3.txt</a:t>
+            </a:r>
+          </a:p>
+          <a:p>
+            <a:pPr latinLnBrk="0"/>
+            <a:r>
+              <a:rPr lang="en-US" altLang="ko-KR" sz="1100" dirty="0">
+                <a:latin typeface="AppleSDGothicNeoM00" panose="02000503000000000000" pitchFamily="2" charset="-127"/>
+                <a:ea typeface="AppleSDGothicNeoM00" panose="02000503000000000000" pitchFamily="2" charset="-127"/>
+              </a:rPr>
+              <a:t>- f1.txt</a:t>
+            </a:r>
+            <a:r>
+              <a:rPr lang="ko-KR" altLang="en-US" sz="1100" dirty="0">
+                <a:latin typeface="AppleSDGothicNeoM00" panose="02000503000000000000" pitchFamily="2" charset="-127"/>
+                <a:ea typeface="AppleSDGothicNeoM00" panose="02000503000000000000" pitchFamily="2" charset="-127"/>
+              </a:rPr>
+              <a:t>와 </a:t>
+            </a:r>
+            <a:r>
+              <a:rPr lang="en-US" altLang="ko-KR" sz="1100" dirty="0">
+                <a:latin typeface="AppleSDGothicNeoM00" panose="02000503000000000000" pitchFamily="2" charset="-127"/>
+                <a:ea typeface="AppleSDGothicNeoM00" panose="02000503000000000000" pitchFamily="2" charset="-127"/>
+              </a:rPr>
+              <a:t>f3.txt</a:t>
+            </a:r>
+            <a:r>
+              <a:rPr lang="ko-KR" altLang="en-US" sz="1100" dirty="0">
+                <a:latin typeface="AppleSDGothicNeoM00" panose="02000503000000000000" pitchFamily="2" charset="-127"/>
+                <a:ea typeface="AppleSDGothicNeoM00" panose="02000503000000000000" pitchFamily="2" charset="-127"/>
+              </a:rPr>
+              <a:t>는 파일 제목이 다름에도 불구하고</a:t>
+            </a:r>
+            <a:r>
+              <a:rPr lang="en-US" altLang="ko-KR" sz="1100" dirty="0">
+                <a:latin typeface="AppleSDGothicNeoM00" panose="02000503000000000000" pitchFamily="2" charset="-127"/>
+                <a:ea typeface="AppleSDGothicNeoM00" panose="02000503000000000000" pitchFamily="2" charset="-127"/>
+              </a:rPr>
+              <a:t>, </a:t>
+            </a:r>
+            <a:r>
+              <a:rPr lang="ko-KR" altLang="en-US" sz="1100" dirty="0">
+                <a:latin typeface="AppleSDGothicNeoM00" panose="02000503000000000000" pitchFamily="2" charset="-127"/>
+                <a:ea typeface="AppleSDGothicNeoM00" panose="02000503000000000000" pitchFamily="2" charset="-127"/>
+              </a:rPr>
+              <a:t>같은 </a:t>
+            </a:r>
+            <a:r>
+              <a:rPr lang="ko-KR" altLang="en-US" sz="1100" dirty="0" err="1">
+                <a:latin typeface="AppleSDGothicNeoM00" panose="02000503000000000000" pitchFamily="2" charset="-127"/>
+                <a:ea typeface="AppleSDGothicNeoM00" panose="02000503000000000000" pitchFamily="2" charset="-127"/>
+              </a:rPr>
+              <a:t>해시값으로</a:t>
+            </a:r>
+            <a:r>
+              <a:rPr lang="ko-KR" altLang="en-US" sz="1100" dirty="0">
+                <a:latin typeface="AppleSDGothicNeoM00" panose="02000503000000000000" pitchFamily="2" charset="-127"/>
+                <a:ea typeface="AppleSDGothicNeoM00" panose="02000503000000000000" pitchFamily="2" charset="-127"/>
+              </a:rPr>
+              <a:t> 생성되었다</a:t>
+            </a:r>
+            <a:r>
+              <a:rPr lang="en-US" altLang="ko-KR" sz="1100" dirty="0">
+                <a:latin typeface="AppleSDGothicNeoM00" panose="02000503000000000000" pitchFamily="2" charset="-127"/>
+                <a:ea typeface="AppleSDGothicNeoM00" panose="02000503000000000000" pitchFamily="2" charset="-127"/>
+              </a:rPr>
+              <a:t>.</a:t>
+            </a:r>
+            <a:endParaRPr lang="ko-KR" altLang="en-US" sz="1100" dirty="0">
+              <a:latin typeface="AppleSDGothicNeoM00" panose="02000503000000000000" pitchFamily="2" charset="-127"/>
+              <a:ea typeface="AppleSDGothicNeoM00" panose="02000503000000000000" pitchFamily="2" charset="-127"/>
+            </a:endParaRPr>
+          </a:p>
+        </p:txBody>
+      </p:sp>
+      <p:sp>
+        <p:nvSpPr>
+          <p:cNvPr id="7" name="직사각형 6">
+            <a:extLst>
+              <a:ext uri="{FF2B5EF4-FFF2-40B4-BE49-F238E27FC236}">
+                <a16:creationId xmlns:a16="http://schemas.microsoft.com/office/drawing/2014/main" id="{5C22D059-48C9-4495-A80C-142D5EC4F825}"/>
+              </a:ext>
+            </a:extLst>
+          </p:cNvPr>
+          <p:cNvSpPr/>
+          <p:nvPr/>
+        </p:nvSpPr>
+        <p:spPr>
+          <a:xfrm>
+            <a:off x="4185409" y="2384618"/>
+            <a:ext cx="3218691" cy="309066"/>
+          </a:xfrm>
+          <a:prstGeom prst="rect">
+            <a:avLst/>
+          </a:prstGeom>
+          <a:noFill/>
+          <a:ln w="38100">
+            <a:solidFill>
+              <a:srgbClr val="FF0000"/>
+            </a:solidFill>
+          </a:ln>
+        </p:spPr>
+        <p:style>
+          <a:lnRef idx="2">
+            <a:schemeClr val="accent1">
+              <a:shade val="50000"/>
+            </a:schemeClr>
+          </a:lnRef>
+          <a:fillRef idx="1">
+            <a:schemeClr val="accent1"/>
+          </a:fillRef>
+          <a:effectRef idx="0">
+            <a:schemeClr val="accent1"/>
+          </a:effectRef>
+          <a:fontRef idx="minor">
+            <a:schemeClr val="lt1"/>
+          </a:fontRef>
+        </p:style>
+        <p:txBody>
+          <a:bodyPr rtlCol="0" anchor="ctr"/>
+          <a:lstStyle/>
+          <a:p>
+            <a:pPr algn="ctr"/>
+            <a:endParaRPr lang="ko-KR" altLang="en-US"/>
+          </a:p>
+        </p:txBody>
+      </p:sp>
+    </p:spTree>
+    <p:extLst>
+      <p:ext uri="{BB962C8B-B14F-4D97-AF65-F5344CB8AC3E}">
+        <p14:creationId xmlns:p14="http://schemas.microsoft.com/office/powerpoint/2010/main" val="1960717143"/>
+      </p:ext>
+    </p:extLst>
+  </p:cSld>
+  <p:clrMapOvr>
+    <a:masterClrMapping/>
+  </p:clrMapOvr>
+</p:sld>
+</file>
+
+<file path=ppt/slides/slide27.xml><?xml version="1.0" encoding="utf-8"?>
+<p:sld xmlns:a="http://schemas.openxmlformats.org/drawingml/2006/main" xmlns:r="http://schemas.openxmlformats.org/officeDocument/2006/relationships" xmlns:p="http://schemas.openxmlformats.org/presentationml/2006/main">
+  <p:cSld>
+    <p:spTree>
+      <p:nvGrpSpPr>
+        <p:cNvPr id="1" name=""/>
+        <p:cNvGrpSpPr/>
+        <p:nvPr/>
+      </p:nvGrpSpPr>
+      <p:grpSpPr>
+        <a:xfrm>
+          <a:off x="0" y="0"/>
+          <a:ext cx="0" cy="0"/>
+          <a:chOff x="0" y="0"/>
+          <a:chExt cx="0" cy="0"/>
+        </a:xfrm>
+      </p:grpSpPr>
+      <p:sp>
+        <p:nvSpPr>
+          <p:cNvPr id="4" name="직사각형 3">
+            <a:extLst>
+              <a:ext uri="{FF2B5EF4-FFF2-40B4-BE49-F238E27FC236}">
+                <a16:creationId xmlns:a16="http://schemas.microsoft.com/office/drawing/2014/main" id="{BF38CC9C-27AD-42BB-B444-AC4BD78105FF}"/>
+              </a:ext>
+            </a:extLst>
+          </p:cNvPr>
+          <p:cNvSpPr/>
+          <p:nvPr/>
+        </p:nvSpPr>
+        <p:spPr>
+          <a:xfrm>
+            <a:off x="2133600" y="1879600"/>
+            <a:ext cx="7493000" cy="4140200"/>
+          </a:xfrm>
+          <a:prstGeom prst="rect">
+            <a:avLst/>
+          </a:prstGeom>
+          <a:solidFill>
+            <a:schemeClr val="bg1">
+              <a:lumMod val="85000"/>
+            </a:schemeClr>
+          </a:solidFill>
+          <a:ln>
+            <a:noFill/>
+          </a:ln>
+        </p:spPr>
+        <p:style>
+          <a:lnRef idx="2">
+            <a:schemeClr val="accent1">
+              <a:shade val="50000"/>
+            </a:schemeClr>
+          </a:lnRef>
+          <a:fillRef idx="1">
+            <a:schemeClr val="accent1"/>
+          </a:fillRef>
+          <a:effectRef idx="0">
+            <a:schemeClr val="accent1"/>
+          </a:effectRef>
+          <a:fontRef idx="minor">
+            <a:schemeClr val="lt1"/>
+          </a:fontRef>
+        </p:style>
+        <p:txBody>
+          <a:bodyPr rtlCol="0" anchor="ctr"/>
+          <a:lstStyle/>
+          <a:p>
+            <a:pPr algn="ctr"/>
+            <a:endParaRPr lang="ko-KR" altLang="en-US"/>
+          </a:p>
+        </p:txBody>
+      </p:sp>
+      <p:sp>
+        <p:nvSpPr>
+          <p:cNvPr id="5" name="TextBox 4">
+            <a:extLst>
+              <a:ext uri="{FF2B5EF4-FFF2-40B4-BE49-F238E27FC236}">
+                <a16:creationId xmlns:a16="http://schemas.microsoft.com/office/drawing/2014/main" id="{A8FDAEBC-6538-43EE-930D-DFFCE2B16EBF}"/>
+              </a:ext>
+            </a:extLst>
+          </p:cNvPr>
+          <p:cNvSpPr txBox="1"/>
+          <p:nvPr/>
+        </p:nvSpPr>
+        <p:spPr>
+          <a:xfrm>
+            <a:off x="2476500" y="1739900"/>
+            <a:ext cx="1333500" cy="369332"/>
+          </a:xfrm>
+          <a:prstGeom prst="rect">
+            <a:avLst/>
+          </a:prstGeom>
+          <a:solidFill>
+            <a:schemeClr val="bg1"/>
+          </a:solidFill>
+          <a:ln>
+            <a:solidFill>
+              <a:schemeClr val="tx1"/>
+            </a:solidFill>
+          </a:ln>
+        </p:spPr>
+        <p:txBody>
+          <a:bodyPr wrap="square" rtlCol="0">
+            <a:spAutoFit/>
+          </a:bodyPr>
+          <a:lstStyle/>
+          <a:p>
+            <a:pPr algn="ctr"/>
+            <a:r>
+              <a:rPr lang="ko-KR" altLang="en-US" dirty="0">
+                <a:latin typeface="AppleSDGothicNeoM00" panose="02000503000000000000" pitchFamily="2" charset="-127"/>
+                <a:ea typeface="AppleSDGothicNeoM00" panose="02000503000000000000" pitchFamily="2" charset="-127"/>
+              </a:rPr>
+              <a:t>폴더</a:t>
+            </a:r>
+            <a:r>
+              <a:rPr lang="en-US" altLang="ko-KR" dirty="0">
+                <a:latin typeface="AppleSDGothicNeoM00" panose="02000503000000000000" pitchFamily="2" charset="-127"/>
+                <a:ea typeface="AppleSDGothicNeoM00" panose="02000503000000000000" pitchFamily="2" charset="-127"/>
+              </a:rPr>
+              <a:t>1</a:t>
+            </a:r>
+            <a:endParaRPr lang="ko-KR" altLang="en-US" dirty="0">
+              <a:latin typeface="AppleSDGothicNeoM00" panose="02000503000000000000" pitchFamily="2" charset="-127"/>
+              <a:ea typeface="AppleSDGothicNeoM00" panose="02000503000000000000" pitchFamily="2" charset="-127"/>
+            </a:endParaRPr>
+          </a:p>
+        </p:txBody>
+      </p:sp>
+      <p:grpSp>
+        <p:nvGrpSpPr>
+          <p:cNvPr id="9" name="그룹 8">
+            <a:extLst>
+              <a:ext uri="{FF2B5EF4-FFF2-40B4-BE49-F238E27FC236}">
+                <a16:creationId xmlns:a16="http://schemas.microsoft.com/office/drawing/2014/main" id="{4449E8B7-F0F5-4F0B-94F1-CF5D2850D011}"/>
+              </a:ext>
+            </a:extLst>
+          </p:cNvPr>
+          <p:cNvGrpSpPr/>
+          <p:nvPr/>
+        </p:nvGrpSpPr>
+        <p:grpSpPr>
+          <a:xfrm>
+            <a:off x="2654757" y="2400299"/>
+            <a:ext cx="1256843" cy="456895"/>
+            <a:chOff x="2654757" y="2400299"/>
+            <a:chExt cx="1256843" cy="456895"/>
+          </a:xfrm>
+        </p:grpSpPr>
+        <p:pic>
+          <p:nvPicPr>
+            <p:cNvPr id="3" name="그림 2">
+              <a:extLst>
+                <a:ext uri="{FF2B5EF4-FFF2-40B4-BE49-F238E27FC236}">
+                  <a16:creationId xmlns:a16="http://schemas.microsoft.com/office/drawing/2014/main" id="{2121DEDB-2015-444A-9D1B-17E6E90A5B2A}"/>
+                </a:ext>
+              </a:extLst>
+            </p:cNvPr>
+            <p:cNvPicPr>
+              <a:picLocks noChangeAspect="1"/>
+            </p:cNvPicPr>
+            <p:nvPr/>
+          </p:nvPicPr>
+          <p:blipFill>
+            <a:blip r:embed="rId2">
+              <a:extLst>
+                <a:ext uri="{28A0092B-C50C-407E-A947-70E740481C1C}">
+                  <a14:useLocalDpi xmlns:a14="http://schemas.microsoft.com/office/drawing/2010/main" val="0"/>
+                </a:ext>
+              </a:extLst>
+            </a:blip>
+            <a:stretch>
+              <a:fillRect/>
+            </a:stretch>
+          </p:blipFill>
+          <p:spPr>
+            <a:xfrm>
+              <a:off x="2654757" y="2400299"/>
+              <a:ext cx="456895" cy="456895"/>
+            </a:xfrm>
+            <a:prstGeom prst="rect">
+              <a:avLst/>
+            </a:prstGeom>
+          </p:spPr>
+        </p:pic>
+        <p:sp>
+          <p:nvSpPr>
+            <p:cNvPr id="7" name="TextBox 6">
+              <a:extLst>
+                <a:ext uri="{FF2B5EF4-FFF2-40B4-BE49-F238E27FC236}">
+                  <a16:creationId xmlns:a16="http://schemas.microsoft.com/office/drawing/2014/main" id="{57EE8CF2-B8B5-4883-A1F2-4EAE1FE1A0A6}"/>
+                </a:ext>
+              </a:extLst>
+            </p:cNvPr>
+            <p:cNvSpPr txBox="1"/>
+            <p:nvPr/>
+          </p:nvSpPr>
+          <p:spPr>
+            <a:xfrm>
+              <a:off x="3263900" y="2400299"/>
+              <a:ext cx="647700" cy="369332"/>
+            </a:xfrm>
+            <a:prstGeom prst="rect">
+              <a:avLst/>
+            </a:prstGeom>
+            <a:noFill/>
+          </p:spPr>
+          <p:txBody>
+            <a:bodyPr wrap="square" rtlCol="0">
+              <a:spAutoFit/>
+            </a:bodyPr>
+            <a:lstStyle/>
+            <a:p>
+              <a:r>
+                <a:rPr lang="en-US" altLang="ko-KR" dirty="0">
+                  <a:latin typeface="AppleSDGothicNeoM00" panose="02000503000000000000" pitchFamily="2" charset="-127"/>
+                  <a:ea typeface="AppleSDGothicNeoM00" panose="02000503000000000000" pitchFamily="2" charset="-127"/>
+                </a:rPr>
+                <a:t>1.txt</a:t>
+              </a:r>
+              <a:endParaRPr lang="ko-KR" altLang="en-US" dirty="0">
+                <a:latin typeface="AppleSDGothicNeoM00" panose="02000503000000000000" pitchFamily="2" charset="-127"/>
+                <a:ea typeface="AppleSDGothicNeoM00" panose="02000503000000000000" pitchFamily="2" charset="-127"/>
+              </a:endParaRPr>
+            </a:p>
+          </p:txBody>
+        </p:sp>
+      </p:grpSp>
+      <p:grpSp>
+        <p:nvGrpSpPr>
+          <p:cNvPr id="10" name="그룹 9">
+            <a:extLst>
+              <a:ext uri="{FF2B5EF4-FFF2-40B4-BE49-F238E27FC236}">
+                <a16:creationId xmlns:a16="http://schemas.microsoft.com/office/drawing/2014/main" id="{676C9A3A-751B-447D-8017-0F0F00CECDD3}"/>
+              </a:ext>
+            </a:extLst>
+          </p:cNvPr>
+          <p:cNvGrpSpPr/>
+          <p:nvPr/>
+        </p:nvGrpSpPr>
+        <p:grpSpPr>
+          <a:xfrm>
+            <a:off x="2654757" y="3137873"/>
+            <a:ext cx="1841042" cy="456895"/>
+            <a:chOff x="2654757" y="3137873"/>
+            <a:chExt cx="1841042" cy="456895"/>
+          </a:xfrm>
+        </p:grpSpPr>
+        <p:pic>
+          <p:nvPicPr>
+            <p:cNvPr id="6" name="그림 5">
+              <a:extLst>
+                <a:ext uri="{FF2B5EF4-FFF2-40B4-BE49-F238E27FC236}">
+                  <a16:creationId xmlns:a16="http://schemas.microsoft.com/office/drawing/2014/main" id="{91493861-6E90-48B8-B09F-8ACAB7506C8B}"/>
+                </a:ext>
+              </a:extLst>
+            </p:cNvPr>
+            <p:cNvPicPr>
+              <a:picLocks noChangeAspect="1"/>
+            </p:cNvPicPr>
+            <p:nvPr/>
+          </p:nvPicPr>
+          <p:blipFill>
+            <a:blip r:embed="rId2">
+              <a:extLst>
+                <a:ext uri="{28A0092B-C50C-407E-A947-70E740481C1C}">
+                  <a14:useLocalDpi xmlns:a14="http://schemas.microsoft.com/office/drawing/2010/main" val="0"/>
+                </a:ext>
+              </a:extLst>
+            </a:blip>
+            <a:stretch>
+              <a:fillRect/>
+            </a:stretch>
+          </p:blipFill>
+          <p:spPr>
+            <a:xfrm>
+              <a:off x="2654757" y="3137873"/>
+              <a:ext cx="456895" cy="456895"/>
+            </a:xfrm>
+            <a:prstGeom prst="rect">
+              <a:avLst/>
+            </a:prstGeom>
+          </p:spPr>
+        </p:pic>
+        <p:sp>
+          <p:nvSpPr>
+            <p:cNvPr id="8" name="TextBox 7">
+              <a:extLst>
+                <a:ext uri="{FF2B5EF4-FFF2-40B4-BE49-F238E27FC236}">
+                  <a16:creationId xmlns:a16="http://schemas.microsoft.com/office/drawing/2014/main" id="{26A02887-8A98-45AC-8836-3950A340B7B2}"/>
+                </a:ext>
+              </a:extLst>
+            </p:cNvPr>
+            <p:cNvSpPr txBox="1"/>
+            <p:nvPr/>
+          </p:nvSpPr>
+          <p:spPr>
+            <a:xfrm>
+              <a:off x="3263594" y="3225436"/>
+              <a:ext cx="1232205" cy="369332"/>
+            </a:xfrm>
+            <a:prstGeom prst="rect">
+              <a:avLst/>
+            </a:prstGeom>
+            <a:noFill/>
+          </p:spPr>
+          <p:txBody>
+            <a:bodyPr wrap="square" rtlCol="0">
+              <a:spAutoFit/>
+            </a:bodyPr>
+            <a:lstStyle/>
+            <a:p>
+              <a:r>
+                <a:rPr lang="en-US" altLang="ko-KR" dirty="0">
+                  <a:latin typeface="AppleSDGothicNeoM00" panose="02000503000000000000" pitchFamily="2" charset="-127"/>
+                  <a:ea typeface="AppleSDGothicNeoM00" panose="02000503000000000000" pitchFamily="2" charset="-127"/>
+                </a:rPr>
+                <a:t>1_copy.txt</a:t>
+              </a:r>
+              <a:endParaRPr lang="ko-KR" altLang="en-US" dirty="0">
+                <a:latin typeface="AppleSDGothicNeoM00" panose="02000503000000000000" pitchFamily="2" charset="-127"/>
+                <a:ea typeface="AppleSDGothicNeoM00" panose="02000503000000000000" pitchFamily="2" charset="-127"/>
+              </a:endParaRPr>
+            </a:p>
+          </p:txBody>
+        </p:sp>
+      </p:grpSp>
+      <p:grpSp>
+        <p:nvGrpSpPr>
+          <p:cNvPr id="11" name="그룹 10">
+            <a:extLst>
+              <a:ext uri="{FF2B5EF4-FFF2-40B4-BE49-F238E27FC236}">
+                <a16:creationId xmlns:a16="http://schemas.microsoft.com/office/drawing/2014/main" id="{8F7F89D0-9C66-493D-8A95-764FE2375CC3}"/>
+              </a:ext>
+            </a:extLst>
+          </p:cNvPr>
+          <p:cNvGrpSpPr/>
+          <p:nvPr/>
+        </p:nvGrpSpPr>
+        <p:grpSpPr>
+          <a:xfrm>
+            <a:off x="2654757" y="3887019"/>
+            <a:ext cx="1955343" cy="456895"/>
+            <a:chOff x="2654757" y="3137873"/>
+            <a:chExt cx="1955343" cy="456895"/>
+          </a:xfrm>
+        </p:grpSpPr>
+        <p:pic>
+          <p:nvPicPr>
+            <p:cNvPr id="12" name="그림 11">
+              <a:extLst>
+                <a:ext uri="{FF2B5EF4-FFF2-40B4-BE49-F238E27FC236}">
+                  <a16:creationId xmlns:a16="http://schemas.microsoft.com/office/drawing/2014/main" id="{1DCF0D22-9315-4C02-9257-CBD284D283C3}"/>
+                </a:ext>
+              </a:extLst>
+            </p:cNvPr>
+            <p:cNvPicPr>
+              <a:picLocks noChangeAspect="1"/>
+            </p:cNvPicPr>
+            <p:nvPr/>
+          </p:nvPicPr>
+          <p:blipFill>
+            <a:blip r:embed="rId2">
+              <a:extLst>
+                <a:ext uri="{28A0092B-C50C-407E-A947-70E740481C1C}">
+                  <a14:useLocalDpi xmlns:a14="http://schemas.microsoft.com/office/drawing/2010/main" val="0"/>
+                </a:ext>
+              </a:extLst>
+            </a:blip>
+            <a:stretch>
+              <a:fillRect/>
+            </a:stretch>
+          </p:blipFill>
+          <p:spPr>
+            <a:xfrm>
+              <a:off x="2654757" y="3137873"/>
+              <a:ext cx="456895" cy="456895"/>
+            </a:xfrm>
+            <a:prstGeom prst="rect">
+              <a:avLst/>
+            </a:prstGeom>
+          </p:spPr>
+        </p:pic>
+        <p:sp>
+          <p:nvSpPr>
+            <p:cNvPr id="13" name="TextBox 12">
+              <a:extLst>
+                <a:ext uri="{FF2B5EF4-FFF2-40B4-BE49-F238E27FC236}">
+                  <a16:creationId xmlns:a16="http://schemas.microsoft.com/office/drawing/2014/main" id="{85AB19EA-2FFA-4594-93D0-A4E28BBE559B}"/>
+                </a:ext>
+              </a:extLst>
+            </p:cNvPr>
+            <p:cNvSpPr txBox="1"/>
+            <p:nvPr/>
+          </p:nvSpPr>
+          <p:spPr>
+            <a:xfrm>
+              <a:off x="3263594" y="3225436"/>
+              <a:ext cx="1346506" cy="369332"/>
+            </a:xfrm>
+            <a:prstGeom prst="rect">
+              <a:avLst/>
+            </a:prstGeom>
+            <a:noFill/>
+          </p:spPr>
+          <p:txBody>
+            <a:bodyPr wrap="square" rtlCol="0">
+              <a:spAutoFit/>
+            </a:bodyPr>
+            <a:lstStyle/>
+            <a:p>
+              <a:r>
+                <a:rPr lang="en-US" altLang="ko-KR" dirty="0">
+                  <a:latin typeface="AppleSDGothicNeoM00" panose="02000503000000000000" pitchFamily="2" charset="-127"/>
+                  <a:ea typeface="AppleSDGothicNeoM00" panose="02000503000000000000" pitchFamily="2" charset="-127"/>
+                </a:rPr>
+                <a:t>1_copy2.txt</a:t>
+              </a:r>
+              <a:endParaRPr lang="ko-KR" altLang="en-US" dirty="0">
+                <a:latin typeface="AppleSDGothicNeoM00" panose="02000503000000000000" pitchFamily="2" charset="-127"/>
+                <a:ea typeface="AppleSDGothicNeoM00" panose="02000503000000000000" pitchFamily="2" charset="-127"/>
+              </a:endParaRPr>
+            </a:p>
+          </p:txBody>
+        </p:sp>
+      </p:grpSp>
+      <p:grpSp>
+        <p:nvGrpSpPr>
+          <p:cNvPr id="14" name="그룹 13">
+            <a:extLst>
+              <a:ext uri="{FF2B5EF4-FFF2-40B4-BE49-F238E27FC236}">
+                <a16:creationId xmlns:a16="http://schemas.microsoft.com/office/drawing/2014/main" id="{A07920FF-DFBC-4289-BC8C-D219FBF760CB}"/>
+              </a:ext>
+            </a:extLst>
+          </p:cNvPr>
+          <p:cNvGrpSpPr/>
+          <p:nvPr/>
+        </p:nvGrpSpPr>
+        <p:grpSpPr>
+          <a:xfrm>
+            <a:off x="2654757" y="4710972"/>
+            <a:ext cx="1955343" cy="456895"/>
+            <a:chOff x="2654757" y="3137873"/>
+            <a:chExt cx="1955343" cy="456895"/>
+          </a:xfrm>
+        </p:grpSpPr>
+        <p:pic>
+          <p:nvPicPr>
+            <p:cNvPr id="15" name="그림 14">
+              <a:extLst>
+                <a:ext uri="{FF2B5EF4-FFF2-40B4-BE49-F238E27FC236}">
+                  <a16:creationId xmlns:a16="http://schemas.microsoft.com/office/drawing/2014/main" id="{6B68247E-A34A-404E-ADEE-44EA2316FDAA}"/>
+                </a:ext>
+              </a:extLst>
+            </p:cNvPr>
+            <p:cNvPicPr>
+              <a:picLocks noChangeAspect="1"/>
+            </p:cNvPicPr>
+            <p:nvPr/>
+          </p:nvPicPr>
+          <p:blipFill>
+            <a:blip r:embed="rId2">
+              <a:extLst>
+                <a:ext uri="{28A0092B-C50C-407E-A947-70E740481C1C}">
+                  <a14:useLocalDpi xmlns:a14="http://schemas.microsoft.com/office/drawing/2010/main" val="0"/>
+                </a:ext>
+              </a:extLst>
+            </a:blip>
+            <a:stretch>
+              <a:fillRect/>
+            </a:stretch>
+          </p:blipFill>
+          <p:spPr>
+            <a:xfrm>
+              <a:off x="2654757" y="3137873"/>
+              <a:ext cx="456895" cy="456895"/>
+            </a:xfrm>
+            <a:prstGeom prst="rect">
+              <a:avLst/>
+            </a:prstGeom>
+          </p:spPr>
+        </p:pic>
+        <p:sp>
+          <p:nvSpPr>
+            <p:cNvPr id="16" name="TextBox 15">
+              <a:extLst>
+                <a:ext uri="{FF2B5EF4-FFF2-40B4-BE49-F238E27FC236}">
+                  <a16:creationId xmlns:a16="http://schemas.microsoft.com/office/drawing/2014/main" id="{8CE2CFC1-73A6-4361-BC48-2CE788697412}"/>
+                </a:ext>
+              </a:extLst>
+            </p:cNvPr>
+            <p:cNvSpPr txBox="1"/>
+            <p:nvPr/>
+          </p:nvSpPr>
+          <p:spPr>
+            <a:xfrm>
+              <a:off x="3263594" y="3225436"/>
+              <a:ext cx="1346506" cy="369332"/>
+            </a:xfrm>
+            <a:prstGeom prst="rect">
+              <a:avLst/>
+            </a:prstGeom>
+            <a:noFill/>
+          </p:spPr>
+          <p:txBody>
+            <a:bodyPr wrap="square" rtlCol="0">
+              <a:spAutoFit/>
+            </a:bodyPr>
+            <a:lstStyle/>
+            <a:p>
+              <a:r>
+                <a:rPr lang="en-US" altLang="ko-KR" dirty="0">
+                  <a:latin typeface="AppleSDGothicNeoM00" panose="02000503000000000000" pitchFamily="2" charset="-127"/>
+                  <a:ea typeface="AppleSDGothicNeoM00" panose="02000503000000000000" pitchFamily="2" charset="-127"/>
+                </a:rPr>
+                <a:t>1_copy3.txt</a:t>
+              </a:r>
+              <a:endParaRPr lang="ko-KR" altLang="en-US" dirty="0">
+                <a:latin typeface="AppleSDGothicNeoM00" panose="02000503000000000000" pitchFamily="2" charset="-127"/>
+                <a:ea typeface="AppleSDGothicNeoM00" panose="02000503000000000000" pitchFamily="2" charset="-127"/>
+              </a:endParaRPr>
+            </a:p>
+          </p:txBody>
+        </p:sp>
+      </p:grpSp>
+      <p:sp>
+        <p:nvSpPr>
+          <p:cNvPr id="17" name="TextBox 16">
+            <a:extLst>
+              <a:ext uri="{FF2B5EF4-FFF2-40B4-BE49-F238E27FC236}">
+                <a16:creationId xmlns:a16="http://schemas.microsoft.com/office/drawing/2014/main" id="{BDA5A703-4F45-4D6D-959C-32F28760F428}"/>
+              </a:ext>
+            </a:extLst>
+          </p:cNvPr>
+          <p:cNvSpPr txBox="1"/>
+          <p:nvPr/>
+        </p:nvSpPr>
+        <p:spPr>
+          <a:xfrm>
+            <a:off x="3326941" y="5167867"/>
+            <a:ext cx="648006" cy="523220"/>
+          </a:xfrm>
+          <a:prstGeom prst="rect">
+            <a:avLst/>
+          </a:prstGeom>
+          <a:noFill/>
+        </p:spPr>
+        <p:txBody>
+          <a:bodyPr wrap="square" rtlCol="0">
+            <a:spAutoFit/>
+          </a:bodyPr>
+          <a:lstStyle/>
+          <a:p>
+            <a:pPr algn="ctr"/>
+            <a:r>
+              <a:rPr lang="en-US" altLang="ko-KR" sz="2800" dirty="0"/>
+              <a:t>…</a:t>
+            </a:r>
+            <a:endParaRPr lang="ko-KR" altLang="en-US" sz="2800" dirty="0"/>
+          </a:p>
+        </p:txBody>
+      </p:sp>
+      <p:sp>
+        <p:nvSpPr>
+          <p:cNvPr id="19" name="왼쪽 중괄호 18">
+            <a:extLst>
+              <a:ext uri="{FF2B5EF4-FFF2-40B4-BE49-F238E27FC236}">
+                <a16:creationId xmlns:a16="http://schemas.microsoft.com/office/drawing/2014/main" id="{93AD60E5-8FE6-41BB-9C49-289240CF6C56}"/>
+              </a:ext>
+            </a:extLst>
+          </p:cNvPr>
+          <p:cNvSpPr/>
+          <p:nvPr/>
+        </p:nvSpPr>
+        <p:spPr>
+          <a:xfrm>
+            <a:off x="2198527" y="2700091"/>
+            <a:ext cx="303982" cy="2990995"/>
+          </a:xfrm>
+          <a:prstGeom prst="leftBrace">
+            <a:avLst/>
+          </a:prstGeom>
+          <a:ln w="38100"/>
+        </p:spPr>
+        <p:style>
+          <a:lnRef idx="1">
+            <a:schemeClr val="accent1"/>
+          </a:lnRef>
+          <a:fillRef idx="0">
+            <a:schemeClr val="accent1"/>
+          </a:fillRef>
+          <a:effectRef idx="0">
+            <a:schemeClr val="accent1"/>
+          </a:effectRef>
+          <a:fontRef idx="minor">
+            <a:schemeClr val="tx1"/>
+          </a:fontRef>
+        </p:style>
+        <p:txBody>
+          <a:bodyPr rtlCol="0" anchor="ctr"/>
+          <a:lstStyle/>
+          <a:p>
+            <a:pPr algn="ctr"/>
+            <a:endParaRPr lang="ko-KR" altLang="en-US"/>
+          </a:p>
+        </p:txBody>
+      </p:sp>
+      <p:sp>
+        <p:nvSpPr>
+          <p:cNvPr id="20" name="TextBox 19">
+            <a:extLst>
+              <a:ext uri="{FF2B5EF4-FFF2-40B4-BE49-F238E27FC236}">
+                <a16:creationId xmlns:a16="http://schemas.microsoft.com/office/drawing/2014/main" id="{BFE0922D-4CA2-4762-9DD4-80BE1917246A}"/>
+              </a:ext>
+            </a:extLst>
+          </p:cNvPr>
+          <p:cNvSpPr txBox="1"/>
+          <p:nvPr/>
+        </p:nvSpPr>
+        <p:spPr>
+          <a:xfrm>
+            <a:off x="683011" y="3826256"/>
+            <a:ext cx="1252314" cy="738664"/>
+          </a:xfrm>
+          <a:prstGeom prst="rect">
+            <a:avLst/>
+          </a:prstGeom>
+          <a:noFill/>
+        </p:spPr>
+        <p:txBody>
+          <a:bodyPr wrap="square" rtlCol="0">
+            <a:spAutoFit/>
+          </a:bodyPr>
+          <a:lstStyle/>
+          <a:p>
+            <a:pPr algn="ctr" latinLnBrk="0"/>
+            <a:r>
+              <a:rPr lang="ko-KR" altLang="en-US" sz="1400" dirty="0">
+                <a:latin typeface="AppleSDGothicNeoM00" panose="02000503000000000000" pitchFamily="2" charset="-127"/>
+                <a:ea typeface="AppleSDGothicNeoM00" panose="02000503000000000000" pitchFamily="2" charset="-127"/>
+              </a:rPr>
+              <a:t>모두 동일한 오브젝트 파일로 인식</a:t>
+            </a:r>
+            <a:r>
+              <a:rPr lang="en-US" altLang="ko-KR" sz="1400" dirty="0">
+                <a:latin typeface="AppleSDGothicNeoM00" panose="02000503000000000000" pitchFamily="2" charset="-127"/>
+                <a:ea typeface="AppleSDGothicNeoM00" panose="02000503000000000000" pitchFamily="2" charset="-127"/>
+              </a:rPr>
+              <a:t>!</a:t>
+            </a:r>
+            <a:endParaRPr lang="ko-KR" altLang="en-US" sz="1400" dirty="0">
+              <a:latin typeface="AppleSDGothicNeoM00" panose="02000503000000000000" pitchFamily="2" charset="-127"/>
+              <a:ea typeface="AppleSDGothicNeoM00" panose="02000503000000000000" pitchFamily="2" charset="-127"/>
+            </a:endParaRPr>
+          </a:p>
+        </p:txBody>
+      </p:sp>
+      <p:grpSp>
+        <p:nvGrpSpPr>
+          <p:cNvPr id="22" name="그룹 21">
+            <a:extLst>
+              <a:ext uri="{FF2B5EF4-FFF2-40B4-BE49-F238E27FC236}">
+                <a16:creationId xmlns:a16="http://schemas.microsoft.com/office/drawing/2014/main" id="{99AF8351-33FC-4003-B04A-D7E9987D72FE}"/>
+              </a:ext>
+            </a:extLst>
+          </p:cNvPr>
+          <p:cNvGrpSpPr/>
+          <p:nvPr/>
+        </p:nvGrpSpPr>
+        <p:grpSpPr>
+          <a:xfrm>
+            <a:off x="5606082" y="2400299"/>
+            <a:ext cx="1186996" cy="458472"/>
+            <a:chOff x="5606082" y="2400299"/>
+            <a:chExt cx="1186996" cy="458472"/>
+          </a:xfrm>
+        </p:grpSpPr>
+        <p:pic>
+          <p:nvPicPr>
+            <p:cNvPr id="18" name="그림 17" descr="텍스트, 모니터이(가) 표시된 사진&#10;&#10;자동 생성된 설명">
+              <a:extLst>
+                <a:ext uri="{FF2B5EF4-FFF2-40B4-BE49-F238E27FC236}">
+                  <a16:creationId xmlns:a16="http://schemas.microsoft.com/office/drawing/2014/main" id="{83311273-06CA-4683-A18E-4EBF41AAFCA7}"/>
+                </a:ext>
+              </a:extLst>
+            </p:cNvPr>
+            <p:cNvPicPr>
+              <a:picLocks noChangeAspect="1"/>
+            </p:cNvPicPr>
+            <p:nvPr/>
+          </p:nvPicPr>
+          <p:blipFill>
+            <a:blip r:embed="rId3">
+              <a:extLst>
+                <a:ext uri="{28A0092B-C50C-407E-A947-70E740481C1C}">
+                  <a14:useLocalDpi xmlns:a14="http://schemas.microsoft.com/office/drawing/2010/main" val="0"/>
+                </a:ext>
+              </a:extLst>
+            </a:blip>
+            <a:stretch>
+              <a:fillRect/>
+            </a:stretch>
+          </p:blipFill>
+          <p:spPr>
+            <a:xfrm>
+              <a:off x="5606082" y="2400299"/>
+              <a:ext cx="458472" cy="458472"/>
+            </a:xfrm>
+            <a:prstGeom prst="rect">
+              <a:avLst/>
+            </a:prstGeom>
+          </p:spPr>
+        </p:pic>
+        <p:sp>
+          <p:nvSpPr>
+            <p:cNvPr id="21" name="TextBox 20">
+              <a:extLst>
+                <a:ext uri="{FF2B5EF4-FFF2-40B4-BE49-F238E27FC236}">
+                  <a16:creationId xmlns:a16="http://schemas.microsoft.com/office/drawing/2014/main" id="{43739C3E-B3F3-4540-928F-DF68362CAAB7}"/>
+                </a:ext>
+              </a:extLst>
+            </p:cNvPr>
+            <p:cNvSpPr txBox="1"/>
+            <p:nvPr/>
+          </p:nvSpPr>
+          <p:spPr>
+            <a:xfrm>
+              <a:off x="6145378" y="2444080"/>
+              <a:ext cx="647700" cy="369332"/>
+            </a:xfrm>
+            <a:prstGeom prst="rect">
+              <a:avLst/>
+            </a:prstGeom>
+            <a:noFill/>
+          </p:spPr>
+          <p:txBody>
+            <a:bodyPr wrap="square" rtlCol="0">
+              <a:spAutoFit/>
+            </a:bodyPr>
+            <a:lstStyle/>
+            <a:p>
+              <a:r>
+                <a:rPr lang="en-US" altLang="ko-KR" dirty="0">
+                  <a:latin typeface="AppleSDGothicNeoM00" panose="02000503000000000000" pitchFamily="2" charset="-127"/>
+                  <a:ea typeface="AppleSDGothicNeoM00" panose="02000503000000000000" pitchFamily="2" charset="-127"/>
+                </a:rPr>
+                <a:t>2.txt</a:t>
+              </a:r>
+              <a:endParaRPr lang="ko-KR" altLang="en-US" dirty="0">
+                <a:latin typeface="AppleSDGothicNeoM00" panose="02000503000000000000" pitchFamily="2" charset="-127"/>
+                <a:ea typeface="AppleSDGothicNeoM00" panose="02000503000000000000" pitchFamily="2" charset="-127"/>
+              </a:endParaRPr>
+            </a:p>
+          </p:txBody>
+        </p:sp>
+      </p:grpSp>
+      <p:grpSp>
+        <p:nvGrpSpPr>
+          <p:cNvPr id="23" name="그룹 22">
+            <a:extLst>
+              <a:ext uri="{FF2B5EF4-FFF2-40B4-BE49-F238E27FC236}">
+                <a16:creationId xmlns:a16="http://schemas.microsoft.com/office/drawing/2014/main" id="{DD94C111-E387-482C-A7FF-41C5F102181B}"/>
+              </a:ext>
+            </a:extLst>
+          </p:cNvPr>
+          <p:cNvGrpSpPr/>
+          <p:nvPr/>
+        </p:nvGrpSpPr>
+        <p:grpSpPr>
+          <a:xfrm>
+            <a:off x="5606082" y="3359300"/>
+            <a:ext cx="1186996" cy="458472"/>
+            <a:chOff x="5606082" y="2400299"/>
+            <a:chExt cx="1186996" cy="458472"/>
+          </a:xfrm>
+        </p:grpSpPr>
+        <p:pic>
+          <p:nvPicPr>
+            <p:cNvPr id="24" name="그림 23" descr="텍스트, 모니터이(가) 표시된 사진&#10;&#10;자동 생성된 설명">
+              <a:extLst>
+                <a:ext uri="{FF2B5EF4-FFF2-40B4-BE49-F238E27FC236}">
+                  <a16:creationId xmlns:a16="http://schemas.microsoft.com/office/drawing/2014/main" id="{7375760F-4CAE-47F5-8219-66221AC09A78}"/>
+                </a:ext>
+              </a:extLst>
+            </p:cNvPr>
+            <p:cNvPicPr>
+              <a:picLocks noChangeAspect="1"/>
+            </p:cNvPicPr>
+            <p:nvPr/>
+          </p:nvPicPr>
+          <p:blipFill>
+            <a:blip r:embed="rId3">
+              <a:extLst>
+                <a:ext uri="{28A0092B-C50C-407E-A947-70E740481C1C}">
+                  <a14:useLocalDpi xmlns:a14="http://schemas.microsoft.com/office/drawing/2010/main" val="0"/>
+                </a:ext>
+              </a:extLst>
+            </a:blip>
+            <a:stretch>
+              <a:fillRect/>
+            </a:stretch>
+          </p:blipFill>
+          <p:spPr>
+            <a:xfrm>
+              <a:off x="5606082" y="2400299"/>
+              <a:ext cx="458472" cy="458472"/>
+            </a:xfrm>
+            <a:prstGeom prst="rect">
+              <a:avLst/>
+            </a:prstGeom>
+          </p:spPr>
+        </p:pic>
+        <p:sp>
+          <p:nvSpPr>
+            <p:cNvPr id="25" name="TextBox 24">
+              <a:extLst>
+                <a:ext uri="{FF2B5EF4-FFF2-40B4-BE49-F238E27FC236}">
+                  <a16:creationId xmlns:a16="http://schemas.microsoft.com/office/drawing/2014/main" id="{4016E4D4-A47C-484F-BF67-4A3F3E7D8239}"/>
+                </a:ext>
+              </a:extLst>
+            </p:cNvPr>
+            <p:cNvSpPr txBox="1"/>
+            <p:nvPr/>
+          </p:nvSpPr>
+          <p:spPr>
+            <a:xfrm>
+              <a:off x="6145378" y="2444080"/>
+              <a:ext cx="647700" cy="369332"/>
+            </a:xfrm>
+            <a:prstGeom prst="rect">
+              <a:avLst/>
+            </a:prstGeom>
+            <a:noFill/>
+          </p:spPr>
+          <p:txBody>
+            <a:bodyPr wrap="square" rtlCol="0">
+              <a:spAutoFit/>
+            </a:bodyPr>
+            <a:lstStyle/>
+            <a:p>
+              <a:r>
+                <a:rPr lang="en-US" altLang="ko-KR" dirty="0">
+                  <a:latin typeface="AppleSDGothicNeoM00" panose="02000503000000000000" pitchFamily="2" charset="-127"/>
+                  <a:ea typeface="AppleSDGothicNeoM00" panose="02000503000000000000" pitchFamily="2" charset="-127"/>
+                </a:rPr>
+                <a:t>3.txt</a:t>
+              </a:r>
+              <a:endParaRPr lang="ko-KR" altLang="en-US" dirty="0">
+                <a:latin typeface="AppleSDGothicNeoM00" panose="02000503000000000000" pitchFamily="2" charset="-127"/>
+                <a:ea typeface="AppleSDGothicNeoM00" panose="02000503000000000000" pitchFamily="2" charset="-127"/>
+              </a:endParaRPr>
+            </a:p>
+          </p:txBody>
+        </p:sp>
+      </p:grpSp>
+      <p:grpSp>
+        <p:nvGrpSpPr>
+          <p:cNvPr id="26" name="그룹 25">
+            <a:extLst>
+              <a:ext uri="{FF2B5EF4-FFF2-40B4-BE49-F238E27FC236}">
+                <a16:creationId xmlns:a16="http://schemas.microsoft.com/office/drawing/2014/main" id="{870BF695-0498-403F-B2DA-63D143E4A4F1}"/>
+              </a:ext>
+            </a:extLst>
+          </p:cNvPr>
+          <p:cNvGrpSpPr/>
+          <p:nvPr/>
+        </p:nvGrpSpPr>
+        <p:grpSpPr>
+          <a:xfrm>
+            <a:off x="5606082" y="4406922"/>
+            <a:ext cx="1186996" cy="458472"/>
+            <a:chOff x="5606082" y="2400299"/>
+            <a:chExt cx="1186996" cy="458472"/>
+          </a:xfrm>
+        </p:grpSpPr>
+        <p:pic>
+          <p:nvPicPr>
+            <p:cNvPr id="27" name="그림 26" descr="텍스트, 모니터이(가) 표시된 사진&#10;&#10;자동 생성된 설명">
+              <a:extLst>
+                <a:ext uri="{FF2B5EF4-FFF2-40B4-BE49-F238E27FC236}">
+                  <a16:creationId xmlns:a16="http://schemas.microsoft.com/office/drawing/2014/main" id="{DBD18C77-93CE-464B-A1F8-A01C63BA2878}"/>
+                </a:ext>
+              </a:extLst>
+            </p:cNvPr>
+            <p:cNvPicPr>
+              <a:picLocks noChangeAspect="1"/>
+            </p:cNvPicPr>
+            <p:nvPr/>
+          </p:nvPicPr>
+          <p:blipFill>
+            <a:blip r:embed="rId3">
+              <a:extLst>
+                <a:ext uri="{28A0092B-C50C-407E-A947-70E740481C1C}">
+                  <a14:useLocalDpi xmlns:a14="http://schemas.microsoft.com/office/drawing/2010/main" val="0"/>
+                </a:ext>
+              </a:extLst>
+            </a:blip>
+            <a:stretch>
+              <a:fillRect/>
+            </a:stretch>
+          </p:blipFill>
+          <p:spPr>
+            <a:xfrm>
+              <a:off x="5606082" y="2400299"/>
+              <a:ext cx="458472" cy="458472"/>
+            </a:xfrm>
+            <a:prstGeom prst="rect">
+              <a:avLst/>
+            </a:prstGeom>
+          </p:spPr>
+        </p:pic>
+        <p:sp>
+          <p:nvSpPr>
+            <p:cNvPr id="28" name="TextBox 27">
+              <a:extLst>
+                <a:ext uri="{FF2B5EF4-FFF2-40B4-BE49-F238E27FC236}">
+                  <a16:creationId xmlns:a16="http://schemas.microsoft.com/office/drawing/2014/main" id="{63809D14-B015-4D1B-8695-E3BC0CD36015}"/>
+                </a:ext>
+              </a:extLst>
+            </p:cNvPr>
+            <p:cNvSpPr txBox="1"/>
+            <p:nvPr/>
+          </p:nvSpPr>
+          <p:spPr>
+            <a:xfrm>
+              <a:off x="6145378" y="2444080"/>
+              <a:ext cx="647700" cy="369332"/>
+            </a:xfrm>
+            <a:prstGeom prst="rect">
+              <a:avLst/>
+            </a:prstGeom>
+            <a:noFill/>
+          </p:spPr>
+          <p:txBody>
+            <a:bodyPr wrap="square" rtlCol="0">
+              <a:spAutoFit/>
+            </a:bodyPr>
+            <a:lstStyle/>
+            <a:p>
+              <a:r>
+                <a:rPr lang="en-US" altLang="ko-KR" dirty="0">
+                  <a:latin typeface="AppleSDGothicNeoM00" panose="02000503000000000000" pitchFamily="2" charset="-127"/>
+                  <a:ea typeface="AppleSDGothicNeoM00" panose="02000503000000000000" pitchFamily="2" charset="-127"/>
+                </a:rPr>
+                <a:t>4.txt</a:t>
+              </a:r>
+              <a:endParaRPr lang="ko-KR" altLang="en-US" dirty="0">
+                <a:latin typeface="AppleSDGothicNeoM00" panose="02000503000000000000" pitchFamily="2" charset="-127"/>
+                <a:ea typeface="AppleSDGothicNeoM00" panose="02000503000000000000" pitchFamily="2" charset="-127"/>
+              </a:endParaRPr>
+            </a:p>
+          </p:txBody>
+        </p:sp>
+      </p:grpSp>
+      <p:sp>
+        <p:nvSpPr>
+          <p:cNvPr id="29" name="TextBox 28">
+            <a:extLst>
+              <a:ext uri="{FF2B5EF4-FFF2-40B4-BE49-F238E27FC236}">
+                <a16:creationId xmlns:a16="http://schemas.microsoft.com/office/drawing/2014/main" id="{2D9A705E-3980-424B-8767-68841F4DE902}"/>
+              </a:ext>
+            </a:extLst>
+          </p:cNvPr>
+          <p:cNvSpPr txBox="1"/>
+          <p:nvPr/>
+        </p:nvSpPr>
+        <p:spPr>
+          <a:xfrm>
+            <a:off x="6064401" y="5167867"/>
+            <a:ext cx="648006" cy="523220"/>
+          </a:xfrm>
+          <a:prstGeom prst="rect">
+            <a:avLst/>
+          </a:prstGeom>
+          <a:noFill/>
+        </p:spPr>
+        <p:txBody>
+          <a:bodyPr wrap="square" rtlCol="0">
+            <a:spAutoFit/>
+          </a:bodyPr>
+          <a:lstStyle/>
+          <a:p>
+            <a:pPr algn="ctr"/>
+            <a:r>
+              <a:rPr lang="en-US" altLang="ko-KR" sz="2800" dirty="0"/>
+              <a:t>…</a:t>
+            </a:r>
+            <a:endParaRPr lang="ko-KR" altLang="en-US" sz="2800" dirty="0"/>
+          </a:p>
+        </p:txBody>
+      </p:sp>
+      <p:sp>
+        <p:nvSpPr>
+          <p:cNvPr id="30" name="왼쪽 중괄호 29">
+            <a:extLst>
+              <a:ext uri="{FF2B5EF4-FFF2-40B4-BE49-F238E27FC236}">
+                <a16:creationId xmlns:a16="http://schemas.microsoft.com/office/drawing/2014/main" id="{1674C609-039D-49AB-ADC2-1D5DA4BACE86}"/>
+              </a:ext>
+            </a:extLst>
+          </p:cNvPr>
+          <p:cNvSpPr/>
+          <p:nvPr/>
+        </p:nvSpPr>
+        <p:spPr>
+          <a:xfrm rot="10800000">
+            <a:off x="7015173" y="2628746"/>
+            <a:ext cx="303982" cy="2990995"/>
+          </a:xfrm>
+          <a:prstGeom prst="leftBrace">
+            <a:avLst/>
+          </a:prstGeom>
+          <a:ln w="38100">
+            <a:solidFill>
+              <a:srgbClr val="FF0000"/>
+            </a:solidFill>
+          </a:ln>
+        </p:spPr>
+        <p:style>
+          <a:lnRef idx="1">
+            <a:schemeClr val="accent1"/>
+          </a:lnRef>
+          <a:fillRef idx="0">
+            <a:schemeClr val="accent1"/>
+          </a:fillRef>
+          <a:effectRef idx="0">
+            <a:schemeClr val="accent1"/>
+          </a:effectRef>
+          <a:fontRef idx="minor">
+            <a:schemeClr val="tx1"/>
+          </a:fontRef>
+        </p:style>
+        <p:txBody>
+          <a:bodyPr rtlCol="0" anchor="ctr"/>
+          <a:lstStyle/>
+          <a:p>
+            <a:pPr algn="ctr"/>
+            <a:endParaRPr lang="ko-KR" altLang="en-US"/>
+          </a:p>
+        </p:txBody>
+      </p:sp>
+      <p:sp>
+        <p:nvSpPr>
+          <p:cNvPr id="31" name="TextBox 30">
+            <a:extLst>
+              <a:ext uri="{FF2B5EF4-FFF2-40B4-BE49-F238E27FC236}">
+                <a16:creationId xmlns:a16="http://schemas.microsoft.com/office/drawing/2014/main" id="{A38BF3E5-0293-480A-9B72-76BD2668ED09}"/>
+              </a:ext>
+            </a:extLst>
+          </p:cNvPr>
+          <p:cNvSpPr txBox="1"/>
+          <p:nvPr/>
+        </p:nvSpPr>
+        <p:spPr>
+          <a:xfrm>
+            <a:off x="7516156" y="3754911"/>
+            <a:ext cx="1252314" cy="738664"/>
+          </a:xfrm>
+          <a:prstGeom prst="rect">
+            <a:avLst/>
+          </a:prstGeom>
+          <a:noFill/>
+        </p:spPr>
+        <p:txBody>
+          <a:bodyPr wrap="square" rtlCol="0">
+            <a:spAutoFit/>
+          </a:bodyPr>
+          <a:lstStyle/>
+          <a:p>
+            <a:pPr algn="ctr" latinLnBrk="0"/>
+            <a:r>
+              <a:rPr lang="ko-KR" altLang="en-US" sz="1400" dirty="0">
+                <a:latin typeface="AppleSDGothicNeoM00" panose="02000503000000000000" pitchFamily="2" charset="-127"/>
+                <a:ea typeface="AppleSDGothicNeoM00" panose="02000503000000000000" pitchFamily="2" charset="-127"/>
+              </a:rPr>
+              <a:t>각각 다른 오브젝트 파일로 인식</a:t>
+            </a:r>
+          </a:p>
+        </p:txBody>
+      </p:sp>
+    </p:spTree>
+    <p:extLst>
+      <p:ext uri="{BB962C8B-B14F-4D97-AF65-F5344CB8AC3E}">
+        <p14:creationId xmlns:p14="http://schemas.microsoft.com/office/powerpoint/2010/main" val="3745194603"/>
+      </p:ext>
+    </p:extLst>
+  </p:cSld>
+  <p:clrMapOvr>
+    <a:masterClrMapping/>
+  </p:clrMapOvr>
+</p:sld>
+</file>
+
+<file path=ppt/slides/slide28.xml><?xml version="1.0" encoding="utf-8"?>
+<p:sld xmlns:a="http://schemas.openxmlformats.org/drawingml/2006/main" xmlns:r="http://schemas.openxmlformats.org/officeDocument/2006/relationships" xmlns:p="http://schemas.openxmlformats.org/presentationml/2006/main">
+  <p:cSld>
+    <p:spTree>
+      <p:nvGrpSpPr>
+        <p:cNvPr id="1" name=""/>
+        <p:cNvGrpSpPr/>
+        <p:nvPr/>
+      </p:nvGrpSpPr>
+      <p:grpSpPr>
+        <a:xfrm>
+          <a:off x="0" y="0"/>
+          <a:ext cx="0" cy="0"/>
+          <a:chOff x="0" y="0"/>
+          <a:chExt cx="0" cy="0"/>
+        </a:xfrm>
+      </p:grpSpPr>
+      <p:sp>
+        <p:nvSpPr>
+          <p:cNvPr id="4" name="직사각형 3">
+            <a:extLst>
+              <a:ext uri="{FF2B5EF4-FFF2-40B4-BE49-F238E27FC236}">
+                <a16:creationId xmlns:a16="http://schemas.microsoft.com/office/drawing/2014/main" id="{BF38CC9C-27AD-42BB-B444-AC4BD78105FF}"/>
+              </a:ext>
+            </a:extLst>
+          </p:cNvPr>
+          <p:cNvSpPr/>
+          <p:nvPr/>
+        </p:nvSpPr>
+        <p:spPr>
+          <a:xfrm>
+            <a:off x="838200" y="804595"/>
+            <a:ext cx="1993900" cy="948004"/>
+          </a:xfrm>
+          <a:prstGeom prst="rect">
+            <a:avLst/>
+          </a:prstGeom>
+          <a:solidFill>
+            <a:schemeClr val="bg1">
+              <a:lumMod val="85000"/>
+            </a:schemeClr>
+          </a:solidFill>
+          <a:ln>
+            <a:noFill/>
+          </a:ln>
+        </p:spPr>
+        <p:style>
+          <a:lnRef idx="2">
+            <a:schemeClr val="accent1">
+              <a:shade val="50000"/>
+            </a:schemeClr>
+          </a:lnRef>
+          <a:fillRef idx="1">
+            <a:schemeClr val="accent1"/>
+          </a:fillRef>
+          <a:effectRef idx="0">
+            <a:schemeClr val="accent1"/>
+          </a:effectRef>
+          <a:fontRef idx="minor">
+            <a:schemeClr val="lt1"/>
+          </a:fontRef>
+        </p:style>
+        <p:txBody>
+          <a:bodyPr rtlCol="0" anchor="ctr"/>
+          <a:lstStyle/>
+          <a:p>
+            <a:pPr algn="ctr"/>
+            <a:r>
+              <a:rPr lang="en-US" altLang="ko-KR" dirty="0">
+                <a:solidFill>
+                  <a:schemeClr val="tx1"/>
+                </a:solidFill>
+                <a:latin typeface="AppleSDGothicNeoM00" panose="02000503000000000000" pitchFamily="2" charset="-127"/>
+                <a:ea typeface="AppleSDGothicNeoM00" panose="02000503000000000000" pitchFamily="2" charset="-127"/>
+              </a:rPr>
+              <a:t>a</a:t>
+            </a:r>
+            <a:endParaRPr lang="ko-KR" altLang="en-US" dirty="0">
+              <a:solidFill>
+                <a:schemeClr val="tx1"/>
+              </a:solidFill>
+              <a:latin typeface="AppleSDGothicNeoM00" panose="02000503000000000000" pitchFamily="2" charset="-127"/>
+              <a:ea typeface="AppleSDGothicNeoM00" panose="02000503000000000000" pitchFamily="2" charset="-127"/>
+            </a:endParaRPr>
+          </a:p>
+        </p:txBody>
+      </p:sp>
+      <p:grpSp>
+        <p:nvGrpSpPr>
+          <p:cNvPr id="50" name="그룹 49">
+            <a:extLst>
+              <a:ext uri="{FF2B5EF4-FFF2-40B4-BE49-F238E27FC236}">
+                <a16:creationId xmlns:a16="http://schemas.microsoft.com/office/drawing/2014/main" id="{A9064AC5-6A9C-4E15-8DFA-6D7E5034B99D}"/>
+              </a:ext>
+            </a:extLst>
+          </p:cNvPr>
+          <p:cNvGrpSpPr/>
+          <p:nvPr/>
+        </p:nvGrpSpPr>
+        <p:grpSpPr>
+          <a:xfrm>
+            <a:off x="838200" y="622694"/>
+            <a:ext cx="1257300" cy="456895"/>
+            <a:chOff x="838200" y="347701"/>
+            <a:chExt cx="1257300" cy="456895"/>
+          </a:xfrm>
+          <a:solidFill>
+            <a:schemeClr val="bg1"/>
+          </a:solidFill>
+        </p:grpSpPr>
+        <p:sp>
+          <p:nvSpPr>
+            <p:cNvPr id="5" name="TextBox 4">
+              <a:extLst>
+                <a:ext uri="{FF2B5EF4-FFF2-40B4-BE49-F238E27FC236}">
+                  <a16:creationId xmlns:a16="http://schemas.microsoft.com/office/drawing/2014/main" id="{A8FDAEBC-6538-43EE-930D-DFFCE2B16EBF}"/>
+                </a:ext>
+              </a:extLst>
+            </p:cNvPr>
+            <p:cNvSpPr txBox="1"/>
+            <p:nvPr/>
+          </p:nvSpPr>
+          <p:spPr>
+            <a:xfrm>
+              <a:off x="1295095" y="435264"/>
+              <a:ext cx="800405" cy="369332"/>
+            </a:xfrm>
+            <a:prstGeom prst="rect">
+              <a:avLst/>
+            </a:prstGeom>
+            <a:grpFill/>
+            <a:ln>
+              <a:noFill/>
+            </a:ln>
+          </p:spPr>
+          <p:txBody>
+            <a:bodyPr wrap="square" rtlCol="0">
+              <a:spAutoFit/>
+            </a:bodyPr>
+            <a:lstStyle/>
+            <a:p>
+              <a:r>
+                <a:rPr lang="en-US" altLang="ko-KR" dirty="0">
+                  <a:latin typeface="AppleSDGothicNeoM00" panose="02000503000000000000" pitchFamily="2" charset="-127"/>
+                  <a:ea typeface="AppleSDGothicNeoM00" panose="02000503000000000000" pitchFamily="2" charset="-127"/>
+                </a:rPr>
+                <a:t>f1.txt</a:t>
+              </a:r>
+              <a:endParaRPr lang="ko-KR" altLang="en-US" dirty="0">
+                <a:latin typeface="AppleSDGothicNeoM00" panose="02000503000000000000" pitchFamily="2" charset="-127"/>
+                <a:ea typeface="AppleSDGothicNeoM00" panose="02000503000000000000" pitchFamily="2" charset="-127"/>
+              </a:endParaRPr>
+            </a:p>
+          </p:txBody>
+        </p:sp>
+        <p:pic>
+          <p:nvPicPr>
+            <p:cNvPr id="32" name="그림 31">
+              <a:extLst>
+                <a:ext uri="{FF2B5EF4-FFF2-40B4-BE49-F238E27FC236}">
+                  <a16:creationId xmlns:a16="http://schemas.microsoft.com/office/drawing/2014/main" id="{841CF735-75CF-4F39-991A-8CB02DAA8F35}"/>
+                </a:ext>
+              </a:extLst>
+            </p:cNvPr>
+            <p:cNvPicPr>
+              <a:picLocks noChangeAspect="1"/>
+            </p:cNvPicPr>
+            <p:nvPr/>
+          </p:nvPicPr>
+          <p:blipFill>
+            <a:blip r:embed="rId2">
+              <a:extLst>
+                <a:ext uri="{28A0092B-C50C-407E-A947-70E740481C1C}">
+                  <a14:useLocalDpi xmlns:a14="http://schemas.microsoft.com/office/drawing/2010/main" val="0"/>
+                </a:ext>
+              </a:extLst>
+            </a:blip>
+            <a:stretch>
+              <a:fillRect/>
+            </a:stretch>
+          </p:blipFill>
+          <p:spPr>
+            <a:xfrm>
+              <a:off x="838200" y="347701"/>
+              <a:ext cx="456895" cy="456895"/>
+            </a:xfrm>
+            <a:prstGeom prst="rect">
+              <a:avLst/>
+            </a:prstGeom>
+            <a:grpFill/>
+          </p:spPr>
+        </p:pic>
+      </p:grpSp>
+      <p:sp>
+        <p:nvSpPr>
+          <p:cNvPr id="33" name="직사각형 32">
+            <a:extLst>
+              <a:ext uri="{FF2B5EF4-FFF2-40B4-BE49-F238E27FC236}">
+                <a16:creationId xmlns:a16="http://schemas.microsoft.com/office/drawing/2014/main" id="{6058FA79-B148-413B-BA56-9257B3567250}"/>
+              </a:ext>
+            </a:extLst>
+          </p:cNvPr>
+          <p:cNvSpPr/>
+          <p:nvPr/>
+        </p:nvSpPr>
+        <p:spPr>
+          <a:xfrm>
+            <a:off x="4102100" y="804595"/>
+            <a:ext cx="1993900" cy="948004"/>
+          </a:xfrm>
+          <a:prstGeom prst="rect">
+            <a:avLst/>
+          </a:prstGeom>
+          <a:solidFill>
+            <a:schemeClr val="bg1">
+              <a:lumMod val="85000"/>
+            </a:schemeClr>
+          </a:solidFill>
+          <a:ln>
+            <a:noFill/>
+          </a:ln>
+        </p:spPr>
+        <p:style>
+          <a:lnRef idx="2">
+            <a:schemeClr val="accent1">
+              <a:shade val="50000"/>
+            </a:schemeClr>
+          </a:lnRef>
+          <a:fillRef idx="1">
+            <a:schemeClr val="accent1"/>
+          </a:fillRef>
+          <a:effectRef idx="0">
+            <a:schemeClr val="accent1"/>
+          </a:effectRef>
+          <a:fontRef idx="minor">
+            <a:schemeClr val="lt1"/>
+          </a:fontRef>
+        </p:style>
+        <p:txBody>
+          <a:bodyPr rtlCol="0" anchor="ctr"/>
+          <a:lstStyle/>
+          <a:p>
+            <a:pPr algn="ctr"/>
+            <a:r>
+              <a:rPr lang="en-US" altLang="ko-KR" sz="1400" dirty="0">
+                <a:solidFill>
+                  <a:schemeClr val="tx1"/>
+                </a:solidFill>
+                <a:latin typeface="AppleSDGothicNeoM00" panose="02000503000000000000" pitchFamily="2" charset="-127"/>
+                <a:ea typeface="AppleSDGothicNeoM00" panose="02000503000000000000" pitchFamily="2" charset="-127"/>
+              </a:rPr>
+              <a:t>SHA1 </a:t>
+            </a:r>
+            <a:r>
+              <a:rPr lang="ko-KR" altLang="en-US" sz="1400" dirty="0">
+                <a:solidFill>
+                  <a:schemeClr val="tx1"/>
+                </a:solidFill>
+                <a:latin typeface="AppleSDGothicNeoM00" panose="02000503000000000000" pitchFamily="2" charset="-127"/>
+                <a:ea typeface="AppleSDGothicNeoM00" panose="02000503000000000000" pitchFamily="2" charset="-127"/>
+              </a:rPr>
+              <a:t>알고리즘</a:t>
+            </a:r>
+          </a:p>
+        </p:txBody>
+      </p:sp>
+      <p:cxnSp>
+        <p:nvCxnSpPr>
+          <p:cNvPr id="35" name="직선 화살표 연결선 34">
+            <a:extLst>
+              <a:ext uri="{FF2B5EF4-FFF2-40B4-BE49-F238E27FC236}">
+                <a16:creationId xmlns:a16="http://schemas.microsoft.com/office/drawing/2014/main" id="{3CDBFBE7-AF15-47C5-97FD-D00AED9214CC}"/>
+              </a:ext>
+            </a:extLst>
+          </p:cNvPr>
+          <p:cNvCxnSpPr>
+            <a:stCxn id="4" idx="3"/>
+            <a:endCxn id="33" idx="1"/>
+          </p:cNvCxnSpPr>
+          <p:nvPr/>
+        </p:nvCxnSpPr>
+        <p:spPr>
+          <a:xfrm>
+            <a:off x="2832100" y="1278597"/>
+            <a:ext cx="1270000" cy="0"/>
+          </a:xfrm>
+          <a:prstGeom prst="straightConnector1">
+            <a:avLst/>
+          </a:prstGeom>
+          <a:ln w="28575">
+            <a:solidFill>
+              <a:schemeClr val="tx1"/>
+            </a:solidFill>
+            <a:tailEnd type="triangle"/>
+          </a:ln>
+        </p:spPr>
+        <p:style>
+          <a:lnRef idx="1">
+            <a:schemeClr val="accent1"/>
+          </a:lnRef>
+          <a:fillRef idx="0">
+            <a:schemeClr val="accent1"/>
+          </a:fillRef>
+          <a:effectRef idx="0">
+            <a:schemeClr val="accent1"/>
+          </a:effectRef>
+          <a:fontRef idx="minor">
+            <a:schemeClr val="tx1"/>
+          </a:fontRef>
+        </p:style>
+      </p:cxnSp>
+      <p:sp>
+        <p:nvSpPr>
+          <p:cNvPr id="36" name="직사각형 35">
+            <a:extLst>
+              <a:ext uri="{FF2B5EF4-FFF2-40B4-BE49-F238E27FC236}">
+                <a16:creationId xmlns:a16="http://schemas.microsoft.com/office/drawing/2014/main" id="{2A79B24E-0527-4AC1-9775-AA6F14FADDA5}"/>
+              </a:ext>
+            </a:extLst>
+          </p:cNvPr>
+          <p:cNvSpPr/>
+          <p:nvPr/>
+        </p:nvSpPr>
+        <p:spPr>
+          <a:xfrm>
+            <a:off x="7366000" y="804595"/>
+            <a:ext cx="3022600" cy="948004"/>
+          </a:xfrm>
+          <a:prstGeom prst="rect">
+            <a:avLst/>
+          </a:prstGeom>
+          <a:solidFill>
+            <a:schemeClr val="bg1">
+              <a:lumMod val="85000"/>
+            </a:schemeClr>
+          </a:solidFill>
+          <a:ln>
+            <a:noFill/>
+          </a:ln>
+        </p:spPr>
+        <p:style>
+          <a:lnRef idx="2">
+            <a:schemeClr val="accent1">
+              <a:shade val="50000"/>
+            </a:schemeClr>
+          </a:lnRef>
+          <a:fillRef idx="1">
+            <a:schemeClr val="accent1"/>
+          </a:fillRef>
+          <a:effectRef idx="0">
+            <a:schemeClr val="accent1"/>
+          </a:effectRef>
+          <a:fontRef idx="minor">
+            <a:schemeClr val="lt1"/>
+          </a:fontRef>
+        </p:style>
+        <p:txBody>
+          <a:bodyPr rtlCol="0" anchor="ctr"/>
+          <a:lstStyle/>
+          <a:p>
+            <a:r>
+              <a:rPr lang="en-US" altLang="ko-KR" sz="1400" b="1" dirty="0">
+                <a:solidFill>
+                  <a:schemeClr val="accent5">
+                    <a:lumMod val="75000"/>
+                  </a:schemeClr>
+                </a:solidFill>
+                <a:latin typeface="AppleSDGothicNeoM00" panose="02000503000000000000" pitchFamily="2" charset="-127"/>
+                <a:ea typeface="AppleSDGothicNeoM00" panose="02000503000000000000" pitchFamily="2" charset="-127"/>
+              </a:rPr>
+              <a:t>index </a:t>
+            </a:r>
+            <a:r>
+              <a:rPr lang="ko-KR" altLang="en-US" sz="1400" b="1" dirty="0">
+                <a:solidFill>
+                  <a:schemeClr val="accent5">
+                    <a:lumMod val="75000"/>
+                  </a:schemeClr>
+                </a:solidFill>
+                <a:latin typeface="AppleSDGothicNeoM00" panose="02000503000000000000" pitchFamily="2" charset="-127"/>
+                <a:ea typeface="AppleSDGothicNeoM00" panose="02000503000000000000" pitchFamily="2" charset="-127"/>
+              </a:rPr>
+              <a:t>파일</a:t>
+            </a:r>
+            <a:endParaRPr lang="en-US" altLang="ko-KR" sz="1400" b="1" dirty="0">
+              <a:solidFill>
+                <a:schemeClr val="accent5">
+                  <a:lumMod val="75000"/>
+                </a:schemeClr>
+              </a:solidFill>
+              <a:latin typeface="AppleSDGothicNeoM00" panose="02000503000000000000" pitchFamily="2" charset="-127"/>
+              <a:ea typeface="AppleSDGothicNeoM00" panose="02000503000000000000" pitchFamily="2" charset="-127"/>
+            </a:endParaRPr>
+          </a:p>
+          <a:p>
+            <a:endParaRPr lang="en-US" altLang="ko-KR" sz="1400" dirty="0">
+              <a:solidFill>
+                <a:schemeClr val="tx1"/>
+              </a:solidFill>
+              <a:latin typeface="AppleSDGothicNeoM00" panose="02000503000000000000" pitchFamily="2" charset="-127"/>
+              <a:ea typeface="AppleSDGothicNeoM00" panose="02000503000000000000" pitchFamily="2" charset="-127"/>
+            </a:endParaRPr>
+          </a:p>
+          <a:p>
+            <a:r>
+              <a:rPr lang="en-US" altLang="ko-KR" sz="1400" dirty="0">
+                <a:solidFill>
+                  <a:schemeClr val="tx1"/>
+                </a:solidFill>
+                <a:latin typeface="AppleSDGothicNeoM00" panose="02000503000000000000" pitchFamily="2" charset="-127"/>
+                <a:ea typeface="AppleSDGothicNeoM00" panose="02000503000000000000" pitchFamily="2" charset="-127"/>
+              </a:rPr>
+              <a:t>f1.txt</a:t>
+            </a:r>
+            <a:r>
+              <a:rPr lang="ko-KR" altLang="en-US" sz="1400" dirty="0">
+                <a:solidFill>
+                  <a:schemeClr val="tx1"/>
+                </a:solidFill>
+                <a:latin typeface="AppleSDGothicNeoM00" panose="02000503000000000000" pitchFamily="2" charset="-127"/>
+                <a:ea typeface="AppleSDGothicNeoM00" panose="02000503000000000000" pitchFamily="2" charset="-127"/>
+              </a:rPr>
+              <a:t>에 대한 </a:t>
+            </a:r>
+            <a:r>
+              <a:rPr lang="ko-KR" altLang="en-US" sz="1400" dirty="0" err="1">
+                <a:solidFill>
+                  <a:schemeClr val="tx1"/>
+                </a:solidFill>
+                <a:latin typeface="AppleSDGothicNeoM00" panose="02000503000000000000" pitchFamily="2" charset="-127"/>
+                <a:ea typeface="AppleSDGothicNeoM00" panose="02000503000000000000" pitchFamily="2" charset="-127"/>
+              </a:rPr>
+              <a:t>해시값</a:t>
+            </a:r>
+            <a:endParaRPr lang="ko-KR" altLang="en-US" sz="1400" dirty="0">
+              <a:solidFill>
+                <a:schemeClr val="tx1"/>
+              </a:solidFill>
+              <a:latin typeface="AppleSDGothicNeoM00" panose="02000503000000000000" pitchFamily="2" charset="-127"/>
+              <a:ea typeface="AppleSDGothicNeoM00" panose="02000503000000000000" pitchFamily="2" charset="-127"/>
+            </a:endParaRPr>
+          </a:p>
+        </p:txBody>
+      </p:sp>
+      <p:cxnSp>
+        <p:nvCxnSpPr>
+          <p:cNvPr id="37" name="직선 화살표 연결선 36">
+            <a:extLst>
+              <a:ext uri="{FF2B5EF4-FFF2-40B4-BE49-F238E27FC236}">
+                <a16:creationId xmlns:a16="http://schemas.microsoft.com/office/drawing/2014/main" id="{99AFCBD0-09B7-414E-A2B9-64060B33E6B1}"/>
+              </a:ext>
+            </a:extLst>
+          </p:cNvPr>
+          <p:cNvCxnSpPr>
+            <a:cxnSpLocks/>
+            <a:stCxn id="33" idx="3"/>
+            <a:endCxn id="36" idx="1"/>
+          </p:cNvCxnSpPr>
+          <p:nvPr/>
+        </p:nvCxnSpPr>
+        <p:spPr>
+          <a:xfrm>
+            <a:off x="6096000" y="1278597"/>
+            <a:ext cx="1270000" cy="0"/>
+          </a:xfrm>
+          <a:prstGeom prst="straightConnector1">
+            <a:avLst/>
+          </a:prstGeom>
+          <a:ln w="28575">
+            <a:solidFill>
+              <a:schemeClr val="tx1"/>
+            </a:solidFill>
+            <a:tailEnd type="triangle"/>
+          </a:ln>
+        </p:spPr>
+        <p:style>
+          <a:lnRef idx="1">
+            <a:schemeClr val="accent1"/>
+          </a:lnRef>
+          <a:fillRef idx="0">
+            <a:schemeClr val="accent1"/>
+          </a:fillRef>
+          <a:effectRef idx="0">
+            <a:schemeClr val="accent1"/>
+          </a:effectRef>
+          <a:fontRef idx="minor">
+            <a:schemeClr val="tx1"/>
+          </a:fontRef>
+        </p:style>
+      </p:cxnSp>
+      <p:sp>
+        <p:nvSpPr>
+          <p:cNvPr id="40" name="직사각형 39">
+            <a:extLst>
+              <a:ext uri="{FF2B5EF4-FFF2-40B4-BE49-F238E27FC236}">
+                <a16:creationId xmlns:a16="http://schemas.microsoft.com/office/drawing/2014/main" id="{46D00BB6-8D59-410D-8100-C535F3E495EE}"/>
+              </a:ext>
+            </a:extLst>
+          </p:cNvPr>
+          <p:cNvSpPr/>
+          <p:nvPr/>
+        </p:nvSpPr>
+        <p:spPr>
+          <a:xfrm>
+            <a:off x="7366000" y="2226601"/>
+            <a:ext cx="3022600" cy="948004"/>
+          </a:xfrm>
+          <a:prstGeom prst="rect">
+            <a:avLst/>
+          </a:prstGeom>
+          <a:solidFill>
+            <a:schemeClr val="bg1">
+              <a:lumMod val="85000"/>
+            </a:schemeClr>
+          </a:solidFill>
+          <a:ln>
+            <a:noFill/>
+          </a:ln>
+        </p:spPr>
+        <p:style>
+          <a:lnRef idx="2">
+            <a:schemeClr val="accent1">
+              <a:shade val="50000"/>
+            </a:schemeClr>
+          </a:lnRef>
+          <a:fillRef idx="1">
+            <a:schemeClr val="accent1"/>
+          </a:fillRef>
+          <a:effectRef idx="0">
+            <a:schemeClr val="accent1"/>
+          </a:effectRef>
+          <a:fontRef idx="minor">
+            <a:schemeClr val="lt1"/>
+          </a:fontRef>
+        </p:style>
+        <p:txBody>
+          <a:bodyPr rtlCol="0" anchor="ctr"/>
+          <a:lstStyle/>
+          <a:p>
+            <a:r>
+              <a:rPr lang="en-US" altLang="ko-KR" sz="1400" b="1" dirty="0" err="1">
+                <a:solidFill>
+                  <a:schemeClr val="accent5">
+                    <a:lumMod val="75000"/>
+                  </a:schemeClr>
+                </a:solidFill>
+                <a:latin typeface="AppleSDGothicNeoM00" panose="02000503000000000000" pitchFamily="2" charset="-127"/>
+                <a:ea typeface="AppleSDGothicNeoM00" panose="02000503000000000000" pitchFamily="2" charset="-127"/>
+              </a:rPr>
+              <a:t>objcets</a:t>
+            </a:r>
+            <a:r>
+              <a:rPr lang="en-US" altLang="ko-KR" sz="1400" b="1" dirty="0">
+                <a:solidFill>
+                  <a:schemeClr val="accent5">
+                    <a:lumMod val="75000"/>
+                  </a:schemeClr>
+                </a:solidFill>
+                <a:latin typeface="AppleSDGothicNeoM00" panose="02000503000000000000" pitchFamily="2" charset="-127"/>
+                <a:ea typeface="AppleSDGothicNeoM00" panose="02000503000000000000" pitchFamily="2" charset="-127"/>
+              </a:rPr>
+              <a:t> </a:t>
+            </a:r>
+            <a:r>
+              <a:rPr lang="ko-KR" altLang="en-US" sz="1400" b="1" dirty="0">
+                <a:solidFill>
+                  <a:schemeClr val="accent5">
+                    <a:lumMod val="75000"/>
+                  </a:schemeClr>
+                </a:solidFill>
+                <a:latin typeface="AppleSDGothicNeoM00" panose="02000503000000000000" pitchFamily="2" charset="-127"/>
+                <a:ea typeface="AppleSDGothicNeoM00" panose="02000503000000000000" pitchFamily="2" charset="-127"/>
+              </a:rPr>
+              <a:t>폴더</a:t>
+            </a:r>
+            <a:r>
+              <a:rPr lang="en-US" altLang="ko-KR" sz="1400" b="1" dirty="0">
+                <a:solidFill>
+                  <a:schemeClr val="accent5">
+                    <a:lumMod val="75000"/>
+                  </a:schemeClr>
+                </a:solidFill>
+                <a:latin typeface="AppleSDGothicNeoM00" panose="02000503000000000000" pitchFamily="2" charset="-127"/>
+                <a:ea typeface="AppleSDGothicNeoM00" panose="02000503000000000000" pitchFamily="2" charset="-127"/>
+              </a:rPr>
+              <a:t>/(</a:t>
+            </a:r>
+            <a:r>
+              <a:rPr lang="ko-KR" altLang="en-US" sz="1400" b="1" dirty="0" err="1">
+                <a:solidFill>
+                  <a:schemeClr val="accent5">
+                    <a:lumMod val="75000"/>
+                  </a:schemeClr>
+                </a:solidFill>
+                <a:latin typeface="AppleSDGothicNeoM00" panose="02000503000000000000" pitchFamily="2" charset="-127"/>
+                <a:ea typeface="AppleSDGothicNeoM00" panose="02000503000000000000" pitchFamily="2" charset="-127"/>
+              </a:rPr>
+              <a:t>해시값</a:t>
+            </a:r>
+            <a:r>
+              <a:rPr lang="en-US" altLang="ko-KR" sz="1400" b="1" dirty="0">
+                <a:solidFill>
+                  <a:schemeClr val="accent5">
+                    <a:lumMod val="75000"/>
+                  </a:schemeClr>
+                </a:solidFill>
+                <a:latin typeface="AppleSDGothicNeoM00" panose="02000503000000000000" pitchFamily="2" charset="-127"/>
+                <a:ea typeface="AppleSDGothicNeoM00" panose="02000503000000000000" pitchFamily="2" charset="-127"/>
+              </a:rPr>
+              <a:t>)</a:t>
+            </a:r>
+          </a:p>
+          <a:p>
+            <a:endParaRPr lang="en-US" altLang="ko-KR" sz="1400" dirty="0">
+              <a:solidFill>
+                <a:schemeClr val="tx1"/>
+              </a:solidFill>
+              <a:latin typeface="AppleSDGothicNeoM00" panose="02000503000000000000" pitchFamily="2" charset="-127"/>
+              <a:ea typeface="AppleSDGothicNeoM00" panose="02000503000000000000" pitchFamily="2" charset="-127"/>
+            </a:endParaRPr>
+          </a:p>
+          <a:p>
+            <a:r>
+              <a:rPr lang="en-US" altLang="ko-KR" sz="1400" dirty="0">
+                <a:solidFill>
+                  <a:schemeClr val="tx1"/>
+                </a:solidFill>
+                <a:latin typeface="AppleSDGothicNeoM00" panose="02000503000000000000" pitchFamily="2" charset="-127"/>
+                <a:ea typeface="AppleSDGothicNeoM00" panose="02000503000000000000" pitchFamily="2" charset="-127"/>
+              </a:rPr>
+              <a:t>f1.txt </a:t>
+            </a:r>
+            <a:r>
+              <a:rPr lang="ko-KR" altLang="en-US" sz="1400" dirty="0">
+                <a:solidFill>
+                  <a:schemeClr val="tx1"/>
+                </a:solidFill>
+                <a:latin typeface="AppleSDGothicNeoM00" panose="02000503000000000000" pitchFamily="2" charset="-127"/>
+                <a:ea typeface="AppleSDGothicNeoM00" panose="02000503000000000000" pitchFamily="2" charset="-127"/>
+              </a:rPr>
+              <a:t>파일의 내부 내용</a:t>
+            </a:r>
+          </a:p>
+        </p:txBody>
+      </p:sp>
+      <p:cxnSp>
+        <p:nvCxnSpPr>
+          <p:cNvPr id="42" name="연결선: 꺾임 41">
+            <a:extLst>
+              <a:ext uri="{FF2B5EF4-FFF2-40B4-BE49-F238E27FC236}">
+                <a16:creationId xmlns:a16="http://schemas.microsoft.com/office/drawing/2014/main" id="{4B703FD5-377C-4B58-BCE4-8B94212023D1}"/>
+              </a:ext>
+            </a:extLst>
+          </p:cNvPr>
+          <p:cNvCxnSpPr>
+            <a:cxnSpLocks/>
+            <a:stCxn id="33" idx="3"/>
+            <a:endCxn id="40" idx="1"/>
+          </p:cNvCxnSpPr>
+          <p:nvPr/>
+        </p:nvCxnSpPr>
+        <p:spPr>
+          <a:xfrm>
+            <a:off x="6096000" y="1278597"/>
+            <a:ext cx="1270000" cy="1422006"/>
+          </a:xfrm>
+          <a:prstGeom prst="bentConnector3">
+            <a:avLst/>
+          </a:prstGeom>
+          <a:ln w="28575">
+            <a:solidFill>
+              <a:schemeClr val="tx1"/>
+            </a:solidFill>
+            <a:tailEnd type="triangle"/>
+          </a:ln>
+        </p:spPr>
+        <p:style>
+          <a:lnRef idx="1">
+            <a:schemeClr val="accent1"/>
+          </a:lnRef>
+          <a:fillRef idx="0">
+            <a:schemeClr val="accent1"/>
+          </a:fillRef>
+          <a:effectRef idx="0">
+            <a:schemeClr val="accent1"/>
+          </a:effectRef>
+          <a:fontRef idx="minor">
+            <a:schemeClr val="tx1"/>
+          </a:fontRef>
+        </p:style>
+      </p:cxnSp>
+      <p:sp>
+        <p:nvSpPr>
+          <p:cNvPr id="43" name="TextBox 42">
+            <a:extLst>
+              <a:ext uri="{FF2B5EF4-FFF2-40B4-BE49-F238E27FC236}">
+                <a16:creationId xmlns:a16="http://schemas.microsoft.com/office/drawing/2014/main" id="{46347BE1-8206-4471-A1AF-7C53F6210420}"/>
+              </a:ext>
+            </a:extLst>
+          </p:cNvPr>
+          <p:cNvSpPr txBox="1"/>
+          <p:nvPr/>
+        </p:nvSpPr>
+        <p:spPr>
+          <a:xfrm>
+            <a:off x="1208993" y="1934500"/>
+            <a:ext cx="1252314" cy="307777"/>
+          </a:xfrm>
+          <a:prstGeom prst="rect">
+            <a:avLst/>
+          </a:prstGeom>
+          <a:noFill/>
+        </p:spPr>
+        <p:txBody>
+          <a:bodyPr wrap="square" rtlCol="0">
+            <a:spAutoFit/>
+          </a:bodyPr>
+          <a:lstStyle/>
+          <a:p>
+            <a:pPr algn="ctr" latinLnBrk="0"/>
+            <a:r>
+              <a:rPr lang="ko-KR" altLang="en-US" sz="1400" dirty="0">
+                <a:latin typeface="AppleSDGothicNeoM00" panose="02000503000000000000" pitchFamily="2" charset="-127"/>
+                <a:ea typeface="AppleSDGothicNeoM00" panose="02000503000000000000" pitchFamily="2" charset="-127"/>
+              </a:rPr>
+              <a:t>파일 생성</a:t>
+            </a:r>
+          </a:p>
+        </p:txBody>
+      </p:sp>
+      <p:sp>
+        <p:nvSpPr>
+          <p:cNvPr id="47" name="TextBox 46">
+            <a:extLst>
+              <a:ext uri="{FF2B5EF4-FFF2-40B4-BE49-F238E27FC236}">
+                <a16:creationId xmlns:a16="http://schemas.microsoft.com/office/drawing/2014/main" id="{3ED3ACC4-2A89-408B-AC5B-238F9146148F}"/>
+              </a:ext>
+            </a:extLst>
+          </p:cNvPr>
+          <p:cNvSpPr txBox="1"/>
+          <p:nvPr/>
+        </p:nvSpPr>
+        <p:spPr>
+          <a:xfrm>
+            <a:off x="4472893" y="1940088"/>
+            <a:ext cx="1252314" cy="307777"/>
+          </a:xfrm>
+          <a:prstGeom prst="rect">
+            <a:avLst/>
+          </a:prstGeom>
+          <a:noFill/>
+        </p:spPr>
+        <p:txBody>
+          <a:bodyPr wrap="square" rtlCol="0">
+            <a:spAutoFit/>
+          </a:bodyPr>
+          <a:lstStyle/>
+          <a:p>
+            <a:pPr algn="ctr" latinLnBrk="0"/>
+            <a:r>
+              <a:rPr lang="ko-KR" altLang="en-US" sz="1400" dirty="0" err="1">
+                <a:latin typeface="AppleSDGothicNeoM00" panose="02000503000000000000" pitchFamily="2" charset="-127"/>
+                <a:ea typeface="AppleSDGothicNeoM00" panose="02000503000000000000" pitchFamily="2" charset="-127"/>
+              </a:rPr>
+              <a:t>해시값</a:t>
+            </a:r>
+            <a:r>
+              <a:rPr lang="ko-KR" altLang="en-US" sz="1400" dirty="0">
+                <a:latin typeface="AppleSDGothicNeoM00" panose="02000503000000000000" pitchFamily="2" charset="-127"/>
+                <a:ea typeface="AppleSDGothicNeoM00" panose="02000503000000000000" pitchFamily="2" charset="-127"/>
+              </a:rPr>
+              <a:t> 생성</a:t>
+            </a:r>
+          </a:p>
+        </p:txBody>
+      </p:sp>
+      <p:sp>
+        <p:nvSpPr>
+          <p:cNvPr id="51" name="TextBox 50">
+            <a:extLst>
+              <a:ext uri="{FF2B5EF4-FFF2-40B4-BE49-F238E27FC236}">
+                <a16:creationId xmlns:a16="http://schemas.microsoft.com/office/drawing/2014/main" id="{43CE9347-DAFF-4BC5-9E0B-949E99F48EDC}"/>
+              </a:ext>
+            </a:extLst>
+          </p:cNvPr>
+          <p:cNvSpPr txBox="1"/>
+          <p:nvPr/>
+        </p:nvSpPr>
+        <p:spPr>
+          <a:xfrm>
+            <a:off x="2832100" y="887708"/>
+            <a:ext cx="1252314" cy="307777"/>
+          </a:xfrm>
+          <a:prstGeom prst="rect">
+            <a:avLst/>
+          </a:prstGeom>
+          <a:noFill/>
+        </p:spPr>
+        <p:txBody>
+          <a:bodyPr wrap="square" rtlCol="0">
+            <a:spAutoFit/>
+          </a:bodyPr>
+          <a:lstStyle/>
+          <a:p>
+            <a:pPr algn="ctr" latinLnBrk="0"/>
+            <a:r>
+              <a:rPr lang="en-US" altLang="ko-KR" sz="1400" b="1" dirty="0">
+                <a:solidFill>
+                  <a:srgbClr val="FF0000"/>
+                </a:solidFill>
+                <a:latin typeface="AppleSDGothicNeoM00" panose="02000503000000000000" pitchFamily="2" charset="-127"/>
+                <a:ea typeface="AppleSDGothicNeoM00" panose="02000503000000000000" pitchFamily="2" charset="-127"/>
+              </a:rPr>
+              <a:t>git add</a:t>
+            </a:r>
+            <a:endParaRPr lang="ko-KR" altLang="en-US" sz="1400" b="1" dirty="0">
+              <a:solidFill>
+                <a:srgbClr val="FF0000"/>
+              </a:solidFill>
+              <a:latin typeface="AppleSDGothicNeoM00" panose="02000503000000000000" pitchFamily="2" charset="-127"/>
+              <a:ea typeface="AppleSDGothicNeoM00" panose="02000503000000000000" pitchFamily="2" charset="-127"/>
+            </a:endParaRPr>
+          </a:p>
+        </p:txBody>
+      </p:sp>
+    </p:spTree>
+    <p:extLst>
+      <p:ext uri="{BB962C8B-B14F-4D97-AF65-F5344CB8AC3E}">
+        <p14:creationId xmlns:p14="http://schemas.microsoft.com/office/powerpoint/2010/main" val="1693822510"/>
+      </p:ext>
+    </p:extLst>
+  </p:cSld>
+  <p:clrMapOvr>
+    <a:masterClrMapping/>
+  </p:clrMapOvr>
+</p:sld>
+</file>
+
+<file path=ppt/slides/slide29.xml><?xml version="1.0" encoding="utf-8"?>
+<p:sld xmlns:a="http://schemas.openxmlformats.org/drawingml/2006/main" xmlns:r="http://schemas.openxmlformats.org/officeDocument/2006/relationships" xmlns:p="http://schemas.openxmlformats.org/presentationml/2006/main">
+  <p:cSld>
+    <p:spTree>
+      <p:nvGrpSpPr>
+        <p:cNvPr id="1" name=""/>
+        <p:cNvGrpSpPr/>
+        <p:nvPr/>
+      </p:nvGrpSpPr>
+      <p:grpSpPr>
+        <a:xfrm>
+          <a:off x="0" y="0"/>
+          <a:ext cx="0" cy="0"/>
+          <a:chOff x="0" y="0"/>
+          <a:chExt cx="0" cy="0"/>
+        </a:xfrm>
+      </p:grpSpPr>
+      <p:pic>
+        <p:nvPicPr>
+          <p:cNvPr id="8" name="그림 7">
+            <a:extLst>
+              <a:ext uri="{FF2B5EF4-FFF2-40B4-BE49-F238E27FC236}">
+                <a16:creationId xmlns:a16="http://schemas.microsoft.com/office/drawing/2014/main" id="{24DE25A9-FDD0-4C7D-B548-4A0A5CBA9259}"/>
+              </a:ext>
+            </a:extLst>
+          </p:cNvPr>
+          <p:cNvPicPr>
+            <a:picLocks noChangeAspect="1"/>
+          </p:cNvPicPr>
+          <p:nvPr/>
+        </p:nvPicPr>
+        <p:blipFill>
+          <a:blip r:embed="rId2"/>
+          <a:stretch>
+            <a:fillRect/>
+          </a:stretch>
+        </p:blipFill>
+        <p:spPr>
+          <a:xfrm>
+            <a:off x="780308" y="594917"/>
+            <a:ext cx="7554819" cy="4027883"/>
+          </a:xfrm>
+          <a:prstGeom prst="rect">
+            <a:avLst/>
+          </a:prstGeom>
+        </p:spPr>
+      </p:pic>
+      <p:sp>
+        <p:nvSpPr>
+          <p:cNvPr id="13" name="직사각형 12">
+            <a:extLst>
+              <a:ext uri="{FF2B5EF4-FFF2-40B4-BE49-F238E27FC236}">
+                <a16:creationId xmlns:a16="http://schemas.microsoft.com/office/drawing/2014/main" id="{CACE8AC1-26D7-4A01-A035-413E0727FF90}"/>
+              </a:ext>
+            </a:extLst>
+          </p:cNvPr>
+          <p:cNvSpPr/>
+          <p:nvPr/>
+        </p:nvSpPr>
+        <p:spPr>
+          <a:xfrm>
+            <a:off x="780309" y="4199432"/>
+            <a:ext cx="3461492" cy="309067"/>
+          </a:xfrm>
+          <a:prstGeom prst="rect">
+            <a:avLst/>
+          </a:prstGeom>
+          <a:noFill/>
+          <a:ln w="38100">
+            <a:solidFill>
+              <a:srgbClr val="FF0000"/>
+            </a:solidFill>
+          </a:ln>
+        </p:spPr>
+        <p:style>
+          <a:lnRef idx="2">
+            <a:schemeClr val="accent1">
+              <a:shade val="50000"/>
+            </a:schemeClr>
+          </a:lnRef>
+          <a:fillRef idx="1">
+            <a:schemeClr val="accent1"/>
+          </a:fillRef>
+          <a:effectRef idx="0">
+            <a:schemeClr val="accent1"/>
+          </a:effectRef>
+          <a:fontRef idx="minor">
+            <a:schemeClr val="lt1"/>
+          </a:fontRef>
+        </p:style>
+        <p:txBody>
+          <a:bodyPr rtlCol="0" anchor="ctr"/>
+          <a:lstStyle/>
+          <a:p>
+            <a:pPr algn="ctr"/>
+            <a:endParaRPr lang="ko-KR" altLang="en-US"/>
+          </a:p>
+        </p:txBody>
+      </p:sp>
+      <p:sp>
+        <p:nvSpPr>
+          <p:cNvPr id="5" name="TextBox 4">
+            <a:extLst>
+              <a:ext uri="{FF2B5EF4-FFF2-40B4-BE49-F238E27FC236}">
+                <a16:creationId xmlns:a16="http://schemas.microsoft.com/office/drawing/2014/main" id="{7B3391EF-9598-4B19-BD21-AAA37DF6DD6F}"/>
+              </a:ext>
+            </a:extLst>
+          </p:cNvPr>
+          <p:cNvSpPr txBox="1"/>
+          <p:nvPr/>
+        </p:nvSpPr>
+        <p:spPr>
+          <a:xfrm>
+            <a:off x="8335127" y="1664792"/>
+            <a:ext cx="2859110" cy="3046988"/>
+          </a:xfrm>
+          <a:prstGeom prst="rect">
+            <a:avLst/>
+          </a:prstGeom>
+          <a:noFill/>
+        </p:spPr>
+        <p:txBody>
+          <a:bodyPr wrap="square" rtlCol="0">
+            <a:spAutoFit/>
+          </a:bodyPr>
+          <a:lstStyle/>
+          <a:p>
+            <a:pPr latinLnBrk="0"/>
+            <a:r>
+              <a:rPr lang="en-US" altLang="ko-KR" sz="1600" dirty="0">
+                <a:latin typeface="AppleSDGothicNeoM00" panose="02000503000000000000" pitchFamily="2" charset="-127"/>
+                <a:ea typeface="AppleSDGothicNeoM00" panose="02000503000000000000" pitchFamily="2" charset="-127"/>
+              </a:rPr>
+              <a:t>1. Commit</a:t>
+            </a:r>
+            <a:r>
+              <a:rPr lang="ko-KR" altLang="en-US" sz="1600" dirty="0">
+                <a:latin typeface="AppleSDGothicNeoM00" panose="02000503000000000000" pitchFamily="2" charset="-127"/>
+                <a:ea typeface="AppleSDGothicNeoM00" panose="02000503000000000000" pitchFamily="2" charset="-127"/>
+              </a:rPr>
+              <a:t>을 실행하면 </a:t>
+            </a:r>
+            <a:r>
+              <a:rPr lang="ko-KR" altLang="en-US" sz="1600" dirty="0" err="1">
+                <a:latin typeface="AppleSDGothicNeoM00" panose="02000503000000000000" pitchFamily="2" charset="-127"/>
+                <a:ea typeface="AppleSDGothicNeoM00" panose="02000503000000000000" pitchFamily="2" charset="-127"/>
+              </a:rPr>
+              <a:t>커밋</a:t>
+            </a:r>
+            <a:r>
+              <a:rPr lang="ko-KR" altLang="en-US" sz="1600" dirty="0">
+                <a:latin typeface="AppleSDGothicNeoM00" panose="02000503000000000000" pitchFamily="2" charset="-127"/>
+                <a:ea typeface="AppleSDGothicNeoM00" panose="02000503000000000000" pitchFamily="2" charset="-127"/>
+              </a:rPr>
+              <a:t> 메시지에 대한 객체가 새롭게 생성된다</a:t>
+            </a:r>
+            <a:r>
+              <a:rPr lang="en-US" altLang="ko-KR" sz="1600" dirty="0">
+                <a:latin typeface="AppleSDGothicNeoM00" panose="02000503000000000000" pitchFamily="2" charset="-127"/>
+                <a:ea typeface="AppleSDGothicNeoM00" panose="02000503000000000000" pitchFamily="2" charset="-127"/>
+              </a:rPr>
+              <a:t>.</a:t>
+            </a:r>
+          </a:p>
+          <a:p>
+            <a:pPr latinLnBrk="0"/>
+            <a:endParaRPr lang="en-US" altLang="ko-KR" sz="1600" dirty="0">
+              <a:latin typeface="AppleSDGothicNeoM00" panose="02000503000000000000" pitchFamily="2" charset="-127"/>
+              <a:ea typeface="AppleSDGothicNeoM00" panose="02000503000000000000" pitchFamily="2" charset="-127"/>
+            </a:endParaRPr>
+          </a:p>
+          <a:p>
+            <a:pPr latinLnBrk="0"/>
+            <a:r>
+              <a:rPr lang="en-US" altLang="ko-KR" sz="1600" dirty="0">
+                <a:latin typeface="AppleSDGothicNeoM00" panose="02000503000000000000" pitchFamily="2" charset="-127"/>
+                <a:ea typeface="AppleSDGothicNeoM00" panose="02000503000000000000" pitchFamily="2" charset="-127"/>
+              </a:rPr>
+              <a:t>2. </a:t>
+            </a:r>
+            <a:r>
+              <a:rPr lang="ko-KR" altLang="en-US" sz="1600" dirty="0">
+                <a:latin typeface="AppleSDGothicNeoM00" panose="02000503000000000000" pitchFamily="2" charset="-127"/>
+                <a:ea typeface="AppleSDGothicNeoM00" panose="02000503000000000000" pitchFamily="2" charset="-127"/>
+              </a:rPr>
+              <a:t>그리고 생성된 객체는 </a:t>
+            </a:r>
+            <a:r>
+              <a:rPr lang="en-US" altLang="ko-KR" sz="1600" dirty="0">
+                <a:latin typeface="AppleSDGothicNeoM00" panose="02000503000000000000" pitchFamily="2" charset="-127"/>
+                <a:ea typeface="AppleSDGothicNeoM00" panose="02000503000000000000" pitchFamily="2" charset="-127"/>
+              </a:rPr>
+              <a:t>tree</a:t>
+            </a:r>
+            <a:r>
+              <a:rPr lang="ko-KR" altLang="en-US" sz="1600" dirty="0">
+                <a:latin typeface="AppleSDGothicNeoM00" panose="02000503000000000000" pitchFamily="2" charset="-127"/>
+                <a:ea typeface="AppleSDGothicNeoM00" panose="02000503000000000000" pitchFamily="2" charset="-127"/>
+              </a:rPr>
+              <a:t>를 포함하는데</a:t>
+            </a:r>
+            <a:r>
+              <a:rPr lang="en-US" altLang="ko-KR" sz="1600" dirty="0">
+                <a:latin typeface="AppleSDGothicNeoM00" panose="02000503000000000000" pitchFamily="2" charset="-127"/>
+                <a:ea typeface="AppleSDGothicNeoM00" panose="02000503000000000000" pitchFamily="2" charset="-127"/>
+              </a:rPr>
+              <a:t>, tree</a:t>
+            </a:r>
+            <a:r>
+              <a:rPr lang="ko-KR" altLang="en-US" sz="1600" dirty="0">
+                <a:latin typeface="AppleSDGothicNeoM00" panose="02000503000000000000" pitchFamily="2" charset="-127"/>
+                <a:ea typeface="AppleSDGothicNeoM00" panose="02000503000000000000" pitchFamily="2" charset="-127"/>
+              </a:rPr>
+              <a:t>에는 </a:t>
+            </a:r>
+            <a:r>
+              <a:rPr lang="ko-KR" altLang="en-US" sz="1600" dirty="0" err="1">
+                <a:latin typeface="AppleSDGothicNeoM00" panose="02000503000000000000" pitchFamily="2" charset="-127"/>
+                <a:ea typeface="AppleSDGothicNeoM00" panose="02000503000000000000" pitchFamily="2" charset="-127"/>
+              </a:rPr>
+              <a:t>스테이징</a:t>
+            </a:r>
+            <a:r>
+              <a:rPr lang="ko-KR" altLang="en-US" sz="1600" dirty="0">
+                <a:latin typeface="AppleSDGothicNeoM00" panose="02000503000000000000" pitchFamily="2" charset="-127"/>
+                <a:ea typeface="AppleSDGothicNeoM00" panose="02000503000000000000" pitchFamily="2" charset="-127"/>
+              </a:rPr>
+              <a:t> 영역에서 </a:t>
+            </a:r>
+            <a:r>
+              <a:rPr lang="ko-KR" altLang="en-US" sz="1600" dirty="0" err="1">
+                <a:latin typeface="AppleSDGothicNeoM00" panose="02000503000000000000" pitchFamily="2" charset="-127"/>
+                <a:ea typeface="AppleSDGothicNeoM00" panose="02000503000000000000" pitchFamily="2" charset="-127"/>
+              </a:rPr>
+              <a:t>커밋된</a:t>
+            </a:r>
+            <a:r>
+              <a:rPr lang="ko-KR" altLang="en-US" sz="1600" dirty="0">
+                <a:latin typeface="AppleSDGothicNeoM00" panose="02000503000000000000" pitchFamily="2" charset="-127"/>
+                <a:ea typeface="AppleSDGothicNeoM00" panose="02000503000000000000" pitchFamily="2" charset="-127"/>
+              </a:rPr>
+              <a:t> 되어있던 파일들의 목록이 담겨있다</a:t>
+            </a:r>
+            <a:r>
+              <a:rPr lang="en-US" altLang="ko-KR" sz="1600" dirty="0">
+                <a:latin typeface="AppleSDGothicNeoM00" panose="02000503000000000000" pitchFamily="2" charset="-127"/>
+                <a:ea typeface="AppleSDGothicNeoM00" panose="02000503000000000000" pitchFamily="2" charset="-127"/>
+              </a:rPr>
+              <a:t>.</a:t>
+            </a:r>
+          </a:p>
+          <a:p>
+            <a:pPr latinLnBrk="0"/>
+            <a:endParaRPr lang="en-US" altLang="ko-KR" sz="1600" dirty="0">
+              <a:latin typeface="AppleSDGothicNeoM00" panose="02000503000000000000" pitchFamily="2" charset="-127"/>
+              <a:ea typeface="AppleSDGothicNeoM00" panose="02000503000000000000" pitchFamily="2" charset="-127"/>
+            </a:endParaRPr>
+          </a:p>
+          <a:p>
+            <a:pPr latinLnBrk="0"/>
+            <a:r>
+              <a:rPr lang="en-US" altLang="ko-KR" sz="1600" dirty="0">
+                <a:latin typeface="AppleSDGothicNeoM00" panose="02000503000000000000" pitchFamily="2" charset="-127"/>
+                <a:ea typeface="AppleSDGothicNeoM00" panose="02000503000000000000" pitchFamily="2" charset="-127"/>
+              </a:rPr>
+              <a:t>3. </a:t>
+            </a:r>
+            <a:r>
+              <a:rPr lang="ko-KR" altLang="en-US" sz="1600" dirty="0">
+                <a:latin typeface="AppleSDGothicNeoM00" panose="02000503000000000000" pitchFamily="2" charset="-127"/>
+                <a:ea typeface="AppleSDGothicNeoM00" panose="02000503000000000000" pitchFamily="2" charset="-127"/>
+              </a:rPr>
+              <a:t>그리고 각 파일마다 파일 내용을 담고 있는 고유한 </a:t>
+            </a:r>
+            <a:r>
+              <a:rPr lang="ko-KR" altLang="en-US" sz="1600" dirty="0" err="1">
+                <a:latin typeface="AppleSDGothicNeoM00" panose="02000503000000000000" pitchFamily="2" charset="-127"/>
+                <a:ea typeface="AppleSDGothicNeoM00" panose="02000503000000000000" pitchFamily="2" charset="-127"/>
+              </a:rPr>
+              <a:t>해시값이</a:t>
+            </a:r>
+            <a:r>
+              <a:rPr lang="ko-KR" altLang="en-US" sz="1600" dirty="0">
+                <a:latin typeface="AppleSDGothicNeoM00" panose="02000503000000000000" pitchFamily="2" charset="-127"/>
+                <a:ea typeface="AppleSDGothicNeoM00" panose="02000503000000000000" pitchFamily="2" charset="-127"/>
+              </a:rPr>
+              <a:t> 저장된다</a:t>
+            </a:r>
+            <a:r>
+              <a:rPr lang="en-US" altLang="ko-KR" sz="1600" dirty="0">
+                <a:latin typeface="AppleSDGothicNeoM00" panose="02000503000000000000" pitchFamily="2" charset="-127"/>
+                <a:ea typeface="AppleSDGothicNeoM00" panose="02000503000000000000" pitchFamily="2" charset="-127"/>
+              </a:rPr>
+              <a:t>.</a:t>
+            </a:r>
+            <a:endParaRPr lang="ko-KR" altLang="en-US" sz="1600" dirty="0">
+              <a:latin typeface="AppleSDGothicNeoM00" panose="02000503000000000000" pitchFamily="2" charset="-127"/>
+              <a:ea typeface="AppleSDGothicNeoM00" panose="02000503000000000000" pitchFamily="2" charset="-127"/>
+            </a:endParaRPr>
+          </a:p>
+        </p:txBody>
+      </p:sp>
+      <p:sp>
+        <p:nvSpPr>
+          <p:cNvPr id="7" name="직사각형 6">
+            <a:extLst>
+              <a:ext uri="{FF2B5EF4-FFF2-40B4-BE49-F238E27FC236}">
+                <a16:creationId xmlns:a16="http://schemas.microsoft.com/office/drawing/2014/main" id="{5C22D059-48C9-4495-A80C-142D5EC4F825}"/>
+              </a:ext>
+            </a:extLst>
+          </p:cNvPr>
+          <p:cNvSpPr/>
+          <p:nvPr/>
+        </p:nvSpPr>
+        <p:spPr>
+          <a:xfrm>
+            <a:off x="4603440" y="1510259"/>
+            <a:ext cx="3218691" cy="309066"/>
+          </a:xfrm>
+          <a:prstGeom prst="rect">
+            <a:avLst/>
+          </a:prstGeom>
+          <a:noFill/>
+          <a:ln w="38100">
+            <a:solidFill>
+              <a:srgbClr val="FF0000"/>
+            </a:solidFill>
+          </a:ln>
+        </p:spPr>
+        <p:style>
+          <a:lnRef idx="2">
+            <a:schemeClr val="accent1">
+              <a:shade val="50000"/>
+            </a:schemeClr>
+          </a:lnRef>
+          <a:fillRef idx="1">
+            <a:schemeClr val="accent1"/>
+          </a:fillRef>
+          <a:effectRef idx="0">
+            <a:schemeClr val="accent1"/>
+          </a:effectRef>
+          <a:fontRef idx="minor">
+            <a:schemeClr val="lt1"/>
+          </a:fontRef>
+        </p:style>
+        <p:txBody>
+          <a:bodyPr rtlCol="0" anchor="ctr"/>
+          <a:lstStyle/>
+          <a:p>
+            <a:pPr algn="ctr"/>
+            <a:endParaRPr lang="ko-KR" altLang="en-US"/>
+          </a:p>
+        </p:txBody>
+      </p:sp>
+      <p:pic>
+        <p:nvPicPr>
+          <p:cNvPr id="10" name="그림 9">
+            <a:extLst>
+              <a:ext uri="{FF2B5EF4-FFF2-40B4-BE49-F238E27FC236}">
+                <a16:creationId xmlns:a16="http://schemas.microsoft.com/office/drawing/2014/main" id="{3FB7A465-BB35-4359-B10F-1CDAA59C511F}"/>
+              </a:ext>
+            </a:extLst>
+          </p:cNvPr>
+          <p:cNvPicPr>
+            <a:picLocks noChangeAspect="1"/>
+          </p:cNvPicPr>
+          <p:nvPr/>
+        </p:nvPicPr>
+        <p:blipFill>
+          <a:blip r:embed="rId3"/>
+          <a:stretch>
+            <a:fillRect/>
+          </a:stretch>
+        </p:blipFill>
+        <p:spPr>
+          <a:xfrm>
+            <a:off x="4603440" y="3342256"/>
+            <a:ext cx="3731687" cy="1280544"/>
+          </a:xfrm>
+          <a:prstGeom prst="rect">
+            <a:avLst/>
+          </a:prstGeom>
+        </p:spPr>
+      </p:pic>
+      <p:sp>
+        <p:nvSpPr>
+          <p:cNvPr id="12" name="직사각형 11">
+            <a:extLst>
+              <a:ext uri="{FF2B5EF4-FFF2-40B4-BE49-F238E27FC236}">
+                <a16:creationId xmlns:a16="http://schemas.microsoft.com/office/drawing/2014/main" id="{944C3D5A-373C-45B4-AAD6-EA87D7D25AAB}"/>
+              </a:ext>
+            </a:extLst>
+          </p:cNvPr>
+          <p:cNvSpPr/>
+          <p:nvPr/>
+        </p:nvSpPr>
+        <p:spPr>
+          <a:xfrm>
+            <a:off x="780309" y="2709368"/>
+            <a:ext cx="3461492" cy="309067"/>
+          </a:xfrm>
+          <a:prstGeom prst="rect">
+            <a:avLst/>
+          </a:prstGeom>
+          <a:noFill/>
+          <a:ln w="38100">
+            <a:solidFill>
+              <a:srgbClr val="FF0000"/>
+            </a:solidFill>
+          </a:ln>
+        </p:spPr>
+        <p:style>
+          <a:lnRef idx="2">
+            <a:schemeClr val="accent1">
+              <a:shade val="50000"/>
+            </a:schemeClr>
+          </a:lnRef>
+          <a:fillRef idx="1">
+            <a:schemeClr val="accent1"/>
+          </a:fillRef>
+          <a:effectRef idx="0">
+            <a:schemeClr val="accent1"/>
+          </a:effectRef>
+          <a:fontRef idx="minor">
+            <a:schemeClr val="lt1"/>
+          </a:fontRef>
+        </p:style>
+        <p:txBody>
+          <a:bodyPr rtlCol="0" anchor="ctr"/>
+          <a:lstStyle/>
+          <a:p>
+            <a:pPr algn="ctr"/>
+            <a:endParaRPr lang="ko-KR" altLang="en-US"/>
+          </a:p>
+        </p:txBody>
+      </p:sp>
+      <p:cxnSp>
+        <p:nvCxnSpPr>
+          <p:cNvPr id="14" name="연결선: 꺾임 13">
+            <a:extLst>
+              <a:ext uri="{FF2B5EF4-FFF2-40B4-BE49-F238E27FC236}">
+                <a16:creationId xmlns:a16="http://schemas.microsoft.com/office/drawing/2014/main" id="{602E7919-31BE-4C6C-8AA9-7E7B7222D5AD}"/>
+              </a:ext>
+            </a:extLst>
+          </p:cNvPr>
+          <p:cNvCxnSpPr>
+            <a:cxnSpLocks/>
+            <a:stCxn id="12" idx="0"/>
+          </p:cNvCxnSpPr>
+          <p:nvPr/>
+        </p:nvCxnSpPr>
+        <p:spPr>
+          <a:xfrm rot="5400000" flipH="1" flipV="1">
+            <a:off x="3034959" y="1140888"/>
+            <a:ext cx="1044576" cy="2092385"/>
+          </a:xfrm>
+          <a:prstGeom prst="bentConnector2">
+            <a:avLst/>
+          </a:prstGeom>
+          <a:ln w="28575">
+            <a:solidFill>
+              <a:schemeClr val="tx1"/>
+            </a:solidFill>
+            <a:tailEnd type="triangle"/>
+          </a:ln>
+        </p:spPr>
+        <p:style>
+          <a:lnRef idx="1">
+            <a:schemeClr val="accent1"/>
+          </a:lnRef>
+          <a:fillRef idx="0">
+            <a:schemeClr val="accent1"/>
+          </a:fillRef>
+          <a:effectRef idx="0">
+            <a:schemeClr val="accent1"/>
+          </a:effectRef>
+          <a:fontRef idx="minor">
+            <a:schemeClr val="tx1"/>
+          </a:fontRef>
+        </p:style>
+      </p:cxnSp>
+      <p:cxnSp>
+        <p:nvCxnSpPr>
+          <p:cNvPr id="16" name="연결선: 꺾임 15">
+            <a:extLst>
+              <a:ext uri="{FF2B5EF4-FFF2-40B4-BE49-F238E27FC236}">
+                <a16:creationId xmlns:a16="http://schemas.microsoft.com/office/drawing/2014/main" id="{3AABC80E-4597-4C59-B4DF-276D250B89A5}"/>
+              </a:ext>
+            </a:extLst>
+          </p:cNvPr>
+          <p:cNvCxnSpPr>
+            <a:cxnSpLocks/>
+            <a:stCxn id="13" idx="2"/>
+            <a:endCxn id="10" idx="2"/>
+          </p:cNvCxnSpPr>
+          <p:nvPr/>
+        </p:nvCxnSpPr>
+        <p:spPr>
+          <a:xfrm rot="16200000" flipH="1">
+            <a:off x="4433019" y="2586534"/>
+            <a:ext cx="114301" cy="3958229"/>
+          </a:xfrm>
+          <a:prstGeom prst="bentConnector3">
+            <a:avLst>
+              <a:gd name="adj1" fmla="val 299998"/>
+            </a:avLst>
+          </a:prstGeom>
+          <a:ln w="28575">
+            <a:solidFill>
+              <a:schemeClr val="tx1"/>
+            </a:solidFill>
+            <a:tailEnd type="triangle"/>
+          </a:ln>
+        </p:spPr>
+        <p:style>
+          <a:lnRef idx="1">
+            <a:schemeClr val="accent1"/>
+          </a:lnRef>
+          <a:fillRef idx="0">
+            <a:schemeClr val="accent1"/>
+          </a:fillRef>
+          <a:effectRef idx="0">
+            <a:schemeClr val="accent1"/>
+          </a:effectRef>
+          <a:fontRef idx="minor">
+            <a:schemeClr val="tx1"/>
+          </a:fontRef>
+        </p:style>
+      </p:cxnSp>
+      <p:sp>
+        <p:nvSpPr>
+          <p:cNvPr id="19" name="직사각형 18">
+            <a:extLst>
+              <a:ext uri="{FF2B5EF4-FFF2-40B4-BE49-F238E27FC236}">
+                <a16:creationId xmlns:a16="http://schemas.microsoft.com/office/drawing/2014/main" id="{A3A5B7C0-64CD-4AF4-800C-2124DCEBA974}"/>
+              </a:ext>
+            </a:extLst>
+          </p:cNvPr>
+          <p:cNvSpPr/>
+          <p:nvPr/>
+        </p:nvSpPr>
+        <p:spPr>
+          <a:xfrm>
+            <a:off x="5386631" y="3827995"/>
+            <a:ext cx="2525469" cy="274106"/>
+          </a:xfrm>
+          <a:prstGeom prst="rect">
+            <a:avLst/>
+          </a:prstGeom>
+          <a:noFill/>
+          <a:ln w="38100">
+            <a:solidFill>
+              <a:srgbClr val="FF0000"/>
+            </a:solidFill>
+          </a:ln>
+        </p:spPr>
+        <p:style>
+          <a:lnRef idx="2">
+            <a:schemeClr val="accent1">
+              <a:shade val="50000"/>
+            </a:schemeClr>
+          </a:lnRef>
+          <a:fillRef idx="1">
+            <a:schemeClr val="accent1"/>
+          </a:fillRef>
+          <a:effectRef idx="0">
+            <a:schemeClr val="accent1"/>
+          </a:effectRef>
+          <a:fontRef idx="minor">
+            <a:schemeClr val="lt1"/>
+          </a:fontRef>
+        </p:style>
+        <p:txBody>
+          <a:bodyPr rtlCol="0" anchor="ctr"/>
+          <a:lstStyle/>
+          <a:p>
+            <a:pPr algn="ctr"/>
+            <a:endParaRPr lang="ko-KR" altLang="en-US"/>
+          </a:p>
+        </p:txBody>
+      </p:sp>
+      <p:cxnSp>
+        <p:nvCxnSpPr>
+          <p:cNvPr id="20" name="연결선: 꺾임 19">
+            <a:extLst>
+              <a:ext uri="{FF2B5EF4-FFF2-40B4-BE49-F238E27FC236}">
+                <a16:creationId xmlns:a16="http://schemas.microsoft.com/office/drawing/2014/main" id="{25854BB6-0B1D-4FAD-A861-8ECF0210068F}"/>
+              </a:ext>
+            </a:extLst>
+          </p:cNvPr>
+          <p:cNvCxnSpPr>
+            <a:cxnSpLocks/>
+            <a:stCxn id="7" idx="2"/>
+            <a:endCxn id="13" idx="0"/>
+          </p:cNvCxnSpPr>
+          <p:nvPr/>
+        </p:nvCxnSpPr>
+        <p:spPr>
+          <a:xfrm rot="5400000">
+            <a:off x="3171868" y="1158513"/>
+            <a:ext cx="2380107" cy="3701731"/>
+          </a:xfrm>
+          <a:prstGeom prst="bentConnector3">
+            <a:avLst>
+              <a:gd name="adj1" fmla="val 62806"/>
+            </a:avLst>
+          </a:prstGeom>
+          <a:ln w="28575">
+            <a:solidFill>
+              <a:schemeClr val="tx1"/>
+            </a:solidFill>
+            <a:tailEnd type="triangle"/>
+          </a:ln>
+        </p:spPr>
+        <p:style>
+          <a:lnRef idx="1">
+            <a:schemeClr val="accent1"/>
+          </a:lnRef>
+          <a:fillRef idx="0">
+            <a:schemeClr val="accent1"/>
+          </a:fillRef>
+          <a:effectRef idx="0">
+            <a:schemeClr val="accent1"/>
+          </a:effectRef>
+          <a:fontRef idx="minor">
+            <a:schemeClr val="tx1"/>
+          </a:fontRef>
+        </p:style>
+      </p:cxnSp>
+      <p:sp>
+        <p:nvSpPr>
+          <p:cNvPr id="25" name="TextBox 24">
+            <a:extLst>
+              <a:ext uri="{FF2B5EF4-FFF2-40B4-BE49-F238E27FC236}">
+                <a16:creationId xmlns:a16="http://schemas.microsoft.com/office/drawing/2014/main" id="{F19FBC5C-D7A5-4E04-8D2A-3CBF5C24A2D3}"/>
+              </a:ext>
+            </a:extLst>
+          </p:cNvPr>
+          <p:cNvSpPr txBox="1"/>
+          <p:nvPr/>
+        </p:nvSpPr>
+        <p:spPr>
+          <a:xfrm>
+            <a:off x="2994093" y="1138429"/>
+            <a:ext cx="600445" cy="646331"/>
+          </a:xfrm>
+          <a:prstGeom prst="rect">
+            <a:avLst/>
+          </a:prstGeom>
+          <a:noFill/>
+        </p:spPr>
+        <p:txBody>
+          <a:bodyPr wrap="square">
+            <a:spAutoFit/>
+          </a:bodyPr>
+          <a:lstStyle/>
+          <a:p>
+            <a:r>
+              <a:rPr lang="ko-KR" altLang="en-US" sz="3600" b="1" dirty="0">
+                <a:latin typeface="AppleSDGothicNeoM00" panose="02000503000000000000" pitchFamily="2" charset="-127"/>
+                <a:ea typeface="AppleSDGothicNeoM00" panose="02000503000000000000" pitchFamily="2" charset="-127"/>
+              </a:rPr>
+              <a:t>①</a:t>
+            </a:r>
+            <a:endParaRPr lang="ko-KR" altLang="en-US" sz="3600" b="1" dirty="0"/>
+          </a:p>
+        </p:txBody>
+      </p:sp>
+      <p:sp>
+        <p:nvSpPr>
+          <p:cNvPr id="26" name="TextBox 25">
+            <a:extLst>
+              <a:ext uri="{FF2B5EF4-FFF2-40B4-BE49-F238E27FC236}">
+                <a16:creationId xmlns:a16="http://schemas.microsoft.com/office/drawing/2014/main" id="{839429B7-53B6-4F6D-AB90-F0E3CF10A4E2}"/>
+              </a:ext>
+            </a:extLst>
+          </p:cNvPr>
+          <p:cNvSpPr txBox="1"/>
+          <p:nvPr/>
+        </p:nvSpPr>
+        <p:spPr>
+          <a:xfrm>
+            <a:off x="6212785" y="2792931"/>
+            <a:ext cx="600445" cy="646331"/>
+          </a:xfrm>
+          <a:prstGeom prst="rect">
+            <a:avLst/>
+          </a:prstGeom>
+          <a:noFill/>
+        </p:spPr>
+        <p:txBody>
+          <a:bodyPr wrap="square">
+            <a:spAutoFit/>
+          </a:bodyPr>
+          <a:lstStyle/>
+          <a:p>
+            <a:r>
+              <a:rPr lang="ko-KR" altLang="en-US" sz="3600" b="1" dirty="0">
+                <a:latin typeface="AppleSDGothicNeoM00" panose="02000503000000000000" pitchFamily="2" charset="-127"/>
+                <a:ea typeface="AppleSDGothicNeoM00" panose="02000503000000000000" pitchFamily="2" charset="-127"/>
+              </a:rPr>
+              <a:t>②</a:t>
+            </a:r>
+            <a:endParaRPr lang="ko-KR" altLang="en-US" sz="3600" b="1" dirty="0"/>
+          </a:p>
+        </p:txBody>
+      </p:sp>
+      <p:sp>
+        <p:nvSpPr>
+          <p:cNvPr id="27" name="TextBox 26">
+            <a:extLst>
+              <a:ext uri="{FF2B5EF4-FFF2-40B4-BE49-F238E27FC236}">
+                <a16:creationId xmlns:a16="http://schemas.microsoft.com/office/drawing/2014/main" id="{BB4ADC02-C8C6-4EB5-B31E-FE026C93C942}"/>
+              </a:ext>
+            </a:extLst>
+          </p:cNvPr>
+          <p:cNvSpPr txBox="1"/>
+          <p:nvPr/>
+        </p:nvSpPr>
+        <p:spPr>
+          <a:xfrm>
+            <a:off x="2994093" y="4809720"/>
+            <a:ext cx="600445" cy="646331"/>
+          </a:xfrm>
+          <a:prstGeom prst="rect">
+            <a:avLst/>
+          </a:prstGeom>
+          <a:noFill/>
+        </p:spPr>
+        <p:txBody>
+          <a:bodyPr wrap="square">
+            <a:spAutoFit/>
+          </a:bodyPr>
+          <a:lstStyle/>
+          <a:p>
+            <a:r>
+              <a:rPr lang="ko-KR" altLang="en-US" sz="3600" b="1" dirty="0">
+                <a:latin typeface="AppleSDGothicNeoM00" panose="02000503000000000000" pitchFamily="2" charset="-127"/>
+                <a:ea typeface="AppleSDGothicNeoM00" panose="02000503000000000000" pitchFamily="2" charset="-127"/>
+              </a:rPr>
+              <a:t>③</a:t>
+            </a:r>
+            <a:endParaRPr lang="ko-KR" altLang="en-US" sz="3600" b="1" dirty="0"/>
+          </a:p>
+        </p:txBody>
+      </p:sp>
+    </p:spTree>
+    <p:extLst>
+      <p:ext uri="{BB962C8B-B14F-4D97-AF65-F5344CB8AC3E}">
+        <p14:creationId xmlns:p14="http://schemas.microsoft.com/office/powerpoint/2010/main" val="657961136"/>
+      </p:ext>
+    </p:extLst>
+  </p:cSld>
+  <p:clrMapOvr>
+    <a:masterClrMapping/>
+  </p:clrMapOvr>
+</p:sld>
+</file>
+
 <file path=ppt/slides/slide3.xml><?xml version="1.0" encoding="utf-8"?>
 <p:sld xmlns:a="http://schemas.openxmlformats.org/drawingml/2006/main" xmlns:r="http://schemas.openxmlformats.org/officeDocument/2006/relationships" xmlns:p="http://schemas.openxmlformats.org/presentationml/2006/main">
   <p:cSld>
@@ -14531,6 +18547,1741 @@
     <p:extLst>
       <p:ext uri="{BB962C8B-B14F-4D97-AF65-F5344CB8AC3E}">
         <p14:creationId xmlns:p14="http://schemas.microsoft.com/office/powerpoint/2010/main" val="3350300342"/>
+      </p:ext>
+    </p:extLst>
+  </p:cSld>
+  <p:clrMapOvr>
+    <a:masterClrMapping/>
+  </p:clrMapOvr>
+</p:sld>
+</file>
+
+<file path=ppt/slides/slide30.xml><?xml version="1.0" encoding="utf-8"?>
+<p:sld xmlns:a="http://schemas.openxmlformats.org/drawingml/2006/main" xmlns:r="http://schemas.openxmlformats.org/officeDocument/2006/relationships" xmlns:p="http://schemas.openxmlformats.org/presentationml/2006/main">
+  <p:cSld>
+    <p:spTree>
+      <p:nvGrpSpPr>
+        <p:cNvPr id="1" name=""/>
+        <p:cNvGrpSpPr/>
+        <p:nvPr/>
+      </p:nvGrpSpPr>
+      <p:grpSpPr>
+        <a:xfrm>
+          <a:off x="0" y="0"/>
+          <a:ext cx="0" cy="0"/>
+          <a:chOff x="0" y="0"/>
+          <a:chExt cx="0" cy="0"/>
+        </a:xfrm>
+      </p:grpSpPr>
+      <p:pic>
+        <p:nvPicPr>
+          <p:cNvPr id="3" name="그림 2">
+            <a:extLst>
+              <a:ext uri="{FF2B5EF4-FFF2-40B4-BE49-F238E27FC236}">
+                <a16:creationId xmlns:a16="http://schemas.microsoft.com/office/drawing/2014/main" id="{D18B7036-AD91-405E-9D5C-E913C0A609AF}"/>
+              </a:ext>
+            </a:extLst>
+          </p:cNvPr>
+          <p:cNvPicPr>
+            <a:picLocks noChangeAspect="1"/>
+          </p:cNvPicPr>
+          <p:nvPr/>
+        </p:nvPicPr>
+        <p:blipFill>
+          <a:blip r:embed="rId2"/>
+          <a:stretch>
+            <a:fillRect/>
+          </a:stretch>
+        </p:blipFill>
+        <p:spPr>
+          <a:xfrm>
+            <a:off x="757116" y="1080407"/>
+            <a:ext cx="7209610" cy="3857942"/>
+          </a:xfrm>
+          <a:prstGeom prst="rect">
+            <a:avLst/>
+          </a:prstGeom>
+        </p:spPr>
+      </p:pic>
+      <p:sp>
+        <p:nvSpPr>
+          <p:cNvPr id="13" name="직사각형 12">
+            <a:extLst>
+              <a:ext uri="{FF2B5EF4-FFF2-40B4-BE49-F238E27FC236}">
+                <a16:creationId xmlns:a16="http://schemas.microsoft.com/office/drawing/2014/main" id="{CACE8AC1-26D7-4A01-A035-413E0727FF90}"/>
+              </a:ext>
+            </a:extLst>
+          </p:cNvPr>
+          <p:cNvSpPr/>
+          <p:nvPr/>
+        </p:nvSpPr>
+        <p:spPr>
+          <a:xfrm>
+            <a:off x="4428754" y="3725691"/>
+            <a:ext cx="3026146" cy="192294"/>
+          </a:xfrm>
+          <a:prstGeom prst="rect">
+            <a:avLst/>
+          </a:prstGeom>
+          <a:noFill/>
+          <a:ln w="38100">
+            <a:solidFill>
+              <a:srgbClr val="FF0000"/>
+            </a:solidFill>
+          </a:ln>
+        </p:spPr>
+        <p:style>
+          <a:lnRef idx="2">
+            <a:schemeClr val="accent1">
+              <a:shade val="50000"/>
+            </a:schemeClr>
+          </a:lnRef>
+          <a:fillRef idx="1">
+            <a:schemeClr val="accent1"/>
+          </a:fillRef>
+          <a:effectRef idx="0">
+            <a:schemeClr val="accent1"/>
+          </a:effectRef>
+          <a:fontRef idx="minor">
+            <a:schemeClr val="lt1"/>
+          </a:fontRef>
+        </p:style>
+        <p:txBody>
+          <a:bodyPr rtlCol="0" anchor="ctr"/>
+          <a:lstStyle/>
+          <a:p>
+            <a:pPr algn="ctr"/>
+            <a:endParaRPr lang="ko-KR" altLang="en-US"/>
+          </a:p>
+        </p:txBody>
+      </p:sp>
+      <p:sp>
+        <p:nvSpPr>
+          <p:cNvPr id="5" name="TextBox 4">
+            <a:extLst>
+              <a:ext uri="{FF2B5EF4-FFF2-40B4-BE49-F238E27FC236}">
+                <a16:creationId xmlns:a16="http://schemas.microsoft.com/office/drawing/2014/main" id="{7B3391EF-9598-4B19-BD21-AAA37DF6DD6F}"/>
+              </a:ext>
+            </a:extLst>
+          </p:cNvPr>
+          <p:cNvSpPr txBox="1"/>
+          <p:nvPr/>
+        </p:nvSpPr>
+        <p:spPr>
+          <a:xfrm>
+            <a:off x="8064699" y="1608994"/>
+            <a:ext cx="2859110" cy="2800767"/>
+          </a:xfrm>
+          <a:prstGeom prst="rect">
+            <a:avLst/>
+          </a:prstGeom>
+          <a:noFill/>
+        </p:spPr>
+        <p:txBody>
+          <a:bodyPr wrap="square" rtlCol="0">
+            <a:spAutoFit/>
+          </a:bodyPr>
+          <a:lstStyle/>
+          <a:p>
+            <a:pPr latinLnBrk="0"/>
+            <a:r>
+              <a:rPr lang="en-US" altLang="ko-KR" sz="1600" dirty="0">
+                <a:latin typeface="AppleSDGothicNeoM00" panose="02000503000000000000" pitchFamily="2" charset="-127"/>
+                <a:ea typeface="AppleSDGothicNeoM00" panose="02000503000000000000" pitchFamily="2" charset="-127"/>
+              </a:rPr>
+              <a:t>1. </a:t>
+            </a:r>
+            <a:r>
+              <a:rPr lang="ko-KR" altLang="en-US" sz="1600" dirty="0">
+                <a:latin typeface="AppleSDGothicNeoM00" panose="02000503000000000000" pitchFamily="2" charset="-127"/>
+                <a:ea typeface="AppleSDGothicNeoM00" panose="02000503000000000000" pitchFamily="2" charset="-127"/>
+              </a:rPr>
+              <a:t>두 번째 </a:t>
+            </a:r>
+            <a:r>
+              <a:rPr lang="ko-KR" altLang="en-US" sz="1600" dirty="0" err="1">
+                <a:latin typeface="AppleSDGothicNeoM00" panose="02000503000000000000" pitchFamily="2" charset="-127"/>
+                <a:ea typeface="AppleSDGothicNeoM00" panose="02000503000000000000" pitchFamily="2" charset="-127"/>
+              </a:rPr>
+              <a:t>커밋부터는</a:t>
+            </a:r>
+            <a:r>
+              <a:rPr lang="ko-KR" altLang="en-US" sz="1600" dirty="0">
+                <a:latin typeface="AppleSDGothicNeoM00" panose="02000503000000000000" pitchFamily="2" charset="-127"/>
+                <a:ea typeface="AppleSDGothicNeoM00" panose="02000503000000000000" pitchFamily="2" charset="-127"/>
+              </a:rPr>
+              <a:t> </a:t>
+            </a:r>
+            <a:r>
+              <a:rPr lang="en-US" altLang="ko-KR" sz="1600" dirty="0">
+                <a:latin typeface="AppleSDGothicNeoM00" panose="02000503000000000000" pitchFamily="2" charset="-127"/>
+                <a:ea typeface="AppleSDGothicNeoM00" panose="02000503000000000000" pitchFamily="2" charset="-127"/>
+              </a:rPr>
+              <a:t>parent</a:t>
+            </a:r>
+            <a:r>
+              <a:rPr lang="ko-KR" altLang="en-US" sz="1600" dirty="0">
+                <a:latin typeface="AppleSDGothicNeoM00" panose="02000503000000000000" pitchFamily="2" charset="-127"/>
+                <a:ea typeface="AppleSDGothicNeoM00" panose="02000503000000000000" pitchFamily="2" charset="-127"/>
+              </a:rPr>
+              <a:t>가 함께 생성되고</a:t>
+            </a:r>
+            <a:r>
+              <a:rPr lang="en-US" altLang="ko-KR" sz="1600" dirty="0">
+                <a:latin typeface="AppleSDGothicNeoM00" panose="02000503000000000000" pitchFamily="2" charset="-127"/>
+                <a:ea typeface="AppleSDGothicNeoM00" panose="02000503000000000000" pitchFamily="2" charset="-127"/>
+              </a:rPr>
+              <a:t>,</a:t>
+            </a:r>
+            <a:r>
+              <a:rPr lang="ko-KR" altLang="en-US" sz="1600" dirty="0">
+                <a:latin typeface="AppleSDGothicNeoM00" panose="02000503000000000000" pitchFamily="2" charset="-127"/>
+                <a:ea typeface="AppleSDGothicNeoM00" panose="02000503000000000000" pitchFamily="2" charset="-127"/>
+              </a:rPr>
+              <a:t> 이전 </a:t>
+            </a:r>
+            <a:r>
+              <a:rPr lang="ko-KR" altLang="en-US" sz="1600" dirty="0" err="1">
+                <a:latin typeface="AppleSDGothicNeoM00" panose="02000503000000000000" pitchFamily="2" charset="-127"/>
+                <a:ea typeface="AppleSDGothicNeoM00" panose="02000503000000000000" pitchFamily="2" charset="-127"/>
+              </a:rPr>
+              <a:t>커밋에</a:t>
+            </a:r>
+            <a:r>
+              <a:rPr lang="ko-KR" altLang="en-US" sz="1600" dirty="0">
+                <a:latin typeface="AppleSDGothicNeoM00" panose="02000503000000000000" pitchFamily="2" charset="-127"/>
+                <a:ea typeface="AppleSDGothicNeoM00" panose="02000503000000000000" pitchFamily="2" charset="-127"/>
+              </a:rPr>
+              <a:t> 대한 내역을 볼 수 있다</a:t>
+            </a:r>
+            <a:r>
+              <a:rPr lang="en-US" altLang="ko-KR" sz="1600" dirty="0">
+                <a:latin typeface="AppleSDGothicNeoM00" panose="02000503000000000000" pitchFamily="2" charset="-127"/>
+                <a:ea typeface="AppleSDGothicNeoM00" panose="02000503000000000000" pitchFamily="2" charset="-127"/>
+              </a:rPr>
+              <a:t>.</a:t>
+            </a:r>
+          </a:p>
+          <a:p>
+            <a:pPr marL="342900" indent="-342900" latinLnBrk="0">
+              <a:buAutoNum type="arabicPeriod"/>
+            </a:pPr>
+            <a:endParaRPr lang="en-US" altLang="ko-KR" sz="1600" dirty="0">
+              <a:latin typeface="AppleSDGothicNeoM00" panose="02000503000000000000" pitchFamily="2" charset="-127"/>
+              <a:ea typeface="AppleSDGothicNeoM00" panose="02000503000000000000" pitchFamily="2" charset="-127"/>
+            </a:endParaRPr>
+          </a:p>
+          <a:p>
+            <a:pPr latinLnBrk="0"/>
+            <a:r>
+              <a:rPr lang="en-US" altLang="ko-KR" sz="1600" dirty="0">
+                <a:latin typeface="AppleSDGothicNeoM00" panose="02000503000000000000" pitchFamily="2" charset="-127"/>
+                <a:ea typeface="AppleSDGothicNeoM00" panose="02000503000000000000" pitchFamily="2" charset="-127"/>
+              </a:rPr>
+              <a:t>2. parent</a:t>
+            </a:r>
+            <a:r>
+              <a:rPr lang="ko-KR" altLang="en-US" sz="1600" dirty="0">
+                <a:latin typeface="AppleSDGothicNeoM00" panose="02000503000000000000" pitchFamily="2" charset="-127"/>
+                <a:ea typeface="AppleSDGothicNeoM00" panose="02000503000000000000" pitchFamily="2" charset="-127"/>
+              </a:rPr>
+              <a:t>에 생성된 객체는 해당 </a:t>
+            </a:r>
+            <a:r>
+              <a:rPr lang="ko-KR" altLang="en-US" sz="1600" dirty="0" err="1">
+                <a:latin typeface="AppleSDGothicNeoM00" panose="02000503000000000000" pitchFamily="2" charset="-127"/>
+                <a:ea typeface="AppleSDGothicNeoM00" panose="02000503000000000000" pitchFamily="2" charset="-127"/>
+              </a:rPr>
+              <a:t>커밋</a:t>
+            </a:r>
+            <a:r>
+              <a:rPr lang="ko-KR" altLang="en-US" sz="1600" dirty="0">
+                <a:latin typeface="AppleSDGothicNeoM00" panose="02000503000000000000" pitchFamily="2" charset="-127"/>
+                <a:ea typeface="AppleSDGothicNeoM00" panose="02000503000000000000" pitchFamily="2" charset="-127"/>
+              </a:rPr>
+              <a:t> 당시에 존재한 파일들이 담긴 </a:t>
+            </a:r>
+            <a:r>
+              <a:rPr lang="en-US" altLang="ko-KR" sz="1600" dirty="0">
+                <a:latin typeface="AppleSDGothicNeoM00" panose="02000503000000000000" pitchFamily="2" charset="-127"/>
+                <a:ea typeface="AppleSDGothicNeoM00" panose="02000503000000000000" pitchFamily="2" charset="-127"/>
+              </a:rPr>
+              <a:t>tree</a:t>
+            </a:r>
+            <a:r>
+              <a:rPr lang="ko-KR" altLang="en-US" sz="1600" dirty="0">
+                <a:latin typeface="AppleSDGothicNeoM00" panose="02000503000000000000" pitchFamily="2" charset="-127"/>
+                <a:ea typeface="AppleSDGothicNeoM00" panose="02000503000000000000" pitchFamily="2" charset="-127"/>
+              </a:rPr>
+              <a:t>이 존재한다</a:t>
+            </a:r>
+            <a:r>
+              <a:rPr lang="en-US" altLang="ko-KR" sz="1600" dirty="0">
+                <a:latin typeface="AppleSDGothicNeoM00" panose="02000503000000000000" pitchFamily="2" charset="-127"/>
+                <a:ea typeface="AppleSDGothicNeoM00" panose="02000503000000000000" pitchFamily="2" charset="-127"/>
+              </a:rPr>
+              <a:t>.</a:t>
+            </a:r>
+          </a:p>
+          <a:p>
+            <a:pPr latinLnBrk="0"/>
+            <a:endParaRPr lang="en-US" altLang="ko-KR" sz="1600" dirty="0">
+              <a:latin typeface="AppleSDGothicNeoM00" panose="02000503000000000000" pitchFamily="2" charset="-127"/>
+              <a:ea typeface="AppleSDGothicNeoM00" panose="02000503000000000000" pitchFamily="2" charset="-127"/>
+            </a:endParaRPr>
+          </a:p>
+          <a:p>
+            <a:pPr latinLnBrk="0"/>
+            <a:r>
+              <a:rPr lang="en-US" altLang="ko-KR" sz="1600" dirty="0">
+                <a:latin typeface="AppleSDGothicNeoM00" panose="02000503000000000000" pitchFamily="2" charset="-127"/>
+                <a:ea typeface="AppleSDGothicNeoM00" panose="02000503000000000000" pitchFamily="2" charset="-127"/>
+              </a:rPr>
+              <a:t>3. </a:t>
+            </a:r>
+            <a:r>
+              <a:rPr lang="ko-KR" altLang="en-US" sz="1600" dirty="0">
+                <a:latin typeface="AppleSDGothicNeoM00" panose="02000503000000000000" pitchFamily="2" charset="-127"/>
+                <a:ea typeface="AppleSDGothicNeoM00" panose="02000503000000000000" pitchFamily="2" charset="-127"/>
+              </a:rPr>
+              <a:t>마찬가지로 </a:t>
+            </a:r>
+            <a:r>
+              <a:rPr lang="en-US" altLang="ko-KR" sz="1600" dirty="0">
+                <a:latin typeface="AppleSDGothicNeoM00" panose="02000503000000000000" pitchFamily="2" charset="-127"/>
+                <a:ea typeface="AppleSDGothicNeoM00" panose="02000503000000000000" pitchFamily="2" charset="-127"/>
+              </a:rPr>
+              <a:t>tree</a:t>
+            </a:r>
+            <a:r>
+              <a:rPr lang="ko-KR" altLang="en-US" sz="1600" dirty="0">
+                <a:latin typeface="AppleSDGothicNeoM00" panose="02000503000000000000" pitchFamily="2" charset="-127"/>
+                <a:ea typeface="AppleSDGothicNeoM00" panose="02000503000000000000" pitchFamily="2" charset="-127"/>
+              </a:rPr>
+              <a:t>를 클릭하면 해당 </a:t>
+            </a:r>
+            <a:r>
+              <a:rPr lang="ko-KR" altLang="en-US" sz="1600" dirty="0" err="1">
+                <a:latin typeface="AppleSDGothicNeoM00" panose="02000503000000000000" pitchFamily="2" charset="-127"/>
+                <a:ea typeface="AppleSDGothicNeoM00" panose="02000503000000000000" pitchFamily="2" charset="-127"/>
+              </a:rPr>
+              <a:t>커밋에</a:t>
+            </a:r>
+            <a:r>
+              <a:rPr lang="ko-KR" altLang="en-US" sz="1600" dirty="0">
+                <a:latin typeface="AppleSDGothicNeoM00" panose="02000503000000000000" pitchFamily="2" charset="-127"/>
+                <a:ea typeface="AppleSDGothicNeoM00" panose="02000503000000000000" pitchFamily="2" charset="-127"/>
+              </a:rPr>
+              <a:t> 대한 파일 목록 정보를 볼 수 있다</a:t>
+            </a:r>
+            <a:r>
+              <a:rPr lang="en-US" altLang="ko-KR" sz="1600" dirty="0">
+                <a:latin typeface="AppleSDGothicNeoM00" panose="02000503000000000000" pitchFamily="2" charset="-127"/>
+                <a:ea typeface="AppleSDGothicNeoM00" panose="02000503000000000000" pitchFamily="2" charset="-127"/>
+              </a:rPr>
+              <a:t>.</a:t>
+            </a:r>
+            <a:endParaRPr lang="ko-KR" altLang="en-US" sz="1600" dirty="0">
+              <a:latin typeface="AppleSDGothicNeoM00" panose="02000503000000000000" pitchFamily="2" charset="-127"/>
+              <a:ea typeface="AppleSDGothicNeoM00" panose="02000503000000000000" pitchFamily="2" charset="-127"/>
+            </a:endParaRPr>
+          </a:p>
+        </p:txBody>
+      </p:sp>
+      <p:sp>
+        <p:nvSpPr>
+          <p:cNvPr id="7" name="직사각형 6">
+            <a:extLst>
+              <a:ext uri="{FF2B5EF4-FFF2-40B4-BE49-F238E27FC236}">
+                <a16:creationId xmlns:a16="http://schemas.microsoft.com/office/drawing/2014/main" id="{5C22D059-48C9-4495-A80C-142D5EC4F825}"/>
+              </a:ext>
+            </a:extLst>
+          </p:cNvPr>
+          <p:cNvSpPr/>
+          <p:nvPr/>
+        </p:nvSpPr>
+        <p:spPr>
+          <a:xfrm>
+            <a:off x="4490169" y="1799666"/>
+            <a:ext cx="3218691" cy="309066"/>
+          </a:xfrm>
+          <a:prstGeom prst="rect">
+            <a:avLst/>
+          </a:prstGeom>
+          <a:noFill/>
+          <a:ln w="38100">
+            <a:solidFill>
+              <a:srgbClr val="FF0000"/>
+            </a:solidFill>
+          </a:ln>
+        </p:spPr>
+        <p:style>
+          <a:lnRef idx="2">
+            <a:schemeClr val="accent1">
+              <a:shade val="50000"/>
+            </a:schemeClr>
+          </a:lnRef>
+          <a:fillRef idx="1">
+            <a:schemeClr val="accent1"/>
+          </a:fillRef>
+          <a:effectRef idx="0">
+            <a:schemeClr val="accent1"/>
+          </a:effectRef>
+          <a:fontRef idx="minor">
+            <a:schemeClr val="lt1"/>
+          </a:fontRef>
+        </p:style>
+        <p:txBody>
+          <a:bodyPr rtlCol="0" anchor="ctr"/>
+          <a:lstStyle/>
+          <a:p>
+            <a:pPr algn="ctr"/>
+            <a:endParaRPr lang="ko-KR" altLang="en-US"/>
+          </a:p>
+        </p:txBody>
+      </p:sp>
+      <p:sp>
+        <p:nvSpPr>
+          <p:cNvPr id="12" name="직사각형 11">
+            <a:extLst>
+              <a:ext uri="{FF2B5EF4-FFF2-40B4-BE49-F238E27FC236}">
+                <a16:creationId xmlns:a16="http://schemas.microsoft.com/office/drawing/2014/main" id="{944C3D5A-373C-45B4-AAD6-EA87D7D25AAB}"/>
+              </a:ext>
+            </a:extLst>
+          </p:cNvPr>
+          <p:cNvSpPr/>
+          <p:nvPr/>
+        </p:nvSpPr>
+        <p:spPr>
+          <a:xfrm>
+            <a:off x="780309" y="2709368"/>
+            <a:ext cx="3461492" cy="309067"/>
+          </a:xfrm>
+          <a:prstGeom prst="rect">
+            <a:avLst/>
+          </a:prstGeom>
+          <a:noFill/>
+          <a:ln w="38100">
+            <a:solidFill>
+              <a:srgbClr val="FF0000"/>
+            </a:solidFill>
+          </a:ln>
+        </p:spPr>
+        <p:style>
+          <a:lnRef idx="2">
+            <a:schemeClr val="accent1">
+              <a:shade val="50000"/>
+            </a:schemeClr>
+          </a:lnRef>
+          <a:fillRef idx="1">
+            <a:schemeClr val="accent1"/>
+          </a:fillRef>
+          <a:effectRef idx="0">
+            <a:schemeClr val="accent1"/>
+          </a:effectRef>
+          <a:fontRef idx="minor">
+            <a:schemeClr val="lt1"/>
+          </a:fontRef>
+        </p:style>
+        <p:txBody>
+          <a:bodyPr rtlCol="0" anchor="ctr"/>
+          <a:lstStyle/>
+          <a:p>
+            <a:pPr algn="ctr"/>
+            <a:endParaRPr lang="ko-KR" altLang="en-US"/>
+          </a:p>
+        </p:txBody>
+      </p:sp>
+      <p:cxnSp>
+        <p:nvCxnSpPr>
+          <p:cNvPr id="14" name="연결선: 꺾임 13">
+            <a:extLst>
+              <a:ext uri="{FF2B5EF4-FFF2-40B4-BE49-F238E27FC236}">
+                <a16:creationId xmlns:a16="http://schemas.microsoft.com/office/drawing/2014/main" id="{602E7919-31BE-4C6C-8AA9-7E7B7222D5AD}"/>
+              </a:ext>
+            </a:extLst>
+          </p:cNvPr>
+          <p:cNvCxnSpPr>
+            <a:cxnSpLocks/>
+            <a:stCxn id="12" idx="0"/>
+            <a:endCxn id="7" idx="1"/>
+          </p:cNvCxnSpPr>
+          <p:nvPr/>
+        </p:nvCxnSpPr>
+        <p:spPr>
+          <a:xfrm rot="5400000" flipH="1" flipV="1">
+            <a:off x="3123028" y="1342227"/>
+            <a:ext cx="755169" cy="1979114"/>
+          </a:xfrm>
+          <a:prstGeom prst="bentConnector2">
+            <a:avLst/>
+          </a:prstGeom>
+          <a:ln w="28575">
+            <a:solidFill>
+              <a:schemeClr val="tx1"/>
+            </a:solidFill>
+            <a:tailEnd type="triangle"/>
+          </a:ln>
+        </p:spPr>
+        <p:style>
+          <a:lnRef idx="1">
+            <a:schemeClr val="accent1"/>
+          </a:lnRef>
+          <a:fillRef idx="0">
+            <a:schemeClr val="accent1"/>
+          </a:fillRef>
+          <a:effectRef idx="0">
+            <a:schemeClr val="accent1"/>
+          </a:effectRef>
+          <a:fontRef idx="minor">
+            <a:schemeClr val="tx1"/>
+          </a:fontRef>
+        </p:style>
+      </p:cxnSp>
+      <p:sp>
+        <p:nvSpPr>
+          <p:cNvPr id="19" name="직사각형 18">
+            <a:extLst>
+              <a:ext uri="{FF2B5EF4-FFF2-40B4-BE49-F238E27FC236}">
+                <a16:creationId xmlns:a16="http://schemas.microsoft.com/office/drawing/2014/main" id="{A3A5B7C0-64CD-4AF4-800C-2124DCEBA974}"/>
+              </a:ext>
+            </a:extLst>
+          </p:cNvPr>
+          <p:cNvSpPr/>
+          <p:nvPr/>
+        </p:nvSpPr>
+        <p:spPr>
+          <a:xfrm>
+            <a:off x="5020981" y="3291947"/>
+            <a:ext cx="2687879" cy="301848"/>
+          </a:xfrm>
+          <a:prstGeom prst="rect">
+            <a:avLst/>
+          </a:prstGeom>
+          <a:noFill/>
+          <a:ln w="38100">
+            <a:solidFill>
+              <a:srgbClr val="FF0000"/>
+            </a:solidFill>
+          </a:ln>
+        </p:spPr>
+        <p:style>
+          <a:lnRef idx="2">
+            <a:schemeClr val="accent1">
+              <a:shade val="50000"/>
+            </a:schemeClr>
+          </a:lnRef>
+          <a:fillRef idx="1">
+            <a:schemeClr val="accent1"/>
+          </a:fillRef>
+          <a:effectRef idx="0">
+            <a:schemeClr val="accent1"/>
+          </a:effectRef>
+          <a:fontRef idx="minor">
+            <a:schemeClr val="lt1"/>
+          </a:fontRef>
+        </p:style>
+        <p:txBody>
+          <a:bodyPr rtlCol="0" anchor="ctr"/>
+          <a:lstStyle/>
+          <a:p>
+            <a:pPr algn="ctr"/>
+            <a:endParaRPr lang="ko-KR" altLang="en-US"/>
+          </a:p>
+        </p:txBody>
+      </p:sp>
+      <p:cxnSp>
+        <p:nvCxnSpPr>
+          <p:cNvPr id="20" name="연결선: 꺾임 19">
+            <a:extLst>
+              <a:ext uri="{FF2B5EF4-FFF2-40B4-BE49-F238E27FC236}">
+                <a16:creationId xmlns:a16="http://schemas.microsoft.com/office/drawing/2014/main" id="{25854BB6-0B1D-4FAD-A861-8ECF0210068F}"/>
+              </a:ext>
+            </a:extLst>
+          </p:cNvPr>
+          <p:cNvCxnSpPr>
+            <a:cxnSpLocks/>
+            <a:stCxn id="7" idx="2"/>
+          </p:cNvCxnSpPr>
+          <p:nvPr/>
+        </p:nvCxnSpPr>
+        <p:spPr>
+          <a:xfrm rot="16200000" flipH="1">
+            <a:off x="5564542" y="2643704"/>
+            <a:ext cx="1183215" cy="113269"/>
+          </a:xfrm>
+          <a:prstGeom prst="bentConnector3">
+            <a:avLst>
+              <a:gd name="adj1" fmla="val 50000"/>
+            </a:avLst>
+          </a:prstGeom>
+          <a:ln w="28575">
+            <a:solidFill>
+              <a:schemeClr val="tx1"/>
+            </a:solidFill>
+            <a:tailEnd type="triangle"/>
+          </a:ln>
+        </p:spPr>
+        <p:style>
+          <a:lnRef idx="1">
+            <a:schemeClr val="accent1"/>
+          </a:lnRef>
+          <a:fillRef idx="0">
+            <a:schemeClr val="accent1"/>
+          </a:fillRef>
+          <a:effectRef idx="0">
+            <a:schemeClr val="accent1"/>
+          </a:effectRef>
+          <a:fontRef idx="minor">
+            <a:schemeClr val="tx1"/>
+          </a:fontRef>
+        </p:style>
+      </p:cxnSp>
+      <p:sp>
+        <p:nvSpPr>
+          <p:cNvPr id="25" name="TextBox 24">
+            <a:extLst>
+              <a:ext uri="{FF2B5EF4-FFF2-40B4-BE49-F238E27FC236}">
+                <a16:creationId xmlns:a16="http://schemas.microsoft.com/office/drawing/2014/main" id="{F19FBC5C-D7A5-4E04-8D2A-3CBF5C24A2D3}"/>
+              </a:ext>
+            </a:extLst>
+          </p:cNvPr>
+          <p:cNvSpPr txBox="1"/>
+          <p:nvPr/>
+        </p:nvSpPr>
+        <p:spPr>
+          <a:xfrm>
+            <a:off x="3200389" y="1427836"/>
+            <a:ext cx="600445" cy="646331"/>
+          </a:xfrm>
+          <a:prstGeom prst="rect">
+            <a:avLst/>
+          </a:prstGeom>
+          <a:noFill/>
+        </p:spPr>
+        <p:txBody>
+          <a:bodyPr wrap="square">
+            <a:spAutoFit/>
+          </a:bodyPr>
+          <a:lstStyle/>
+          <a:p>
+            <a:r>
+              <a:rPr lang="ko-KR" altLang="en-US" sz="3600" b="1" dirty="0">
+                <a:latin typeface="AppleSDGothicNeoM00" panose="02000503000000000000" pitchFamily="2" charset="-127"/>
+                <a:ea typeface="AppleSDGothicNeoM00" panose="02000503000000000000" pitchFamily="2" charset="-127"/>
+              </a:rPr>
+              <a:t>①</a:t>
+            </a:r>
+            <a:endParaRPr lang="ko-KR" altLang="en-US" sz="3600" b="1" dirty="0"/>
+          </a:p>
+        </p:txBody>
+      </p:sp>
+      <p:sp>
+        <p:nvSpPr>
+          <p:cNvPr id="26" name="TextBox 25">
+            <a:extLst>
+              <a:ext uri="{FF2B5EF4-FFF2-40B4-BE49-F238E27FC236}">
+                <a16:creationId xmlns:a16="http://schemas.microsoft.com/office/drawing/2014/main" id="{839429B7-53B6-4F6D-AB90-F0E3CF10A4E2}"/>
+              </a:ext>
+            </a:extLst>
+          </p:cNvPr>
+          <p:cNvSpPr txBox="1"/>
+          <p:nvPr/>
+        </p:nvSpPr>
+        <p:spPr>
+          <a:xfrm>
+            <a:off x="6244109" y="2517076"/>
+            <a:ext cx="600445" cy="646331"/>
+          </a:xfrm>
+          <a:prstGeom prst="rect">
+            <a:avLst/>
+          </a:prstGeom>
+          <a:noFill/>
+        </p:spPr>
+        <p:txBody>
+          <a:bodyPr wrap="square">
+            <a:spAutoFit/>
+          </a:bodyPr>
+          <a:lstStyle/>
+          <a:p>
+            <a:r>
+              <a:rPr lang="ko-KR" altLang="en-US" sz="3600" b="1" dirty="0">
+                <a:latin typeface="AppleSDGothicNeoM00" panose="02000503000000000000" pitchFamily="2" charset="-127"/>
+                <a:ea typeface="AppleSDGothicNeoM00" panose="02000503000000000000" pitchFamily="2" charset="-127"/>
+              </a:rPr>
+              <a:t>②</a:t>
+            </a:r>
+            <a:endParaRPr lang="ko-KR" altLang="en-US" sz="3600" b="1" dirty="0"/>
+          </a:p>
+        </p:txBody>
+      </p:sp>
+      <p:sp>
+        <p:nvSpPr>
+          <p:cNvPr id="27" name="TextBox 26">
+            <a:extLst>
+              <a:ext uri="{FF2B5EF4-FFF2-40B4-BE49-F238E27FC236}">
+                <a16:creationId xmlns:a16="http://schemas.microsoft.com/office/drawing/2014/main" id="{BB4ADC02-C8C6-4EB5-B31E-FE026C93C942}"/>
+              </a:ext>
+            </a:extLst>
+          </p:cNvPr>
+          <p:cNvSpPr txBox="1"/>
+          <p:nvPr/>
+        </p:nvSpPr>
+        <p:spPr>
+          <a:xfrm>
+            <a:off x="7454900" y="3787450"/>
+            <a:ext cx="600445" cy="646331"/>
+          </a:xfrm>
+          <a:prstGeom prst="rect">
+            <a:avLst/>
+          </a:prstGeom>
+          <a:noFill/>
+        </p:spPr>
+        <p:txBody>
+          <a:bodyPr wrap="square">
+            <a:spAutoFit/>
+          </a:bodyPr>
+          <a:lstStyle/>
+          <a:p>
+            <a:r>
+              <a:rPr lang="ko-KR" altLang="en-US" sz="3600" b="1" dirty="0">
+                <a:latin typeface="AppleSDGothicNeoM00" panose="02000503000000000000" pitchFamily="2" charset="-127"/>
+                <a:ea typeface="AppleSDGothicNeoM00" panose="02000503000000000000" pitchFamily="2" charset="-127"/>
+              </a:rPr>
+              <a:t>③</a:t>
+            </a:r>
+            <a:endParaRPr lang="ko-KR" altLang="en-US" sz="3600" b="1" dirty="0"/>
+          </a:p>
+        </p:txBody>
+      </p:sp>
+    </p:spTree>
+    <p:extLst>
+      <p:ext uri="{BB962C8B-B14F-4D97-AF65-F5344CB8AC3E}">
+        <p14:creationId xmlns:p14="http://schemas.microsoft.com/office/powerpoint/2010/main" val="203897289"/>
+      </p:ext>
+    </p:extLst>
+  </p:cSld>
+  <p:clrMapOvr>
+    <a:masterClrMapping/>
+  </p:clrMapOvr>
+</p:sld>
+</file>
+
+<file path=ppt/slides/slide31.xml><?xml version="1.0" encoding="utf-8"?>
+<p:sld xmlns:a="http://schemas.openxmlformats.org/drawingml/2006/main" xmlns:r="http://schemas.openxmlformats.org/officeDocument/2006/relationships" xmlns:p="http://schemas.openxmlformats.org/presentationml/2006/main">
+  <p:cSld>
+    <p:spTree>
+      <p:nvGrpSpPr>
+        <p:cNvPr id="1" name=""/>
+        <p:cNvGrpSpPr/>
+        <p:nvPr/>
+      </p:nvGrpSpPr>
+      <p:grpSpPr>
+        <a:xfrm>
+          <a:off x="0" y="0"/>
+          <a:ext cx="0" cy="0"/>
+          <a:chOff x="0" y="0"/>
+          <a:chExt cx="0" cy="0"/>
+        </a:xfrm>
+      </p:grpSpPr>
+      <p:sp>
+        <p:nvSpPr>
+          <p:cNvPr id="4" name="TextBox 3">
+            <a:extLst>
+              <a:ext uri="{FF2B5EF4-FFF2-40B4-BE49-F238E27FC236}">
+                <a16:creationId xmlns:a16="http://schemas.microsoft.com/office/drawing/2014/main" id="{FCD3F888-7B98-45FB-9906-DD99F94F6A3B}"/>
+              </a:ext>
+            </a:extLst>
+          </p:cNvPr>
+          <p:cNvSpPr txBox="1"/>
+          <p:nvPr/>
+        </p:nvSpPr>
+        <p:spPr>
+          <a:xfrm>
+            <a:off x="2057400" y="1730801"/>
+            <a:ext cx="1282700" cy="830997"/>
+          </a:xfrm>
+          <a:prstGeom prst="rect">
+            <a:avLst/>
+          </a:prstGeom>
+          <a:solidFill>
+            <a:schemeClr val="accent1">
+              <a:lumMod val="20000"/>
+              <a:lumOff val="80000"/>
+            </a:schemeClr>
+          </a:solidFill>
+        </p:spPr>
+        <p:txBody>
+          <a:bodyPr wrap="square">
+            <a:spAutoFit/>
+          </a:bodyPr>
+          <a:lstStyle/>
+          <a:p>
+            <a:pPr algn="ctr"/>
+            <a:endParaRPr lang="en-US" altLang="ko-KR" sz="1200" dirty="0">
+              <a:latin typeface="AppleSDGothicNeoM00" panose="02000503000000000000" pitchFamily="2" charset="-127"/>
+              <a:ea typeface="AppleSDGothicNeoM00" panose="02000503000000000000" pitchFamily="2" charset="-127"/>
+            </a:endParaRPr>
+          </a:p>
+          <a:p>
+            <a:pPr algn="ctr"/>
+            <a:r>
+              <a:rPr lang="ko-KR" altLang="en-US" dirty="0">
+                <a:latin typeface="AppleSDGothicNeoM00" panose="02000503000000000000" pitchFamily="2" charset="-127"/>
+                <a:ea typeface="AppleSDGothicNeoM00" panose="02000503000000000000" pitchFamily="2" charset="-127"/>
+              </a:rPr>
+              <a:t>새로운 파일 생성</a:t>
+            </a:r>
+            <a:endParaRPr lang="en-US" altLang="ko-KR" dirty="0">
+              <a:latin typeface="AppleSDGothicNeoM00" panose="02000503000000000000" pitchFamily="2" charset="-127"/>
+              <a:ea typeface="AppleSDGothicNeoM00" panose="02000503000000000000" pitchFamily="2" charset="-127"/>
+            </a:endParaRPr>
+          </a:p>
+        </p:txBody>
+      </p:sp>
+      <p:sp>
+        <p:nvSpPr>
+          <p:cNvPr id="6" name="TextBox 5">
+            <a:extLst>
+              <a:ext uri="{FF2B5EF4-FFF2-40B4-BE49-F238E27FC236}">
+                <a16:creationId xmlns:a16="http://schemas.microsoft.com/office/drawing/2014/main" id="{99FABEDB-D898-4E8E-A65D-996CDB2B4EEA}"/>
+              </a:ext>
+            </a:extLst>
+          </p:cNvPr>
+          <p:cNvSpPr txBox="1"/>
+          <p:nvPr/>
+        </p:nvSpPr>
+        <p:spPr>
+          <a:xfrm>
+            <a:off x="2057400" y="2937468"/>
+            <a:ext cx="1282700" cy="646331"/>
+          </a:xfrm>
+          <a:prstGeom prst="rect">
+            <a:avLst/>
+          </a:prstGeom>
+          <a:solidFill>
+            <a:schemeClr val="accent1">
+              <a:lumMod val="20000"/>
+              <a:lumOff val="80000"/>
+            </a:schemeClr>
+          </a:solidFill>
+        </p:spPr>
+        <p:txBody>
+          <a:bodyPr wrap="square">
+            <a:spAutoFit/>
+          </a:bodyPr>
+          <a:lstStyle/>
+          <a:p>
+            <a:r>
+              <a:rPr lang="en-US" altLang="ko-KR" b="1" dirty="0">
+                <a:latin typeface="AppleSDGothicNeoM00" panose="02000503000000000000" pitchFamily="2" charset="-127"/>
+                <a:ea typeface="AppleSDGothicNeoM00" panose="02000503000000000000" pitchFamily="2" charset="-127"/>
+              </a:rPr>
+              <a:t>Commit 1</a:t>
+            </a:r>
+          </a:p>
+          <a:p>
+            <a:r>
+              <a:rPr lang="en-US" altLang="ko-KR" dirty="0">
+                <a:latin typeface="AppleSDGothicNeoM00" panose="02000503000000000000" pitchFamily="2" charset="-127"/>
+                <a:ea typeface="AppleSDGothicNeoM00" panose="02000503000000000000" pitchFamily="2" charset="-127"/>
+              </a:rPr>
+              <a:t>- </a:t>
+            </a:r>
+            <a:r>
+              <a:rPr lang="en-US" altLang="ko-KR" b="1" dirty="0">
+                <a:solidFill>
+                  <a:srgbClr val="0070C0"/>
+                </a:solidFill>
+                <a:latin typeface="AppleSDGothicNeoM00" panose="02000503000000000000" pitchFamily="2" charset="-127"/>
+                <a:ea typeface="AppleSDGothicNeoM00" panose="02000503000000000000" pitchFamily="2" charset="-127"/>
+              </a:rPr>
+              <a:t>Tree</a:t>
+            </a:r>
+            <a:endParaRPr lang="ko-KR" altLang="en-US" b="1" dirty="0">
+              <a:solidFill>
+                <a:srgbClr val="0070C0"/>
+              </a:solidFill>
+              <a:latin typeface="AppleSDGothicNeoM00" panose="02000503000000000000" pitchFamily="2" charset="-127"/>
+              <a:ea typeface="AppleSDGothicNeoM00" panose="02000503000000000000" pitchFamily="2" charset="-127"/>
+            </a:endParaRPr>
+          </a:p>
+        </p:txBody>
+      </p:sp>
+      <p:cxnSp>
+        <p:nvCxnSpPr>
+          <p:cNvPr id="9" name="연결선: 꺾임 8">
+            <a:extLst>
+              <a:ext uri="{FF2B5EF4-FFF2-40B4-BE49-F238E27FC236}">
+                <a16:creationId xmlns:a16="http://schemas.microsoft.com/office/drawing/2014/main" id="{AEA69C80-1406-4067-A02E-A7CAE5468556}"/>
+              </a:ext>
+            </a:extLst>
+          </p:cNvPr>
+          <p:cNvCxnSpPr>
+            <a:cxnSpLocks/>
+            <a:stCxn id="4" idx="1"/>
+            <a:endCxn id="6" idx="1"/>
+          </p:cNvCxnSpPr>
+          <p:nvPr/>
+        </p:nvCxnSpPr>
+        <p:spPr>
+          <a:xfrm rot="10800000" flipV="1">
+            <a:off x="2057400" y="2110516"/>
+            <a:ext cx="12700" cy="1150117"/>
+          </a:xfrm>
+          <a:prstGeom prst="bentConnector3">
+            <a:avLst>
+              <a:gd name="adj1" fmla="val 1800000"/>
+            </a:avLst>
+          </a:prstGeom>
+          <a:ln w="28575">
+            <a:solidFill>
+              <a:srgbClr val="0070C0"/>
+            </a:solidFill>
+            <a:tailEnd type="triangle"/>
+          </a:ln>
+        </p:spPr>
+        <p:style>
+          <a:lnRef idx="1">
+            <a:schemeClr val="accent1"/>
+          </a:lnRef>
+          <a:fillRef idx="0">
+            <a:schemeClr val="accent1"/>
+          </a:fillRef>
+          <a:effectRef idx="0">
+            <a:schemeClr val="accent1"/>
+          </a:effectRef>
+          <a:fontRef idx="minor">
+            <a:schemeClr val="tx1"/>
+          </a:fontRef>
+        </p:style>
+      </p:cxnSp>
+      <p:sp>
+        <p:nvSpPr>
+          <p:cNvPr id="12" name="TextBox 11">
+            <a:extLst>
+              <a:ext uri="{FF2B5EF4-FFF2-40B4-BE49-F238E27FC236}">
+                <a16:creationId xmlns:a16="http://schemas.microsoft.com/office/drawing/2014/main" id="{60CFF86B-12B7-48D9-917F-E19BA0934B16}"/>
+              </a:ext>
+            </a:extLst>
+          </p:cNvPr>
+          <p:cNvSpPr txBox="1"/>
+          <p:nvPr/>
+        </p:nvSpPr>
+        <p:spPr>
+          <a:xfrm>
+            <a:off x="787399" y="2506100"/>
+            <a:ext cx="1066800" cy="369332"/>
+          </a:xfrm>
+          <a:prstGeom prst="rect">
+            <a:avLst/>
+          </a:prstGeom>
+          <a:noFill/>
+        </p:spPr>
+        <p:txBody>
+          <a:bodyPr wrap="square" rtlCol="0">
+            <a:spAutoFit/>
+          </a:bodyPr>
+          <a:lstStyle/>
+          <a:p>
+            <a:pPr algn="ctr"/>
+            <a:r>
+              <a:rPr lang="en-US" altLang="ko-KR" dirty="0">
+                <a:latin typeface="AppleSDGothicNeoL00" panose="02000503000000000000" pitchFamily="2" charset="-127"/>
+                <a:ea typeface="AppleSDGothicNeoL00" panose="02000503000000000000" pitchFamily="2" charset="-127"/>
+              </a:rPr>
+              <a:t>git status</a:t>
+            </a:r>
+            <a:endParaRPr lang="ko-KR" altLang="en-US" dirty="0">
+              <a:latin typeface="AppleSDGothicNeoL00" panose="02000503000000000000" pitchFamily="2" charset="-127"/>
+              <a:ea typeface="AppleSDGothicNeoL00" panose="02000503000000000000" pitchFamily="2" charset="-127"/>
+            </a:endParaRPr>
+          </a:p>
+        </p:txBody>
+      </p:sp>
+      <p:grpSp>
+        <p:nvGrpSpPr>
+          <p:cNvPr id="33" name="그룹 32">
+            <a:extLst>
+              <a:ext uri="{FF2B5EF4-FFF2-40B4-BE49-F238E27FC236}">
+                <a16:creationId xmlns:a16="http://schemas.microsoft.com/office/drawing/2014/main" id="{3EFAD8FD-0197-46FF-829E-26A2170BF440}"/>
+              </a:ext>
+            </a:extLst>
+          </p:cNvPr>
+          <p:cNvGrpSpPr/>
+          <p:nvPr/>
+        </p:nvGrpSpPr>
+        <p:grpSpPr>
+          <a:xfrm>
+            <a:off x="3340100" y="533398"/>
+            <a:ext cx="4343400" cy="2049166"/>
+            <a:chOff x="3340100" y="541634"/>
+            <a:chExt cx="4343400" cy="2049166"/>
+          </a:xfrm>
+        </p:grpSpPr>
+        <p:sp>
+          <p:nvSpPr>
+            <p:cNvPr id="15" name="직사각형 14">
+              <a:extLst>
+                <a:ext uri="{FF2B5EF4-FFF2-40B4-BE49-F238E27FC236}">
+                  <a16:creationId xmlns:a16="http://schemas.microsoft.com/office/drawing/2014/main" id="{ACF7F51D-AD77-4D83-B4CC-D74BDB49392F}"/>
+                </a:ext>
+              </a:extLst>
+            </p:cNvPr>
+            <p:cNvSpPr/>
+            <p:nvPr/>
+          </p:nvSpPr>
+          <p:spPr>
+            <a:xfrm>
+              <a:off x="4737100" y="546100"/>
+              <a:ext cx="2946400" cy="1790700"/>
+            </a:xfrm>
+            <a:prstGeom prst="rect">
+              <a:avLst/>
+            </a:prstGeom>
+            <a:solidFill>
+              <a:schemeClr val="bg1">
+                <a:lumMod val="50000"/>
+              </a:schemeClr>
+            </a:solidFill>
+            <a:ln>
+              <a:noFill/>
+            </a:ln>
+          </p:spPr>
+          <p:style>
+            <a:lnRef idx="2">
+              <a:schemeClr val="accent1">
+                <a:shade val="50000"/>
+              </a:schemeClr>
+            </a:lnRef>
+            <a:fillRef idx="1">
+              <a:schemeClr val="accent1"/>
+            </a:fillRef>
+            <a:effectRef idx="0">
+              <a:schemeClr val="accent1"/>
+            </a:effectRef>
+            <a:fontRef idx="minor">
+              <a:schemeClr val="lt1"/>
+            </a:fontRef>
+          </p:style>
+          <p:txBody>
+            <a:bodyPr rtlCol="0" anchor="ctr"/>
+            <a:lstStyle/>
+            <a:p>
+              <a:pPr algn="ctr"/>
+              <a:endParaRPr lang="ko-KR" altLang="en-US"/>
+            </a:p>
+          </p:txBody>
+        </p:sp>
+        <p:sp>
+          <p:nvSpPr>
+            <p:cNvPr id="32" name="자유형: 도형 31">
+              <a:extLst>
+                <a:ext uri="{FF2B5EF4-FFF2-40B4-BE49-F238E27FC236}">
+                  <a16:creationId xmlns:a16="http://schemas.microsoft.com/office/drawing/2014/main" id="{FFDB4A30-C463-437C-B4F8-B2AC0558CAC4}"/>
+                </a:ext>
+              </a:extLst>
+            </p:cNvPr>
+            <p:cNvSpPr/>
+            <p:nvPr/>
+          </p:nvSpPr>
+          <p:spPr>
+            <a:xfrm>
+              <a:off x="3340100" y="541634"/>
+              <a:ext cx="4229098" cy="2049166"/>
+            </a:xfrm>
+            <a:custGeom>
+              <a:avLst/>
+              <a:gdLst>
+                <a:gd name="connsiteX0" fmla="*/ 4229098 w 4229098"/>
+                <a:gd name="connsiteY0" fmla="*/ 1795166 h 2049166"/>
+                <a:gd name="connsiteX1" fmla="*/ 0 w 4229098"/>
+                <a:gd name="connsiteY1" fmla="*/ 2049166 h 2049166"/>
+                <a:gd name="connsiteX2" fmla="*/ 1339849 w 4229098"/>
+                <a:gd name="connsiteY2" fmla="*/ 1807936 h 2049166"/>
+                <a:gd name="connsiteX3" fmla="*/ 1396996 w 4229098"/>
+                <a:gd name="connsiteY3" fmla="*/ 0 h 2049166"/>
+                <a:gd name="connsiteX4" fmla="*/ 1384296 w 4229098"/>
+                <a:gd name="connsiteY4" fmla="*/ 1786930 h 2049166"/>
+                <a:gd name="connsiteX5" fmla="*/ 0 w 4229098"/>
+                <a:gd name="connsiteY5" fmla="*/ 2040930 h 2049166"/>
+                <a:gd name="connsiteX6" fmla="*/ 0 w 4229098"/>
+                <a:gd name="connsiteY6" fmla="*/ 1117600 h 2049166"/>
+              </a:gdLst>
+              <a:ahLst/>
+              <a:cxnLst>
+                <a:cxn ang="0">
+                  <a:pos x="connsiteX0" y="connsiteY0"/>
+                </a:cxn>
+                <a:cxn ang="0">
+                  <a:pos x="connsiteX1" y="connsiteY1"/>
+                </a:cxn>
+                <a:cxn ang="0">
+                  <a:pos x="connsiteX2" y="connsiteY2"/>
+                </a:cxn>
+                <a:cxn ang="0">
+                  <a:pos x="connsiteX3" y="connsiteY3"/>
+                </a:cxn>
+                <a:cxn ang="0">
+                  <a:pos x="connsiteX4" y="connsiteY4"/>
+                </a:cxn>
+                <a:cxn ang="0">
+                  <a:pos x="connsiteX5" y="connsiteY5"/>
+                </a:cxn>
+                <a:cxn ang="0">
+                  <a:pos x="connsiteX6" y="connsiteY6"/>
+                </a:cxn>
+              </a:cxnLst>
+              <a:rect l="l" t="t" r="r" b="b"/>
+              <a:pathLst>
+                <a:path w="4229098" h="2049166">
+                  <a:moveTo>
+                    <a:pt x="4229098" y="1795166"/>
+                  </a:moveTo>
+                  <a:lnTo>
+                    <a:pt x="0" y="2049166"/>
+                  </a:lnTo>
+                  <a:lnTo>
+                    <a:pt x="1339849" y="1807936"/>
+                  </a:lnTo>
+                  <a:close/>
+                  <a:moveTo>
+                    <a:pt x="1396996" y="0"/>
+                  </a:moveTo>
+                  <a:cubicBezTo>
+                    <a:pt x="1392763" y="595643"/>
+                    <a:pt x="1388529" y="1191287"/>
+                    <a:pt x="1384296" y="1786930"/>
+                  </a:cubicBezTo>
+                  <a:lnTo>
+                    <a:pt x="0" y="2040930"/>
+                  </a:lnTo>
+                  <a:lnTo>
+                    <a:pt x="0" y="1117600"/>
+                  </a:lnTo>
+                  <a:close/>
+                </a:path>
+              </a:pathLst>
+            </a:custGeom>
+            <a:solidFill>
+              <a:schemeClr val="bg1">
+                <a:lumMod val="85000"/>
+              </a:schemeClr>
+            </a:solidFill>
+            <a:ln>
+              <a:noFill/>
+            </a:ln>
+          </p:spPr>
+          <p:style>
+            <a:lnRef idx="2">
+              <a:schemeClr val="accent1">
+                <a:shade val="50000"/>
+              </a:schemeClr>
+            </a:lnRef>
+            <a:fillRef idx="1">
+              <a:schemeClr val="accent1"/>
+            </a:fillRef>
+            <a:effectRef idx="0">
+              <a:schemeClr val="accent1"/>
+            </a:effectRef>
+            <a:fontRef idx="minor">
+              <a:schemeClr val="lt1"/>
+            </a:fontRef>
+          </p:style>
+          <p:txBody>
+            <a:bodyPr wrap="square" rtlCol="0" anchor="ctr">
+              <a:noAutofit/>
+            </a:bodyPr>
+            <a:lstStyle/>
+            <a:p>
+              <a:pPr algn="ctr"/>
+              <a:endParaRPr lang="ko-KR" altLang="en-US"/>
+            </a:p>
+          </p:txBody>
+        </p:sp>
+      </p:grpSp>
+      <p:sp>
+        <p:nvSpPr>
+          <p:cNvPr id="34" name="TextBox 33">
+            <a:extLst>
+              <a:ext uri="{FF2B5EF4-FFF2-40B4-BE49-F238E27FC236}">
+                <a16:creationId xmlns:a16="http://schemas.microsoft.com/office/drawing/2014/main" id="{4ADDD2C2-955C-4492-9197-8EAF286E8D8C}"/>
+              </a:ext>
+            </a:extLst>
+          </p:cNvPr>
+          <p:cNvSpPr txBox="1"/>
+          <p:nvPr/>
+        </p:nvSpPr>
+        <p:spPr>
+          <a:xfrm>
+            <a:off x="5029198" y="694550"/>
+            <a:ext cx="1701800" cy="1477328"/>
+          </a:xfrm>
+          <a:prstGeom prst="rect">
+            <a:avLst/>
+          </a:prstGeom>
+          <a:noFill/>
+        </p:spPr>
+        <p:txBody>
+          <a:bodyPr wrap="square" rtlCol="0">
+            <a:spAutoFit/>
+          </a:bodyPr>
+          <a:lstStyle/>
+          <a:p>
+            <a:r>
+              <a:rPr lang="en-US" altLang="ko-KR" b="1" dirty="0"/>
+              <a:t>f1.txt</a:t>
+            </a:r>
+          </a:p>
+          <a:p>
+            <a:pPr marL="285750" indent="-285750">
+              <a:buFontTx/>
+              <a:buChar char="-"/>
+            </a:pPr>
+            <a:r>
+              <a:rPr lang="en-US" altLang="ko-KR" b="1" dirty="0">
+                <a:solidFill>
+                  <a:schemeClr val="bg1"/>
+                </a:solidFill>
+              </a:rPr>
+              <a:t>a</a:t>
+            </a:r>
+          </a:p>
+          <a:p>
+            <a:pPr marL="285750" indent="-285750">
+              <a:buFontTx/>
+              <a:buChar char="-"/>
+            </a:pPr>
+            <a:endParaRPr lang="en-US" altLang="ko-KR" b="1" dirty="0">
+              <a:solidFill>
+                <a:schemeClr val="bg1"/>
+              </a:solidFill>
+            </a:endParaRPr>
+          </a:p>
+          <a:p>
+            <a:r>
+              <a:rPr lang="en-US" altLang="ko-KR" b="1" dirty="0">
+                <a:solidFill>
+                  <a:srgbClr val="FF0000"/>
+                </a:solidFill>
+              </a:rPr>
+              <a:t>f2.txt</a:t>
+            </a:r>
+          </a:p>
+          <a:p>
+            <a:r>
+              <a:rPr lang="en-US" altLang="ko-KR" b="1" dirty="0">
+                <a:solidFill>
+                  <a:srgbClr val="FF0000"/>
+                </a:solidFill>
+              </a:rPr>
+              <a:t>- z</a:t>
+            </a:r>
+          </a:p>
+        </p:txBody>
+      </p:sp>
+      <p:grpSp>
+        <p:nvGrpSpPr>
+          <p:cNvPr id="40" name="그룹 39">
+            <a:extLst>
+              <a:ext uri="{FF2B5EF4-FFF2-40B4-BE49-F238E27FC236}">
+                <a16:creationId xmlns:a16="http://schemas.microsoft.com/office/drawing/2014/main" id="{EEA32FFD-D179-409F-8748-E6465D62B401}"/>
+              </a:ext>
+            </a:extLst>
+          </p:cNvPr>
+          <p:cNvGrpSpPr/>
+          <p:nvPr/>
+        </p:nvGrpSpPr>
+        <p:grpSpPr>
+          <a:xfrm>
+            <a:off x="3340100" y="2739250"/>
+            <a:ext cx="4076700" cy="2263435"/>
+            <a:chOff x="3340100" y="2935331"/>
+            <a:chExt cx="4076700" cy="2263435"/>
+          </a:xfrm>
+        </p:grpSpPr>
+        <p:sp>
+          <p:nvSpPr>
+            <p:cNvPr id="36" name="직사각형 35">
+              <a:extLst>
+                <a:ext uri="{FF2B5EF4-FFF2-40B4-BE49-F238E27FC236}">
+                  <a16:creationId xmlns:a16="http://schemas.microsoft.com/office/drawing/2014/main" id="{08FC005A-E353-440C-8BDD-91E25B809106}"/>
+                </a:ext>
+              </a:extLst>
+            </p:cNvPr>
+            <p:cNvSpPr/>
+            <p:nvPr/>
+          </p:nvSpPr>
+          <p:spPr>
+            <a:xfrm flipV="1">
+              <a:off x="4651319" y="3215890"/>
+              <a:ext cx="2765481" cy="1977943"/>
+            </a:xfrm>
+            <a:prstGeom prst="rect">
+              <a:avLst/>
+            </a:prstGeom>
+            <a:solidFill>
+              <a:schemeClr val="bg1">
+                <a:lumMod val="50000"/>
+              </a:schemeClr>
+            </a:solidFill>
+            <a:ln>
+              <a:noFill/>
+            </a:ln>
+          </p:spPr>
+          <p:style>
+            <a:lnRef idx="2">
+              <a:schemeClr val="accent1">
+                <a:shade val="50000"/>
+              </a:schemeClr>
+            </a:lnRef>
+            <a:fillRef idx="1">
+              <a:schemeClr val="accent1"/>
+            </a:fillRef>
+            <a:effectRef idx="0">
+              <a:schemeClr val="accent1"/>
+            </a:effectRef>
+            <a:fontRef idx="minor">
+              <a:schemeClr val="lt1"/>
+            </a:fontRef>
+          </p:style>
+          <p:txBody>
+            <a:bodyPr rtlCol="0" anchor="ctr"/>
+            <a:lstStyle/>
+            <a:p>
+              <a:pPr algn="ctr"/>
+              <a:endParaRPr lang="ko-KR" altLang="en-US"/>
+            </a:p>
+          </p:txBody>
+        </p:sp>
+        <p:sp>
+          <p:nvSpPr>
+            <p:cNvPr id="37" name="자유형: 도형 36">
+              <a:extLst>
+                <a:ext uri="{FF2B5EF4-FFF2-40B4-BE49-F238E27FC236}">
+                  <a16:creationId xmlns:a16="http://schemas.microsoft.com/office/drawing/2014/main" id="{B7F27600-A42C-4BAE-92C3-898D3EFCFE43}"/>
+                </a:ext>
+              </a:extLst>
+            </p:cNvPr>
+            <p:cNvSpPr/>
+            <p:nvPr/>
+          </p:nvSpPr>
+          <p:spPr>
+            <a:xfrm flipV="1">
+              <a:off x="3340100" y="2935331"/>
+              <a:ext cx="3969417" cy="2263435"/>
+            </a:xfrm>
+            <a:custGeom>
+              <a:avLst/>
+              <a:gdLst>
+                <a:gd name="connsiteX0" fmla="*/ 4229098 w 4229098"/>
+                <a:gd name="connsiteY0" fmla="*/ 1795166 h 2049166"/>
+                <a:gd name="connsiteX1" fmla="*/ 0 w 4229098"/>
+                <a:gd name="connsiteY1" fmla="*/ 2049166 h 2049166"/>
+                <a:gd name="connsiteX2" fmla="*/ 1339849 w 4229098"/>
+                <a:gd name="connsiteY2" fmla="*/ 1807936 h 2049166"/>
+                <a:gd name="connsiteX3" fmla="*/ 1396996 w 4229098"/>
+                <a:gd name="connsiteY3" fmla="*/ 0 h 2049166"/>
+                <a:gd name="connsiteX4" fmla="*/ 1384296 w 4229098"/>
+                <a:gd name="connsiteY4" fmla="*/ 1786930 h 2049166"/>
+                <a:gd name="connsiteX5" fmla="*/ 0 w 4229098"/>
+                <a:gd name="connsiteY5" fmla="*/ 2040930 h 2049166"/>
+                <a:gd name="connsiteX6" fmla="*/ 0 w 4229098"/>
+                <a:gd name="connsiteY6" fmla="*/ 1117600 h 2049166"/>
+              </a:gdLst>
+              <a:ahLst/>
+              <a:cxnLst>
+                <a:cxn ang="0">
+                  <a:pos x="connsiteX0" y="connsiteY0"/>
+                </a:cxn>
+                <a:cxn ang="0">
+                  <a:pos x="connsiteX1" y="connsiteY1"/>
+                </a:cxn>
+                <a:cxn ang="0">
+                  <a:pos x="connsiteX2" y="connsiteY2"/>
+                </a:cxn>
+                <a:cxn ang="0">
+                  <a:pos x="connsiteX3" y="connsiteY3"/>
+                </a:cxn>
+                <a:cxn ang="0">
+                  <a:pos x="connsiteX4" y="connsiteY4"/>
+                </a:cxn>
+                <a:cxn ang="0">
+                  <a:pos x="connsiteX5" y="connsiteY5"/>
+                </a:cxn>
+                <a:cxn ang="0">
+                  <a:pos x="connsiteX6" y="connsiteY6"/>
+                </a:cxn>
+              </a:cxnLst>
+              <a:rect l="l" t="t" r="r" b="b"/>
+              <a:pathLst>
+                <a:path w="4229098" h="2049166">
+                  <a:moveTo>
+                    <a:pt x="4229098" y="1795166"/>
+                  </a:moveTo>
+                  <a:lnTo>
+                    <a:pt x="0" y="2049166"/>
+                  </a:lnTo>
+                  <a:lnTo>
+                    <a:pt x="1339849" y="1807936"/>
+                  </a:lnTo>
+                  <a:close/>
+                  <a:moveTo>
+                    <a:pt x="1396996" y="0"/>
+                  </a:moveTo>
+                  <a:cubicBezTo>
+                    <a:pt x="1392763" y="595643"/>
+                    <a:pt x="1388529" y="1191287"/>
+                    <a:pt x="1384296" y="1786930"/>
+                  </a:cubicBezTo>
+                  <a:lnTo>
+                    <a:pt x="0" y="2040930"/>
+                  </a:lnTo>
+                  <a:lnTo>
+                    <a:pt x="0" y="1117600"/>
+                  </a:lnTo>
+                  <a:close/>
+                </a:path>
+              </a:pathLst>
+            </a:custGeom>
+            <a:solidFill>
+              <a:schemeClr val="bg1">
+                <a:lumMod val="85000"/>
+              </a:schemeClr>
+            </a:solidFill>
+            <a:ln>
+              <a:noFill/>
+            </a:ln>
+          </p:spPr>
+          <p:style>
+            <a:lnRef idx="2">
+              <a:schemeClr val="accent1">
+                <a:shade val="50000"/>
+              </a:schemeClr>
+            </a:lnRef>
+            <a:fillRef idx="1">
+              <a:schemeClr val="accent1"/>
+            </a:fillRef>
+            <a:effectRef idx="0">
+              <a:schemeClr val="accent1"/>
+            </a:effectRef>
+            <a:fontRef idx="minor">
+              <a:schemeClr val="lt1"/>
+            </a:fontRef>
+          </p:style>
+          <p:txBody>
+            <a:bodyPr wrap="square" rtlCol="0" anchor="ctr">
+              <a:noAutofit/>
+            </a:bodyPr>
+            <a:lstStyle/>
+            <a:p>
+              <a:pPr algn="ctr"/>
+              <a:endParaRPr lang="ko-KR" altLang="en-US" dirty="0"/>
+            </a:p>
+          </p:txBody>
+        </p:sp>
+        <p:sp>
+          <p:nvSpPr>
+            <p:cNvPr id="38" name="TextBox 37">
+              <a:extLst>
+                <a:ext uri="{FF2B5EF4-FFF2-40B4-BE49-F238E27FC236}">
+                  <a16:creationId xmlns:a16="http://schemas.microsoft.com/office/drawing/2014/main" id="{865780D1-6BF3-479A-9E12-866DA75A009A}"/>
+                </a:ext>
+              </a:extLst>
+            </p:cNvPr>
+            <p:cNvSpPr txBox="1"/>
+            <p:nvPr/>
+          </p:nvSpPr>
+          <p:spPr>
+            <a:xfrm>
+              <a:off x="4943140" y="3466197"/>
+              <a:ext cx="1701800" cy="646331"/>
+            </a:xfrm>
+            <a:prstGeom prst="rect">
+              <a:avLst/>
+            </a:prstGeom>
+            <a:noFill/>
+          </p:spPr>
+          <p:txBody>
+            <a:bodyPr wrap="square" rtlCol="0">
+              <a:spAutoFit/>
+            </a:bodyPr>
+            <a:lstStyle/>
+            <a:p>
+              <a:r>
+                <a:rPr lang="en-US" altLang="ko-KR" b="1" dirty="0"/>
+                <a:t>f1.txt</a:t>
+              </a:r>
+            </a:p>
+            <a:p>
+              <a:pPr marL="285750" indent="-285750">
+                <a:buFontTx/>
+                <a:buChar char="-"/>
+              </a:pPr>
+              <a:r>
+                <a:rPr lang="en-US" altLang="ko-KR" b="1" dirty="0">
+                  <a:solidFill>
+                    <a:schemeClr val="bg1"/>
+                  </a:solidFill>
+                </a:rPr>
+                <a:t>a</a:t>
+              </a:r>
+            </a:p>
+          </p:txBody>
+        </p:sp>
+      </p:grpSp>
+      <p:cxnSp>
+        <p:nvCxnSpPr>
+          <p:cNvPr id="41" name="연결선: 꺾임 40">
+            <a:extLst>
+              <a:ext uri="{FF2B5EF4-FFF2-40B4-BE49-F238E27FC236}">
+                <a16:creationId xmlns:a16="http://schemas.microsoft.com/office/drawing/2014/main" id="{0045CEAD-D136-4493-A2DA-67B84124EA27}"/>
+              </a:ext>
+            </a:extLst>
+          </p:cNvPr>
+          <p:cNvCxnSpPr>
+            <a:cxnSpLocks/>
+            <a:stCxn id="15" idx="3"/>
+            <a:endCxn id="36" idx="3"/>
+          </p:cNvCxnSpPr>
+          <p:nvPr/>
+        </p:nvCxnSpPr>
+        <p:spPr>
+          <a:xfrm flipH="1">
+            <a:off x="7416800" y="1433214"/>
+            <a:ext cx="266700" cy="2575566"/>
+          </a:xfrm>
+          <a:prstGeom prst="bentConnector3">
+            <a:avLst>
+              <a:gd name="adj1" fmla="val -85714"/>
+            </a:avLst>
+          </a:prstGeom>
+          <a:ln w="28575">
+            <a:solidFill>
+              <a:srgbClr val="0070C0"/>
+            </a:solidFill>
+            <a:tailEnd type="triangle"/>
+          </a:ln>
+        </p:spPr>
+        <p:style>
+          <a:lnRef idx="1">
+            <a:schemeClr val="accent1"/>
+          </a:lnRef>
+          <a:fillRef idx="0">
+            <a:schemeClr val="accent1"/>
+          </a:fillRef>
+          <a:effectRef idx="0">
+            <a:schemeClr val="accent1"/>
+          </a:effectRef>
+          <a:fontRef idx="minor">
+            <a:schemeClr val="tx1"/>
+          </a:fontRef>
+        </p:style>
+      </p:cxnSp>
+      <p:sp>
+        <p:nvSpPr>
+          <p:cNvPr id="44" name="TextBox 43">
+            <a:extLst>
+              <a:ext uri="{FF2B5EF4-FFF2-40B4-BE49-F238E27FC236}">
+                <a16:creationId xmlns:a16="http://schemas.microsoft.com/office/drawing/2014/main" id="{D6B7B77A-30E9-4308-96D0-15339C39C3EE}"/>
+              </a:ext>
+            </a:extLst>
+          </p:cNvPr>
+          <p:cNvSpPr txBox="1"/>
+          <p:nvPr/>
+        </p:nvSpPr>
+        <p:spPr>
+          <a:xfrm>
+            <a:off x="8020047" y="1659234"/>
+            <a:ext cx="2781301" cy="2862322"/>
+          </a:xfrm>
+          <a:prstGeom prst="rect">
+            <a:avLst/>
+          </a:prstGeom>
+          <a:noFill/>
+        </p:spPr>
+        <p:txBody>
+          <a:bodyPr wrap="square" rtlCol="0">
+            <a:spAutoFit/>
+          </a:bodyPr>
+          <a:lstStyle/>
+          <a:p>
+            <a:pPr latinLnBrk="0"/>
+            <a:r>
+              <a:rPr lang="ko-KR" altLang="en-US" dirty="0">
+                <a:latin typeface="AppleSDGothicNeoL00" panose="02000503000000000000" pitchFamily="2" charset="-127"/>
+                <a:ea typeface="AppleSDGothicNeoL00" panose="02000503000000000000" pitchFamily="2" charset="-127"/>
+              </a:rPr>
+              <a:t>현재를 기준으로 </a:t>
+            </a:r>
+            <a:r>
+              <a:rPr lang="en-US" altLang="ko-KR" dirty="0">
+                <a:latin typeface="AppleSDGothicNeoL00" panose="02000503000000000000" pitchFamily="2" charset="-127"/>
+                <a:ea typeface="AppleSDGothicNeoL00" panose="02000503000000000000" pitchFamily="2" charset="-127"/>
+              </a:rPr>
+              <a:t>f2.txt</a:t>
+            </a:r>
+            <a:r>
+              <a:rPr lang="ko-KR" altLang="en-US" dirty="0">
+                <a:latin typeface="AppleSDGothicNeoL00" panose="02000503000000000000" pitchFamily="2" charset="-127"/>
+                <a:ea typeface="AppleSDGothicNeoL00" panose="02000503000000000000" pitchFamily="2" charset="-127"/>
+              </a:rPr>
+              <a:t>라는 파일의 </a:t>
+            </a:r>
+            <a:r>
+              <a:rPr lang="ko-KR" altLang="en-US" dirty="0" err="1">
+                <a:latin typeface="AppleSDGothicNeoL00" panose="02000503000000000000" pitchFamily="2" charset="-127"/>
+                <a:ea typeface="AppleSDGothicNeoL00" panose="02000503000000000000" pitchFamily="2" charset="-127"/>
+              </a:rPr>
+              <a:t>해시값이</a:t>
+            </a:r>
+            <a:r>
+              <a:rPr lang="ko-KR" altLang="en-US" dirty="0">
+                <a:latin typeface="AppleSDGothicNeoL00" panose="02000503000000000000" pitchFamily="2" charset="-127"/>
+                <a:ea typeface="AppleSDGothicNeoL00" panose="02000503000000000000" pitchFamily="2" charset="-127"/>
+              </a:rPr>
+              <a:t> 존재하지 않으므로 </a:t>
+            </a:r>
+            <a:r>
+              <a:rPr lang="en-US" altLang="ko-KR" dirty="0">
+                <a:latin typeface="AppleSDGothicNeoL00" panose="02000503000000000000" pitchFamily="2" charset="-127"/>
+                <a:ea typeface="AppleSDGothicNeoL00" panose="02000503000000000000" pitchFamily="2" charset="-127"/>
+              </a:rPr>
+              <a:t>git status</a:t>
+            </a:r>
+            <a:r>
+              <a:rPr lang="ko-KR" altLang="en-US" dirty="0">
+                <a:latin typeface="AppleSDGothicNeoL00" panose="02000503000000000000" pitchFamily="2" charset="-127"/>
+                <a:ea typeface="AppleSDGothicNeoL00" panose="02000503000000000000" pitchFamily="2" charset="-127"/>
+              </a:rPr>
+              <a:t>를 통해 </a:t>
+            </a:r>
+            <a:r>
+              <a:rPr lang="ko-KR" altLang="en-US" b="1" dirty="0">
+                <a:latin typeface="AppleSDGothicNeoL00" panose="02000503000000000000" pitchFamily="2" charset="-127"/>
+                <a:ea typeface="AppleSDGothicNeoL00" panose="02000503000000000000" pitchFamily="2" charset="-127"/>
+              </a:rPr>
+              <a:t>새로운 파일이 추가</a:t>
+            </a:r>
+            <a:r>
+              <a:rPr lang="ko-KR" altLang="en-US" dirty="0">
+                <a:latin typeface="AppleSDGothicNeoL00" panose="02000503000000000000" pitchFamily="2" charset="-127"/>
+                <a:ea typeface="AppleSDGothicNeoL00" panose="02000503000000000000" pitchFamily="2" charset="-127"/>
+              </a:rPr>
+              <a:t>되었음을 감지한다</a:t>
+            </a:r>
+            <a:r>
+              <a:rPr lang="en-US" altLang="ko-KR" dirty="0">
+                <a:latin typeface="AppleSDGothicNeoL00" panose="02000503000000000000" pitchFamily="2" charset="-127"/>
+                <a:ea typeface="AppleSDGothicNeoL00" panose="02000503000000000000" pitchFamily="2" charset="-127"/>
+              </a:rPr>
+              <a:t>.</a:t>
+            </a:r>
+          </a:p>
+          <a:p>
+            <a:pPr latinLnBrk="0"/>
+            <a:endParaRPr lang="en-US" altLang="ko-KR" dirty="0">
+              <a:latin typeface="AppleSDGothicNeoL00" panose="02000503000000000000" pitchFamily="2" charset="-127"/>
+              <a:ea typeface="AppleSDGothicNeoL00" panose="02000503000000000000" pitchFamily="2" charset="-127"/>
+            </a:endParaRPr>
+          </a:p>
+          <a:p>
+            <a:pPr latinLnBrk="0"/>
+            <a:r>
+              <a:rPr lang="ko-KR" altLang="en-US" dirty="0">
+                <a:latin typeface="AppleSDGothicNeoL00" panose="02000503000000000000" pitchFamily="2" charset="-127"/>
+                <a:ea typeface="AppleSDGothicNeoL00" panose="02000503000000000000" pitchFamily="2" charset="-127"/>
+              </a:rPr>
+              <a:t>만약 </a:t>
+            </a:r>
+            <a:r>
+              <a:rPr lang="en-US" altLang="ko-KR" dirty="0">
+                <a:latin typeface="AppleSDGothicNeoL00" panose="02000503000000000000" pitchFamily="2" charset="-127"/>
+                <a:ea typeface="AppleSDGothicNeoL00" panose="02000503000000000000" pitchFamily="2" charset="-127"/>
+              </a:rPr>
+              <a:t>f1.txt</a:t>
+            </a:r>
+            <a:r>
+              <a:rPr lang="ko-KR" altLang="en-US" dirty="0">
+                <a:latin typeface="AppleSDGothicNeoL00" panose="02000503000000000000" pitchFamily="2" charset="-127"/>
+                <a:ea typeface="AppleSDGothicNeoL00" panose="02000503000000000000" pitchFamily="2" charset="-127"/>
+              </a:rPr>
+              <a:t>가 변경되었다면</a:t>
+            </a:r>
+            <a:r>
+              <a:rPr lang="en-US" altLang="ko-KR" dirty="0">
+                <a:latin typeface="AppleSDGothicNeoL00" panose="02000503000000000000" pitchFamily="2" charset="-127"/>
+                <a:ea typeface="AppleSDGothicNeoL00" panose="02000503000000000000" pitchFamily="2" charset="-127"/>
+              </a:rPr>
+              <a:t>, </a:t>
+            </a:r>
+            <a:r>
+              <a:rPr lang="ko-KR" altLang="en-US" dirty="0">
+                <a:latin typeface="AppleSDGothicNeoL00" panose="02000503000000000000" pitchFamily="2" charset="-127"/>
+                <a:ea typeface="AppleSDGothicNeoL00" panose="02000503000000000000" pitchFamily="2" charset="-127"/>
+              </a:rPr>
+              <a:t>각 시점의 </a:t>
+            </a:r>
+            <a:r>
+              <a:rPr lang="en-US" altLang="ko-KR" dirty="0">
+                <a:latin typeface="AppleSDGothicNeoL00" panose="02000503000000000000" pitchFamily="2" charset="-127"/>
+                <a:ea typeface="AppleSDGothicNeoL00" panose="02000503000000000000" pitchFamily="2" charset="-127"/>
+              </a:rPr>
+              <a:t>f1.txt</a:t>
+            </a:r>
+            <a:r>
+              <a:rPr lang="ko-KR" altLang="en-US" dirty="0">
+                <a:latin typeface="AppleSDGothicNeoL00" panose="02000503000000000000" pitchFamily="2" charset="-127"/>
+                <a:ea typeface="AppleSDGothicNeoL00" panose="02000503000000000000" pitchFamily="2" charset="-127"/>
+              </a:rPr>
+              <a:t> </a:t>
+            </a:r>
+            <a:r>
+              <a:rPr lang="ko-KR" altLang="en-US" dirty="0" err="1">
+                <a:latin typeface="AppleSDGothicNeoL00" panose="02000503000000000000" pitchFamily="2" charset="-127"/>
+                <a:ea typeface="AppleSDGothicNeoL00" panose="02000503000000000000" pitchFamily="2" charset="-127"/>
+              </a:rPr>
+              <a:t>해시값을</a:t>
+            </a:r>
+            <a:r>
+              <a:rPr lang="ko-KR" altLang="en-US" dirty="0">
+                <a:latin typeface="AppleSDGothicNeoL00" panose="02000503000000000000" pitchFamily="2" charset="-127"/>
+                <a:ea typeface="AppleSDGothicNeoL00" panose="02000503000000000000" pitchFamily="2" charset="-127"/>
+              </a:rPr>
+              <a:t> 비교해서 </a:t>
+            </a:r>
+            <a:r>
+              <a:rPr lang="ko-KR" altLang="en-US" b="1" dirty="0">
+                <a:latin typeface="AppleSDGothicNeoL00" panose="02000503000000000000" pitchFamily="2" charset="-127"/>
+                <a:ea typeface="AppleSDGothicNeoL00" panose="02000503000000000000" pitchFamily="2" charset="-127"/>
+              </a:rPr>
+              <a:t>수정된 파일</a:t>
+            </a:r>
+            <a:r>
+              <a:rPr lang="ko-KR" altLang="en-US" dirty="0">
+                <a:latin typeface="AppleSDGothicNeoL00" panose="02000503000000000000" pitchFamily="2" charset="-127"/>
+                <a:ea typeface="AppleSDGothicNeoL00" panose="02000503000000000000" pitchFamily="2" charset="-127"/>
+              </a:rPr>
+              <a:t>임을 감지한다</a:t>
+            </a:r>
+            <a:r>
+              <a:rPr lang="en-US" altLang="ko-KR" dirty="0">
+                <a:latin typeface="AppleSDGothicNeoL00" panose="02000503000000000000" pitchFamily="2" charset="-127"/>
+                <a:ea typeface="AppleSDGothicNeoL00" panose="02000503000000000000" pitchFamily="2" charset="-127"/>
+              </a:rPr>
+              <a:t>.</a:t>
+            </a:r>
+            <a:endParaRPr lang="ko-KR" altLang="en-US" dirty="0">
+              <a:latin typeface="AppleSDGothicNeoL00" panose="02000503000000000000" pitchFamily="2" charset="-127"/>
+              <a:ea typeface="AppleSDGothicNeoL00" panose="02000503000000000000" pitchFamily="2" charset="-127"/>
+            </a:endParaRPr>
+          </a:p>
+        </p:txBody>
+      </p:sp>
+    </p:spTree>
+    <p:extLst>
+      <p:ext uri="{BB962C8B-B14F-4D97-AF65-F5344CB8AC3E}">
+        <p14:creationId xmlns:p14="http://schemas.microsoft.com/office/powerpoint/2010/main" val="1163094671"/>
       </p:ext>
     </p:extLst>
   </p:cSld>

--- a/Git/images/images.pptx
+++ b/Git/images/images.pptx
@@ -36,6 +36,23 @@
     <p:sldId id="290" r:id="rId30"/>
     <p:sldId id="291" r:id="rId31"/>
     <p:sldId id="292" r:id="rId32"/>
+    <p:sldId id="293" r:id="rId33"/>
+    <p:sldId id="294" r:id="rId34"/>
+    <p:sldId id="295" r:id="rId35"/>
+    <p:sldId id="296" r:id="rId36"/>
+    <p:sldId id="298" r:id="rId37"/>
+    <p:sldId id="299" r:id="rId38"/>
+    <p:sldId id="301" r:id="rId39"/>
+    <p:sldId id="300" r:id="rId40"/>
+    <p:sldId id="302" r:id="rId41"/>
+    <p:sldId id="303" r:id="rId42"/>
+    <p:sldId id="304" r:id="rId43"/>
+    <p:sldId id="305" r:id="rId44"/>
+    <p:sldId id="306" r:id="rId45"/>
+    <p:sldId id="307" r:id="rId46"/>
+    <p:sldId id="308" r:id="rId47"/>
+    <p:sldId id="309" r:id="rId48"/>
+    <p:sldId id="310" r:id="rId49"/>
   </p:sldIdLst>
   <p:sldSz cx="12192000" cy="6858000"/>
   <p:notesSz cx="6858000" cy="9144000"/>
@@ -300,7 +317,7 @@
           <a:p>
             <a:fld id="{5E2742A0-9B02-4E65-9D56-B5AFA763D91D}" type="datetimeFigureOut">
               <a:rPr lang="ko-KR" altLang="en-US" smtClean="0"/>
-              <a:t>2021-01-28</a:t>
+              <a:t>2021-02-01</a:t>
             </a:fld>
             <a:endParaRPr lang="ko-KR" altLang="en-US"/>
           </a:p>
@@ -498,7 +515,7 @@
           <a:p>
             <a:fld id="{5E2742A0-9B02-4E65-9D56-B5AFA763D91D}" type="datetimeFigureOut">
               <a:rPr lang="ko-KR" altLang="en-US" smtClean="0"/>
-              <a:t>2021-01-28</a:t>
+              <a:t>2021-02-01</a:t>
             </a:fld>
             <a:endParaRPr lang="ko-KR" altLang="en-US"/>
           </a:p>
@@ -706,7 +723,7 @@
           <a:p>
             <a:fld id="{5E2742A0-9B02-4E65-9D56-B5AFA763D91D}" type="datetimeFigureOut">
               <a:rPr lang="ko-KR" altLang="en-US" smtClean="0"/>
-              <a:t>2021-01-28</a:t>
+              <a:t>2021-02-01</a:t>
             </a:fld>
             <a:endParaRPr lang="ko-KR" altLang="en-US"/>
           </a:p>
@@ -1011,7 +1028,7 @@
           <a:p>
             <a:fld id="{5E2742A0-9B02-4E65-9D56-B5AFA763D91D}" type="datetimeFigureOut">
               <a:rPr lang="ko-KR" altLang="en-US" smtClean="0"/>
-              <a:t>2021-01-28</a:t>
+              <a:t>2021-02-01</a:t>
             </a:fld>
             <a:endParaRPr lang="ko-KR" altLang="en-US"/>
           </a:p>
@@ -1276,7 +1293,7 @@
           <a:p>
             <a:fld id="{5E2742A0-9B02-4E65-9D56-B5AFA763D91D}" type="datetimeFigureOut">
               <a:rPr lang="ko-KR" altLang="en-US" smtClean="0"/>
-              <a:t>2021-01-28</a:t>
+              <a:t>2021-02-01</a:t>
             </a:fld>
             <a:endParaRPr lang="ko-KR" altLang="en-US"/>
           </a:p>
@@ -1688,7 +1705,7 @@
           <a:p>
             <a:fld id="{5E2742A0-9B02-4E65-9D56-B5AFA763D91D}" type="datetimeFigureOut">
               <a:rPr lang="ko-KR" altLang="en-US" smtClean="0"/>
-              <a:t>2021-01-28</a:t>
+              <a:t>2021-02-01</a:t>
             </a:fld>
             <a:endParaRPr lang="ko-KR" altLang="en-US"/>
           </a:p>
@@ -1829,7 +1846,7 @@
           <a:p>
             <a:fld id="{5E2742A0-9B02-4E65-9D56-B5AFA763D91D}" type="datetimeFigureOut">
               <a:rPr lang="ko-KR" altLang="en-US" smtClean="0"/>
-              <a:t>2021-01-28</a:t>
+              <a:t>2021-02-01</a:t>
             </a:fld>
             <a:endParaRPr lang="ko-KR" altLang="en-US"/>
           </a:p>
@@ -1942,7 +1959,7 @@
           <a:p>
             <a:fld id="{5E2742A0-9B02-4E65-9D56-B5AFA763D91D}" type="datetimeFigureOut">
               <a:rPr lang="ko-KR" altLang="en-US" smtClean="0"/>
-              <a:t>2021-01-28</a:t>
+              <a:t>2021-02-01</a:t>
             </a:fld>
             <a:endParaRPr lang="ko-KR" altLang="en-US"/>
           </a:p>
@@ -2253,7 +2270,7 @@
           <a:p>
             <a:fld id="{5E2742A0-9B02-4E65-9D56-B5AFA763D91D}" type="datetimeFigureOut">
               <a:rPr lang="ko-KR" altLang="en-US" smtClean="0"/>
-              <a:t>2021-01-28</a:t>
+              <a:t>2021-02-01</a:t>
             </a:fld>
             <a:endParaRPr lang="ko-KR" altLang="en-US"/>
           </a:p>
@@ -2541,7 +2558,7 @@
           <a:p>
             <a:fld id="{5E2742A0-9B02-4E65-9D56-B5AFA763D91D}" type="datetimeFigureOut">
               <a:rPr lang="ko-KR" altLang="en-US" smtClean="0"/>
-              <a:t>2021-01-28</a:t>
+              <a:t>2021-02-01</a:t>
             </a:fld>
             <a:endParaRPr lang="ko-KR" altLang="en-US"/>
           </a:p>
@@ -2782,7 +2799,7 @@
           <a:p>
             <a:fld id="{5E2742A0-9B02-4E65-9D56-B5AFA763D91D}" type="datetimeFigureOut">
               <a:rPr lang="ko-KR" altLang="en-US" smtClean="0"/>
-              <a:t>2021-01-28</a:t>
+              <a:t>2021-02-01</a:t>
             </a:fld>
             <a:endParaRPr lang="ko-KR" altLang="en-US"/>
           </a:p>
@@ -20291,6 +20308,6958 @@
 </p:sld>
 </file>
 
+<file path=ppt/slides/slide32.xml><?xml version="1.0" encoding="utf-8"?>
+<p:sld xmlns:a="http://schemas.openxmlformats.org/drawingml/2006/main" xmlns:r="http://schemas.openxmlformats.org/officeDocument/2006/relationships" xmlns:p="http://schemas.openxmlformats.org/presentationml/2006/main">
+  <p:cSld>
+    <p:spTree>
+      <p:nvGrpSpPr>
+        <p:cNvPr id="1" name=""/>
+        <p:cNvGrpSpPr/>
+        <p:nvPr/>
+      </p:nvGrpSpPr>
+      <p:grpSpPr>
+        <a:xfrm>
+          <a:off x="0" y="0"/>
+          <a:ext cx="0" cy="0"/>
+          <a:chOff x="0" y="0"/>
+          <a:chExt cx="0" cy="0"/>
+        </a:xfrm>
+      </p:grpSpPr>
+      <p:grpSp>
+        <p:nvGrpSpPr>
+          <p:cNvPr id="7" name="그룹 6">
+            <a:extLst>
+              <a:ext uri="{FF2B5EF4-FFF2-40B4-BE49-F238E27FC236}">
+                <a16:creationId xmlns:a16="http://schemas.microsoft.com/office/drawing/2014/main" id="{08CA45A4-D6DA-4FFA-8C48-16D4264A1B06}"/>
+              </a:ext>
+            </a:extLst>
+          </p:cNvPr>
+          <p:cNvGrpSpPr/>
+          <p:nvPr/>
+        </p:nvGrpSpPr>
+        <p:grpSpPr>
+          <a:xfrm>
+            <a:off x="613003" y="4178299"/>
+            <a:ext cx="996798" cy="1177212"/>
+            <a:chOff x="1400403" y="4127499"/>
+            <a:chExt cx="996798" cy="1177212"/>
+          </a:xfrm>
+        </p:grpSpPr>
+        <p:pic>
+          <p:nvPicPr>
+            <p:cNvPr id="3" name="그림 2">
+              <a:extLst>
+                <a:ext uri="{FF2B5EF4-FFF2-40B4-BE49-F238E27FC236}">
+                  <a16:creationId xmlns:a16="http://schemas.microsoft.com/office/drawing/2014/main" id="{9A4CE93E-B10B-4A3A-9E47-EDBCE782B5EB}"/>
+                </a:ext>
+              </a:extLst>
+            </p:cNvPr>
+            <p:cNvPicPr>
+              <a:picLocks noChangeAspect="1"/>
+            </p:cNvPicPr>
+            <p:nvPr/>
+          </p:nvPicPr>
+          <p:blipFill>
+            <a:blip r:embed="rId2">
+              <a:extLst>
+                <a:ext uri="{28A0092B-C50C-407E-A947-70E740481C1C}">
+                  <a14:useLocalDpi xmlns:a14="http://schemas.microsoft.com/office/drawing/2010/main" val="0"/>
+                </a:ext>
+              </a:extLst>
+            </a:blip>
+            <a:stretch>
+              <a:fillRect/>
+            </a:stretch>
+          </p:blipFill>
+          <p:spPr>
+            <a:xfrm>
+              <a:off x="1549705" y="4127499"/>
+              <a:ext cx="698195" cy="698195"/>
+            </a:xfrm>
+            <a:prstGeom prst="rect">
+              <a:avLst/>
+            </a:prstGeom>
+          </p:spPr>
+        </p:pic>
+        <p:sp>
+          <p:nvSpPr>
+            <p:cNvPr id="4" name="TextBox 3">
+              <a:extLst>
+                <a:ext uri="{FF2B5EF4-FFF2-40B4-BE49-F238E27FC236}">
+                  <a16:creationId xmlns:a16="http://schemas.microsoft.com/office/drawing/2014/main" id="{7C20D63D-521C-498B-9FD2-1FA384A89DF2}"/>
+                </a:ext>
+              </a:extLst>
+            </p:cNvPr>
+            <p:cNvSpPr txBox="1"/>
+            <p:nvPr/>
+          </p:nvSpPr>
+          <p:spPr>
+            <a:xfrm>
+              <a:off x="1400403" y="4996934"/>
+              <a:ext cx="996798" cy="307777"/>
+            </a:xfrm>
+            <a:prstGeom prst="rect">
+              <a:avLst/>
+            </a:prstGeom>
+            <a:noFill/>
+          </p:spPr>
+          <p:txBody>
+            <a:bodyPr wrap="square" rtlCol="0">
+              <a:spAutoFit/>
+            </a:bodyPr>
+            <a:lstStyle/>
+            <a:p>
+              <a:pPr algn="ctr"/>
+              <a:r>
+                <a:rPr lang="ko-KR" altLang="en-US" sz="1400" dirty="0">
+                  <a:latin typeface="AppleSDGothicNeoM00" panose="02000503000000000000" pitchFamily="2" charset="-127"/>
+                  <a:ea typeface="AppleSDGothicNeoM00" panose="02000503000000000000" pitchFamily="2" charset="-127"/>
+                </a:rPr>
+                <a:t>팀플</a:t>
+              </a:r>
+              <a:r>
+                <a:rPr lang="en-US" altLang="ko-KR" sz="1400" dirty="0">
+                  <a:latin typeface="AppleSDGothicNeoM00" panose="02000503000000000000" pitchFamily="2" charset="-127"/>
+                  <a:ea typeface="AppleSDGothicNeoM00" panose="02000503000000000000" pitchFamily="2" charset="-127"/>
+                </a:rPr>
+                <a:t>1.ppt</a:t>
+              </a:r>
+              <a:endParaRPr lang="ko-KR" altLang="en-US" sz="1400" dirty="0">
+                <a:latin typeface="AppleSDGothicNeoM00" panose="02000503000000000000" pitchFamily="2" charset="-127"/>
+                <a:ea typeface="AppleSDGothicNeoM00" panose="02000503000000000000" pitchFamily="2" charset="-127"/>
+              </a:endParaRPr>
+            </a:p>
+          </p:txBody>
+        </p:sp>
+      </p:grpSp>
+      <p:grpSp>
+        <p:nvGrpSpPr>
+          <p:cNvPr id="8" name="그룹 7">
+            <a:extLst>
+              <a:ext uri="{FF2B5EF4-FFF2-40B4-BE49-F238E27FC236}">
+                <a16:creationId xmlns:a16="http://schemas.microsoft.com/office/drawing/2014/main" id="{B998628B-6428-43CD-9AF7-38C0C21BE3C5}"/>
+              </a:ext>
+            </a:extLst>
+          </p:cNvPr>
+          <p:cNvGrpSpPr/>
+          <p:nvPr/>
+        </p:nvGrpSpPr>
+        <p:grpSpPr>
+          <a:xfrm>
+            <a:off x="3026003" y="4178299"/>
+            <a:ext cx="996798" cy="1177212"/>
+            <a:chOff x="1400403" y="4127499"/>
+            <a:chExt cx="996798" cy="1177212"/>
+          </a:xfrm>
+        </p:grpSpPr>
+        <p:pic>
+          <p:nvPicPr>
+            <p:cNvPr id="9" name="그림 8">
+              <a:extLst>
+                <a:ext uri="{FF2B5EF4-FFF2-40B4-BE49-F238E27FC236}">
+                  <a16:creationId xmlns:a16="http://schemas.microsoft.com/office/drawing/2014/main" id="{EFDCFE6E-CE1F-4A3C-884B-E5C305EE327F}"/>
+                </a:ext>
+              </a:extLst>
+            </p:cNvPr>
+            <p:cNvPicPr>
+              <a:picLocks noChangeAspect="1"/>
+            </p:cNvPicPr>
+            <p:nvPr/>
+          </p:nvPicPr>
+          <p:blipFill>
+            <a:blip r:embed="rId2">
+              <a:extLst>
+                <a:ext uri="{28A0092B-C50C-407E-A947-70E740481C1C}">
+                  <a14:useLocalDpi xmlns:a14="http://schemas.microsoft.com/office/drawing/2010/main" val="0"/>
+                </a:ext>
+              </a:extLst>
+            </a:blip>
+            <a:stretch>
+              <a:fillRect/>
+            </a:stretch>
+          </p:blipFill>
+          <p:spPr>
+            <a:xfrm>
+              <a:off x="1549705" y="4127499"/>
+              <a:ext cx="698195" cy="698195"/>
+            </a:xfrm>
+            <a:prstGeom prst="rect">
+              <a:avLst/>
+            </a:prstGeom>
+          </p:spPr>
+        </p:pic>
+        <p:sp>
+          <p:nvSpPr>
+            <p:cNvPr id="10" name="TextBox 9">
+              <a:extLst>
+                <a:ext uri="{FF2B5EF4-FFF2-40B4-BE49-F238E27FC236}">
+                  <a16:creationId xmlns:a16="http://schemas.microsoft.com/office/drawing/2014/main" id="{BD5B45B1-5EFD-4EF3-A661-A7671274CA3F}"/>
+                </a:ext>
+              </a:extLst>
+            </p:cNvPr>
+            <p:cNvSpPr txBox="1"/>
+            <p:nvPr/>
+          </p:nvSpPr>
+          <p:spPr>
+            <a:xfrm>
+              <a:off x="1400403" y="4996934"/>
+              <a:ext cx="996798" cy="307777"/>
+            </a:xfrm>
+            <a:prstGeom prst="rect">
+              <a:avLst/>
+            </a:prstGeom>
+            <a:noFill/>
+          </p:spPr>
+          <p:txBody>
+            <a:bodyPr wrap="square" rtlCol="0">
+              <a:spAutoFit/>
+            </a:bodyPr>
+            <a:lstStyle/>
+            <a:p>
+              <a:pPr algn="ctr"/>
+              <a:r>
+                <a:rPr lang="ko-KR" altLang="en-US" sz="1400" dirty="0">
+                  <a:latin typeface="AppleSDGothicNeoM00" panose="02000503000000000000" pitchFamily="2" charset="-127"/>
+                  <a:ea typeface="AppleSDGothicNeoM00" panose="02000503000000000000" pitchFamily="2" charset="-127"/>
+                </a:rPr>
+                <a:t>팀플</a:t>
+              </a:r>
+              <a:r>
+                <a:rPr lang="en-US" altLang="ko-KR" sz="1400" dirty="0">
+                  <a:latin typeface="AppleSDGothicNeoM00" panose="02000503000000000000" pitchFamily="2" charset="-127"/>
+                  <a:ea typeface="AppleSDGothicNeoM00" panose="02000503000000000000" pitchFamily="2" charset="-127"/>
+                </a:rPr>
+                <a:t>2.ppt</a:t>
+              </a:r>
+              <a:endParaRPr lang="ko-KR" altLang="en-US" sz="1400" dirty="0">
+                <a:latin typeface="AppleSDGothicNeoM00" panose="02000503000000000000" pitchFamily="2" charset="-127"/>
+                <a:ea typeface="AppleSDGothicNeoM00" panose="02000503000000000000" pitchFamily="2" charset="-127"/>
+              </a:endParaRPr>
+            </a:p>
+          </p:txBody>
+        </p:sp>
+      </p:grpSp>
+      <p:sp>
+        <p:nvSpPr>
+          <p:cNvPr id="21" name="자유형: 도형 20">
+            <a:extLst>
+              <a:ext uri="{FF2B5EF4-FFF2-40B4-BE49-F238E27FC236}">
+                <a16:creationId xmlns:a16="http://schemas.microsoft.com/office/drawing/2014/main" id="{C05E4B6F-8376-4B37-BDE1-C51A2C65AE8A}"/>
+              </a:ext>
+            </a:extLst>
+          </p:cNvPr>
+          <p:cNvSpPr/>
+          <p:nvPr/>
+        </p:nvSpPr>
+        <p:spPr>
+          <a:xfrm>
+            <a:off x="1894154" y="4363205"/>
+            <a:ext cx="847497" cy="328381"/>
+          </a:xfrm>
+          <a:custGeom>
+            <a:avLst/>
+            <a:gdLst>
+              <a:gd name="connsiteX0" fmla="*/ 273050 w 1409395"/>
+              <a:gd name="connsiteY0" fmla="*/ 98320 h 546100"/>
+              <a:gd name="connsiteX1" fmla="*/ 95250 w 1409395"/>
+              <a:gd name="connsiteY1" fmla="*/ 276120 h 546100"/>
+              <a:gd name="connsiteX2" fmla="*/ 273050 w 1409395"/>
+              <a:gd name="connsiteY2" fmla="*/ 453920 h 546100"/>
+              <a:gd name="connsiteX3" fmla="*/ 450850 w 1409395"/>
+              <a:gd name="connsiteY3" fmla="*/ 276120 h 546100"/>
+              <a:gd name="connsiteX4" fmla="*/ 273050 w 1409395"/>
+              <a:gd name="connsiteY4" fmla="*/ 98320 h 546100"/>
+              <a:gd name="connsiteX5" fmla="*/ 273050 w 1409395"/>
+              <a:gd name="connsiteY5" fmla="*/ 0 h 546100"/>
+              <a:gd name="connsiteX6" fmla="*/ 524642 w 1409395"/>
+              <a:gd name="connsiteY6" fmla="*/ 166767 h 546100"/>
+              <a:gd name="connsiteX7" fmla="*/ 526870 w 1409395"/>
+              <a:gd name="connsiteY7" fmla="*/ 177800 h 546100"/>
+              <a:gd name="connsiteX8" fmla="*/ 1218895 w 1409395"/>
+              <a:gd name="connsiteY8" fmla="*/ 177800 h 546100"/>
+              <a:gd name="connsiteX9" fmla="*/ 1218895 w 1409395"/>
+              <a:gd name="connsiteY9" fmla="*/ 82550 h 546100"/>
+              <a:gd name="connsiteX10" fmla="*/ 1409395 w 1409395"/>
+              <a:gd name="connsiteY10" fmla="*/ 273050 h 546100"/>
+              <a:gd name="connsiteX11" fmla="*/ 1218895 w 1409395"/>
+              <a:gd name="connsiteY11" fmla="*/ 463550 h 546100"/>
+              <a:gd name="connsiteX12" fmla="*/ 1218895 w 1409395"/>
+              <a:gd name="connsiteY12" fmla="*/ 368300 h 546100"/>
+              <a:gd name="connsiteX13" fmla="*/ 526870 w 1409395"/>
+              <a:gd name="connsiteY13" fmla="*/ 368300 h 546100"/>
+              <a:gd name="connsiteX14" fmla="*/ 524642 w 1409395"/>
+              <a:gd name="connsiteY14" fmla="*/ 379333 h 546100"/>
+              <a:gd name="connsiteX15" fmla="*/ 273050 w 1409395"/>
+              <a:gd name="connsiteY15" fmla="*/ 546100 h 546100"/>
+              <a:gd name="connsiteX16" fmla="*/ 0 w 1409395"/>
+              <a:gd name="connsiteY16" fmla="*/ 273050 h 546100"/>
+              <a:gd name="connsiteX17" fmla="*/ 273050 w 1409395"/>
+              <a:gd name="connsiteY17" fmla="*/ 0 h 546100"/>
+            </a:gdLst>
+            <a:ahLst/>
+            <a:cxnLst>
+              <a:cxn ang="0">
+                <a:pos x="connsiteX0" y="connsiteY0"/>
+              </a:cxn>
+              <a:cxn ang="0">
+                <a:pos x="connsiteX1" y="connsiteY1"/>
+              </a:cxn>
+              <a:cxn ang="0">
+                <a:pos x="connsiteX2" y="connsiteY2"/>
+              </a:cxn>
+              <a:cxn ang="0">
+                <a:pos x="connsiteX3" y="connsiteY3"/>
+              </a:cxn>
+              <a:cxn ang="0">
+                <a:pos x="connsiteX4" y="connsiteY4"/>
+              </a:cxn>
+              <a:cxn ang="0">
+                <a:pos x="connsiteX5" y="connsiteY5"/>
+              </a:cxn>
+              <a:cxn ang="0">
+                <a:pos x="connsiteX6" y="connsiteY6"/>
+              </a:cxn>
+              <a:cxn ang="0">
+                <a:pos x="connsiteX7" y="connsiteY7"/>
+              </a:cxn>
+              <a:cxn ang="0">
+                <a:pos x="connsiteX8" y="connsiteY8"/>
+              </a:cxn>
+              <a:cxn ang="0">
+                <a:pos x="connsiteX9" y="connsiteY9"/>
+              </a:cxn>
+              <a:cxn ang="0">
+                <a:pos x="connsiteX10" y="connsiteY10"/>
+              </a:cxn>
+              <a:cxn ang="0">
+                <a:pos x="connsiteX11" y="connsiteY11"/>
+              </a:cxn>
+              <a:cxn ang="0">
+                <a:pos x="connsiteX12" y="connsiteY12"/>
+              </a:cxn>
+              <a:cxn ang="0">
+                <a:pos x="connsiteX13" y="connsiteY13"/>
+              </a:cxn>
+              <a:cxn ang="0">
+                <a:pos x="connsiteX14" y="connsiteY14"/>
+              </a:cxn>
+              <a:cxn ang="0">
+                <a:pos x="connsiteX15" y="connsiteY15"/>
+              </a:cxn>
+              <a:cxn ang="0">
+                <a:pos x="connsiteX16" y="connsiteY16"/>
+              </a:cxn>
+              <a:cxn ang="0">
+                <a:pos x="connsiteX17" y="connsiteY17"/>
+              </a:cxn>
+            </a:cxnLst>
+            <a:rect l="l" t="t" r="r" b="b"/>
+            <a:pathLst>
+              <a:path w="1409395" h="546100">
+                <a:moveTo>
+                  <a:pt x="273050" y="98320"/>
+                </a:moveTo>
+                <a:cubicBezTo>
+                  <a:pt x="174854" y="98320"/>
+                  <a:pt x="95250" y="177924"/>
+                  <a:pt x="95250" y="276120"/>
+                </a:cubicBezTo>
+                <a:cubicBezTo>
+                  <a:pt x="95250" y="374316"/>
+                  <a:pt x="174854" y="453920"/>
+                  <a:pt x="273050" y="453920"/>
+                </a:cubicBezTo>
+                <a:cubicBezTo>
+                  <a:pt x="371246" y="453920"/>
+                  <a:pt x="450850" y="374316"/>
+                  <a:pt x="450850" y="276120"/>
+                </a:cubicBezTo>
+                <a:cubicBezTo>
+                  <a:pt x="450850" y="177924"/>
+                  <a:pt x="371246" y="98320"/>
+                  <a:pt x="273050" y="98320"/>
+                </a:cubicBezTo>
+                <a:close/>
+                <a:moveTo>
+                  <a:pt x="273050" y="0"/>
+                </a:moveTo>
+                <a:cubicBezTo>
+                  <a:pt x="386151" y="0"/>
+                  <a:pt x="483191" y="68765"/>
+                  <a:pt x="524642" y="166767"/>
+                </a:cubicBezTo>
+                <a:lnTo>
+                  <a:pt x="526870" y="177800"/>
+                </a:lnTo>
+                <a:lnTo>
+                  <a:pt x="1218895" y="177800"/>
+                </a:lnTo>
+                <a:lnTo>
+                  <a:pt x="1218895" y="82550"/>
+                </a:lnTo>
+                <a:lnTo>
+                  <a:pt x="1409395" y="273050"/>
+                </a:lnTo>
+                <a:lnTo>
+                  <a:pt x="1218895" y="463550"/>
+                </a:lnTo>
+                <a:lnTo>
+                  <a:pt x="1218895" y="368300"/>
+                </a:lnTo>
+                <a:lnTo>
+                  <a:pt x="526870" y="368300"/>
+                </a:lnTo>
+                <a:lnTo>
+                  <a:pt x="524642" y="379333"/>
+                </a:lnTo>
+                <a:cubicBezTo>
+                  <a:pt x="483191" y="477335"/>
+                  <a:pt x="386151" y="546100"/>
+                  <a:pt x="273050" y="546100"/>
+                </a:cubicBezTo>
+                <a:cubicBezTo>
+                  <a:pt x="122249" y="546100"/>
+                  <a:pt x="0" y="423851"/>
+                  <a:pt x="0" y="273050"/>
+                </a:cubicBezTo>
+                <a:cubicBezTo>
+                  <a:pt x="0" y="122249"/>
+                  <a:pt x="122249" y="0"/>
+                  <a:pt x="273050" y="0"/>
+                </a:cubicBezTo>
+                <a:close/>
+              </a:path>
+            </a:pathLst>
+          </a:custGeom>
+          <a:solidFill>
+            <a:schemeClr val="tx1"/>
+          </a:solidFill>
+          <a:ln>
+            <a:noFill/>
+          </a:ln>
+        </p:spPr>
+        <p:style>
+          <a:lnRef idx="2">
+            <a:schemeClr val="accent1">
+              <a:shade val="50000"/>
+            </a:schemeClr>
+          </a:lnRef>
+          <a:fillRef idx="1">
+            <a:schemeClr val="accent1"/>
+          </a:fillRef>
+          <a:effectRef idx="0">
+            <a:schemeClr val="accent1"/>
+          </a:effectRef>
+          <a:fontRef idx="minor">
+            <a:schemeClr val="lt1"/>
+          </a:fontRef>
+        </p:style>
+        <p:txBody>
+          <a:bodyPr wrap="square" rtlCol="0" anchor="ctr">
+            <a:noAutofit/>
+          </a:bodyPr>
+          <a:lstStyle/>
+          <a:p>
+            <a:pPr algn="ctr"/>
+            <a:endParaRPr lang="ko-KR" altLang="en-US"/>
+          </a:p>
+        </p:txBody>
+      </p:sp>
+      <p:sp>
+        <p:nvSpPr>
+          <p:cNvPr id="22" name="자유형: 도형 21">
+            <a:extLst>
+              <a:ext uri="{FF2B5EF4-FFF2-40B4-BE49-F238E27FC236}">
+                <a16:creationId xmlns:a16="http://schemas.microsoft.com/office/drawing/2014/main" id="{32545EB5-2C70-4BD2-8D88-1F41ED41009B}"/>
+              </a:ext>
+            </a:extLst>
+          </p:cNvPr>
+          <p:cNvSpPr/>
+          <p:nvPr/>
+        </p:nvSpPr>
+        <p:spPr>
+          <a:xfrm rot="19064363">
+            <a:off x="4205554" y="3722099"/>
+            <a:ext cx="847497" cy="328381"/>
+          </a:xfrm>
+          <a:custGeom>
+            <a:avLst/>
+            <a:gdLst>
+              <a:gd name="connsiteX0" fmla="*/ 273050 w 1409395"/>
+              <a:gd name="connsiteY0" fmla="*/ 98320 h 546100"/>
+              <a:gd name="connsiteX1" fmla="*/ 95250 w 1409395"/>
+              <a:gd name="connsiteY1" fmla="*/ 276120 h 546100"/>
+              <a:gd name="connsiteX2" fmla="*/ 273050 w 1409395"/>
+              <a:gd name="connsiteY2" fmla="*/ 453920 h 546100"/>
+              <a:gd name="connsiteX3" fmla="*/ 450850 w 1409395"/>
+              <a:gd name="connsiteY3" fmla="*/ 276120 h 546100"/>
+              <a:gd name="connsiteX4" fmla="*/ 273050 w 1409395"/>
+              <a:gd name="connsiteY4" fmla="*/ 98320 h 546100"/>
+              <a:gd name="connsiteX5" fmla="*/ 273050 w 1409395"/>
+              <a:gd name="connsiteY5" fmla="*/ 0 h 546100"/>
+              <a:gd name="connsiteX6" fmla="*/ 524642 w 1409395"/>
+              <a:gd name="connsiteY6" fmla="*/ 166767 h 546100"/>
+              <a:gd name="connsiteX7" fmla="*/ 526870 w 1409395"/>
+              <a:gd name="connsiteY7" fmla="*/ 177800 h 546100"/>
+              <a:gd name="connsiteX8" fmla="*/ 1218895 w 1409395"/>
+              <a:gd name="connsiteY8" fmla="*/ 177800 h 546100"/>
+              <a:gd name="connsiteX9" fmla="*/ 1218895 w 1409395"/>
+              <a:gd name="connsiteY9" fmla="*/ 82550 h 546100"/>
+              <a:gd name="connsiteX10" fmla="*/ 1409395 w 1409395"/>
+              <a:gd name="connsiteY10" fmla="*/ 273050 h 546100"/>
+              <a:gd name="connsiteX11" fmla="*/ 1218895 w 1409395"/>
+              <a:gd name="connsiteY11" fmla="*/ 463550 h 546100"/>
+              <a:gd name="connsiteX12" fmla="*/ 1218895 w 1409395"/>
+              <a:gd name="connsiteY12" fmla="*/ 368300 h 546100"/>
+              <a:gd name="connsiteX13" fmla="*/ 526870 w 1409395"/>
+              <a:gd name="connsiteY13" fmla="*/ 368300 h 546100"/>
+              <a:gd name="connsiteX14" fmla="*/ 524642 w 1409395"/>
+              <a:gd name="connsiteY14" fmla="*/ 379333 h 546100"/>
+              <a:gd name="connsiteX15" fmla="*/ 273050 w 1409395"/>
+              <a:gd name="connsiteY15" fmla="*/ 546100 h 546100"/>
+              <a:gd name="connsiteX16" fmla="*/ 0 w 1409395"/>
+              <a:gd name="connsiteY16" fmla="*/ 273050 h 546100"/>
+              <a:gd name="connsiteX17" fmla="*/ 273050 w 1409395"/>
+              <a:gd name="connsiteY17" fmla="*/ 0 h 546100"/>
+            </a:gdLst>
+            <a:ahLst/>
+            <a:cxnLst>
+              <a:cxn ang="0">
+                <a:pos x="connsiteX0" y="connsiteY0"/>
+              </a:cxn>
+              <a:cxn ang="0">
+                <a:pos x="connsiteX1" y="connsiteY1"/>
+              </a:cxn>
+              <a:cxn ang="0">
+                <a:pos x="connsiteX2" y="connsiteY2"/>
+              </a:cxn>
+              <a:cxn ang="0">
+                <a:pos x="connsiteX3" y="connsiteY3"/>
+              </a:cxn>
+              <a:cxn ang="0">
+                <a:pos x="connsiteX4" y="connsiteY4"/>
+              </a:cxn>
+              <a:cxn ang="0">
+                <a:pos x="connsiteX5" y="connsiteY5"/>
+              </a:cxn>
+              <a:cxn ang="0">
+                <a:pos x="connsiteX6" y="connsiteY6"/>
+              </a:cxn>
+              <a:cxn ang="0">
+                <a:pos x="connsiteX7" y="connsiteY7"/>
+              </a:cxn>
+              <a:cxn ang="0">
+                <a:pos x="connsiteX8" y="connsiteY8"/>
+              </a:cxn>
+              <a:cxn ang="0">
+                <a:pos x="connsiteX9" y="connsiteY9"/>
+              </a:cxn>
+              <a:cxn ang="0">
+                <a:pos x="connsiteX10" y="connsiteY10"/>
+              </a:cxn>
+              <a:cxn ang="0">
+                <a:pos x="connsiteX11" y="connsiteY11"/>
+              </a:cxn>
+              <a:cxn ang="0">
+                <a:pos x="connsiteX12" y="connsiteY12"/>
+              </a:cxn>
+              <a:cxn ang="0">
+                <a:pos x="connsiteX13" y="connsiteY13"/>
+              </a:cxn>
+              <a:cxn ang="0">
+                <a:pos x="connsiteX14" y="connsiteY14"/>
+              </a:cxn>
+              <a:cxn ang="0">
+                <a:pos x="connsiteX15" y="connsiteY15"/>
+              </a:cxn>
+              <a:cxn ang="0">
+                <a:pos x="connsiteX16" y="connsiteY16"/>
+              </a:cxn>
+              <a:cxn ang="0">
+                <a:pos x="connsiteX17" y="connsiteY17"/>
+              </a:cxn>
+            </a:cxnLst>
+            <a:rect l="l" t="t" r="r" b="b"/>
+            <a:pathLst>
+              <a:path w="1409395" h="546100">
+                <a:moveTo>
+                  <a:pt x="273050" y="98320"/>
+                </a:moveTo>
+                <a:cubicBezTo>
+                  <a:pt x="174854" y="98320"/>
+                  <a:pt x="95250" y="177924"/>
+                  <a:pt x="95250" y="276120"/>
+                </a:cubicBezTo>
+                <a:cubicBezTo>
+                  <a:pt x="95250" y="374316"/>
+                  <a:pt x="174854" y="453920"/>
+                  <a:pt x="273050" y="453920"/>
+                </a:cubicBezTo>
+                <a:cubicBezTo>
+                  <a:pt x="371246" y="453920"/>
+                  <a:pt x="450850" y="374316"/>
+                  <a:pt x="450850" y="276120"/>
+                </a:cubicBezTo>
+                <a:cubicBezTo>
+                  <a:pt x="450850" y="177924"/>
+                  <a:pt x="371246" y="98320"/>
+                  <a:pt x="273050" y="98320"/>
+                </a:cubicBezTo>
+                <a:close/>
+                <a:moveTo>
+                  <a:pt x="273050" y="0"/>
+                </a:moveTo>
+                <a:cubicBezTo>
+                  <a:pt x="386151" y="0"/>
+                  <a:pt x="483191" y="68765"/>
+                  <a:pt x="524642" y="166767"/>
+                </a:cubicBezTo>
+                <a:lnTo>
+                  <a:pt x="526870" y="177800"/>
+                </a:lnTo>
+                <a:lnTo>
+                  <a:pt x="1218895" y="177800"/>
+                </a:lnTo>
+                <a:lnTo>
+                  <a:pt x="1218895" y="82550"/>
+                </a:lnTo>
+                <a:lnTo>
+                  <a:pt x="1409395" y="273050"/>
+                </a:lnTo>
+                <a:lnTo>
+                  <a:pt x="1218895" y="463550"/>
+                </a:lnTo>
+                <a:lnTo>
+                  <a:pt x="1218895" y="368300"/>
+                </a:lnTo>
+                <a:lnTo>
+                  <a:pt x="526870" y="368300"/>
+                </a:lnTo>
+                <a:lnTo>
+                  <a:pt x="524642" y="379333"/>
+                </a:lnTo>
+                <a:cubicBezTo>
+                  <a:pt x="483191" y="477335"/>
+                  <a:pt x="386151" y="546100"/>
+                  <a:pt x="273050" y="546100"/>
+                </a:cubicBezTo>
+                <a:cubicBezTo>
+                  <a:pt x="122249" y="546100"/>
+                  <a:pt x="0" y="423851"/>
+                  <a:pt x="0" y="273050"/>
+                </a:cubicBezTo>
+                <a:cubicBezTo>
+                  <a:pt x="0" y="122249"/>
+                  <a:pt x="122249" y="0"/>
+                  <a:pt x="273050" y="0"/>
+                </a:cubicBezTo>
+                <a:close/>
+              </a:path>
+            </a:pathLst>
+          </a:custGeom>
+          <a:solidFill>
+            <a:schemeClr val="tx1"/>
+          </a:solidFill>
+          <a:ln>
+            <a:noFill/>
+          </a:ln>
+        </p:spPr>
+        <p:style>
+          <a:lnRef idx="2">
+            <a:schemeClr val="accent1">
+              <a:shade val="50000"/>
+            </a:schemeClr>
+          </a:lnRef>
+          <a:fillRef idx="1">
+            <a:schemeClr val="accent1"/>
+          </a:fillRef>
+          <a:effectRef idx="0">
+            <a:schemeClr val="accent1"/>
+          </a:effectRef>
+          <a:fontRef idx="minor">
+            <a:schemeClr val="lt1"/>
+          </a:fontRef>
+        </p:style>
+        <p:txBody>
+          <a:bodyPr wrap="square" rtlCol="0" anchor="ctr">
+            <a:noAutofit/>
+          </a:bodyPr>
+          <a:lstStyle/>
+          <a:p>
+            <a:pPr algn="ctr"/>
+            <a:endParaRPr lang="ko-KR" altLang="en-US"/>
+          </a:p>
+        </p:txBody>
+      </p:sp>
+      <p:sp>
+        <p:nvSpPr>
+          <p:cNvPr id="23" name="TextBox 22">
+            <a:extLst>
+              <a:ext uri="{FF2B5EF4-FFF2-40B4-BE49-F238E27FC236}">
+                <a16:creationId xmlns:a16="http://schemas.microsoft.com/office/drawing/2014/main" id="{374BFD39-8102-4311-AAE1-83D9A774EDD9}"/>
+              </a:ext>
+            </a:extLst>
+          </p:cNvPr>
+          <p:cNvSpPr txBox="1"/>
+          <p:nvPr/>
+        </p:nvSpPr>
+        <p:spPr>
+          <a:xfrm>
+            <a:off x="4205270" y="3104932"/>
+            <a:ext cx="1179835" cy="369332"/>
+          </a:xfrm>
+          <a:prstGeom prst="rect">
+            <a:avLst/>
+          </a:prstGeom>
+          <a:noFill/>
+        </p:spPr>
+        <p:txBody>
+          <a:bodyPr wrap="square" rtlCol="0">
+            <a:spAutoFit/>
+          </a:bodyPr>
+          <a:lstStyle/>
+          <a:p>
+            <a:pPr algn="ctr"/>
+            <a:r>
+              <a:rPr lang="ko-KR" altLang="en-US" dirty="0">
+                <a:solidFill>
+                  <a:schemeClr val="accent1"/>
+                </a:solidFill>
+                <a:latin typeface="AppleSDGothicNeoM00" panose="02000503000000000000" pitchFamily="2" charset="-127"/>
+                <a:ea typeface="AppleSDGothicNeoM00" panose="02000503000000000000" pitchFamily="2" charset="-127"/>
+              </a:rPr>
+              <a:t>내용 정리</a:t>
+            </a:r>
+          </a:p>
+        </p:txBody>
+      </p:sp>
+      <p:sp>
+        <p:nvSpPr>
+          <p:cNvPr id="24" name="자유형: 도형 23">
+            <a:extLst>
+              <a:ext uri="{FF2B5EF4-FFF2-40B4-BE49-F238E27FC236}">
+                <a16:creationId xmlns:a16="http://schemas.microsoft.com/office/drawing/2014/main" id="{7D7B8D12-4A2E-4E0E-9C43-1A3D1B6D7088}"/>
+              </a:ext>
+            </a:extLst>
+          </p:cNvPr>
+          <p:cNvSpPr/>
+          <p:nvPr/>
+        </p:nvSpPr>
+        <p:spPr>
+          <a:xfrm>
+            <a:off x="4297532" y="4407988"/>
+            <a:ext cx="847497" cy="328381"/>
+          </a:xfrm>
+          <a:custGeom>
+            <a:avLst/>
+            <a:gdLst>
+              <a:gd name="connsiteX0" fmla="*/ 273050 w 1409395"/>
+              <a:gd name="connsiteY0" fmla="*/ 98320 h 546100"/>
+              <a:gd name="connsiteX1" fmla="*/ 95250 w 1409395"/>
+              <a:gd name="connsiteY1" fmla="*/ 276120 h 546100"/>
+              <a:gd name="connsiteX2" fmla="*/ 273050 w 1409395"/>
+              <a:gd name="connsiteY2" fmla="*/ 453920 h 546100"/>
+              <a:gd name="connsiteX3" fmla="*/ 450850 w 1409395"/>
+              <a:gd name="connsiteY3" fmla="*/ 276120 h 546100"/>
+              <a:gd name="connsiteX4" fmla="*/ 273050 w 1409395"/>
+              <a:gd name="connsiteY4" fmla="*/ 98320 h 546100"/>
+              <a:gd name="connsiteX5" fmla="*/ 273050 w 1409395"/>
+              <a:gd name="connsiteY5" fmla="*/ 0 h 546100"/>
+              <a:gd name="connsiteX6" fmla="*/ 524642 w 1409395"/>
+              <a:gd name="connsiteY6" fmla="*/ 166767 h 546100"/>
+              <a:gd name="connsiteX7" fmla="*/ 526870 w 1409395"/>
+              <a:gd name="connsiteY7" fmla="*/ 177800 h 546100"/>
+              <a:gd name="connsiteX8" fmla="*/ 1218895 w 1409395"/>
+              <a:gd name="connsiteY8" fmla="*/ 177800 h 546100"/>
+              <a:gd name="connsiteX9" fmla="*/ 1218895 w 1409395"/>
+              <a:gd name="connsiteY9" fmla="*/ 82550 h 546100"/>
+              <a:gd name="connsiteX10" fmla="*/ 1409395 w 1409395"/>
+              <a:gd name="connsiteY10" fmla="*/ 273050 h 546100"/>
+              <a:gd name="connsiteX11" fmla="*/ 1218895 w 1409395"/>
+              <a:gd name="connsiteY11" fmla="*/ 463550 h 546100"/>
+              <a:gd name="connsiteX12" fmla="*/ 1218895 w 1409395"/>
+              <a:gd name="connsiteY12" fmla="*/ 368300 h 546100"/>
+              <a:gd name="connsiteX13" fmla="*/ 526870 w 1409395"/>
+              <a:gd name="connsiteY13" fmla="*/ 368300 h 546100"/>
+              <a:gd name="connsiteX14" fmla="*/ 524642 w 1409395"/>
+              <a:gd name="connsiteY14" fmla="*/ 379333 h 546100"/>
+              <a:gd name="connsiteX15" fmla="*/ 273050 w 1409395"/>
+              <a:gd name="connsiteY15" fmla="*/ 546100 h 546100"/>
+              <a:gd name="connsiteX16" fmla="*/ 0 w 1409395"/>
+              <a:gd name="connsiteY16" fmla="*/ 273050 h 546100"/>
+              <a:gd name="connsiteX17" fmla="*/ 273050 w 1409395"/>
+              <a:gd name="connsiteY17" fmla="*/ 0 h 546100"/>
+            </a:gdLst>
+            <a:ahLst/>
+            <a:cxnLst>
+              <a:cxn ang="0">
+                <a:pos x="connsiteX0" y="connsiteY0"/>
+              </a:cxn>
+              <a:cxn ang="0">
+                <a:pos x="connsiteX1" y="connsiteY1"/>
+              </a:cxn>
+              <a:cxn ang="0">
+                <a:pos x="connsiteX2" y="connsiteY2"/>
+              </a:cxn>
+              <a:cxn ang="0">
+                <a:pos x="connsiteX3" y="connsiteY3"/>
+              </a:cxn>
+              <a:cxn ang="0">
+                <a:pos x="connsiteX4" y="connsiteY4"/>
+              </a:cxn>
+              <a:cxn ang="0">
+                <a:pos x="connsiteX5" y="connsiteY5"/>
+              </a:cxn>
+              <a:cxn ang="0">
+                <a:pos x="connsiteX6" y="connsiteY6"/>
+              </a:cxn>
+              <a:cxn ang="0">
+                <a:pos x="connsiteX7" y="connsiteY7"/>
+              </a:cxn>
+              <a:cxn ang="0">
+                <a:pos x="connsiteX8" y="connsiteY8"/>
+              </a:cxn>
+              <a:cxn ang="0">
+                <a:pos x="connsiteX9" y="connsiteY9"/>
+              </a:cxn>
+              <a:cxn ang="0">
+                <a:pos x="connsiteX10" y="connsiteY10"/>
+              </a:cxn>
+              <a:cxn ang="0">
+                <a:pos x="connsiteX11" y="connsiteY11"/>
+              </a:cxn>
+              <a:cxn ang="0">
+                <a:pos x="connsiteX12" y="connsiteY12"/>
+              </a:cxn>
+              <a:cxn ang="0">
+                <a:pos x="connsiteX13" y="connsiteY13"/>
+              </a:cxn>
+              <a:cxn ang="0">
+                <a:pos x="connsiteX14" y="connsiteY14"/>
+              </a:cxn>
+              <a:cxn ang="0">
+                <a:pos x="connsiteX15" y="connsiteY15"/>
+              </a:cxn>
+              <a:cxn ang="0">
+                <a:pos x="connsiteX16" y="connsiteY16"/>
+              </a:cxn>
+              <a:cxn ang="0">
+                <a:pos x="connsiteX17" y="connsiteY17"/>
+              </a:cxn>
+            </a:cxnLst>
+            <a:rect l="l" t="t" r="r" b="b"/>
+            <a:pathLst>
+              <a:path w="1409395" h="546100">
+                <a:moveTo>
+                  <a:pt x="273050" y="98320"/>
+                </a:moveTo>
+                <a:cubicBezTo>
+                  <a:pt x="174854" y="98320"/>
+                  <a:pt x="95250" y="177924"/>
+                  <a:pt x="95250" y="276120"/>
+                </a:cubicBezTo>
+                <a:cubicBezTo>
+                  <a:pt x="95250" y="374316"/>
+                  <a:pt x="174854" y="453920"/>
+                  <a:pt x="273050" y="453920"/>
+                </a:cubicBezTo>
+                <a:cubicBezTo>
+                  <a:pt x="371246" y="453920"/>
+                  <a:pt x="450850" y="374316"/>
+                  <a:pt x="450850" y="276120"/>
+                </a:cubicBezTo>
+                <a:cubicBezTo>
+                  <a:pt x="450850" y="177924"/>
+                  <a:pt x="371246" y="98320"/>
+                  <a:pt x="273050" y="98320"/>
+                </a:cubicBezTo>
+                <a:close/>
+                <a:moveTo>
+                  <a:pt x="273050" y="0"/>
+                </a:moveTo>
+                <a:cubicBezTo>
+                  <a:pt x="386151" y="0"/>
+                  <a:pt x="483191" y="68765"/>
+                  <a:pt x="524642" y="166767"/>
+                </a:cubicBezTo>
+                <a:lnTo>
+                  <a:pt x="526870" y="177800"/>
+                </a:lnTo>
+                <a:lnTo>
+                  <a:pt x="1218895" y="177800"/>
+                </a:lnTo>
+                <a:lnTo>
+                  <a:pt x="1218895" y="82550"/>
+                </a:lnTo>
+                <a:lnTo>
+                  <a:pt x="1409395" y="273050"/>
+                </a:lnTo>
+                <a:lnTo>
+                  <a:pt x="1218895" y="463550"/>
+                </a:lnTo>
+                <a:lnTo>
+                  <a:pt x="1218895" y="368300"/>
+                </a:lnTo>
+                <a:lnTo>
+                  <a:pt x="526870" y="368300"/>
+                </a:lnTo>
+                <a:lnTo>
+                  <a:pt x="524642" y="379333"/>
+                </a:lnTo>
+                <a:cubicBezTo>
+                  <a:pt x="483191" y="477335"/>
+                  <a:pt x="386151" y="546100"/>
+                  <a:pt x="273050" y="546100"/>
+                </a:cubicBezTo>
+                <a:cubicBezTo>
+                  <a:pt x="122249" y="546100"/>
+                  <a:pt x="0" y="423851"/>
+                  <a:pt x="0" y="273050"/>
+                </a:cubicBezTo>
+                <a:cubicBezTo>
+                  <a:pt x="0" y="122249"/>
+                  <a:pt x="122249" y="0"/>
+                  <a:pt x="273050" y="0"/>
+                </a:cubicBezTo>
+                <a:close/>
+              </a:path>
+            </a:pathLst>
+          </a:custGeom>
+          <a:solidFill>
+            <a:schemeClr val="tx1"/>
+          </a:solidFill>
+          <a:ln>
+            <a:noFill/>
+          </a:ln>
+        </p:spPr>
+        <p:style>
+          <a:lnRef idx="2">
+            <a:schemeClr val="accent1">
+              <a:shade val="50000"/>
+            </a:schemeClr>
+          </a:lnRef>
+          <a:fillRef idx="1">
+            <a:schemeClr val="accent1"/>
+          </a:fillRef>
+          <a:effectRef idx="0">
+            <a:schemeClr val="accent1"/>
+          </a:effectRef>
+          <a:fontRef idx="minor">
+            <a:schemeClr val="lt1"/>
+          </a:fontRef>
+        </p:style>
+        <p:txBody>
+          <a:bodyPr wrap="square" rtlCol="0" anchor="ctr">
+            <a:noAutofit/>
+          </a:bodyPr>
+          <a:lstStyle/>
+          <a:p>
+            <a:pPr algn="ctr"/>
+            <a:endParaRPr lang="ko-KR" altLang="en-US"/>
+          </a:p>
+        </p:txBody>
+      </p:sp>
+      <p:grpSp>
+        <p:nvGrpSpPr>
+          <p:cNvPr id="25" name="그룹 24">
+            <a:extLst>
+              <a:ext uri="{FF2B5EF4-FFF2-40B4-BE49-F238E27FC236}">
+                <a16:creationId xmlns:a16="http://schemas.microsoft.com/office/drawing/2014/main" id="{6FBE9726-2F72-40BF-9B3D-A64F516841A4}"/>
+              </a:ext>
+            </a:extLst>
+          </p:cNvPr>
+          <p:cNvGrpSpPr/>
+          <p:nvPr/>
+        </p:nvGrpSpPr>
+        <p:grpSpPr>
+          <a:xfrm>
+            <a:off x="5544773" y="4178299"/>
+            <a:ext cx="1179834" cy="1177212"/>
+            <a:chOff x="1308885" y="4127499"/>
+            <a:chExt cx="1179834" cy="1177212"/>
+          </a:xfrm>
+        </p:grpSpPr>
+        <p:pic>
+          <p:nvPicPr>
+            <p:cNvPr id="26" name="그림 25">
+              <a:extLst>
+                <a:ext uri="{FF2B5EF4-FFF2-40B4-BE49-F238E27FC236}">
+                  <a16:creationId xmlns:a16="http://schemas.microsoft.com/office/drawing/2014/main" id="{E1FB9D0D-B719-4D81-9859-6B9559785606}"/>
+                </a:ext>
+              </a:extLst>
+            </p:cNvPr>
+            <p:cNvPicPr>
+              <a:picLocks noChangeAspect="1"/>
+            </p:cNvPicPr>
+            <p:nvPr/>
+          </p:nvPicPr>
+          <p:blipFill>
+            <a:blip r:embed="rId2">
+              <a:extLst>
+                <a:ext uri="{28A0092B-C50C-407E-A947-70E740481C1C}">
+                  <a14:useLocalDpi xmlns:a14="http://schemas.microsoft.com/office/drawing/2010/main" val="0"/>
+                </a:ext>
+              </a:extLst>
+            </a:blip>
+            <a:stretch>
+              <a:fillRect/>
+            </a:stretch>
+          </p:blipFill>
+          <p:spPr>
+            <a:xfrm>
+              <a:off x="1549705" y="4127499"/>
+              <a:ext cx="698195" cy="698195"/>
+            </a:xfrm>
+            <a:prstGeom prst="rect">
+              <a:avLst/>
+            </a:prstGeom>
+          </p:spPr>
+        </p:pic>
+        <p:sp>
+          <p:nvSpPr>
+            <p:cNvPr id="27" name="TextBox 26">
+              <a:extLst>
+                <a:ext uri="{FF2B5EF4-FFF2-40B4-BE49-F238E27FC236}">
+                  <a16:creationId xmlns:a16="http://schemas.microsoft.com/office/drawing/2014/main" id="{59B7806F-6ED9-4AF1-BDF7-1620E8A0A7CF}"/>
+                </a:ext>
+              </a:extLst>
+            </p:cNvPr>
+            <p:cNvSpPr txBox="1"/>
+            <p:nvPr/>
+          </p:nvSpPr>
+          <p:spPr>
+            <a:xfrm>
+              <a:off x="1308885" y="4996934"/>
+              <a:ext cx="1179834" cy="307777"/>
+            </a:xfrm>
+            <a:prstGeom prst="rect">
+              <a:avLst/>
+            </a:prstGeom>
+            <a:noFill/>
+          </p:spPr>
+          <p:txBody>
+            <a:bodyPr wrap="square" rtlCol="0">
+              <a:spAutoFit/>
+            </a:bodyPr>
+            <a:lstStyle/>
+            <a:p>
+              <a:pPr algn="ctr"/>
+              <a:r>
+                <a:rPr lang="ko-KR" altLang="en-US" sz="1400" dirty="0">
+                  <a:latin typeface="AppleSDGothicNeoM00" panose="02000503000000000000" pitchFamily="2" charset="-127"/>
+                  <a:ea typeface="AppleSDGothicNeoM00" panose="02000503000000000000" pitchFamily="2" charset="-127"/>
+                </a:rPr>
+                <a:t>팀플</a:t>
+              </a:r>
+              <a:r>
+                <a:rPr lang="en-US" altLang="ko-KR" sz="1400" dirty="0">
+                  <a:latin typeface="AppleSDGothicNeoM00" panose="02000503000000000000" pitchFamily="2" charset="-127"/>
+                  <a:ea typeface="AppleSDGothicNeoM00" panose="02000503000000000000" pitchFamily="2" charset="-127"/>
+                </a:rPr>
+                <a:t>2-1.ppt</a:t>
+              </a:r>
+              <a:endParaRPr lang="ko-KR" altLang="en-US" sz="1400" dirty="0">
+                <a:latin typeface="AppleSDGothicNeoM00" panose="02000503000000000000" pitchFamily="2" charset="-127"/>
+                <a:ea typeface="AppleSDGothicNeoM00" panose="02000503000000000000" pitchFamily="2" charset="-127"/>
+              </a:endParaRPr>
+            </a:p>
+          </p:txBody>
+        </p:sp>
+      </p:grpSp>
+      <p:grpSp>
+        <p:nvGrpSpPr>
+          <p:cNvPr id="34" name="그룹 33">
+            <a:extLst>
+              <a:ext uri="{FF2B5EF4-FFF2-40B4-BE49-F238E27FC236}">
+                <a16:creationId xmlns:a16="http://schemas.microsoft.com/office/drawing/2014/main" id="{4372D672-9F36-452C-90EC-8750A77F1537}"/>
+              </a:ext>
+            </a:extLst>
+          </p:cNvPr>
+          <p:cNvGrpSpPr/>
+          <p:nvPr/>
+        </p:nvGrpSpPr>
+        <p:grpSpPr>
+          <a:xfrm>
+            <a:off x="5544773" y="2528629"/>
+            <a:ext cx="1179834" cy="1177212"/>
+            <a:chOff x="1308885" y="4127499"/>
+            <a:chExt cx="1179834" cy="1177212"/>
+          </a:xfrm>
+        </p:grpSpPr>
+        <p:pic>
+          <p:nvPicPr>
+            <p:cNvPr id="35" name="그림 34">
+              <a:extLst>
+                <a:ext uri="{FF2B5EF4-FFF2-40B4-BE49-F238E27FC236}">
+                  <a16:creationId xmlns:a16="http://schemas.microsoft.com/office/drawing/2014/main" id="{73E5371D-15C3-443C-B7ED-066235295AA8}"/>
+                </a:ext>
+              </a:extLst>
+            </p:cNvPr>
+            <p:cNvPicPr>
+              <a:picLocks noChangeAspect="1"/>
+            </p:cNvPicPr>
+            <p:nvPr/>
+          </p:nvPicPr>
+          <p:blipFill>
+            <a:blip r:embed="rId2">
+              <a:extLst>
+                <a:ext uri="{28A0092B-C50C-407E-A947-70E740481C1C}">
+                  <a14:useLocalDpi xmlns:a14="http://schemas.microsoft.com/office/drawing/2010/main" val="0"/>
+                </a:ext>
+              </a:extLst>
+            </a:blip>
+            <a:stretch>
+              <a:fillRect/>
+            </a:stretch>
+          </p:blipFill>
+          <p:spPr>
+            <a:xfrm>
+              <a:off x="1549705" y="4127499"/>
+              <a:ext cx="698195" cy="698195"/>
+            </a:xfrm>
+            <a:prstGeom prst="rect">
+              <a:avLst/>
+            </a:prstGeom>
+          </p:spPr>
+        </p:pic>
+        <p:sp>
+          <p:nvSpPr>
+            <p:cNvPr id="36" name="TextBox 35">
+              <a:extLst>
+                <a:ext uri="{FF2B5EF4-FFF2-40B4-BE49-F238E27FC236}">
+                  <a16:creationId xmlns:a16="http://schemas.microsoft.com/office/drawing/2014/main" id="{4DE83C4F-F50D-4973-A345-2B3626A76621}"/>
+                </a:ext>
+              </a:extLst>
+            </p:cNvPr>
+            <p:cNvSpPr txBox="1"/>
+            <p:nvPr/>
+          </p:nvSpPr>
+          <p:spPr>
+            <a:xfrm>
+              <a:off x="1308885" y="4996934"/>
+              <a:ext cx="1179834" cy="307777"/>
+            </a:xfrm>
+            <a:prstGeom prst="rect">
+              <a:avLst/>
+            </a:prstGeom>
+            <a:noFill/>
+          </p:spPr>
+          <p:txBody>
+            <a:bodyPr wrap="square" rtlCol="0">
+              <a:spAutoFit/>
+            </a:bodyPr>
+            <a:lstStyle/>
+            <a:p>
+              <a:pPr algn="ctr"/>
+              <a:r>
+                <a:rPr lang="ko-KR" altLang="en-US" sz="1400" dirty="0">
+                  <a:latin typeface="AppleSDGothicNeoM00" panose="02000503000000000000" pitchFamily="2" charset="-127"/>
+                  <a:ea typeface="AppleSDGothicNeoM00" panose="02000503000000000000" pitchFamily="2" charset="-127"/>
+                </a:rPr>
+                <a:t>팀플</a:t>
+              </a:r>
+              <a:r>
+                <a:rPr lang="en-US" altLang="ko-KR" sz="1400" dirty="0">
+                  <a:latin typeface="AppleSDGothicNeoM00" panose="02000503000000000000" pitchFamily="2" charset="-127"/>
+                  <a:ea typeface="AppleSDGothicNeoM00" panose="02000503000000000000" pitchFamily="2" charset="-127"/>
+                </a:rPr>
+                <a:t>3.ppt</a:t>
+              </a:r>
+              <a:endParaRPr lang="ko-KR" altLang="en-US" sz="1400" dirty="0">
+                <a:latin typeface="AppleSDGothicNeoM00" panose="02000503000000000000" pitchFamily="2" charset="-127"/>
+                <a:ea typeface="AppleSDGothicNeoM00" panose="02000503000000000000" pitchFamily="2" charset="-127"/>
+              </a:endParaRPr>
+            </a:p>
+          </p:txBody>
+        </p:sp>
+      </p:grpSp>
+      <p:sp>
+        <p:nvSpPr>
+          <p:cNvPr id="37" name="TextBox 36">
+            <a:extLst>
+              <a:ext uri="{FF2B5EF4-FFF2-40B4-BE49-F238E27FC236}">
+                <a16:creationId xmlns:a16="http://schemas.microsoft.com/office/drawing/2014/main" id="{49359F68-9490-4D7D-ABAC-CB07F924486F}"/>
+              </a:ext>
+            </a:extLst>
+          </p:cNvPr>
+          <p:cNvSpPr txBox="1"/>
+          <p:nvPr/>
+        </p:nvSpPr>
+        <p:spPr>
+          <a:xfrm>
+            <a:off x="4205270" y="4986179"/>
+            <a:ext cx="1179835" cy="646331"/>
+          </a:xfrm>
+          <a:prstGeom prst="rect">
+            <a:avLst/>
+          </a:prstGeom>
+          <a:noFill/>
+        </p:spPr>
+        <p:txBody>
+          <a:bodyPr wrap="square" rtlCol="0">
+            <a:spAutoFit/>
+          </a:bodyPr>
+          <a:lstStyle/>
+          <a:p>
+            <a:pPr algn="ctr"/>
+            <a:r>
+              <a:rPr lang="ko-KR" altLang="en-US" dirty="0">
+                <a:solidFill>
+                  <a:schemeClr val="accent1"/>
+                </a:solidFill>
+                <a:latin typeface="AppleSDGothicNeoM00" panose="02000503000000000000" pitchFamily="2" charset="-127"/>
+                <a:ea typeface="AppleSDGothicNeoM00" panose="02000503000000000000" pitchFamily="2" charset="-127"/>
+              </a:rPr>
+              <a:t>참고문헌 조사</a:t>
+            </a:r>
+          </a:p>
+        </p:txBody>
+      </p:sp>
+      <p:sp>
+        <p:nvSpPr>
+          <p:cNvPr id="38" name="자유형: 도형 37">
+            <a:extLst>
+              <a:ext uri="{FF2B5EF4-FFF2-40B4-BE49-F238E27FC236}">
+                <a16:creationId xmlns:a16="http://schemas.microsoft.com/office/drawing/2014/main" id="{27E9FDDF-1A7B-44F0-ABBB-A2605E0C8A89}"/>
+              </a:ext>
+            </a:extLst>
+          </p:cNvPr>
+          <p:cNvSpPr/>
+          <p:nvPr/>
+        </p:nvSpPr>
+        <p:spPr>
+          <a:xfrm>
+            <a:off x="6901592" y="2776551"/>
+            <a:ext cx="847497" cy="328381"/>
+          </a:xfrm>
+          <a:custGeom>
+            <a:avLst/>
+            <a:gdLst>
+              <a:gd name="connsiteX0" fmla="*/ 273050 w 1409395"/>
+              <a:gd name="connsiteY0" fmla="*/ 98320 h 546100"/>
+              <a:gd name="connsiteX1" fmla="*/ 95250 w 1409395"/>
+              <a:gd name="connsiteY1" fmla="*/ 276120 h 546100"/>
+              <a:gd name="connsiteX2" fmla="*/ 273050 w 1409395"/>
+              <a:gd name="connsiteY2" fmla="*/ 453920 h 546100"/>
+              <a:gd name="connsiteX3" fmla="*/ 450850 w 1409395"/>
+              <a:gd name="connsiteY3" fmla="*/ 276120 h 546100"/>
+              <a:gd name="connsiteX4" fmla="*/ 273050 w 1409395"/>
+              <a:gd name="connsiteY4" fmla="*/ 98320 h 546100"/>
+              <a:gd name="connsiteX5" fmla="*/ 273050 w 1409395"/>
+              <a:gd name="connsiteY5" fmla="*/ 0 h 546100"/>
+              <a:gd name="connsiteX6" fmla="*/ 524642 w 1409395"/>
+              <a:gd name="connsiteY6" fmla="*/ 166767 h 546100"/>
+              <a:gd name="connsiteX7" fmla="*/ 526870 w 1409395"/>
+              <a:gd name="connsiteY7" fmla="*/ 177800 h 546100"/>
+              <a:gd name="connsiteX8" fmla="*/ 1218895 w 1409395"/>
+              <a:gd name="connsiteY8" fmla="*/ 177800 h 546100"/>
+              <a:gd name="connsiteX9" fmla="*/ 1218895 w 1409395"/>
+              <a:gd name="connsiteY9" fmla="*/ 82550 h 546100"/>
+              <a:gd name="connsiteX10" fmla="*/ 1409395 w 1409395"/>
+              <a:gd name="connsiteY10" fmla="*/ 273050 h 546100"/>
+              <a:gd name="connsiteX11" fmla="*/ 1218895 w 1409395"/>
+              <a:gd name="connsiteY11" fmla="*/ 463550 h 546100"/>
+              <a:gd name="connsiteX12" fmla="*/ 1218895 w 1409395"/>
+              <a:gd name="connsiteY12" fmla="*/ 368300 h 546100"/>
+              <a:gd name="connsiteX13" fmla="*/ 526870 w 1409395"/>
+              <a:gd name="connsiteY13" fmla="*/ 368300 h 546100"/>
+              <a:gd name="connsiteX14" fmla="*/ 524642 w 1409395"/>
+              <a:gd name="connsiteY14" fmla="*/ 379333 h 546100"/>
+              <a:gd name="connsiteX15" fmla="*/ 273050 w 1409395"/>
+              <a:gd name="connsiteY15" fmla="*/ 546100 h 546100"/>
+              <a:gd name="connsiteX16" fmla="*/ 0 w 1409395"/>
+              <a:gd name="connsiteY16" fmla="*/ 273050 h 546100"/>
+              <a:gd name="connsiteX17" fmla="*/ 273050 w 1409395"/>
+              <a:gd name="connsiteY17" fmla="*/ 0 h 546100"/>
+            </a:gdLst>
+            <a:ahLst/>
+            <a:cxnLst>
+              <a:cxn ang="0">
+                <a:pos x="connsiteX0" y="connsiteY0"/>
+              </a:cxn>
+              <a:cxn ang="0">
+                <a:pos x="connsiteX1" y="connsiteY1"/>
+              </a:cxn>
+              <a:cxn ang="0">
+                <a:pos x="connsiteX2" y="connsiteY2"/>
+              </a:cxn>
+              <a:cxn ang="0">
+                <a:pos x="connsiteX3" y="connsiteY3"/>
+              </a:cxn>
+              <a:cxn ang="0">
+                <a:pos x="connsiteX4" y="connsiteY4"/>
+              </a:cxn>
+              <a:cxn ang="0">
+                <a:pos x="connsiteX5" y="connsiteY5"/>
+              </a:cxn>
+              <a:cxn ang="0">
+                <a:pos x="connsiteX6" y="connsiteY6"/>
+              </a:cxn>
+              <a:cxn ang="0">
+                <a:pos x="connsiteX7" y="connsiteY7"/>
+              </a:cxn>
+              <a:cxn ang="0">
+                <a:pos x="connsiteX8" y="connsiteY8"/>
+              </a:cxn>
+              <a:cxn ang="0">
+                <a:pos x="connsiteX9" y="connsiteY9"/>
+              </a:cxn>
+              <a:cxn ang="0">
+                <a:pos x="connsiteX10" y="connsiteY10"/>
+              </a:cxn>
+              <a:cxn ang="0">
+                <a:pos x="connsiteX11" y="connsiteY11"/>
+              </a:cxn>
+              <a:cxn ang="0">
+                <a:pos x="connsiteX12" y="connsiteY12"/>
+              </a:cxn>
+              <a:cxn ang="0">
+                <a:pos x="connsiteX13" y="connsiteY13"/>
+              </a:cxn>
+              <a:cxn ang="0">
+                <a:pos x="connsiteX14" y="connsiteY14"/>
+              </a:cxn>
+              <a:cxn ang="0">
+                <a:pos x="connsiteX15" y="connsiteY15"/>
+              </a:cxn>
+              <a:cxn ang="0">
+                <a:pos x="connsiteX16" y="connsiteY16"/>
+              </a:cxn>
+              <a:cxn ang="0">
+                <a:pos x="connsiteX17" y="connsiteY17"/>
+              </a:cxn>
+            </a:cxnLst>
+            <a:rect l="l" t="t" r="r" b="b"/>
+            <a:pathLst>
+              <a:path w="1409395" h="546100">
+                <a:moveTo>
+                  <a:pt x="273050" y="98320"/>
+                </a:moveTo>
+                <a:cubicBezTo>
+                  <a:pt x="174854" y="98320"/>
+                  <a:pt x="95250" y="177924"/>
+                  <a:pt x="95250" y="276120"/>
+                </a:cubicBezTo>
+                <a:cubicBezTo>
+                  <a:pt x="95250" y="374316"/>
+                  <a:pt x="174854" y="453920"/>
+                  <a:pt x="273050" y="453920"/>
+                </a:cubicBezTo>
+                <a:cubicBezTo>
+                  <a:pt x="371246" y="453920"/>
+                  <a:pt x="450850" y="374316"/>
+                  <a:pt x="450850" y="276120"/>
+                </a:cubicBezTo>
+                <a:cubicBezTo>
+                  <a:pt x="450850" y="177924"/>
+                  <a:pt x="371246" y="98320"/>
+                  <a:pt x="273050" y="98320"/>
+                </a:cubicBezTo>
+                <a:close/>
+                <a:moveTo>
+                  <a:pt x="273050" y="0"/>
+                </a:moveTo>
+                <a:cubicBezTo>
+                  <a:pt x="386151" y="0"/>
+                  <a:pt x="483191" y="68765"/>
+                  <a:pt x="524642" y="166767"/>
+                </a:cubicBezTo>
+                <a:lnTo>
+                  <a:pt x="526870" y="177800"/>
+                </a:lnTo>
+                <a:lnTo>
+                  <a:pt x="1218895" y="177800"/>
+                </a:lnTo>
+                <a:lnTo>
+                  <a:pt x="1218895" y="82550"/>
+                </a:lnTo>
+                <a:lnTo>
+                  <a:pt x="1409395" y="273050"/>
+                </a:lnTo>
+                <a:lnTo>
+                  <a:pt x="1218895" y="463550"/>
+                </a:lnTo>
+                <a:lnTo>
+                  <a:pt x="1218895" y="368300"/>
+                </a:lnTo>
+                <a:lnTo>
+                  <a:pt x="526870" y="368300"/>
+                </a:lnTo>
+                <a:lnTo>
+                  <a:pt x="524642" y="379333"/>
+                </a:lnTo>
+                <a:cubicBezTo>
+                  <a:pt x="483191" y="477335"/>
+                  <a:pt x="386151" y="546100"/>
+                  <a:pt x="273050" y="546100"/>
+                </a:cubicBezTo>
+                <a:cubicBezTo>
+                  <a:pt x="122249" y="546100"/>
+                  <a:pt x="0" y="423851"/>
+                  <a:pt x="0" y="273050"/>
+                </a:cubicBezTo>
+                <a:cubicBezTo>
+                  <a:pt x="0" y="122249"/>
+                  <a:pt x="122249" y="0"/>
+                  <a:pt x="273050" y="0"/>
+                </a:cubicBezTo>
+                <a:close/>
+              </a:path>
+            </a:pathLst>
+          </a:custGeom>
+          <a:solidFill>
+            <a:schemeClr val="tx1"/>
+          </a:solidFill>
+          <a:ln>
+            <a:noFill/>
+          </a:ln>
+        </p:spPr>
+        <p:style>
+          <a:lnRef idx="2">
+            <a:schemeClr val="accent1">
+              <a:shade val="50000"/>
+            </a:schemeClr>
+          </a:lnRef>
+          <a:fillRef idx="1">
+            <a:schemeClr val="accent1"/>
+          </a:fillRef>
+          <a:effectRef idx="0">
+            <a:schemeClr val="accent1"/>
+          </a:effectRef>
+          <a:fontRef idx="minor">
+            <a:schemeClr val="lt1"/>
+          </a:fontRef>
+        </p:style>
+        <p:txBody>
+          <a:bodyPr wrap="square" rtlCol="0" anchor="ctr">
+            <a:noAutofit/>
+          </a:bodyPr>
+          <a:lstStyle/>
+          <a:p>
+            <a:pPr algn="ctr"/>
+            <a:endParaRPr lang="ko-KR" altLang="en-US"/>
+          </a:p>
+        </p:txBody>
+      </p:sp>
+      <p:sp>
+        <p:nvSpPr>
+          <p:cNvPr id="39" name="자유형: 도형 38">
+            <a:extLst>
+              <a:ext uri="{FF2B5EF4-FFF2-40B4-BE49-F238E27FC236}">
+                <a16:creationId xmlns:a16="http://schemas.microsoft.com/office/drawing/2014/main" id="{EB71DF5D-41D2-4F16-ABF9-78BD593C61D4}"/>
+              </a:ext>
+            </a:extLst>
+          </p:cNvPr>
+          <p:cNvSpPr/>
+          <p:nvPr/>
+        </p:nvSpPr>
+        <p:spPr>
+          <a:xfrm>
+            <a:off x="6901591" y="4407987"/>
+            <a:ext cx="847497" cy="328381"/>
+          </a:xfrm>
+          <a:custGeom>
+            <a:avLst/>
+            <a:gdLst>
+              <a:gd name="connsiteX0" fmla="*/ 273050 w 1409395"/>
+              <a:gd name="connsiteY0" fmla="*/ 98320 h 546100"/>
+              <a:gd name="connsiteX1" fmla="*/ 95250 w 1409395"/>
+              <a:gd name="connsiteY1" fmla="*/ 276120 h 546100"/>
+              <a:gd name="connsiteX2" fmla="*/ 273050 w 1409395"/>
+              <a:gd name="connsiteY2" fmla="*/ 453920 h 546100"/>
+              <a:gd name="connsiteX3" fmla="*/ 450850 w 1409395"/>
+              <a:gd name="connsiteY3" fmla="*/ 276120 h 546100"/>
+              <a:gd name="connsiteX4" fmla="*/ 273050 w 1409395"/>
+              <a:gd name="connsiteY4" fmla="*/ 98320 h 546100"/>
+              <a:gd name="connsiteX5" fmla="*/ 273050 w 1409395"/>
+              <a:gd name="connsiteY5" fmla="*/ 0 h 546100"/>
+              <a:gd name="connsiteX6" fmla="*/ 524642 w 1409395"/>
+              <a:gd name="connsiteY6" fmla="*/ 166767 h 546100"/>
+              <a:gd name="connsiteX7" fmla="*/ 526870 w 1409395"/>
+              <a:gd name="connsiteY7" fmla="*/ 177800 h 546100"/>
+              <a:gd name="connsiteX8" fmla="*/ 1218895 w 1409395"/>
+              <a:gd name="connsiteY8" fmla="*/ 177800 h 546100"/>
+              <a:gd name="connsiteX9" fmla="*/ 1218895 w 1409395"/>
+              <a:gd name="connsiteY9" fmla="*/ 82550 h 546100"/>
+              <a:gd name="connsiteX10" fmla="*/ 1409395 w 1409395"/>
+              <a:gd name="connsiteY10" fmla="*/ 273050 h 546100"/>
+              <a:gd name="connsiteX11" fmla="*/ 1218895 w 1409395"/>
+              <a:gd name="connsiteY11" fmla="*/ 463550 h 546100"/>
+              <a:gd name="connsiteX12" fmla="*/ 1218895 w 1409395"/>
+              <a:gd name="connsiteY12" fmla="*/ 368300 h 546100"/>
+              <a:gd name="connsiteX13" fmla="*/ 526870 w 1409395"/>
+              <a:gd name="connsiteY13" fmla="*/ 368300 h 546100"/>
+              <a:gd name="connsiteX14" fmla="*/ 524642 w 1409395"/>
+              <a:gd name="connsiteY14" fmla="*/ 379333 h 546100"/>
+              <a:gd name="connsiteX15" fmla="*/ 273050 w 1409395"/>
+              <a:gd name="connsiteY15" fmla="*/ 546100 h 546100"/>
+              <a:gd name="connsiteX16" fmla="*/ 0 w 1409395"/>
+              <a:gd name="connsiteY16" fmla="*/ 273050 h 546100"/>
+              <a:gd name="connsiteX17" fmla="*/ 273050 w 1409395"/>
+              <a:gd name="connsiteY17" fmla="*/ 0 h 546100"/>
+            </a:gdLst>
+            <a:ahLst/>
+            <a:cxnLst>
+              <a:cxn ang="0">
+                <a:pos x="connsiteX0" y="connsiteY0"/>
+              </a:cxn>
+              <a:cxn ang="0">
+                <a:pos x="connsiteX1" y="connsiteY1"/>
+              </a:cxn>
+              <a:cxn ang="0">
+                <a:pos x="connsiteX2" y="connsiteY2"/>
+              </a:cxn>
+              <a:cxn ang="0">
+                <a:pos x="connsiteX3" y="connsiteY3"/>
+              </a:cxn>
+              <a:cxn ang="0">
+                <a:pos x="connsiteX4" y="connsiteY4"/>
+              </a:cxn>
+              <a:cxn ang="0">
+                <a:pos x="connsiteX5" y="connsiteY5"/>
+              </a:cxn>
+              <a:cxn ang="0">
+                <a:pos x="connsiteX6" y="connsiteY6"/>
+              </a:cxn>
+              <a:cxn ang="0">
+                <a:pos x="connsiteX7" y="connsiteY7"/>
+              </a:cxn>
+              <a:cxn ang="0">
+                <a:pos x="connsiteX8" y="connsiteY8"/>
+              </a:cxn>
+              <a:cxn ang="0">
+                <a:pos x="connsiteX9" y="connsiteY9"/>
+              </a:cxn>
+              <a:cxn ang="0">
+                <a:pos x="connsiteX10" y="connsiteY10"/>
+              </a:cxn>
+              <a:cxn ang="0">
+                <a:pos x="connsiteX11" y="connsiteY11"/>
+              </a:cxn>
+              <a:cxn ang="0">
+                <a:pos x="connsiteX12" y="connsiteY12"/>
+              </a:cxn>
+              <a:cxn ang="0">
+                <a:pos x="connsiteX13" y="connsiteY13"/>
+              </a:cxn>
+              <a:cxn ang="0">
+                <a:pos x="connsiteX14" y="connsiteY14"/>
+              </a:cxn>
+              <a:cxn ang="0">
+                <a:pos x="connsiteX15" y="connsiteY15"/>
+              </a:cxn>
+              <a:cxn ang="0">
+                <a:pos x="connsiteX16" y="connsiteY16"/>
+              </a:cxn>
+              <a:cxn ang="0">
+                <a:pos x="connsiteX17" y="connsiteY17"/>
+              </a:cxn>
+            </a:cxnLst>
+            <a:rect l="l" t="t" r="r" b="b"/>
+            <a:pathLst>
+              <a:path w="1409395" h="546100">
+                <a:moveTo>
+                  <a:pt x="273050" y="98320"/>
+                </a:moveTo>
+                <a:cubicBezTo>
+                  <a:pt x="174854" y="98320"/>
+                  <a:pt x="95250" y="177924"/>
+                  <a:pt x="95250" y="276120"/>
+                </a:cubicBezTo>
+                <a:cubicBezTo>
+                  <a:pt x="95250" y="374316"/>
+                  <a:pt x="174854" y="453920"/>
+                  <a:pt x="273050" y="453920"/>
+                </a:cubicBezTo>
+                <a:cubicBezTo>
+                  <a:pt x="371246" y="453920"/>
+                  <a:pt x="450850" y="374316"/>
+                  <a:pt x="450850" y="276120"/>
+                </a:cubicBezTo>
+                <a:cubicBezTo>
+                  <a:pt x="450850" y="177924"/>
+                  <a:pt x="371246" y="98320"/>
+                  <a:pt x="273050" y="98320"/>
+                </a:cubicBezTo>
+                <a:close/>
+                <a:moveTo>
+                  <a:pt x="273050" y="0"/>
+                </a:moveTo>
+                <a:cubicBezTo>
+                  <a:pt x="386151" y="0"/>
+                  <a:pt x="483191" y="68765"/>
+                  <a:pt x="524642" y="166767"/>
+                </a:cubicBezTo>
+                <a:lnTo>
+                  <a:pt x="526870" y="177800"/>
+                </a:lnTo>
+                <a:lnTo>
+                  <a:pt x="1218895" y="177800"/>
+                </a:lnTo>
+                <a:lnTo>
+                  <a:pt x="1218895" y="82550"/>
+                </a:lnTo>
+                <a:lnTo>
+                  <a:pt x="1409395" y="273050"/>
+                </a:lnTo>
+                <a:lnTo>
+                  <a:pt x="1218895" y="463550"/>
+                </a:lnTo>
+                <a:lnTo>
+                  <a:pt x="1218895" y="368300"/>
+                </a:lnTo>
+                <a:lnTo>
+                  <a:pt x="526870" y="368300"/>
+                </a:lnTo>
+                <a:lnTo>
+                  <a:pt x="524642" y="379333"/>
+                </a:lnTo>
+                <a:cubicBezTo>
+                  <a:pt x="483191" y="477335"/>
+                  <a:pt x="386151" y="546100"/>
+                  <a:pt x="273050" y="546100"/>
+                </a:cubicBezTo>
+                <a:cubicBezTo>
+                  <a:pt x="122249" y="546100"/>
+                  <a:pt x="0" y="423851"/>
+                  <a:pt x="0" y="273050"/>
+                </a:cubicBezTo>
+                <a:cubicBezTo>
+                  <a:pt x="0" y="122249"/>
+                  <a:pt x="122249" y="0"/>
+                  <a:pt x="273050" y="0"/>
+                </a:cubicBezTo>
+                <a:close/>
+              </a:path>
+            </a:pathLst>
+          </a:custGeom>
+          <a:solidFill>
+            <a:schemeClr val="tx1"/>
+          </a:solidFill>
+          <a:ln>
+            <a:noFill/>
+          </a:ln>
+        </p:spPr>
+        <p:style>
+          <a:lnRef idx="2">
+            <a:schemeClr val="accent1">
+              <a:shade val="50000"/>
+            </a:schemeClr>
+          </a:lnRef>
+          <a:fillRef idx="1">
+            <a:schemeClr val="accent1"/>
+          </a:fillRef>
+          <a:effectRef idx="0">
+            <a:schemeClr val="accent1"/>
+          </a:effectRef>
+          <a:fontRef idx="minor">
+            <a:schemeClr val="lt1"/>
+          </a:fontRef>
+        </p:style>
+        <p:txBody>
+          <a:bodyPr wrap="square" rtlCol="0" anchor="ctr">
+            <a:noAutofit/>
+          </a:bodyPr>
+          <a:lstStyle/>
+          <a:p>
+            <a:pPr algn="ctr"/>
+            <a:endParaRPr lang="ko-KR" altLang="en-US"/>
+          </a:p>
+        </p:txBody>
+      </p:sp>
+      <p:grpSp>
+        <p:nvGrpSpPr>
+          <p:cNvPr id="40" name="그룹 39">
+            <a:extLst>
+              <a:ext uri="{FF2B5EF4-FFF2-40B4-BE49-F238E27FC236}">
+                <a16:creationId xmlns:a16="http://schemas.microsoft.com/office/drawing/2014/main" id="{F6D097F1-349F-4F78-AF03-AED9981B6612}"/>
+              </a:ext>
+            </a:extLst>
+          </p:cNvPr>
+          <p:cNvGrpSpPr/>
+          <p:nvPr/>
+        </p:nvGrpSpPr>
+        <p:grpSpPr>
+          <a:xfrm>
+            <a:off x="8166893" y="2528629"/>
+            <a:ext cx="1179834" cy="1177212"/>
+            <a:chOff x="1308885" y="4127499"/>
+            <a:chExt cx="1179834" cy="1177212"/>
+          </a:xfrm>
+        </p:grpSpPr>
+        <p:pic>
+          <p:nvPicPr>
+            <p:cNvPr id="41" name="그림 40">
+              <a:extLst>
+                <a:ext uri="{FF2B5EF4-FFF2-40B4-BE49-F238E27FC236}">
+                  <a16:creationId xmlns:a16="http://schemas.microsoft.com/office/drawing/2014/main" id="{595CCFC7-D6E1-4AA9-8722-D9D2B05D0A47}"/>
+                </a:ext>
+              </a:extLst>
+            </p:cNvPr>
+            <p:cNvPicPr>
+              <a:picLocks noChangeAspect="1"/>
+            </p:cNvPicPr>
+            <p:nvPr/>
+          </p:nvPicPr>
+          <p:blipFill>
+            <a:blip r:embed="rId2">
+              <a:extLst>
+                <a:ext uri="{28A0092B-C50C-407E-A947-70E740481C1C}">
+                  <a14:useLocalDpi xmlns:a14="http://schemas.microsoft.com/office/drawing/2010/main" val="0"/>
+                </a:ext>
+              </a:extLst>
+            </a:blip>
+            <a:stretch>
+              <a:fillRect/>
+            </a:stretch>
+          </p:blipFill>
+          <p:spPr>
+            <a:xfrm>
+              <a:off x="1549705" y="4127499"/>
+              <a:ext cx="698195" cy="698195"/>
+            </a:xfrm>
+            <a:prstGeom prst="rect">
+              <a:avLst/>
+            </a:prstGeom>
+          </p:spPr>
+        </p:pic>
+        <p:sp>
+          <p:nvSpPr>
+            <p:cNvPr id="42" name="TextBox 41">
+              <a:extLst>
+                <a:ext uri="{FF2B5EF4-FFF2-40B4-BE49-F238E27FC236}">
+                  <a16:creationId xmlns:a16="http://schemas.microsoft.com/office/drawing/2014/main" id="{44E65C4F-44E3-4D95-B18E-5EAC48D01121}"/>
+                </a:ext>
+              </a:extLst>
+            </p:cNvPr>
+            <p:cNvSpPr txBox="1"/>
+            <p:nvPr/>
+          </p:nvSpPr>
+          <p:spPr>
+            <a:xfrm>
+              <a:off x="1308885" y="4996934"/>
+              <a:ext cx="1179834" cy="307777"/>
+            </a:xfrm>
+            <a:prstGeom prst="rect">
+              <a:avLst/>
+            </a:prstGeom>
+            <a:noFill/>
+          </p:spPr>
+          <p:txBody>
+            <a:bodyPr wrap="square" rtlCol="0">
+              <a:spAutoFit/>
+            </a:bodyPr>
+            <a:lstStyle/>
+            <a:p>
+              <a:pPr algn="ctr"/>
+              <a:r>
+                <a:rPr lang="ko-KR" altLang="en-US" sz="1400" dirty="0">
+                  <a:latin typeface="AppleSDGothicNeoM00" panose="02000503000000000000" pitchFamily="2" charset="-127"/>
+                  <a:ea typeface="AppleSDGothicNeoM00" panose="02000503000000000000" pitchFamily="2" charset="-127"/>
+                </a:rPr>
+                <a:t>팀플</a:t>
+              </a:r>
+              <a:r>
+                <a:rPr lang="en-US" altLang="ko-KR" sz="1400" dirty="0">
+                  <a:latin typeface="AppleSDGothicNeoM00" panose="02000503000000000000" pitchFamily="2" charset="-127"/>
+                  <a:ea typeface="AppleSDGothicNeoM00" panose="02000503000000000000" pitchFamily="2" charset="-127"/>
+                </a:rPr>
+                <a:t>3-1.ppt</a:t>
+              </a:r>
+              <a:endParaRPr lang="ko-KR" altLang="en-US" sz="1400" dirty="0">
+                <a:latin typeface="AppleSDGothicNeoM00" panose="02000503000000000000" pitchFamily="2" charset="-127"/>
+                <a:ea typeface="AppleSDGothicNeoM00" panose="02000503000000000000" pitchFamily="2" charset="-127"/>
+              </a:endParaRPr>
+            </a:p>
+          </p:txBody>
+        </p:sp>
+      </p:grpSp>
+      <p:grpSp>
+        <p:nvGrpSpPr>
+          <p:cNvPr id="43" name="그룹 42">
+            <a:extLst>
+              <a:ext uri="{FF2B5EF4-FFF2-40B4-BE49-F238E27FC236}">
+                <a16:creationId xmlns:a16="http://schemas.microsoft.com/office/drawing/2014/main" id="{72713892-4F70-4FDE-AF6F-3F01F472B094}"/>
+              </a:ext>
+            </a:extLst>
+          </p:cNvPr>
+          <p:cNvGrpSpPr/>
+          <p:nvPr/>
+        </p:nvGrpSpPr>
+        <p:grpSpPr>
+          <a:xfrm>
+            <a:off x="8166893" y="4132132"/>
+            <a:ext cx="1179834" cy="1177212"/>
+            <a:chOff x="1308885" y="4127499"/>
+            <a:chExt cx="1179834" cy="1177212"/>
+          </a:xfrm>
+        </p:grpSpPr>
+        <p:pic>
+          <p:nvPicPr>
+            <p:cNvPr id="44" name="그림 43">
+              <a:extLst>
+                <a:ext uri="{FF2B5EF4-FFF2-40B4-BE49-F238E27FC236}">
+                  <a16:creationId xmlns:a16="http://schemas.microsoft.com/office/drawing/2014/main" id="{E0BF30F3-46AF-4171-8DE4-56FC84BE2352}"/>
+                </a:ext>
+              </a:extLst>
+            </p:cNvPr>
+            <p:cNvPicPr>
+              <a:picLocks noChangeAspect="1"/>
+            </p:cNvPicPr>
+            <p:nvPr/>
+          </p:nvPicPr>
+          <p:blipFill>
+            <a:blip r:embed="rId2">
+              <a:extLst>
+                <a:ext uri="{28A0092B-C50C-407E-A947-70E740481C1C}">
+                  <a14:useLocalDpi xmlns:a14="http://schemas.microsoft.com/office/drawing/2010/main" val="0"/>
+                </a:ext>
+              </a:extLst>
+            </a:blip>
+            <a:stretch>
+              <a:fillRect/>
+            </a:stretch>
+          </p:blipFill>
+          <p:spPr>
+            <a:xfrm>
+              <a:off x="1549705" y="4127499"/>
+              <a:ext cx="698195" cy="698195"/>
+            </a:xfrm>
+            <a:prstGeom prst="rect">
+              <a:avLst/>
+            </a:prstGeom>
+          </p:spPr>
+        </p:pic>
+        <p:sp>
+          <p:nvSpPr>
+            <p:cNvPr id="45" name="TextBox 44">
+              <a:extLst>
+                <a:ext uri="{FF2B5EF4-FFF2-40B4-BE49-F238E27FC236}">
+                  <a16:creationId xmlns:a16="http://schemas.microsoft.com/office/drawing/2014/main" id="{644C5283-3DA4-401A-9FB7-66A04DBAC562}"/>
+                </a:ext>
+              </a:extLst>
+            </p:cNvPr>
+            <p:cNvSpPr txBox="1"/>
+            <p:nvPr/>
+          </p:nvSpPr>
+          <p:spPr>
+            <a:xfrm>
+              <a:off x="1308885" y="4996934"/>
+              <a:ext cx="1179834" cy="307777"/>
+            </a:xfrm>
+            <a:prstGeom prst="rect">
+              <a:avLst/>
+            </a:prstGeom>
+            <a:noFill/>
+          </p:spPr>
+          <p:txBody>
+            <a:bodyPr wrap="square" rtlCol="0">
+              <a:spAutoFit/>
+            </a:bodyPr>
+            <a:lstStyle/>
+            <a:p>
+              <a:pPr algn="ctr"/>
+              <a:r>
+                <a:rPr lang="ko-KR" altLang="en-US" sz="1400" dirty="0">
+                  <a:latin typeface="AppleSDGothicNeoM00" panose="02000503000000000000" pitchFamily="2" charset="-127"/>
+                  <a:ea typeface="AppleSDGothicNeoM00" panose="02000503000000000000" pitchFamily="2" charset="-127"/>
+                </a:rPr>
+                <a:t>팀플</a:t>
+              </a:r>
+              <a:r>
+                <a:rPr lang="en-US" altLang="ko-KR" sz="1400" dirty="0">
+                  <a:latin typeface="AppleSDGothicNeoM00" panose="02000503000000000000" pitchFamily="2" charset="-127"/>
+                  <a:ea typeface="AppleSDGothicNeoM00" panose="02000503000000000000" pitchFamily="2" charset="-127"/>
+                </a:rPr>
+                <a:t>2-2.ppt</a:t>
+              </a:r>
+              <a:endParaRPr lang="ko-KR" altLang="en-US" sz="1400" dirty="0">
+                <a:latin typeface="AppleSDGothicNeoM00" panose="02000503000000000000" pitchFamily="2" charset="-127"/>
+                <a:ea typeface="AppleSDGothicNeoM00" panose="02000503000000000000" pitchFamily="2" charset="-127"/>
+              </a:endParaRPr>
+            </a:p>
+          </p:txBody>
+        </p:sp>
+      </p:grpSp>
+      <p:sp>
+        <p:nvSpPr>
+          <p:cNvPr id="46" name="TextBox 45">
+            <a:extLst>
+              <a:ext uri="{FF2B5EF4-FFF2-40B4-BE49-F238E27FC236}">
+                <a16:creationId xmlns:a16="http://schemas.microsoft.com/office/drawing/2014/main" id="{4E483655-817C-4C0E-BC02-30557D0E601F}"/>
+              </a:ext>
+            </a:extLst>
+          </p:cNvPr>
+          <p:cNvSpPr txBox="1"/>
+          <p:nvPr/>
+        </p:nvSpPr>
+        <p:spPr>
+          <a:xfrm>
+            <a:off x="9673014" y="2520157"/>
+            <a:ext cx="698195" cy="584775"/>
+          </a:xfrm>
+          <a:prstGeom prst="rect">
+            <a:avLst/>
+          </a:prstGeom>
+          <a:noFill/>
+        </p:spPr>
+        <p:txBody>
+          <a:bodyPr wrap="square" rtlCol="0">
+            <a:spAutoFit/>
+          </a:bodyPr>
+          <a:lstStyle/>
+          <a:p>
+            <a:pPr algn="ctr"/>
+            <a:r>
+              <a:rPr lang="en-US" altLang="ko-KR" sz="3200" b="1" dirty="0"/>
+              <a:t>…</a:t>
+            </a:r>
+            <a:endParaRPr lang="ko-KR" altLang="en-US" sz="3200" b="1" dirty="0"/>
+          </a:p>
+        </p:txBody>
+      </p:sp>
+      <p:sp>
+        <p:nvSpPr>
+          <p:cNvPr id="47" name="TextBox 46">
+            <a:extLst>
+              <a:ext uri="{FF2B5EF4-FFF2-40B4-BE49-F238E27FC236}">
+                <a16:creationId xmlns:a16="http://schemas.microsoft.com/office/drawing/2014/main" id="{F87508C3-40BD-4B54-B7CD-3909A957581B}"/>
+              </a:ext>
+            </a:extLst>
+          </p:cNvPr>
+          <p:cNvSpPr txBox="1"/>
+          <p:nvPr/>
+        </p:nvSpPr>
+        <p:spPr>
+          <a:xfrm>
+            <a:off x="9673014" y="4070817"/>
+            <a:ext cx="698195" cy="584775"/>
+          </a:xfrm>
+          <a:prstGeom prst="rect">
+            <a:avLst/>
+          </a:prstGeom>
+          <a:noFill/>
+        </p:spPr>
+        <p:txBody>
+          <a:bodyPr wrap="square" rtlCol="0">
+            <a:spAutoFit/>
+          </a:bodyPr>
+          <a:lstStyle/>
+          <a:p>
+            <a:pPr algn="ctr"/>
+            <a:r>
+              <a:rPr lang="en-US" altLang="ko-KR" sz="3200" b="1" dirty="0"/>
+              <a:t>…</a:t>
+            </a:r>
+            <a:endParaRPr lang="ko-KR" altLang="en-US" sz="3200" b="1" dirty="0"/>
+          </a:p>
+        </p:txBody>
+      </p:sp>
+      <p:sp>
+        <p:nvSpPr>
+          <p:cNvPr id="48" name="직사각형 47">
+            <a:extLst>
+              <a:ext uri="{FF2B5EF4-FFF2-40B4-BE49-F238E27FC236}">
+                <a16:creationId xmlns:a16="http://schemas.microsoft.com/office/drawing/2014/main" id="{F2786057-82EC-4C81-B3B6-B195AFE5EE10}"/>
+              </a:ext>
+            </a:extLst>
+          </p:cNvPr>
+          <p:cNvSpPr/>
+          <p:nvPr/>
+        </p:nvSpPr>
+        <p:spPr>
+          <a:xfrm>
+            <a:off x="4022801" y="2870200"/>
+            <a:ext cx="1521972" cy="2762310"/>
+          </a:xfrm>
+          <a:prstGeom prst="rect">
+            <a:avLst/>
+          </a:prstGeom>
+          <a:noFill/>
+          <a:ln w="28575">
+            <a:solidFill>
+              <a:srgbClr val="FF0000"/>
+            </a:solidFill>
+            <a:prstDash val="sysDash"/>
+          </a:ln>
+        </p:spPr>
+        <p:style>
+          <a:lnRef idx="2">
+            <a:schemeClr val="accent1">
+              <a:shade val="50000"/>
+            </a:schemeClr>
+          </a:lnRef>
+          <a:fillRef idx="1">
+            <a:schemeClr val="accent1"/>
+          </a:fillRef>
+          <a:effectRef idx="0">
+            <a:schemeClr val="accent1"/>
+          </a:effectRef>
+          <a:fontRef idx="minor">
+            <a:schemeClr val="lt1"/>
+          </a:fontRef>
+        </p:style>
+        <p:txBody>
+          <a:bodyPr rtlCol="0" anchor="ctr"/>
+          <a:lstStyle/>
+          <a:p>
+            <a:pPr algn="ctr"/>
+            <a:endParaRPr lang="ko-KR" altLang="en-US"/>
+          </a:p>
+        </p:txBody>
+      </p:sp>
+      <p:sp>
+        <p:nvSpPr>
+          <p:cNvPr id="49" name="TextBox 48">
+            <a:extLst>
+              <a:ext uri="{FF2B5EF4-FFF2-40B4-BE49-F238E27FC236}">
+                <a16:creationId xmlns:a16="http://schemas.microsoft.com/office/drawing/2014/main" id="{F1E130FE-2C80-4F2C-BBBA-AE5E851D3F24}"/>
+              </a:ext>
+            </a:extLst>
+          </p:cNvPr>
+          <p:cNvSpPr txBox="1"/>
+          <p:nvPr/>
+        </p:nvSpPr>
+        <p:spPr>
+          <a:xfrm>
+            <a:off x="4276446" y="2200335"/>
+            <a:ext cx="1179835" cy="646331"/>
+          </a:xfrm>
+          <a:prstGeom prst="rect">
+            <a:avLst/>
+          </a:prstGeom>
+          <a:noFill/>
+        </p:spPr>
+        <p:txBody>
+          <a:bodyPr wrap="square" rtlCol="0">
+            <a:spAutoFit/>
+          </a:bodyPr>
+          <a:lstStyle/>
+          <a:p>
+            <a:pPr algn="ctr"/>
+            <a:r>
+              <a:rPr lang="en-US" altLang="ko-KR" dirty="0">
+                <a:solidFill>
+                  <a:srgbClr val="FF0000"/>
+                </a:solidFill>
+                <a:latin typeface="AppleSDGothicNeoM00" panose="02000503000000000000" pitchFamily="2" charset="-127"/>
+                <a:ea typeface="AppleSDGothicNeoM00" panose="02000503000000000000" pitchFamily="2" charset="-127"/>
+              </a:rPr>
+              <a:t>Branch</a:t>
+            </a:r>
+          </a:p>
+          <a:p>
+            <a:pPr algn="ctr"/>
+            <a:r>
+              <a:rPr lang="en-US" altLang="ko-KR" dirty="0">
+                <a:solidFill>
+                  <a:srgbClr val="FF0000"/>
+                </a:solidFill>
+                <a:latin typeface="AppleSDGothicNeoM00" panose="02000503000000000000" pitchFamily="2" charset="-127"/>
+                <a:ea typeface="AppleSDGothicNeoM00" panose="02000503000000000000" pitchFamily="2" charset="-127"/>
+              </a:rPr>
+              <a:t>(</a:t>
+            </a:r>
+            <a:r>
+              <a:rPr lang="ko-KR" altLang="en-US" dirty="0">
+                <a:solidFill>
+                  <a:srgbClr val="FF0000"/>
+                </a:solidFill>
+                <a:latin typeface="AppleSDGothicNeoM00" panose="02000503000000000000" pitchFamily="2" charset="-127"/>
+                <a:ea typeface="AppleSDGothicNeoM00" panose="02000503000000000000" pitchFamily="2" charset="-127"/>
+              </a:rPr>
+              <a:t>분기</a:t>
+            </a:r>
+            <a:r>
+              <a:rPr lang="en-US" altLang="ko-KR" dirty="0">
+                <a:solidFill>
+                  <a:srgbClr val="FF0000"/>
+                </a:solidFill>
+                <a:latin typeface="AppleSDGothicNeoM00" panose="02000503000000000000" pitchFamily="2" charset="-127"/>
+                <a:ea typeface="AppleSDGothicNeoM00" panose="02000503000000000000" pitchFamily="2" charset="-127"/>
+              </a:rPr>
+              <a:t>)</a:t>
+            </a:r>
+            <a:endParaRPr lang="ko-KR" altLang="en-US" dirty="0">
+              <a:solidFill>
+                <a:srgbClr val="FF0000"/>
+              </a:solidFill>
+              <a:latin typeface="AppleSDGothicNeoM00" panose="02000503000000000000" pitchFamily="2" charset="-127"/>
+              <a:ea typeface="AppleSDGothicNeoM00" panose="02000503000000000000" pitchFamily="2" charset="-127"/>
+            </a:endParaRPr>
+          </a:p>
+        </p:txBody>
+      </p:sp>
+    </p:spTree>
+    <p:extLst>
+      <p:ext uri="{BB962C8B-B14F-4D97-AF65-F5344CB8AC3E}">
+        <p14:creationId xmlns:p14="http://schemas.microsoft.com/office/powerpoint/2010/main" val="2502632917"/>
+      </p:ext>
+    </p:extLst>
+  </p:cSld>
+  <p:clrMapOvr>
+    <a:masterClrMapping/>
+  </p:clrMapOvr>
+</p:sld>
+</file>
+
+<file path=ppt/slides/slide33.xml><?xml version="1.0" encoding="utf-8"?>
+<p:sld xmlns:a="http://schemas.openxmlformats.org/drawingml/2006/main" xmlns:r="http://schemas.openxmlformats.org/officeDocument/2006/relationships" xmlns:p="http://schemas.openxmlformats.org/presentationml/2006/main">
+  <p:cSld>
+    <p:spTree>
+      <p:nvGrpSpPr>
+        <p:cNvPr id="1" name=""/>
+        <p:cNvGrpSpPr/>
+        <p:nvPr/>
+      </p:nvGrpSpPr>
+      <p:grpSpPr>
+        <a:xfrm>
+          <a:off x="0" y="0"/>
+          <a:ext cx="0" cy="0"/>
+          <a:chOff x="0" y="0"/>
+          <a:chExt cx="0" cy="0"/>
+        </a:xfrm>
+      </p:grpSpPr>
+      <p:grpSp>
+        <p:nvGrpSpPr>
+          <p:cNvPr id="25" name="그룹 24">
+            <a:extLst>
+              <a:ext uri="{FF2B5EF4-FFF2-40B4-BE49-F238E27FC236}">
+                <a16:creationId xmlns:a16="http://schemas.microsoft.com/office/drawing/2014/main" id="{6FBE9726-2F72-40BF-9B3D-A64F516841A4}"/>
+              </a:ext>
+            </a:extLst>
+          </p:cNvPr>
+          <p:cNvGrpSpPr/>
+          <p:nvPr/>
+        </p:nvGrpSpPr>
+        <p:grpSpPr>
+          <a:xfrm>
+            <a:off x="1137873" y="4381499"/>
+            <a:ext cx="1179834" cy="1177212"/>
+            <a:chOff x="1308885" y="4127499"/>
+            <a:chExt cx="1179834" cy="1177212"/>
+          </a:xfrm>
+        </p:grpSpPr>
+        <p:pic>
+          <p:nvPicPr>
+            <p:cNvPr id="26" name="그림 25">
+              <a:extLst>
+                <a:ext uri="{FF2B5EF4-FFF2-40B4-BE49-F238E27FC236}">
+                  <a16:creationId xmlns:a16="http://schemas.microsoft.com/office/drawing/2014/main" id="{E1FB9D0D-B719-4D81-9859-6B9559785606}"/>
+                </a:ext>
+              </a:extLst>
+            </p:cNvPr>
+            <p:cNvPicPr>
+              <a:picLocks noChangeAspect="1"/>
+            </p:cNvPicPr>
+            <p:nvPr/>
+          </p:nvPicPr>
+          <p:blipFill>
+            <a:blip r:embed="rId2">
+              <a:extLst>
+                <a:ext uri="{28A0092B-C50C-407E-A947-70E740481C1C}">
+                  <a14:useLocalDpi xmlns:a14="http://schemas.microsoft.com/office/drawing/2010/main" val="0"/>
+                </a:ext>
+              </a:extLst>
+            </a:blip>
+            <a:stretch>
+              <a:fillRect/>
+            </a:stretch>
+          </p:blipFill>
+          <p:spPr>
+            <a:xfrm>
+              <a:off x="1549705" y="4127499"/>
+              <a:ext cx="698195" cy="698195"/>
+            </a:xfrm>
+            <a:prstGeom prst="rect">
+              <a:avLst/>
+            </a:prstGeom>
+          </p:spPr>
+        </p:pic>
+        <p:sp>
+          <p:nvSpPr>
+            <p:cNvPr id="27" name="TextBox 26">
+              <a:extLst>
+                <a:ext uri="{FF2B5EF4-FFF2-40B4-BE49-F238E27FC236}">
+                  <a16:creationId xmlns:a16="http://schemas.microsoft.com/office/drawing/2014/main" id="{59B7806F-6ED9-4AF1-BDF7-1620E8A0A7CF}"/>
+                </a:ext>
+              </a:extLst>
+            </p:cNvPr>
+            <p:cNvSpPr txBox="1"/>
+            <p:nvPr/>
+          </p:nvSpPr>
+          <p:spPr>
+            <a:xfrm>
+              <a:off x="1308885" y="4996934"/>
+              <a:ext cx="1179834" cy="307777"/>
+            </a:xfrm>
+            <a:prstGeom prst="rect">
+              <a:avLst/>
+            </a:prstGeom>
+            <a:noFill/>
+          </p:spPr>
+          <p:txBody>
+            <a:bodyPr wrap="square" rtlCol="0">
+              <a:spAutoFit/>
+            </a:bodyPr>
+            <a:lstStyle/>
+            <a:p>
+              <a:pPr algn="ctr"/>
+              <a:r>
+                <a:rPr lang="ko-KR" altLang="en-US" sz="1400" dirty="0">
+                  <a:latin typeface="AppleSDGothicNeoM00" panose="02000503000000000000" pitchFamily="2" charset="-127"/>
+                  <a:ea typeface="AppleSDGothicNeoM00" panose="02000503000000000000" pitchFamily="2" charset="-127"/>
+                </a:rPr>
+                <a:t>팀플</a:t>
+              </a:r>
+              <a:r>
+                <a:rPr lang="en-US" altLang="ko-KR" sz="1400" dirty="0">
+                  <a:latin typeface="AppleSDGothicNeoM00" panose="02000503000000000000" pitchFamily="2" charset="-127"/>
+                  <a:ea typeface="AppleSDGothicNeoM00" panose="02000503000000000000" pitchFamily="2" charset="-127"/>
+                </a:rPr>
+                <a:t>2-1.ppt</a:t>
+              </a:r>
+              <a:endParaRPr lang="ko-KR" altLang="en-US" sz="1400" dirty="0">
+                <a:latin typeface="AppleSDGothicNeoM00" panose="02000503000000000000" pitchFamily="2" charset="-127"/>
+                <a:ea typeface="AppleSDGothicNeoM00" panose="02000503000000000000" pitchFamily="2" charset="-127"/>
+              </a:endParaRPr>
+            </a:p>
+          </p:txBody>
+        </p:sp>
+      </p:grpSp>
+      <p:grpSp>
+        <p:nvGrpSpPr>
+          <p:cNvPr id="34" name="그룹 33">
+            <a:extLst>
+              <a:ext uri="{FF2B5EF4-FFF2-40B4-BE49-F238E27FC236}">
+                <a16:creationId xmlns:a16="http://schemas.microsoft.com/office/drawing/2014/main" id="{4372D672-9F36-452C-90EC-8750A77F1537}"/>
+              </a:ext>
+            </a:extLst>
+          </p:cNvPr>
+          <p:cNvGrpSpPr/>
+          <p:nvPr/>
+        </p:nvGrpSpPr>
+        <p:grpSpPr>
+          <a:xfrm>
+            <a:off x="1137873" y="2731829"/>
+            <a:ext cx="1179834" cy="1177212"/>
+            <a:chOff x="1308885" y="4127499"/>
+            <a:chExt cx="1179834" cy="1177212"/>
+          </a:xfrm>
+        </p:grpSpPr>
+        <p:pic>
+          <p:nvPicPr>
+            <p:cNvPr id="35" name="그림 34">
+              <a:extLst>
+                <a:ext uri="{FF2B5EF4-FFF2-40B4-BE49-F238E27FC236}">
+                  <a16:creationId xmlns:a16="http://schemas.microsoft.com/office/drawing/2014/main" id="{73E5371D-15C3-443C-B7ED-066235295AA8}"/>
+                </a:ext>
+              </a:extLst>
+            </p:cNvPr>
+            <p:cNvPicPr>
+              <a:picLocks noChangeAspect="1"/>
+            </p:cNvPicPr>
+            <p:nvPr/>
+          </p:nvPicPr>
+          <p:blipFill>
+            <a:blip r:embed="rId2">
+              <a:extLst>
+                <a:ext uri="{28A0092B-C50C-407E-A947-70E740481C1C}">
+                  <a14:useLocalDpi xmlns:a14="http://schemas.microsoft.com/office/drawing/2010/main" val="0"/>
+                </a:ext>
+              </a:extLst>
+            </a:blip>
+            <a:stretch>
+              <a:fillRect/>
+            </a:stretch>
+          </p:blipFill>
+          <p:spPr>
+            <a:xfrm>
+              <a:off x="1549705" y="4127499"/>
+              <a:ext cx="698195" cy="698195"/>
+            </a:xfrm>
+            <a:prstGeom prst="rect">
+              <a:avLst/>
+            </a:prstGeom>
+          </p:spPr>
+        </p:pic>
+        <p:sp>
+          <p:nvSpPr>
+            <p:cNvPr id="36" name="TextBox 35">
+              <a:extLst>
+                <a:ext uri="{FF2B5EF4-FFF2-40B4-BE49-F238E27FC236}">
+                  <a16:creationId xmlns:a16="http://schemas.microsoft.com/office/drawing/2014/main" id="{4DE83C4F-F50D-4973-A345-2B3626A76621}"/>
+                </a:ext>
+              </a:extLst>
+            </p:cNvPr>
+            <p:cNvSpPr txBox="1"/>
+            <p:nvPr/>
+          </p:nvSpPr>
+          <p:spPr>
+            <a:xfrm>
+              <a:off x="1308885" y="4996934"/>
+              <a:ext cx="1179834" cy="307777"/>
+            </a:xfrm>
+            <a:prstGeom prst="rect">
+              <a:avLst/>
+            </a:prstGeom>
+            <a:noFill/>
+          </p:spPr>
+          <p:txBody>
+            <a:bodyPr wrap="square" rtlCol="0">
+              <a:spAutoFit/>
+            </a:bodyPr>
+            <a:lstStyle/>
+            <a:p>
+              <a:pPr algn="ctr"/>
+              <a:r>
+                <a:rPr lang="ko-KR" altLang="en-US" sz="1400" dirty="0">
+                  <a:latin typeface="AppleSDGothicNeoM00" panose="02000503000000000000" pitchFamily="2" charset="-127"/>
+                  <a:ea typeface="AppleSDGothicNeoM00" panose="02000503000000000000" pitchFamily="2" charset="-127"/>
+                </a:rPr>
+                <a:t>팀플</a:t>
+              </a:r>
+              <a:r>
+                <a:rPr lang="en-US" altLang="ko-KR" sz="1400" dirty="0">
+                  <a:latin typeface="AppleSDGothicNeoM00" panose="02000503000000000000" pitchFamily="2" charset="-127"/>
+                  <a:ea typeface="AppleSDGothicNeoM00" panose="02000503000000000000" pitchFamily="2" charset="-127"/>
+                </a:rPr>
+                <a:t>3.ppt</a:t>
+              </a:r>
+              <a:endParaRPr lang="ko-KR" altLang="en-US" sz="1400" dirty="0">
+                <a:latin typeface="AppleSDGothicNeoM00" panose="02000503000000000000" pitchFamily="2" charset="-127"/>
+                <a:ea typeface="AppleSDGothicNeoM00" panose="02000503000000000000" pitchFamily="2" charset="-127"/>
+              </a:endParaRPr>
+            </a:p>
+          </p:txBody>
+        </p:sp>
+      </p:grpSp>
+      <p:sp>
+        <p:nvSpPr>
+          <p:cNvPr id="38" name="자유형: 도형 37">
+            <a:extLst>
+              <a:ext uri="{FF2B5EF4-FFF2-40B4-BE49-F238E27FC236}">
+                <a16:creationId xmlns:a16="http://schemas.microsoft.com/office/drawing/2014/main" id="{27E9FDDF-1A7B-44F0-ABBB-A2605E0C8A89}"/>
+              </a:ext>
+            </a:extLst>
+          </p:cNvPr>
+          <p:cNvSpPr/>
+          <p:nvPr/>
+        </p:nvSpPr>
+        <p:spPr>
+          <a:xfrm>
+            <a:off x="2494692" y="2979751"/>
+            <a:ext cx="847497" cy="328381"/>
+          </a:xfrm>
+          <a:custGeom>
+            <a:avLst/>
+            <a:gdLst>
+              <a:gd name="connsiteX0" fmla="*/ 273050 w 1409395"/>
+              <a:gd name="connsiteY0" fmla="*/ 98320 h 546100"/>
+              <a:gd name="connsiteX1" fmla="*/ 95250 w 1409395"/>
+              <a:gd name="connsiteY1" fmla="*/ 276120 h 546100"/>
+              <a:gd name="connsiteX2" fmla="*/ 273050 w 1409395"/>
+              <a:gd name="connsiteY2" fmla="*/ 453920 h 546100"/>
+              <a:gd name="connsiteX3" fmla="*/ 450850 w 1409395"/>
+              <a:gd name="connsiteY3" fmla="*/ 276120 h 546100"/>
+              <a:gd name="connsiteX4" fmla="*/ 273050 w 1409395"/>
+              <a:gd name="connsiteY4" fmla="*/ 98320 h 546100"/>
+              <a:gd name="connsiteX5" fmla="*/ 273050 w 1409395"/>
+              <a:gd name="connsiteY5" fmla="*/ 0 h 546100"/>
+              <a:gd name="connsiteX6" fmla="*/ 524642 w 1409395"/>
+              <a:gd name="connsiteY6" fmla="*/ 166767 h 546100"/>
+              <a:gd name="connsiteX7" fmla="*/ 526870 w 1409395"/>
+              <a:gd name="connsiteY7" fmla="*/ 177800 h 546100"/>
+              <a:gd name="connsiteX8" fmla="*/ 1218895 w 1409395"/>
+              <a:gd name="connsiteY8" fmla="*/ 177800 h 546100"/>
+              <a:gd name="connsiteX9" fmla="*/ 1218895 w 1409395"/>
+              <a:gd name="connsiteY9" fmla="*/ 82550 h 546100"/>
+              <a:gd name="connsiteX10" fmla="*/ 1409395 w 1409395"/>
+              <a:gd name="connsiteY10" fmla="*/ 273050 h 546100"/>
+              <a:gd name="connsiteX11" fmla="*/ 1218895 w 1409395"/>
+              <a:gd name="connsiteY11" fmla="*/ 463550 h 546100"/>
+              <a:gd name="connsiteX12" fmla="*/ 1218895 w 1409395"/>
+              <a:gd name="connsiteY12" fmla="*/ 368300 h 546100"/>
+              <a:gd name="connsiteX13" fmla="*/ 526870 w 1409395"/>
+              <a:gd name="connsiteY13" fmla="*/ 368300 h 546100"/>
+              <a:gd name="connsiteX14" fmla="*/ 524642 w 1409395"/>
+              <a:gd name="connsiteY14" fmla="*/ 379333 h 546100"/>
+              <a:gd name="connsiteX15" fmla="*/ 273050 w 1409395"/>
+              <a:gd name="connsiteY15" fmla="*/ 546100 h 546100"/>
+              <a:gd name="connsiteX16" fmla="*/ 0 w 1409395"/>
+              <a:gd name="connsiteY16" fmla="*/ 273050 h 546100"/>
+              <a:gd name="connsiteX17" fmla="*/ 273050 w 1409395"/>
+              <a:gd name="connsiteY17" fmla="*/ 0 h 546100"/>
+            </a:gdLst>
+            <a:ahLst/>
+            <a:cxnLst>
+              <a:cxn ang="0">
+                <a:pos x="connsiteX0" y="connsiteY0"/>
+              </a:cxn>
+              <a:cxn ang="0">
+                <a:pos x="connsiteX1" y="connsiteY1"/>
+              </a:cxn>
+              <a:cxn ang="0">
+                <a:pos x="connsiteX2" y="connsiteY2"/>
+              </a:cxn>
+              <a:cxn ang="0">
+                <a:pos x="connsiteX3" y="connsiteY3"/>
+              </a:cxn>
+              <a:cxn ang="0">
+                <a:pos x="connsiteX4" y="connsiteY4"/>
+              </a:cxn>
+              <a:cxn ang="0">
+                <a:pos x="connsiteX5" y="connsiteY5"/>
+              </a:cxn>
+              <a:cxn ang="0">
+                <a:pos x="connsiteX6" y="connsiteY6"/>
+              </a:cxn>
+              <a:cxn ang="0">
+                <a:pos x="connsiteX7" y="connsiteY7"/>
+              </a:cxn>
+              <a:cxn ang="0">
+                <a:pos x="connsiteX8" y="connsiteY8"/>
+              </a:cxn>
+              <a:cxn ang="0">
+                <a:pos x="connsiteX9" y="connsiteY9"/>
+              </a:cxn>
+              <a:cxn ang="0">
+                <a:pos x="connsiteX10" y="connsiteY10"/>
+              </a:cxn>
+              <a:cxn ang="0">
+                <a:pos x="connsiteX11" y="connsiteY11"/>
+              </a:cxn>
+              <a:cxn ang="0">
+                <a:pos x="connsiteX12" y="connsiteY12"/>
+              </a:cxn>
+              <a:cxn ang="0">
+                <a:pos x="connsiteX13" y="connsiteY13"/>
+              </a:cxn>
+              <a:cxn ang="0">
+                <a:pos x="connsiteX14" y="connsiteY14"/>
+              </a:cxn>
+              <a:cxn ang="0">
+                <a:pos x="connsiteX15" y="connsiteY15"/>
+              </a:cxn>
+              <a:cxn ang="0">
+                <a:pos x="connsiteX16" y="connsiteY16"/>
+              </a:cxn>
+              <a:cxn ang="0">
+                <a:pos x="connsiteX17" y="connsiteY17"/>
+              </a:cxn>
+            </a:cxnLst>
+            <a:rect l="l" t="t" r="r" b="b"/>
+            <a:pathLst>
+              <a:path w="1409395" h="546100">
+                <a:moveTo>
+                  <a:pt x="273050" y="98320"/>
+                </a:moveTo>
+                <a:cubicBezTo>
+                  <a:pt x="174854" y="98320"/>
+                  <a:pt x="95250" y="177924"/>
+                  <a:pt x="95250" y="276120"/>
+                </a:cubicBezTo>
+                <a:cubicBezTo>
+                  <a:pt x="95250" y="374316"/>
+                  <a:pt x="174854" y="453920"/>
+                  <a:pt x="273050" y="453920"/>
+                </a:cubicBezTo>
+                <a:cubicBezTo>
+                  <a:pt x="371246" y="453920"/>
+                  <a:pt x="450850" y="374316"/>
+                  <a:pt x="450850" y="276120"/>
+                </a:cubicBezTo>
+                <a:cubicBezTo>
+                  <a:pt x="450850" y="177924"/>
+                  <a:pt x="371246" y="98320"/>
+                  <a:pt x="273050" y="98320"/>
+                </a:cubicBezTo>
+                <a:close/>
+                <a:moveTo>
+                  <a:pt x="273050" y="0"/>
+                </a:moveTo>
+                <a:cubicBezTo>
+                  <a:pt x="386151" y="0"/>
+                  <a:pt x="483191" y="68765"/>
+                  <a:pt x="524642" y="166767"/>
+                </a:cubicBezTo>
+                <a:lnTo>
+                  <a:pt x="526870" y="177800"/>
+                </a:lnTo>
+                <a:lnTo>
+                  <a:pt x="1218895" y="177800"/>
+                </a:lnTo>
+                <a:lnTo>
+                  <a:pt x="1218895" y="82550"/>
+                </a:lnTo>
+                <a:lnTo>
+                  <a:pt x="1409395" y="273050"/>
+                </a:lnTo>
+                <a:lnTo>
+                  <a:pt x="1218895" y="463550"/>
+                </a:lnTo>
+                <a:lnTo>
+                  <a:pt x="1218895" y="368300"/>
+                </a:lnTo>
+                <a:lnTo>
+                  <a:pt x="526870" y="368300"/>
+                </a:lnTo>
+                <a:lnTo>
+                  <a:pt x="524642" y="379333"/>
+                </a:lnTo>
+                <a:cubicBezTo>
+                  <a:pt x="483191" y="477335"/>
+                  <a:pt x="386151" y="546100"/>
+                  <a:pt x="273050" y="546100"/>
+                </a:cubicBezTo>
+                <a:cubicBezTo>
+                  <a:pt x="122249" y="546100"/>
+                  <a:pt x="0" y="423851"/>
+                  <a:pt x="0" y="273050"/>
+                </a:cubicBezTo>
+                <a:cubicBezTo>
+                  <a:pt x="0" y="122249"/>
+                  <a:pt x="122249" y="0"/>
+                  <a:pt x="273050" y="0"/>
+                </a:cubicBezTo>
+                <a:close/>
+              </a:path>
+            </a:pathLst>
+          </a:custGeom>
+          <a:solidFill>
+            <a:schemeClr val="tx1"/>
+          </a:solidFill>
+          <a:ln>
+            <a:noFill/>
+          </a:ln>
+        </p:spPr>
+        <p:style>
+          <a:lnRef idx="2">
+            <a:schemeClr val="accent1">
+              <a:shade val="50000"/>
+            </a:schemeClr>
+          </a:lnRef>
+          <a:fillRef idx="1">
+            <a:schemeClr val="accent1"/>
+          </a:fillRef>
+          <a:effectRef idx="0">
+            <a:schemeClr val="accent1"/>
+          </a:effectRef>
+          <a:fontRef idx="minor">
+            <a:schemeClr val="lt1"/>
+          </a:fontRef>
+        </p:style>
+        <p:txBody>
+          <a:bodyPr wrap="square" rtlCol="0" anchor="ctr">
+            <a:noAutofit/>
+          </a:bodyPr>
+          <a:lstStyle/>
+          <a:p>
+            <a:pPr algn="ctr"/>
+            <a:endParaRPr lang="ko-KR" altLang="en-US"/>
+          </a:p>
+        </p:txBody>
+      </p:sp>
+      <p:sp>
+        <p:nvSpPr>
+          <p:cNvPr id="39" name="자유형: 도형 38">
+            <a:extLst>
+              <a:ext uri="{FF2B5EF4-FFF2-40B4-BE49-F238E27FC236}">
+                <a16:creationId xmlns:a16="http://schemas.microsoft.com/office/drawing/2014/main" id="{EB71DF5D-41D2-4F16-ABF9-78BD593C61D4}"/>
+              </a:ext>
+            </a:extLst>
+          </p:cNvPr>
+          <p:cNvSpPr/>
+          <p:nvPr/>
+        </p:nvSpPr>
+        <p:spPr>
+          <a:xfrm>
+            <a:off x="2494691" y="4611187"/>
+            <a:ext cx="847497" cy="328381"/>
+          </a:xfrm>
+          <a:custGeom>
+            <a:avLst/>
+            <a:gdLst>
+              <a:gd name="connsiteX0" fmla="*/ 273050 w 1409395"/>
+              <a:gd name="connsiteY0" fmla="*/ 98320 h 546100"/>
+              <a:gd name="connsiteX1" fmla="*/ 95250 w 1409395"/>
+              <a:gd name="connsiteY1" fmla="*/ 276120 h 546100"/>
+              <a:gd name="connsiteX2" fmla="*/ 273050 w 1409395"/>
+              <a:gd name="connsiteY2" fmla="*/ 453920 h 546100"/>
+              <a:gd name="connsiteX3" fmla="*/ 450850 w 1409395"/>
+              <a:gd name="connsiteY3" fmla="*/ 276120 h 546100"/>
+              <a:gd name="connsiteX4" fmla="*/ 273050 w 1409395"/>
+              <a:gd name="connsiteY4" fmla="*/ 98320 h 546100"/>
+              <a:gd name="connsiteX5" fmla="*/ 273050 w 1409395"/>
+              <a:gd name="connsiteY5" fmla="*/ 0 h 546100"/>
+              <a:gd name="connsiteX6" fmla="*/ 524642 w 1409395"/>
+              <a:gd name="connsiteY6" fmla="*/ 166767 h 546100"/>
+              <a:gd name="connsiteX7" fmla="*/ 526870 w 1409395"/>
+              <a:gd name="connsiteY7" fmla="*/ 177800 h 546100"/>
+              <a:gd name="connsiteX8" fmla="*/ 1218895 w 1409395"/>
+              <a:gd name="connsiteY8" fmla="*/ 177800 h 546100"/>
+              <a:gd name="connsiteX9" fmla="*/ 1218895 w 1409395"/>
+              <a:gd name="connsiteY9" fmla="*/ 82550 h 546100"/>
+              <a:gd name="connsiteX10" fmla="*/ 1409395 w 1409395"/>
+              <a:gd name="connsiteY10" fmla="*/ 273050 h 546100"/>
+              <a:gd name="connsiteX11" fmla="*/ 1218895 w 1409395"/>
+              <a:gd name="connsiteY11" fmla="*/ 463550 h 546100"/>
+              <a:gd name="connsiteX12" fmla="*/ 1218895 w 1409395"/>
+              <a:gd name="connsiteY12" fmla="*/ 368300 h 546100"/>
+              <a:gd name="connsiteX13" fmla="*/ 526870 w 1409395"/>
+              <a:gd name="connsiteY13" fmla="*/ 368300 h 546100"/>
+              <a:gd name="connsiteX14" fmla="*/ 524642 w 1409395"/>
+              <a:gd name="connsiteY14" fmla="*/ 379333 h 546100"/>
+              <a:gd name="connsiteX15" fmla="*/ 273050 w 1409395"/>
+              <a:gd name="connsiteY15" fmla="*/ 546100 h 546100"/>
+              <a:gd name="connsiteX16" fmla="*/ 0 w 1409395"/>
+              <a:gd name="connsiteY16" fmla="*/ 273050 h 546100"/>
+              <a:gd name="connsiteX17" fmla="*/ 273050 w 1409395"/>
+              <a:gd name="connsiteY17" fmla="*/ 0 h 546100"/>
+            </a:gdLst>
+            <a:ahLst/>
+            <a:cxnLst>
+              <a:cxn ang="0">
+                <a:pos x="connsiteX0" y="connsiteY0"/>
+              </a:cxn>
+              <a:cxn ang="0">
+                <a:pos x="connsiteX1" y="connsiteY1"/>
+              </a:cxn>
+              <a:cxn ang="0">
+                <a:pos x="connsiteX2" y="connsiteY2"/>
+              </a:cxn>
+              <a:cxn ang="0">
+                <a:pos x="connsiteX3" y="connsiteY3"/>
+              </a:cxn>
+              <a:cxn ang="0">
+                <a:pos x="connsiteX4" y="connsiteY4"/>
+              </a:cxn>
+              <a:cxn ang="0">
+                <a:pos x="connsiteX5" y="connsiteY5"/>
+              </a:cxn>
+              <a:cxn ang="0">
+                <a:pos x="connsiteX6" y="connsiteY6"/>
+              </a:cxn>
+              <a:cxn ang="0">
+                <a:pos x="connsiteX7" y="connsiteY7"/>
+              </a:cxn>
+              <a:cxn ang="0">
+                <a:pos x="connsiteX8" y="connsiteY8"/>
+              </a:cxn>
+              <a:cxn ang="0">
+                <a:pos x="connsiteX9" y="connsiteY9"/>
+              </a:cxn>
+              <a:cxn ang="0">
+                <a:pos x="connsiteX10" y="connsiteY10"/>
+              </a:cxn>
+              <a:cxn ang="0">
+                <a:pos x="connsiteX11" y="connsiteY11"/>
+              </a:cxn>
+              <a:cxn ang="0">
+                <a:pos x="connsiteX12" y="connsiteY12"/>
+              </a:cxn>
+              <a:cxn ang="0">
+                <a:pos x="connsiteX13" y="connsiteY13"/>
+              </a:cxn>
+              <a:cxn ang="0">
+                <a:pos x="connsiteX14" y="connsiteY14"/>
+              </a:cxn>
+              <a:cxn ang="0">
+                <a:pos x="connsiteX15" y="connsiteY15"/>
+              </a:cxn>
+              <a:cxn ang="0">
+                <a:pos x="connsiteX16" y="connsiteY16"/>
+              </a:cxn>
+              <a:cxn ang="0">
+                <a:pos x="connsiteX17" y="connsiteY17"/>
+              </a:cxn>
+            </a:cxnLst>
+            <a:rect l="l" t="t" r="r" b="b"/>
+            <a:pathLst>
+              <a:path w="1409395" h="546100">
+                <a:moveTo>
+                  <a:pt x="273050" y="98320"/>
+                </a:moveTo>
+                <a:cubicBezTo>
+                  <a:pt x="174854" y="98320"/>
+                  <a:pt x="95250" y="177924"/>
+                  <a:pt x="95250" y="276120"/>
+                </a:cubicBezTo>
+                <a:cubicBezTo>
+                  <a:pt x="95250" y="374316"/>
+                  <a:pt x="174854" y="453920"/>
+                  <a:pt x="273050" y="453920"/>
+                </a:cubicBezTo>
+                <a:cubicBezTo>
+                  <a:pt x="371246" y="453920"/>
+                  <a:pt x="450850" y="374316"/>
+                  <a:pt x="450850" y="276120"/>
+                </a:cubicBezTo>
+                <a:cubicBezTo>
+                  <a:pt x="450850" y="177924"/>
+                  <a:pt x="371246" y="98320"/>
+                  <a:pt x="273050" y="98320"/>
+                </a:cubicBezTo>
+                <a:close/>
+                <a:moveTo>
+                  <a:pt x="273050" y="0"/>
+                </a:moveTo>
+                <a:cubicBezTo>
+                  <a:pt x="386151" y="0"/>
+                  <a:pt x="483191" y="68765"/>
+                  <a:pt x="524642" y="166767"/>
+                </a:cubicBezTo>
+                <a:lnTo>
+                  <a:pt x="526870" y="177800"/>
+                </a:lnTo>
+                <a:lnTo>
+                  <a:pt x="1218895" y="177800"/>
+                </a:lnTo>
+                <a:lnTo>
+                  <a:pt x="1218895" y="82550"/>
+                </a:lnTo>
+                <a:lnTo>
+                  <a:pt x="1409395" y="273050"/>
+                </a:lnTo>
+                <a:lnTo>
+                  <a:pt x="1218895" y="463550"/>
+                </a:lnTo>
+                <a:lnTo>
+                  <a:pt x="1218895" y="368300"/>
+                </a:lnTo>
+                <a:lnTo>
+                  <a:pt x="526870" y="368300"/>
+                </a:lnTo>
+                <a:lnTo>
+                  <a:pt x="524642" y="379333"/>
+                </a:lnTo>
+                <a:cubicBezTo>
+                  <a:pt x="483191" y="477335"/>
+                  <a:pt x="386151" y="546100"/>
+                  <a:pt x="273050" y="546100"/>
+                </a:cubicBezTo>
+                <a:cubicBezTo>
+                  <a:pt x="122249" y="546100"/>
+                  <a:pt x="0" y="423851"/>
+                  <a:pt x="0" y="273050"/>
+                </a:cubicBezTo>
+                <a:cubicBezTo>
+                  <a:pt x="0" y="122249"/>
+                  <a:pt x="122249" y="0"/>
+                  <a:pt x="273050" y="0"/>
+                </a:cubicBezTo>
+                <a:close/>
+              </a:path>
+            </a:pathLst>
+          </a:custGeom>
+          <a:solidFill>
+            <a:schemeClr val="tx1"/>
+          </a:solidFill>
+          <a:ln>
+            <a:noFill/>
+          </a:ln>
+        </p:spPr>
+        <p:style>
+          <a:lnRef idx="2">
+            <a:schemeClr val="accent1">
+              <a:shade val="50000"/>
+            </a:schemeClr>
+          </a:lnRef>
+          <a:fillRef idx="1">
+            <a:schemeClr val="accent1"/>
+          </a:fillRef>
+          <a:effectRef idx="0">
+            <a:schemeClr val="accent1"/>
+          </a:effectRef>
+          <a:fontRef idx="minor">
+            <a:schemeClr val="lt1"/>
+          </a:fontRef>
+        </p:style>
+        <p:txBody>
+          <a:bodyPr wrap="square" rtlCol="0" anchor="ctr">
+            <a:noAutofit/>
+          </a:bodyPr>
+          <a:lstStyle/>
+          <a:p>
+            <a:pPr algn="ctr"/>
+            <a:endParaRPr lang="ko-KR" altLang="en-US"/>
+          </a:p>
+        </p:txBody>
+      </p:sp>
+      <p:grpSp>
+        <p:nvGrpSpPr>
+          <p:cNvPr id="40" name="그룹 39">
+            <a:extLst>
+              <a:ext uri="{FF2B5EF4-FFF2-40B4-BE49-F238E27FC236}">
+                <a16:creationId xmlns:a16="http://schemas.microsoft.com/office/drawing/2014/main" id="{F6D097F1-349F-4F78-AF03-AED9981B6612}"/>
+              </a:ext>
+            </a:extLst>
+          </p:cNvPr>
+          <p:cNvGrpSpPr/>
+          <p:nvPr/>
+        </p:nvGrpSpPr>
+        <p:grpSpPr>
+          <a:xfrm>
+            <a:off x="3759993" y="2731829"/>
+            <a:ext cx="1179834" cy="1177212"/>
+            <a:chOff x="1308885" y="4127499"/>
+            <a:chExt cx="1179834" cy="1177212"/>
+          </a:xfrm>
+        </p:grpSpPr>
+        <p:pic>
+          <p:nvPicPr>
+            <p:cNvPr id="41" name="그림 40">
+              <a:extLst>
+                <a:ext uri="{FF2B5EF4-FFF2-40B4-BE49-F238E27FC236}">
+                  <a16:creationId xmlns:a16="http://schemas.microsoft.com/office/drawing/2014/main" id="{595CCFC7-D6E1-4AA9-8722-D9D2B05D0A47}"/>
+                </a:ext>
+              </a:extLst>
+            </p:cNvPr>
+            <p:cNvPicPr>
+              <a:picLocks noChangeAspect="1"/>
+            </p:cNvPicPr>
+            <p:nvPr/>
+          </p:nvPicPr>
+          <p:blipFill>
+            <a:blip r:embed="rId2">
+              <a:extLst>
+                <a:ext uri="{28A0092B-C50C-407E-A947-70E740481C1C}">
+                  <a14:useLocalDpi xmlns:a14="http://schemas.microsoft.com/office/drawing/2010/main" val="0"/>
+                </a:ext>
+              </a:extLst>
+            </a:blip>
+            <a:stretch>
+              <a:fillRect/>
+            </a:stretch>
+          </p:blipFill>
+          <p:spPr>
+            <a:xfrm>
+              <a:off x="1549705" y="4127499"/>
+              <a:ext cx="698195" cy="698195"/>
+            </a:xfrm>
+            <a:prstGeom prst="rect">
+              <a:avLst/>
+            </a:prstGeom>
+          </p:spPr>
+        </p:pic>
+        <p:sp>
+          <p:nvSpPr>
+            <p:cNvPr id="42" name="TextBox 41">
+              <a:extLst>
+                <a:ext uri="{FF2B5EF4-FFF2-40B4-BE49-F238E27FC236}">
+                  <a16:creationId xmlns:a16="http://schemas.microsoft.com/office/drawing/2014/main" id="{44E65C4F-44E3-4D95-B18E-5EAC48D01121}"/>
+                </a:ext>
+              </a:extLst>
+            </p:cNvPr>
+            <p:cNvSpPr txBox="1"/>
+            <p:nvPr/>
+          </p:nvSpPr>
+          <p:spPr>
+            <a:xfrm>
+              <a:off x="1308885" y="4996934"/>
+              <a:ext cx="1179834" cy="307777"/>
+            </a:xfrm>
+            <a:prstGeom prst="rect">
+              <a:avLst/>
+            </a:prstGeom>
+            <a:noFill/>
+          </p:spPr>
+          <p:txBody>
+            <a:bodyPr wrap="square" rtlCol="0">
+              <a:spAutoFit/>
+            </a:bodyPr>
+            <a:lstStyle/>
+            <a:p>
+              <a:pPr algn="ctr"/>
+              <a:r>
+                <a:rPr lang="ko-KR" altLang="en-US" sz="1400" dirty="0">
+                  <a:latin typeface="AppleSDGothicNeoM00" panose="02000503000000000000" pitchFamily="2" charset="-127"/>
+                  <a:ea typeface="AppleSDGothicNeoM00" panose="02000503000000000000" pitchFamily="2" charset="-127"/>
+                </a:rPr>
+                <a:t>팀플</a:t>
+              </a:r>
+              <a:r>
+                <a:rPr lang="en-US" altLang="ko-KR" sz="1400" dirty="0">
+                  <a:latin typeface="AppleSDGothicNeoM00" panose="02000503000000000000" pitchFamily="2" charset="-127"/>
+                  <a:ea typeface="AppleSDGothicNeoM00" panose="02000503000000000000" pitchFamily="2" charset="-127"/>
+                </a:rPr>
+                <a:t>3-1.ppt</a:t>
+              </a:r>
+              <a:endParaRPr lang="ko-KR" altLang="en-US" sz="1400" dirty="0">
+                <a:latin typeface="AppleSDGothicNeoM00" panose="02000503000000000000" pitchFamily="2" charset="-127"/>
+                <a:ea typeface="AppleSDGothicNeoM00" panose="02000503000000000000" pitchFamily="2" charset="-127"/>
+              </a:endParaRPr>
+            </a:p>
+          </p:txBody>
+        </p:sp>
+      </p:grpSp>
+      <p:grpSp>
+        <p:nvGrpSpPr>
+          <p:cNvPr id="43" name="그룹 42">
+            <a:extLst>
+              <a:ext uri="{FF2B5EF4-FFF2-40B4-BE49-F238E27FC236}">
+                <a16:creationId xmlns:a16="http://schemas.microsoft.com/office/drawing/2014/main" id="{72713892-4F70-4FDE-AF6F-3F01F472B094}"/>
+              </a:ext>
+            </a:extLst>
+          </p:cNvPr>
+          <p:cNvGrpSpPr/>
+          <p:nvPr/>
+        </p:nvGrpSpPr>
+        <p:grpSpPr>
+          <a:xfrm>
+            <a:off x="3759993" y="4335332"/>
+            <a:ext cx="1179834" cy="1177212"/>
+            <a:chOff x="1308885" y="4127499"/>
+            <a:chExt cx="1179834" cy="1177212"/>
+          </a:xfrm>
+        </p:grpSpPr>
+        <p:pic>
+          <p:nvPicPr>
+            <p:cNvPr id="44" name="그림 43">
+              <a:extLst>
+                <a:ext uri="{FF2B5EF4-FFF2-40B4-BE49-F238E27FC236}">
+                  <a16:creationId xmlns:a16="http://schemas.microsoft.com/office/drawing/2014/main" id="{E0BF30F3-46AF-4171-8DE4-56FC84BE2352}"/>
+                </a:ext>
+              </a:extLst>
+            </p:cNvPr>
+            <p:cNvPicPr>
+              <a:picLocks noChangeAspect="1"/>
+            </p:cNvPicPr>
+            <p:nvPr/>
+          </p:nvPicPr>
+          <p:blipFill>
+            <a:blip r:embed="rId2">
+              <a:extLst>
+                <a:ext uri="{28A0092B-C50C-407E-A947-70E740481C1C}">
+                  <a14:useLocalDpi xmlns:a14="http://schemas.microsoft.com/office/drawing/2010/main" val="0"/>
+                </a:ext>
+              </a:extLst>
+            </a:blip>
+            <a:stretch>
+              <a:fillRect/>
+            </a:stretch>
+          </p:blipFill>
+          <p:spPr>
+            <a:xfrm>
+              <a:off x="1549705" y="4127499"/>
+              <a:ext cx="698195" cy="698195"/>
+            </a:xfrm>
+            <a:prstGeom prst="rect">
+              <a:avLst/>
+            </a:prstGeom>
+          </p:spPr>
+        </p:pic>
+        <p:sp>
+          <p:nvSpPr>
+            <p:cNvPr id="45" name="TextBox 44">
+              <a:extLst>
+                <a:ext uri="{FF2B5EF4-FFF2-40B4-BE49-F238E27FC236}">
+                  <a16:creationId xmlns:a16="http://schemas.microsoft.com/office/drawing/2014/main" id="{644C5283-3DA4-401A-9FB7-66A04DBAC562}"/>
+                </a:ext>
+              </a:extLst>
+            </p:cNvPr>
+            <p:cNvSpPr txBox="1"/>
+            <p:nvPr/>
+          </p:nvSpPr>
+          <p:spPr>
+            <a:xfrm>
+              <a:off x="1308885" y="4996934"/>
+              <a:ext cx="1179834" cy="307777"/>
+            </a:xfrm>
+            <a:prstGeom prst="rect">
+              <a:avLst/>
+            </a:prstGeom>
+            <a:noFill/>
+          </p:spPr>
+          <p:txBody>
+            <a:bodyPr wrap="square" rtlCol="0">
+              <a:spAutoFit/>
+            </a:bodyPr>
+            <a:lstStyle/>
+            <a:p>
+              <a:pPr algn="ctr"/>
+              <a:r>
+                <a:rPr lang="ko-KR" altLang="en-US" sz="1400" dirty="0">
+                  <a:latin typeface="AppleSDGothicNeoM00" panose="02000503000000000000" pitchFamily="2" charset="-127"/>
+                  <a:ea typeface="AppleSDGothicNeoM00" panose="02000503000000000000" pitchFamily="2" charset="-127"/>
+                </a:rPr>
+                <a:t>팀플</a:t>
+              </a:r>
+              <a:r>
+                <a:rPr lang="en-US" altLang="ko-KR" sz="1400" dirty="0">
+                  <a:latin typeface="AppleSDGothicNeoM00" panose="02000503000000000000" pitchFamily="2" charset="-127"/>
+                  <a:ea typeface="AppleSDGothicNeoM00" panose="02000503000000000000" pitchFamily="2" charset="-127"/>
+                </a:rPr>
+                <a:t>2-2.ppt</a:t>
+              </a:r>
+              <a:endParaRPr lang="ko-KR" altLang="en-US" sz="1400" dirty="0">
+                <a:latin typeface="AppleSDGothicNeoM00" panose="02000503000000000000" pitchFamily="2" charset="-127"/>
+                <a:ea typeface="AppleSDGothicNeoM00" panose="02000503000000000000" pitchFamily="2" charset="-127"/>
+              </a:endParaRPr>
+            </a:p>
+          </p:txBody>
+        </p:sp>
+      </p:grpSp>
+      <p:sp>
+        <p:nvSpPr>
+          <p:cNvPr id="46" name="TextBox 45">
+            <a:extLst>
+              <a:ext uri="{FF2B5EF4-FFF2-40B4-BE49-F238E27FC236}">
+                <a16:creationId xmlns:a16="http://schemas.microsoft.com/office/drawing/2014/main" id="{4E483655-817C-4C0E-BC02-30557D0E601F}"/>
+              </a:ext>
+            </a:extLst>
+          </p:cNvPr>
+          <p:cNvSpPr txBox="1"/>
+          <p:nvPr/>
+        </p:nvSpPr>
+        <p:spPr>
+          <a:xfrm>
+            <a:off x="5266113" y="2758558"/>
+            <a:ext cx="698195" cy="584775"/>
+          </a:xfrm>
+          <a:prstGeom prst="rect">
+            <a:avLst/>
+          </a:prstGeom>
+          <a:noFill/>
+        </p:spPr>
+        <p:txBody>
+          <a:bodyPr wrap="square" rtlCol="0">
+            <a:spAutoFit/>
+          </a:bodyPr>
+          <a:lstStyle/>
+          <a:p>
+            <a:pPr algn="ctr"/>
+            <a:r>
+              <a:rPr lang="en-US" altLang="ko-KR" sz="3200" b="1" dirty="0"/>
+              <a:t>…</a:t>
+            </a:r>
+            <a:endParaRPr lang="ko-KR" altLang="en-US" sz="3200" b="1" dirty="0"/>
+          </a:p>
+        </p:txBody>
+      </p:sp>
+      <p:sp>
+        <p:nvSpPr>
+          <p:cNvPr id="47" name="TextBox 46">
+            <a:extLst>
+              <a:ext uri="{FF2B5EF4-FFF2-40B4-BE49-F238E27FC236}">
+                <a16:creationId xmlns:a16="http://schemas.microsoft.com/office/drawing/2014/main" id="{F87508C3-40BD-4B54-B7CD-3909A957581B}"/>
+              </a:ext>
+            </a:extLst>
+          </p:cNvPr>
+          <p:cNvSpPr txBox="1"/>
+          <p:nvPr/>
+        </p:nvSpPr>
+        <p:spPr>
+          <a:xfrm>
+            <a:off x="5266114" y="4274017"/>
+            <a:ext cx="698195" cy="584775"/>
+          </a:xfrm>
+          <a:prstGeom prst="rect">
+            <a:avLst/>
+          </a:prstGeom>
+          <a:noFill/>
+        </p:spPr>
+        <p:txBody>
+          <a:bodyPr wrap="square" rtlCol="0">
+            <a:spAutoFit/>
+          </a:bodyPr>
+          <a:lstStyle/>
+          <a:p>
+            <a:pPr algn="ctr"/>
+            <a:r>
+              <a:rPr lang="en-US" altLang="ko-KR" sz="3200" b="1" dirty="0"/>
+              <a:t>…</a:t>
+            </a:r>
+            <a:endParaRPr lang="ko-KR" altLang="en-US" sz="3200" b="1" dirty="0"/>
+          </a:p>
+        </p:txBody>
+      </p:sp>
+      <p:sp>
+        <p:nvSpPr>
+          <p:cNvPr id="31" name="자유형: 도형 30">
+            <a:extLst>
+              <a:ext uri="{FF2B5EF4-FFF2-40B4-BE49-F238E27FC236}">
+                <a16:creationId xmlns:a16="http://schemas.microsoft.com/office/drawing/2014/main" id="{F8D65196-8A8A-4269-9E6C-28C2848ACB11}"/>
+              </a:ext>
+            </a:extLst>
+          </p:cNvPr>
+          <p:cNvSpPr/>
+          <p:nvPr/>
+        </p:nvSpPr>
+        <p:spPr>
+          <a:xfrm rot="2700000">
+            <a:off x="6614920" y="3395486"/>
+            <a:ext cx="847497" cy="328381"/>
+          </a:xfrm>
+          <a:custGeom>
+            <a:avLst/>
+            <a:gdLst>
+              <a:gd name="connsiteX0" fmla="*/ 273050 w 1409395"/>
+              <a:gd name="connsiteY0" fmla="*/ 98320 h 546100"/>
+              <a:gd name="connsiteX1" fmla="*/ 95250 w 1409395"/>
+              <a:gd name="connsiteY1" fmla="*/ 276120 h 546100"/>
+              <a:gd name="connsiteX2" fmla="*/ 273050 w 1409395"/>
+              <a:gd name="connsiteY2" fmla="*/ 453920 h 546100"/>
+              <a:gd name="connsiteX3" fmla="*/ 450850 w 1409395"/>
+              <a:gd name="connsiteY3" fmla="*/ 276120 h 546100"/>
+              <a:gd name="connsiteX4" fmla="*/ 273050 w 1409395"/>
+              <a:gd name="connsiteY4" fmla="*/ 98320 h 546100"/>
+              <a:gd name="connsiteX5" fmla="*/ 273050 w 1409395"/>
+              <a:gd name="connsiteY5" fmla="*/ 0 h 546100"/>
+              <a:gd name="connsiteX6" fmla="*/ 524642 w 1409395"/>
+              <a:gd name="connsiteY6" fmla="*/ 166767 h 546100"/>
+              <a:gd name="connsiteX7" fmla="*/ 526870 w 1409395"/>
+              <a:gd name="connsiteY7" fmla="*/ 177800 h 546100"/>
+              <a:gd name="connsiteX8" fmla="*/ 1218895 w 1409395"/>
+              <a:gd name="connsiteY8" fmla="*/ 177800 h 546100"/>
+              <a:gd name="connsiteX9" fmla="*/ 1218895 w 1409395"/>
+              <a:gd name="connsiteY9" fmla="*/ 82550 h 546100"/>
+              <a:gd name="connsiteX10" fmla="*/ 1409395 w 1409395"/>
+              <a:gd name="connsiteY10" fmla="*/ 273050 h 546100"/>
+              <a:gd name="connsiteX11" fmla="*/ 1218895 w 1409395"/>
+              <a:gd name="connsiteY11" fmla="*/ 463550 h 546100"/>
+              <a:gd name="connsiteX12" fmla="*/ 1218895 w 1409395"/>
+              <a:gd name="connsiteY12" fmla="*/ 368300 h 546100"/>
+              <a:gd name="connsiteX13" fmla="*/ 526870 w 1409395"/>
+              <a:gd name="connsiteY13" fmla="*/ 368300 h 546100"/>
+              <a:gd name="connsiteX14" fmla="*/ 524642 w 1409395"/>
+              <a:gd name="connsiteY14" fmla="*/ 379333 h 546100"/>
+              <a:gd name="connsiteX15" fmla="*/ 273050 w 1409395"/>
+              <a:gd name="connsiteY15" fmla="*/ 546100 h 546100"/>
+              <a:gd name="connsiteX16" fmla="*/ 0 w 1409395"/>
+              <a:gd name="connsiteY16" fmla="*/ 273050 h 546100"/>
+              <a:gd name="connsiteX17" fmla="*/ 273050 w 1409395"/>
+              <a:gd name="connsiteY17" fmla="*/ 0 h 546100"/>
+            </a:gdLst>
+            <a:ahLst/>
+            <a:cxnLst>
+              <a:cxn ang="0">
+                <a:pos x="connsiteX0" y="connsiteY0"/>
+              </a:cxn>
+              <a:cxn ang="0">
+                <a:pos x="connsiteX1" y="connsiteY1"/>
+              </a:cxn>
+              <a:cxn ang="0">
+                <a:pos x="connsiteX2" y="connsiteY2"/>
+              </a:cxn>
+              <a:cxn ang="0">
+                <a:pos x="connsiteX3" y="connsiteY3"/>
+              </a:cxn>
+              <a:cxn ang="0">
+                <a:pos x="connsiteX4" y="connsiteY4"/>
+              </a:cxn>
+              <a:cxn ang="0">
+                <a:pos x="connsiteX5" y="connsiteY5"/>
+              </a:cxn>
+              <a:cxn ang="0">
+                <a:pos x="connsiteX6" y="connsiteY6"/>
+              </a:cxn>
+              <a:cxn ang="0">
+                <a:pos x="connsiteX7" y="connsiteY7"/>
+              </a:cxn>
+              <a:cxn ang="0">
+                <a:pos x="connsiteX8" y="connsiteY8"/>
+              </a:cxn>
+              <a:cxn ang="0">
+                <a:pos x="connsiteX9" y="connsiteY9"/>
+              </a:cxn>
+              <a:cxn ang="0">
+                <a:pos x="connsiteX10" y="connsiteY10"/>
+              </a:cxn>
+              <a:cxn ang="0">
+                <a:pos x="connsiteX11" y="connsiteY11"/>
+              </a:cxn>
+              <a:cxn ang="0">
+                <a:pos x="connsiteX12" y="connsiteY12"/>
+              </a:cxn>
+              <a:cxn ang="0">
+                <a:pos x="connsiteX13" y="connsiteY13"/>
+              </a:cxn>
+              <a:cxn ang="0">
+                <a:pos x="connsiteX14" y="connsiteY14"/>
+              </a:cxn>
+              <a:cxn ang="0">
+                <a:pos x="connsiteX15" y="connsiteY15"/>
+              </a:cxn>
+              <a:cxn ang="0">
+                <a:pos x="connsiteX16" y="connsiteY16"/>
+              </a:cxn>
+              <a:cxn ang="0">
+                <a:pos x="connsiteX17" y="connsiteY17"/>
+              </a:cxn>
+            </a:cxnLst>
+            <a:rect l="l" t="t" r="r" b="b"/>
+            <a:pathLst>
+              <a:path w="1409395" h="546100">
+                <a:moveTo>
+                  <a:pt x="273050" y="98320"/>
+                </a:moveTo>
+                <a:cubicBezTo>
+                  <a:pt x="174854" y="98320"/>
+                  <a:pt x="95250" y="177924"/>
+                  <a:pt x="95250" y="276120"/>
+                </a:cubicBezTo>
+                <a:cubicBezTo>
+                  <a:pt x="95250" y="374316"/>
+                  <a:pt x="174854" y="453920"/>
+                  <a:pt x="273050" y="453920"/>
+                </a:cubicBezTo>
+                <a:cubicBezTo>
+                  <a:pt x="371246" y="453920"/>
+                  <a:pt x="450850" y="374316"/>
+                  <a:pt x="450850" y="276120"/>
+                </a:cubicBezTo>
+                <a:cubicBezTo>
+                  <a:pt x="450850" y="177924"/>
+                  <a:pt x="371246" y="98320"/>
+                  <a:pt x="273050" y="98320"/>
+                </a:cubicBezTo>
+                <a:close/>
+                <a:moveTo>
+                  <a:pt x="273050" y="0"/>
+                </a:moveTo>
+                <a:cubicBezTo>
+                  <a:pt x="386151" y="0"/>
+                  <a:pt x="483191" y="68765"/>
+                  <a:pt x="524642" y="166767"/>
+                </a:cubicBezTo>
+                <a:lnTo>
+                  <a:pt x="526870" y="177800"/>
+                </a:lnTo>
+                <a:lnTo>
+                  <a:pt x="1218895" y="177800"/>
+                </a:lnTo>
+                <a:lnTo>
+                  <a:pt x="1218895" y="82550"/>
+                </a:lnTo>
+                <a:lnTo>
+                  <a:pt x="1409395" y="273050"/>
+                </a:lnTo>
+                <a:lnTo>
+                  <a:pt x="1218895" y="463550"/>
+                </a:lnTo>
+                <a:lnTo>
+                  <a:pt x="1218895" y="368300"/>
+                </a:lnTo>
+                <a:lnTo>
+                  <a:pt x="526870" y="368300"/>
+                </a:lnTo>
+                <a:lnTo>
+                  <a:pt x="524642" y="379333"/>
+                </a:lnTo>
+                <a:cubicBezTo>
+                  <a:pt x="483191" y="477335"/>
+                  <a:pt x="386151" y="546100"/>
+                  <a:pt x="273050" y="546100"/>
+                </a:cubicBezTo>
+                <a:cubicBezTo>
+                  <a:pt x="122249" y="546100"/>
+                  <a:pt x="0" y="423851"/>
+                  <a:pt x="0" y="273050"/>
+                </a:cubicBezTo>
+                <a:cubicBezTo>
+                  <a:pt x="0" y="122249"/>
+                  <a:pt x="122249" y="0"/>
+                  <a:pt x="273050" y="0"/>
+                </a:cubicBezTo>
+                <a:close/>
+              </a:path>
+            </a:pathLst>
+          </a:custGeom>
+          <a:solidFill>
+            <a:schemeClr val="tx1"/>
+          </a:solidFill>
+          <a:ln>
+            <a:noFill/>
+          </a:ln>
+        </p:spPr>
+        <p:style>
+          <a:lnRef idx="2">
+            <a:schemeClr val="accent1">
+              <a:shade val="50000"/>
+            </a:schemeClr>
+          </a:lnRef>
+          <a:fillRef idx="1">
+            <a:schemeClr val="accent1"/>
+          </a:fillRef>
+          <a:effectRef idx="0">
+            <a:schemeClr val="accent1"/>
+          </a:effectRef>
+          <a:fontRef idx="minor">
+            <a:schemeClr val="lt1"/>
+          </a:fontRef>
+        </p:style>
+        <p:txBody>
+          <a:bodyPr wrap="square" rtlCol="0" anchor="ctr">
+            <a:noAutofit/>
+          </a:bodyPr>
+          <a:lstStyle/>
+          <a:p>
+            <a:pPr algn="ctr"/>
+            <a:endParaRPr lang="ko-KR" altLang="en-US"/>
+          </a:p>
+        </p:txBody>
+      </p:sp>
+      <p:sp>
+        <p:nvSpPr>
+          <p:cNvPr id="32" name="자유형: 도형 31">
+            <a:extLst>
+              <a:ext uri="{FF2B5EF4-FFF2-40B4-BE49-F238E27FC236}">
+                <a16:creationId xmlns:a16="http://schemas.microsoft.com/office/drawing/2014/main" id="{EAD43805-3C2F-411F-B883-8B45536EAE60}"/>
+              </a:ext>
+            </a:extLst>
+          </p:cNvPr>
+          <p:cNvSpPr/>
+          <p:nvPr/>
+        </p:nvSpPr>
+        <p:spPr>
+          <a:xfrm>
+            <a:off x="6531415" y="4530411"/>
+            <a:ext cx="847497" cy="328381"/>
+          </a:xfrm>
+          <a:custGeom>
+            <a:avLst/>
+            <a:gdLst>
+              <a:gd name="connsiteX0" fmla="*/ 273050 w 1409395"/>
+              <a:gd name="connsiteY0" fmla="*/ 98320 h 546100"/>
+              <a:gd name="connsiteX1" fmla="*/ 95250 w 1409395"/>
+              <a:gd name="connsiteY1" fmla="*/ 276120 h 546100"/>
+              <a:gd name="connsiteX2" fmla="*/ 273050 w 1409395"/>
+              <a:gd name="connsiteY2" fmla="*/ 453920 h 546100"/>
+              <a:gd name="connsiteX3" fmla="*/ 450850 w 1409395"/>
+              <a:gd name="connsiteY3" fmla="*/ 276120 h 546100"/>
+              <a:gd name="connsiteX4" fmla="*/ 273050 w 1409395"/>
+              <a:gd name="connsiteY4" fmla="*/ 98320 h 546100"/>
+              <a:gd name="connsiteX5" fmla="*/ 273050 w 1409395"/>
+              <a:gd name="connsiteY5" fmla="*/ 0 h 546100"/>
+              <a:gd name="connsiteX6" fmla="*/ 524642 w 1409395"/>
+              <a:gd name="connsiteY6" fmla="*/ 166767 h 546100"/>
+              <a:gd name="connsiteX7" fmla="*/ 526870 w 1409395"/>
+              <a:gd name="connsiteY7" fmla="*/ 177800 h 546100"/>
+              <a:gd name="connsiteX8" fmla="*/ 1218895 w 1409395"/>
+              <a:gd name="connsiteY8" fmla="*/ 177800 h 546100"/>
+              <a:gd name="connsiteX9" fmla="*/ 1218895 w 1409395"/>
+              <a:gd name="connsiteY9" fmla="*/ 82550 h 546100"/>
+              <a:gd name="connsiteX10" fmla="*/ 1409395 w 1409395"/>
+              <a:gd name="connsiteY10" fmla="*/ 273050 h 546100"/>
+              <a:gd name="connsiteX11" fmla="*/ 1218895 w 1409395"/>
+              <a:gd name="connsiteY11" fmla="*/ 463550 h 546100"/>
+              <a:gd name="connsiteX12" fmla="*/ 1218895 w 1409395"/>
+              <a:gd name="connsiteY12" fmla="*/ 368300 h 546100"/>
+              <a:gd name="connsiteX13" fmla="*/ 526870 w 1409395"/>
+              <a:gd name="connsiteY13" fmla="*/ 368300 h 546100"/>
+              <a:gd name="connsiteX14" fmla="*/ 524642 w 1409395"/>
+              <a:gd name="connsiteY14" fmla="*/ 379333 h 546100"/>
+              <a:gd name="connsiteX15" fmla="*/ 273050 w 1409395"/>
+              <a:gd name="connsiteY15" fmla="*/ 546100 h 546100"/>
+              <a:gd name="connsiteX16" fmla="*/ 0 w 1409395"/>
+              <a:gd name="connsiteY16" fmla="*/ 273050 h 546100"/>
+              <a:gd name="connsiteX17" fmla="*/ 273050 w 1409395"/>
+              <a:gd name="connsiteY17" fmla="*/ 0 h 546100"/>
+            </a:gdLst>
+            <a:ahLst/>
+            <a:cxnLst>
+              <a:cxn ang="0">
+                <a:pos x="connsiteX0" y="connsiteY0"/>
+              </a:cxn>
+              <a:cxn ang="0">
+                <a:pos x="connsiteX1" y="connsiteY1"/>
+              </a:cxn>
+              <a:cxn ang="0">
+                <a:pos x="connsiteX2" y="connsiteY2"/>
+              </a:cxn>
+              <a:cxn ang="0">
+                <a:pos x="connsiteX3" y="connsiteY3"/>
+              </a:cxn>
+              <a:cxn ang="0">
+                <a:pos x="connsiteX4" y="connsiteY4"/>
+              </a:cxn>
+              <a:cxn ang="0">
+                <a:pos x="connsiteX5" y="connsiteY5"/>
+              </a:cxn>
+              <a:cxn ang="0">
+                <a:pos x="connsiteX6" y="connsiteY6"/>
+              </a:cxn>
+              <a:cxn ang="0">
+                <a:pos x="connsiteX7" y="connsiteY7"/>
+              </a:cxn>
+              <a:cxn ang="0">
+                <a:pos x="connsiteX8" y="connsiteY8"/>
+              </a:cxn>
+              <a:cxn ang="0">
+                <a:pos x="connsiteX9" y="connsiteY9"/>
+              </a:cxn>
+              <a:cxn ang="0">
+                <a:pos x="connsiteX10" y="connsiteY10"/>
+              </a:cxn>
+              <a:cxn ang="0">
+                <a:pos x="connsiteX11" y="connsiteY11"/>
+              </a:cxn>
+              <a:cxn ang="0">
+                <a:pos x="connsiteX12" y="connsiteY12"/>
+              </a:cxn>
+              <a:cxn ang="0">
+                <a:pos x="connsiteX13" y="connsiteY13"/>
+              </a:cxn>
+              <a:cxn ang="0">
+                <a:pos x="connsiteX14" y="connsiteY14"/>
+              </a:cxn>
+              <a:cxn ang="0">
+                <a:pos x="connsiteX15" y="connsiteY15"/>
+              </a:cxn>
+              <a:cxn ang="0">
+                <a:pos x="connsiteX16" y="connsiteY16"/>
+              </a:cxn>
+              <a:cxn ang="0">
+                <a:pos x="connsiteX17" y="connsiteY17"/>
+              </a:cxn>
+            </a:cxnLst>
+            <a:rect l="l" t="t" r="r" b="b"/>
+            <a:pathLst>
+              <a:path w="1409395" h="546100">
+                <a:moveTo>
+                  <a:pt x="273050" y="98320"/>
+                </a:moveTo>
+                <a:cubicBezTo>
+                  <a:pt x="174854" y="98320"/>
+                  <a:pt x="95250" y="177924"/>
+                  <a:pt x="95250" y="276120"/>
+                </a:cubicBezTo>
+                <a:cubicBezTo>
+                  <a:pt x="95250" y="374316"/>
+                  <a:pt x="174854" y="453920"/>
+                  <a:pt x="273050" y="453920"/>
+                </a:cubicBezTo>
+                <a:cubicBezTo>
+                  <a:pt x="371246" y="453920"/>
+                  <a:pt x="450850" y="374316"/>
+                  <a:pt x="450850" y="276120"/>
+                </a:cubicBezTo>
+                <a:cubicBezTo>
+                  <a:pt x="450850" y="177924"/>
+                  <a:pt x="371246" y="98320"/>
+                  <a:pt x="273050" y="98320"/>
+                </a:cubicBezTo>
+                <a:close/>
+                <a:moveTo>
+                  <a:pt x="273050" y="0"/>
+                </a:moveTo>
+                <a:cubicBezTo>
+                  <a:pt x="386151" y="0"/>
+                  <a:pt x="483191" y="68765"/>
+                  <a:pt x="524642" y="166767"/>
+                </a:cubicBezTo>
+                <a:lnTo>
+                  <a:pt x="526870" y="177800"/>
+                </a:lnTo>
+                <a:lnTo>
+                  <a:pt x="1218895" y="177800"/>
+                </a:lnTo>
+                <a:lnTo>
+                  <a:pt x="1218895" y="82550"/>
+                </a:lnTo>
+                <a:lnTo>
+                  <a:pt x="1409395" y="273050"/>
+                </a:lnTo>
+                <a:lnTo>
+                  <a:pt x="1218895" y="463550"/>
+                </a:lnTo>
+                <a:lnTo>
+                  <a:pt x="1218895" y="368300"/>
+                </a:lnTo>
+                <a:lnTo>
+                  <a:pt x="526870" y="368300"/>
+                </a:lnTo>
+                <a:lnTo>
+                  <a:pt x="524642" y="379333"/>
+                </a:lnTo>
+                <a:cubicBezTo>
+                  <a:pt x="483191" y="477335"/>
+                  <a:pt x="386151" y="546100"/>
+                  <a:pt x="273050" y="546100"/>
+                </a:cubicBezTo>
+                <a:cubicBezTo>
+                  <a:pt x="122249" y="546100"/>
+                  <a:pt x="0" y="423851"/>
+                  <a:pt x="0" y="273050"/>
+                </a:cubicBezTo>
+                <a:cubicBezTo>
+                  <a:pt x="0" y="122249"/>
+                  <a:pt x="122249" y="0"/>
+                  <a:pt x="273050" y="0"/>
+                </a:cubicBezTo>
+                <a:close/>
+              </a:path>
+            </a:pathLst>
+          </a:custGeom>
+          <a:solidFill>
+            <a:schemeClr val="tx1"/>
+          </a:solidFill>
+          <a:ln>
+            <a:noFill/>
+          </a:ln>
+        </p:spPr>
+        <p:style>
+          <a:lnRef idx="2">
+            <a:schemeClr val="accent1">
+              <a:shade val="50000"/>
+            </a:schemeClr>
+          </a:lnRef>
+          <a:fillRef idx="1">
+            <a:schemeClr val="accent1"/>
+          </a:fillRef>
+          <a:effectRef idx="0">
+            <a:schemeClr val="accent1"/>
+          </a:effectRef>
+          <a:fontRef idx="minor">
+            <a:schemeClr val="lt1"/>
+          </a:fontRef>
+        </p:style>
+        <p:txBody>
+          <a:bodyPr wrap="square" rtlCol="0" anchor="ctr">
+            <a:noAutofit/>
+          </a:bodyPr>
+          <a:lstStyle/>
+          <a:p>
+            <a:pPr algn="ctr"/>
+            <a:endParaRPr lang="ko-KR" altLang="en-US"/>
+          </a:p>
+        </p:txBody>
+      </p:sp>
+      <p:grpSp>
+        <p:nvGrpSpPr>
+          <p:cNvPr id="33" name="그룹 32">
+            <a:extLst>
+              <a:ext uri="{FF2B5EF4-FFF2-40B4-BE49-F238E27FC236}">
+                <a16:creationId xmlns:a16="http://schemas.microsoft.com/office/drawing/2014/main" id="{68942780-BB72-4F87-9F14-5BF4299AAFCF}"/>
+              </a:ext>
+            </a:extLst>
+          </p:cNvPr>
+          <p:cNvGrpSpPr/>
+          <p:nvPr/>
+        </p:nvGrpSpPr>
+        <p:grpSpPr>
+          <a:xfrm>
+            <a:off x="7617345" y="4335332"/>
+            <a:ext cx="1333506" cy="1177212"/>
+            <a:chOff x="1232049" y="4127499"/>
+            <a:chExt cx="1333506" cy="1177212"/>
+          </a:xfrm>
+        </p:grpSpPr>
+        <p:pic>
+          <p:nvPicPr>
+            <p:cNvPr id="50" name="그림 49">
+              <a:extLst>
+                <a:ext uri="{FF2B5EF4-FFF2-40B4-BE49-F238E27FC236}">
+                  <a16:creationId xmlns:a16="http://schemas.microsoft.com/office/drawing/2014/main" id="{43E7F4D4-B08D-433D-9A06-2D3A418C47E9}"/>
+                </a:ext>
+              </a:extLst>
+            </p:cNvPr>
+            <p:cNvPicPr>
+              <a:picLocks noChangeAspect="1"/>
+            </p:cNvPicPr>
+            <p:nvPr/>
+          </p:nvPicPr>
+          <p:blipFill>
+            <a:blip r:embed="rId2">
+              <a:extLst>
+                <a:ext uri="{28A0092B-C50C-407E-A947-70E740481C1C}">
+                  <a14:useLocalDpi xmlns:a14="http://schemas.microsoft.com/office/drawing/2010/main" val="0"/>
+                </a:ext>
+              </a:extLst>
+            </a:blip>
+            <a:stretch>
+              <a:fillRect/>
+            </a:stretch>
+          </p:blipFill>
+          <p:spPr>
+            <a:xfrm>
+              <a:off x="1549705" y="4127499"/>
+              <a:ext cx="698195" cy="698195"/>
+            </a:xfrm>
+            <a:prstGeom prst="rect">
+              <a:avLst/>
+            </a:prstGeom>
+          </p:spPr>
+        </p:pic>
+        <p:sp>
+          <p:nvSpPr>
+            <p:cNvPr id="51" name="TextBox 50">
+              <a:extLst>
+                <a:ext uri="{FF2B5EF4-FFF2-40B4-BE49-F238E27FC236}">
+                  <a16:creationId xmlns:a16="http://schemas.microsoft.com/office/drawing/2014/main" id="{EF447182-0F2E-4ADA-A00E-7C6382AC1E8B}"/>
+                </a:ext>
+              </a:extLst>
+            </p:cNvPr>
+            <p:cNvSpPr txBox="1"/>
+            <p:nvPr/>
+          </p:nvSpPr>
+          <p:spPr>
+            <a:xfrm>
+              <a:off x="1232049" y="4996934"/>
+              <a:ext cx="1333506" cy="307777"/>
+            </a:xfrm>
+            <a:prstGeom prst="rect">
+              <a:avLst/>
+            </a:prstGeom>
+            <a:noFill/>
+          </p:spPr>
+          <p:txBody>
+            <a:bodyPr wrap="square" rtlCol="0">
+              <a:spAutoFit/>
+            </a:bodyPr>
+            <a:lstStyle/>
+            <a:p>
+              <a:pPr algn="ctr"/>
+              <a:r>
+                <a:rPr lang="ko-KR" altLang="en-US" sz="1400" err="1">
+                  <a:latin typeface="AppleSDGothicNeoM00" panose="02000503000000000000" pitchFamily="2" charset="-127"/>
+                  <a:ea typeface="AppleSDGothicNeoM00" panose="02000503000000000000" pitchFamily="2" charset="-127"/>
+                </a:rPr>
+                <a:t>통합본</a:t>
+              </a:r>
+              <a:r>
+                <a:rPr lang="en-US" altLang="ko-KR" sz="1400" dirty="0">
+                  <a:latin typeface="AppleSDGothicNeoM00" panose="02000503000000000000" pitchFamily="2" charset="-127"/>
+                  <a:ea typeface="AppleSDGothicNeoM00" panose="02000503000000000000" pitchFamily="2" charset="-127"/>
+                </a:rPr>
+                <a:t>_1</a:t>
+              </a:r>
+              <a:r>
+                <a:rPr lang="ko-KR" altLang="en-US" sz="1400" dirty="0">
+                  <a:latin typeface="AppleSDGothicNeoM00" panose="02000503000000000000" pitchFamily="2" charset="-127"/>
+                  <a:ea typeface="AppleSDGothicNeoM00" panose="02000503000000000000" pitchFamily="2" charset="-127"/>
+                </a:rPr>
+                <a:t>차</a:t>
+              </a:r>
+              <a:r>
+                <a:rPr lang="en-US" altLang="ko-KR" sz="1400" dirty="0">
+                  <a:latin typeface="AppleSDGothicNeoM00" panose="02000503000000000000" pitchFamily="2" charset="-127"/>
+                  <a:ea typeface="AppleSDGothicNeoM00" panose="02000503000000000000" pitchFamily="2" charset="-127"/>
+                </a:rPr>
+                <a:t>.ppt</a:t>
+              </a:r>
+              <a:endParaRPr lang="ko-KR" altLang="en-US" sz="1400" dirty="0">
+                <a:latin typeface="AppleSDGothicNeoM00" panose="02000503000000000000" pitchFamily="2" charset="-127"/>
+                <a:ea typeface="AppleSDGothicNeoM00" panose="02000503000000000000" pitchFamily="2" charset="-127"/>
+              </a:endParaRPr>
+            </a:p>
+          </p:txBody>
+        </p:sp>
+      </p:grpSp>
+      <p:sp>
+        <p:nvSpPr>
+          <p:cNvPr id="52" name="직사각형 51">
+            <a:extLst>
+              <a:ext uri="{FF2B5EF4-FFF2-40B4-BE49-F238E27FC236}">
+                <a16:creationId xmlns:a16="http://schemas.microsoft.com/office/drawing/2014/main" id="{17ADD7D5-85A6-45A0-99B5-D14A1CF53F18}"/>
+              </a:ext>
+            </a:extLst>
+          </p:cNvPr>
+          <p:cNvSpPr/>
+          <p:nvPr/>
+        </p:nvSpPr>
+        <p:spPr>
+          <a:xfrm>
+            <a:off x="6391937" y="2750234"/>
+            <a:ext cx="1126452" cy="2762310"/>
+          </a:xfrm>
+          <a:prstGeom prst="rect">
+            <a:avLst/>
+          </a:prstGeom>
+          <a:noFill/>
+          <a:ln w="28575">
+            <a:solidFill>
+              <a:srgbClr val="FF0000"/>
+            </a:solidFill>
+            <a:prstDash val="sysDash"/>
+          </a:ln>
+        </p:spPr>
+        <p:style>
+          <a:lnRef idx="2">
+            <a:schemeClr val="accent1">
+              <a:shade val="50000"/>
+            </a:schemeClr>
+          </a:lnRef>
+          <a:fillRef idx="1">
+            <a:schemeClr val="accent1"/>
+          </a:fillRef>
+          <a:effectRef idx="0">
+            <a:schemeClr val="accent1"/>
+          </a:effectRef>
+          <a:fontRef idx="minor">
+            <a:schemeClr val="lt1"/>
+          </a:fontRef>
+        </p:style>
+        <p:txBody>
+          <a:bodyPr rtlCol="0" anchor="ctr"/>
+          <a:lstStyle/>
+          <a:p>
+            <a:pPr algn="ctr"/>
+            <a:endParaRPr lang="ko-KR" altLang="en-US"/>
+          </a:p>
+        </p:txBody>
+      </p:sp>
+      <p:sp>
+        <p:nvSpPr>
+          <p:cNvPr id="53" name="TextBox 52">
+            <a:extLst>
+              <a:ext uri="{FF2B5EF4-FFF2-40B4-BE49-F238E27FC236}">
+                <a16:creationId xmlns:a16="http://schemas.microsoft.com/office/drawing/2014/main" id="{6E32CB1C-B573-44A8-A1FD-F5ECEDD6DD7D}"/>
+              </a:ext>
+            </a:extLst>
+          </p:cNvPr>
+          <p:cNvSpPr txBox="1"/>
+          <p:nvPr/>
+        </p:nvSpPr>
+        <p:spPr>
+          <a:xfrm>
+            <a:off x="6365245" y="2085498"/>
+            <a:ext cx="1179835" cy="646331"/>
+          </a:xfrm>
+          <a:prstGeom prst="rect">
+            <a:avLst/>
+          </a:prstGeom>
+          <a:noFill/>
+        </p:spPr>
+        <p:txBody>
+          <a:bodyPr wrap="square" rtlCol="0">
+            <a:spAutoFit/>
+          </a:bodyPr>
+          <a:lstStyle/>
+          <a:p>
+            <a:pPr algn="ctr"/>
+            <a:r>
+              <a:rPr lang="en-US" altLang="ko-KR" dirty="0">
+                <a:solidFill>
+                  <a:srgbClr val="FF0000"/>
+                </a:solidFill>
+                <a:latin typeface="AppleSDGothicNeoM00" panose="02000503000000000000" pitchFamily="2" charset="-127"/>
+                <a:ea typeface="AppleSDGothicNeoM00" panose="02000503000000000000" pitchFamily="2" charset="-127"/>
+              </a:rPr>
+              <a:t>Merge</a:t>
+            </a:r>
+          </a:p>
+          <a:p>
+            <a:pPr algn="ctr"/>
+            <a:r>
+              <a:rPr lang="en-US" altLang="ko-KR" dirty="0">
+                <a:solidFill>
+                  <a:srgbClr val="FF0000"/>
+                </a:solidFill>
+                <a:latin typeface="AppleSDGothicNeoM00" panose="02000503000000000000" pitchFamily="2" charset="-127"/>
+                <a:ea typeface="AppleSDGothicNeoM00" panose="02000503000000000000" pitchFamily="2" charset="-127"/>
+              </a:rPr>
+              <a:t>(</a:t>
+            </a:r>
+            <a:r>
+              <a:rPr lang="ko-KR" altLang="en-US" dirty="0">
+                <a:solidFill>
+                  <a:srgbClr val="FF0000"/>
+                </a:solidFill>
+                <a:latin typeface="AppleSDGothicNeoM00" panose="02000503000000000000" pitchFamily="2" charset="-127"/>
+                <a:ea typeface="AppleSDGothicNeoM00" panose="02000503000000000000" pitchFamily="2" charset="-127"/>
+              </a:rPr>
+              <a:t>병합</a:t>
+            </a:r>
+            <a:r>
+              <a:rPr lang="en-US" altLang="ko-KR" dirty="0">
+                <a:solidFill>
+                  <a:srgbClr val="FF0000"/>
+                </a:solidFill>
+                <a:latin typeface="AppleSDGothicNeoM00" panose="02000503000000000000" pitchFamily="2" charset="-127"/>
+                <a:ea typeface="AppleSDGothicNeoM00" panose="02000503000000000000" pitchFamily="2" charset="-127"/>
+              </a:rPr>
+              <a:t>)</a:t>
+            </a:r>
+            <a:endParaRPr lang="ko-KR" altLang="en-US" dirty="0">
+              <a:solidFill>
+                <a:srgbClr val="FF0000"/>
+              </a:solidFill>
+              <a:latin typeface="AppleSDGothicNeoM00" panose="02000503000000000000" pitchFamily="2" charset="-127"/>
+              <a:ea typeface="AppleSDGothicNeoM00" panose="02000503000000000000" pitchFamily="2" charset="-127"/>
+            </a:endParaRPr>
+          </a:p>
+        </p:txBody>
+      </p:sp>
+    </p:spTree>
+    <p:extLst>
+      <p:ext uri="{BB962C8B-B14F-4D97-AF65-F5344CB8AC3E}">
+        <p14:creationId xmlns:p14="http://schemas.microsoft.com/office/powerpoint/2010/main" val="2958358180"/>
+      </p:ext>
+    </p:extLst>
+  </p:cSld>
+  <p:clrMapOvr>
+    <a:masterClrMapping/>
+  </p:clrMapOvr>
+</p:sld>
+</file>
+
+<file path=ppt/slides/slide34.xml><?xml version="1.0" encoding="utf-8"?>
+<p:sld xmlns:a="http://schemas.openxmlformats.org/drawingml/2006/main" xmlns:r="http://schemas.openxmlformats.org/officeDocument/2006/relationships" xmlns:p="http://schemas.openxmlformats.org/presentationml/2006/main">
+  <p:cSld>
+    <p:spTree>
+      <p:nvGrpSpPr>
+        <p:cNvPr id="1" name=""/>
+        <p:cNvGrpSpPr/>
+        <p:nvPr/>
+      </p:nvGrpSpPr>
+      <p:grpSpPr>
+        <a:xfrm>
+          <a:off x="0" y="0"/>
+          <a:ext cx="0" cy="0"/>
+          <a:chOff x="0" y="0"/>
+          <a:chExt cx="0" cy="0"/>
+        </a:xfrm>
+      </p:grpSpPr>
+      <p:pic>
+        <p:nvPicPr>
+          <p:cNvPr id="6" name="그림 5">
+            <a:extLst>
+              <a:ext uri="{FF2B5EF4-FFF2-40B4-BE49-F238E27FC236}">
+                <a16:creationId xmlns:a16="http://schemas.microsoft.com/office/drawing/2014/main" id="{ED548049-58B2-45A8-92EF-34975D6D5FC2}"/>
+              </a:ext>
+            </a:extLst>
+          </p:cNvPr>
+          <p:cNvPicPr>
+            <a:picLocks noChangeAspect="1"/>
+          </p:cNvPicPr>
+          <p:nvPr/>
+        </p:nvPicPr>
+        <p:blipFill>
+          <a:blip r:embed="rId2"/>
+          <a:stretch>
+            <a:fillRect/>
+          </a:stretch>
+        </p:blipFill>
+        <p:spPr>
+          <a:xfrm>
+            <a:off x="2908735" y="2697416"/>
+            <a:ext cx="4407957" cy="3193238"/>
+          </a:xfrm>
+          <a:prstGeom prst="rect">
+            <a:avLst/>
+          </a:prstGeom>
+        </p:spPr>
+      </p:pic>
+      <p:sp>
+        <p:nvSpPr>
+          <p:cNvPr id="11" name="직사각형 10">
+            <a:extLst>
+              <a:ext uri="{FF2B5EF4-FFF2-40B4-BE49-F238E27FC236}">
+                <a16:creationId xmlns:a16="http://schemas.microsoft.com/office/drawing/2014/main" id="{9DF968F5-A8FD-4327-A0E2-249EB01503AD}"/>
+              </a:ext>
+            </a:extLst>
+          </p:cNvPr>
+          <p:cNvSpPr/>
+          <p:nvPr/>
+        </p:nvSpPr>
+        <p:spPr>
+          <a:xfrm>
+            <a:off x="2908735" y="2711537"/>
+            <a:ext cx="576904" cy="128789"/>
+          </a:xfrm>
+          <a:prstGeom prst="rect">
+            <a:avLst/>
+          </a:prstGeom>
+          <a:solidFill>
+            <a:schemeClr val="bg1">
+              <a:lumMod val="75000"/>
+            </a:schemeClr>
+          </a:solidFill>
+          <a:ln>
+            <a:noFill/>
+          </a:ln>
+        </p:spPr>
+        <p:style>
+          <a:lnRef idx="2">
+            <a:schemeClr val="accent1">
+              <a:shade val="50000"/>
+            </a:schemeClr>
+          </a:lnRef>
+          <a:fillRef idx="1">
+            <a:schemeClr val="accent1"/>
+          </a:fillRef>
+          <a:effectRef idx="0">
+            <a:schemeClr val="accent1"/>
+          </a:effectRef>
+          <a:fontRef idx="minor">
+            <a:schemeClr val="lt1"/>
+          </a:fontRef>
+        </p:style>
+        <p:txBody>
+          <a:bodyPr rtlCol="0" anchor="ctr"/>
+          <a:lstStyle/>
+          <a:p>
+            <a:pPr algn="ctr"/>
+            <a:endParaRPr lang="ko-KR" altLang="en-US"/>
+          </a:p>
+        </p:txBody>
+      </p:sp>
+      <p:sp>
+        <p:nvSpPr>
+          <p:cNvPr id="7" name="직사각형 6">
+            <a:extLst>
+              <a:ext uri="{FF2B5EF4-FFF2-40B4-BE49-F238E27FC236}">
+                <a16:creationId xmlns:a16="http://schemas.microsoft.com/office/drawing/2014/main" id="{FC1368B5-85F7-409E-B7B8-905FFC43A148}"/>
+              </a:ext>
+            </a:extLst>
+          </p:cNvPr>
+          <p:cNvSpPr/>
+          <p:nvPr/>
+        </p:nvSpPr>
+        <p:spPr>
+          <a:xfrm>
+            <a:off x="2908735" y="3114214"/>
+            <a:ext cx="576904" cy="128789"/>
+          </a:xfrm>
+          <a:prstGeom prst="rect">
+            <a:avLst/>
+          </a:prstGeom>
+          <a:solidFill>
+            <a:schemeClr val="bg1">
+              <a:lumMod val="75000"/>
+            </a:schemeClr>
+          </a:solidFill>
+          <a:ln>
+            <a:noFill/>
+          </a:ln>
+        </p:spPr>
+        <p:style>
+          <a:lnRef idx="2">
+            <a:schemeClr val="accent1">
+              <a:shade val="50000"/>
+            </a:schemeClr>
+          </a:lnRef>
+          <a:fillRef idx="1">
+            <a:schemeClr val="accent1"/>
+          </a:fillRef>
+          <a:effectRef idx="0">
+            <a:schemeClr val="accent1"/>
+          </a:effectRef>
+          <a:fontRef idx="minor">
+            <a:schemeClr val="lt1"/>
+          </a:fontRef>
+        </p:style>
+        <p:txBody>
+          <a:bodyPr rtlCol="0" anchor="ctr"/>
+          <a:lstStyle/>
+          <a:p>
+            <a:pPr algn="ctr"/>
+            <a:endParaRPr lang="ko-KR" altLang="en-US"/>
+          </a:p>
+        </p:txBody>
+      </p:sp>
+      <p:sp>
+        <p:nvSpPr>
+          <p:cNvPr id="8" name="직사각형 7">
+            <a:extLst>
+              <a:ext uri="{FF2B5EF4-FFF2-40B4-BE49-F238E27FC236}">
+                <a16:creationId xmlns:a16="http://schemas.microsoft.com/office/drawing/2014/main" id="{6621FB33-DD25-4241-A047-CCFBBC2B7D89}"/>
+              </a:ext>
+            </a:extLst>
+          </p:cNvPr>
+          <p:cNvSpPr/>
+          <p:nvPr/>
+        </p:nvSpPr>
+        <p:spPr>
+          <a:xfrm>
+            <a:off x="2908735" y="3651160"/>
+            <a:ext cx="576904" cy="128789"/>
+          </a:xfrm>
+          <a:prstGeom prst="rect">
+            <a:avLst/>
+          </a:prstGeom>
+          <a:solidFill>
+            <a:schemeClr val="bg1">
+              <a:lumMod val="75000"/>
+            </a:schemeClr>
+          </a:solidFill>
+          <a:ln>
+            <a:noFill/>
+          </a:ln>
+        </p:spPr>
+        <p:style>
+          <a:lnRef idx="2">
+            <a:schemeClr val="accent1">
+              <a:shade val="50000"/>
+            </a:schemeClr>
+          </a:lnRef>
+          <a:fillRef idx="1">
+            <a:schemeClr val="accent1"/>
+          </a:fillRef>
+          <a:effectRef idx="0">
+            <a:schemeClr val="accent1"/>
+          </a:effectRef>
+          <a:fontRef idx="minor">
+            <a:schemeClr val="lt1"/>
+          </a:fontRef>
+        </p:style>
+        <p:txBody>
+          <a:bodyPr rtlCol="0" anchor="ctr"/>
+          <a:lstStyle/>
+          <a:p>
+            <a:pPr algn="ctr"/>
+            <a:endParaRPr lang="ko-KR" altLang="en-US"/>
+          </a:p>
+        </p:txBody>
+      </p:sp>
+      <p:sp>
+        <p:nvSpPr>
+          <p:cNvPr id="9" name="직사각형 8">
+            <a:extLst>
+              <a:ext uri="{FF2B5EF4-FFF2-40B4-BE49-F238E27FC236}">
+                <a16:creationId xmlns:a16="http://schemas.microsoft.com/office/drawing/2014/main" id="{E8A3F75D-01BE-4425-ADEB-56277E6F71E0}"/>
+              </a:ext>
+            </a:extLst>
+          </p:cNvPr>
+          <p:cNvSpPr/>
+          <p:nvPr/>
+        </p:nvSpPr>
+        <p:spPr>
+          <a:xfrm>
+            <a:off x="2908735" y="4112022"/>
+            <a:ext cx="576904" cy="128789"/>
+          </a:xfrm>
+          <a:prstGeom prst="rect">
+            <a:avLst/>
+          </a:prstGeom>
+          <a:solidFill>
+            <a:schemeClr val="bg1">
+              <a:lumMod val="75000"/>
+            </a:schemeClr>
+          </a:solidFill>
+          <a:ln>
+            <a:noFill/>
+          </a:ln>
+        </p:spPr>
+        <p:style>
+          <a:lnRef idx="2">
+            <a:schemeClr val="accent1">
+              <a:shade val="50000"/>
+            </a:schemeClr>
+          </a:lnRef>
+          <a:fillRef idx="1">
+            <a:schemeClr val="accent1"/>
+          </a:fillRef>
+          <a:effectRef idx="0">
+            <a:schemeClr val="accent1"/>
+          </a:effectRef>
+          <a:fontRef idx="minor">
+            <a:schemeClr val="lt1"/>
+          </a:fontRef>
+        </p:style>
+        <p:txBody>
+          <a:bodyPr rtlCol="0" anchor="ctr"/>
+          <a:lstStyle/>
+          <a:p>
+            <a:pPr algn="ctr"/>
+            <a:endParaRPr lang="ko-KR" altLang="en-US"/>
+          </a:p>
+        </p:txBody>
+      </p:sp>
+      <p:sp>
+        <p:nvSpPr>
+          <p:cNvPr id="10" name="직사각형 9">
+            <a:extLst>
+              <a:ext uri="{FF2B5EF4-FFF2-40B4-BE49-F238E27FC236}">
+                <a16:creationId xmlns:a16="http://schemas.microsoft.com/office/drawing/2014/main" id="{5F45C269-1697-4FD3-8ACE-C0635D4667EA}"/>
+              </a:ext>
+            </a:extLst>
+          </p:cNvPr>
+          <p:cNvSpPr/>
+          <p:nvPr/>
+        </p:nvSpPr>
+        <p:spPr>
+          <a:xfrm>
+            <a:off x="2908735" y="3243003"/>
+            <a:ext cx="2470985" cy="273888"/>
+          </a:xfrm>
+          <a:prstGeom prst="rect">
+            <a:avLst/>
+          </a:prstGeom>
+          <a:noFill/>
+          <a:ln w="38100">
+            <a:solidFill>
+              <a:srgbClr val="FF0000"/>
+            </a:solidFill>
+          </a:ln>
+        </p:spPr>
+        <p:style>
+          <a:lnRef idx="2">
+            <a:schemeClr val="accent1">
+              <a:shade val="50000"/>
+            </a:schemeClr>
+          </a:lnRef>
+          <a:fillRef idx="1">
+            <a:schemeClr val="accent1"/>
+          </a:fillRef>
+          <a:effectRef idx="0">
+            <a:schemeClr val="accent1"/>
+          </a:effectRef>
+          <a:fontRef idx="minor">
+            <a:schemeClr val="lt1"/>
+          </a:fontRef>
+        </p:style>
+        <p:txBody>
+          <a:bodyPr rtlCol="0" anchor="ctr"/>
+          <a:lstStyle/>
+          <a:p>
+            <a:pPr algn="ctr"/>
+            <a:endParaRPr lang="ko-KR" altLang="en-US"/>
+          </a:p>
+        </p:txBody>
+      </p:sp>
+      <p:sp>
+        <p:nvSpPr>
+          <p:cNvPr id="12" name="TextBox 11">
+            <a:extLst>
+              <a:ext uri="{FF2B5EF4-FFF2-40B4-BE49-F238E27FC236}">
+                <a16:creationId xmlns:a16="http://schemas.microsoft.com/office/drawing/2014/main" id="{6B7F5C8C-8CFB-4BF8-8135-DD9B7B247AE5}"/>
+              </a:ext>
+            </a:extLst>
+          </p:cNvPr>
+          <p:cNvSpPr txBox="1"/>
+          <p:nvPr/>
+        </p:nvSpPr>
+        <p:spPr>
+          <a:xfrm>
+            <a:off x="3665220" y="2775931"/>
+            <a:ext cx="289560" cy="338554"/>
+          </a:xfrm>
+          <a:prstGeom prst="rect">
+            <a:avLst/>
+          </a:prstGeom>
+          <a:noFill/>
+        </p:spPr>
+        <p:txBody>
+          <a:bodyPr wrap="square" rtlCol="0">
+            <a:spAutoFit/>
+          </a:bodyPr>
+          <a:lstStyle/>
+          <a:p>
+            <a:pPr algn="ctr"/>
+            <a:r>
+              <a:rPr lang="ko-KR" altLang="en-US" sz="1600" b="1" dirty="0">
+                <a:solidFill>
+                  <a:srgbClr val="FF0000"/>
+                </a:solidFill>
+              </a:rPr>
+              <a:t>①</a:t>
+            </a:r>
+          </a:p>
+        </p:txBody>
+      </p:sp>
+      <p:sp>
+        <p:nvSpPr>
+          <p:cNvPr id="14" name="TextBox 13">
+            <a:extLst>
+              <a:ext uri="{FF2B5EF4-FFF2-40B4-BE49-F238E27FC236}">
+                <a16:creationId xmlns:a16="http://schemas.microsoft.com/office/drawing/2014/main" id="{CFE74844-EF51-4E25-B4DB-BD360266C861}"/>
+              </a:ext>
+            </a:extLst>
+          </p:cNvPr>
+          <p:cNvSpPr txBox="1"/>
+          <p:nvPr/>
+        </p:nvSpPr>
+        <p:spPr>
+          <a:xfrm>
+            <a:off x="5379720" y="3243003"/>
+            <a:ext cx="289560" cy="338554"/>
+          </a:xfrm>
+          <a:prstGeom prst="rect">
+            <a:avLst/>
+          </a:prstGeom>
+          <a:noFill/>
+        </p:spPr>
+        <p:txBody>
+          <a:bodyPr wrap="square" rtlCol="0">
+            <a:spAutoFit/>
+          </a:bodyPr>
+          <a:lstStyle/>
+          <a:p>
+            <a:pPr algn="ctr"/>
+            <a:r>
+              <a:rPr lang="ko-KR" altLang="en-US" sz="1600" b="1" dirty="0">
+                <a:solidFill>
+                  <a:srgbClr val="FF0000"/>
+                </a:solidFill>
+              </a:rPr>
+              <a:t>②</a:t>
+            </a:r>
+          </a:p>
+        </p:txBody>
+      </p:sp>
+      <p:sp>
+        <p:nvSpPr>
+          <p:cNvPr id="15" name="직사각형 14">
+            <a:extLst>
+              <a:ext uri="{FF2B5EF4-FFF2-40B4-BE49-F238E27FC236}">
+                <a16:creationId xmlns:a16="http://schemas.microsoft.com/office/drawing/2014/main" id="{2F3F97FE-C3E8-42D3-926C-5B3D5C0A23FC}"/>
+              </a:ext>
+            </a:extLst>
+          </p:cNvPr>
+          <p:cNvSpPr/>
+          <p:nvPr/>
+        </p:nvSpPr>
+        <p:spPr>
+          <a:xfrm>
+            <a:off x="2908735" y="4525059"/>
+            <a:ext cx="576904" cy="128789"/>
+          </a:xfrm>
+          <a:prstGeom prst="rect">
+            <a:avLst/>
+          </a:prstGeom>
+          <a:solidFill>
+            <a:schemeClr val="bg1">
+              <a:lumMod val="75000"/>
+            </a:schemeClr>
+          </a:solidFill>
+          <a:ln>
+            <a:noFill/>
+          </a:ln>
+        </p:spPr>
+        <p:style>
+          <a:lnRef idx="2">
+            <a:schemeClr val="accent1">
+              <a:shade val="50000"/>
+            </a:schemeClr>
+          </a:lnRef>
+          <a:fillRef idx="1">
+            <a:schemeClr val="accent1"/>
+          </a:fillRef>
+          <a:effectRef idx="0">
+            <a:schemeClr val="accent1"/>
+          </a:effectRef>
+          <a:fontRef idx="minor">
+            <a:schemeClr val="lt1"/>
+          </a:fontRef>
+        </p:style>
+        <p:txBody>
+          <a:bodyPr rtlCol="0" anchor="ctr"/>
+          <a:lstStyle/>
+          <a:p>
+            <a:pPr algn="ctr"/>
+            <a:endParaRPr lang="ko-KR" altLang="en-US"/>
+          </a:p>
+        </p:txBody>
+      </p:sp>
+      <p:sp>
+        <p:nvSpPr>
+          <p:cNvPr id="16" name="직사각형 15">
+            <a:extLst>
+              <a:ext uri="{FF2B5EF4-FFF2-40B4-BE49-F238E27FC236}">
+                <a16:creationId xmlns:a16="http://schemas.microsoft.com/office/drawing/2014/main" id="{A0F01E46-8E00-4D9D-B708-8BFD6A8B003C}"/>
+              </a:ext>
+            </a:extLst>
+          </p:cNvPr>
+          <p:cNvSpPr/>
+          <p:nvPr/>
+        </p:nvSpPr>
+        <p:spPr>
+          <a:xfrm>
+            <a:off x="2908735" y="5154852"/>
+            <a:ext cx="576904" cy="128789"/>
+          </a:xfrm>
+          <a:prstGeom prst="rect">
+            <a:avLst/>
+          </a:prstGeom>
+          <a:solidFill>
+            <a:schemeClr val="bg1">
+              <a:lumMod val="75000"/>
+            </a:schemeClr>
+          </a:solidFill>
+          <a:ln>
+            <a:noFill/>
+          </a:ln>
+        </p:spPr>
+        <p:style>
+          <a:lnRef idx="2">
+            <a:schemeClr val="accent1">
+              <a:shade val="50000"/>
+            </a:schemeClr>
+          </a:lnRef>
+          <a:fillRef idx="1">
+            <a:schemeClr val="accent1"/>
+          </a:fillRef>
+          <a:effectRef idx="0">
+            <a:schemeClr val="accent1"/>
+          </a:effectRef>
+          <a:fontRef idx="minor">
+            <a:schemeClr val="lt1"/>
+          </a:fontRef>
+        </p:style>
+        <p:txBody>
+          <a:bodyPr rtlCol="0" anchor="ctr"/>
+          <a:lstStyle/>
+          <a:p>
+            <a:pPr algn="ctr"/>
+            <a:endParaRPr lang="ko-KR" altLang="en-US"/>
+          </a:p>
+        </p:txBody>
+      </p:sp>
+    </p:spTree>
+    <p:extLst>
+      <p:ext uri="{BB962C8B-B14F-4D97-AF65-F5344CB8AC3E}">
+        <p14:creationId xmlns:p14="http://schemas.microsoft.com/office/powerpoint/2010/main" val="4132846747"/>
+      </p:ext>
+    </p:extLst>
+  </p:cSld>
+  <p:clrMapOvr>
+    <a:masterClrMapping/>
+  </p:clrMapOvr>
+</p:sld>
+</file>
+
+<file path=ppt/slides/slide35.xml><?xml version="1.0" encoding="utf-8"?>
+<p:sld xmlns:a="http://schemas.openxmlformats.org/drawingml/2006/main" xmlns:r="http://schemas.openxmlformats.org/officeDocument/2006/relationships" xmlns:p="http://schemas.openxmlformats.org/presentationml/2006/main">
+  <p:cSld>
+    <p:spTree>
+      <p:nvGrpSpPr>
+        <p:cNvPr id="1" name=""/>
+        <p:cNvGrpSpPr/>
+        <p:nvPr/>
+      </p:nvGrpSpPr>
+      <p:grpSpPr>
+        <a:xfrm>
+          <a:off x="0" y="0"/>
+          <a:ext cx="0" cy="0"/>
+          <a:chOff x="0" y="0"/>
+          <a:chExt cx="0" cy="0"/>
+        </a:xfrm>
+      </p:grpSpPr>
+      <p:pic>
+        <p:nvPicPr>
+          <p:cNvPr id="3" name="그림 2">
+            <a:extLst>
+              <a:ext uri="{FF2B5EF4-FFF2-40B4-BE49-F238E27FC236}">
+                <a16:creationId xmlns:a16="http://schemas.microsoft.com/office/drawing/2014/main" id="{76198532-5756-40A0-9956-1227AF924830}"/>
+              </a:ext>
+            </a:extLst>
+          </p:cNvPr>
+          <p:cNvPicPr>
+            <a:picLocks noChangeAspect="1"/>
+          </p:cNvPicPr>
+          <p:nvPr/>
+        </p:nvPicPr>
+        <p:blipFill>
+          <a:blip r:embed="rId2"/>
+          <a:stretch>
+            <a:fillRect/>
+          </a:stretch>
+        </p:blipFill>
+        <p:spPr>
+          <a:xfrm>
+            <a:off x="2908735" y="2657367"/>
+            <a:ext cx="4525006" cy="1543265"/>
+          </a:xfrm>
+          <a:prstGeom prst="rect">
+            <a:avLst/>
+          </a:prstGeom>
+        </p:spPr>
+      </p:pic>
+      <p:sp>
+        <p:nvSpPr>
+          <p:cNvPr id="11" name="직사각형 10">
+            <a:extLst>
+              <a:ext uri="{FF2B5EF4-FFF2-40B4-BE49-F238E27FC236}">
+                <a16:creationId xmlns:a16="http://schemas.microsoft.com/office/drawing/2014/main" id="{9DF968F5-A8FD-4327-A0E2-249EB01503AD}"/>
+              </a:ext>
+            </a:extLst>
+          </p:cNvPr>
+          <p:cNvSpPr/>
+          <p:nvPr/>
+        </p:nvSpPr>
+        <p:spPr>
+          <a:xfrm>
+            <a:off x="2908735" y="2711537"/>
+            <a:ext cx="576904" cy="128789"/>
+          </a:xfrm>
+          <a:prstGeom prst="rect">
+            <a:avLst/>
+          </a:prstGeom>
+          <a:solidFill>
+            <a:schemeClr val="bg1">
+              <a:lumMod val="75000"/>
+            </a:schemeClr>
+          </a:solidFill>
+          <a:ln>
+            <a:noFill/>
+          </a:ln>
+        </p:spPr>
+        <p:style>
+          <a:lnRef idx="2">
+            <a:schemeClr val="accent1">
+              <a:shade val="50000"/>
+            </a:schemeClr>
+          </a:lnRef>
+          <a:fillRef idx="1">
+            <a:schemeClr val="accent1"/>
+          </a:fillRef>
+          <a:effectRef idx="0">
+            <a:schemeClr val="accent1"/>
+          </a:effectRef>
+          <a:fontRef idx="minor">
+            <a:schemeClr val="lt1"/>
+          </a:fontRef>
+        </p:style>
+        <p:txBody>
+          <a:bodyPr rtlCol="0" anchor="ctr"/>
+          <a:lstStyle/>
+          <a:p>
+            <a:pPr algn="ctr"/>
+            <a:endParaRPr lang="ko-KR" altLang="en-US"/>
+          </a:p>
+        </p:txBody>
+      </p:sp>
+      <p:sp>
+        <p:nvSpPr>
+          <p:cNvPr id="7" name="직사각형 6">
+            <a:extLst>
+              <a:ext uri="{FF2B5EF4-FFF2-40B4-BE49-F238E27FC236}">
+                <a16:creationId xmlns:a16="http://schemas.microsoft.com/office/drawing/2014/main" id="{FC1368B5-85F7-409E-B7B8-905FFC43A148}"/>
+              </a:ext>
+            </a:extLst>
+          </p:cNvPr>
+          <p:cNvSpPr/>
+          <p:nvPr/>
+        </p:nvSpPr>
+        <p:spPr>
+          <a:xfrm>
+            <a:off x="2908735" y="3213274"/>
+            <a:ext cx="576904" cy="128789"/>
+          </a:xfrm>
+          <a:prstGeom prst="rect">
+            <a:avLst/>
+          </a:prstGeom>
+          <a:solidFill>
+            <a:schemeClr val="bg1">
+              <a:lumMod val="75000"/>
+            </a:schemeClr>
+          </a:solidFill>
+          <a:ln>
+            <a:noFill/>
+          </a:ln>
+        </p:spPr>
+        <p:style>
+          <a:lnRef idx="2">
+            <a:schemeClr val="accent1">
+              <a:shade val="50000"/>
+            </a:schemeClr>
+          </a:lnRef>
+          <a:fillRef idx="1">
+            <a:schemeClr val="accent1"/>
+          </a:fillRef>
+          <a:effectRef idx="0">
+            <a:schemeClr val="accent1"/>
+          </a:effectRef>
+          <a:fontRef idx="minor">
+            <a:schemeClr val="lt1"/>
+          </a:fontRef>
+        </p:style>
+        <p:txBody>
+          <a:bodyPr rtlCol="0" anchor="ctr"/>
+          <a:lstStyle/>
+          <a:p>
+            <a:pPr algn="ctr"/>
+            <a:endParaRPr lang="ko-KR" altLang="en-US"/>
+          </a:p>
+        </p:txBody>
+      </p:sp>
+      <p:sp>
+        <p:nvSpPr>
+          <p:cNvPr id="8" name="직사각형 7">
+            <a:extLst>
+              <a:ext uri="{FF2B5EF4-FFF2-40B4-BE49-F238E27FC236}">
+                <a16:creationId xmlns:a16="http://schemas.microsoft.com/office/drawing/2014/main" id="{6621FB33-DD25-4241-A047-CCFBBC2B7D89}"/>
+              </a:ext>
+            </a:extLst>
+          </p:cNvPr>
+          <p:cNvSpPr/>
+          <p:nvPr/>
+        </p:nvSpPr>
+        <p:spPr>
+          <a:xfrm>
+            <a:off x="2908735" y="3651160"/>
+            <a:ext cx="576904" cy="128789"/>
+          </a:xfrm>
+          <a:prstGeom prst="rect">
+            <a:avLst/>
+          </a:prstGeom>
+          <a:solidFill>
+            <a:schemeClr val="bg1">
+              <a:lumMod val="75000"/>
+            </a:schemeClr>
+          </a:solidFill>
+          <a:ln>
+            <a:noFill/>
+          </a:ln>
+        </p:spPr>
+        <p:style>
+          <a:lnRef idx="2">
+            <a:schemeClr val="accent1">
+              <a:shade val="50000"/>
+            </a:schemeClr>
+          </a:lnRef>
+          <a:fillRef idx="1">
+            <a:schemeClr val="accent1"/>
+          </a:fillRef>
+          <a:effectRef idx="0">
+            <a:schemeClr val="accent1"/>
+          </a:effectRef>
+          <a:fontRef idx="minor">
+            <a:schemeClr val="lt1"/>
+          </a:fontRef>
+        </p:style>
+        <p:txBody>
+          <a:bodyPr rtlCol="0" anchor="ctr"/>
+          <a:lstStyle/>
+          <a:p>
+            <a:pPr algn="ctr"/>
+            <a:endParaRPr lang="ko-KR" altLang="en-US"/>
+          </a:p>
+        </p:txBody>
+      </p:sp>
+      <p:sp>
+        <p:nvSpPr>
+          <p:cNvPr id="10" name="직사각형 9">
+            <a:extLst>
+              <a:ext uri="{FF2B5EF4-FFF2-40B4-BE49-F238E27FC236}">
+                <a16:creationId xmlns:a16="http://schemas.microsoft.com/office/drawing/2014/main" id="{5F45C269-1697-4FD3-8ACE-C0635D4667EA}"/>
+              </a:ext>
+            </a:extLst>
+          </p:cNvPr>
+          <p:cNvSpPr/>
+          <p:nvPr/>
+        </p:nvSpPr>
+        <p:spPr>
+          <a:xfrm>
+            <a:off x="2908735" y="3757274"/>
+            <a:ext cx="977465" cy="443357"/>
+          </a:xfrm>
+          <a:prstGeom prst="rect">
+            <a:avLst/>
+          </a:prstGeom>
+          <a:noFill/>
+          <a:ln w="38100">
+            <a:solidFill>
+              <a:srgbClr val="FF0000"/>
+            </a:solidFill>
+          </a:ln>
+        </p:spPr>
+        <p:style>
+          <a:lnRef idx="2">
+            <a:schemeClr val="accent1">
+              <a:shade val="50000"/>
+            </a:schemeClr>
+          </a:lnRef>
+          <a:fillRef idx="1">
+            <a:schemeClr val="accent1"/>
+          </a:fillRef>
+          <a:effectRef idx="0">
+            <a:schemeClr val="accent1"/>
+          </a:effectRef>
+          <a:fontRef idx="minor">
+            <a:schemeClr val="lt1"/>
+          </a:fontRef>
+        </p:style>
+        <p:txBody>
+          <a:bodyPr rtlCol="0" anchor="ctr"/>
+          <a:lstStyle/>
+          <a:p>
+            <a:pPr algn="ctr"/>
+            <a:endParaRPr lang="ko-KR" altLang="en-US"/>
+          </a:p>
+        </p:txBody>
+      </p:sp>
+      <p:sp>
+        <p:nvSpPr>
+          <p:cNvPr id="12" name="TextBox 11">
+            <a:extLst>
+              <a:ext uri="{FF2B5EF4-FFF2-40B4-BE49-F238E27FC236}">
+                <a16:creationId xmlns:a16="http://schemas.microsoft.com/office/drawing/2014/main" id="{6B7F5C8C-8CFB-4BF8-8135-DD9B7B247AE5}"/>
+              </a:ext>
+            </a:extLst>
+          </p:cNvPr>
+          <p:cNvSpPr txBox="1"/>
+          <p:nvPr/>
+        </p:nvSpPr>
+        <p:spPr>
+          <a:xfrm>
+            <a:off x="4046220" y="2798241"/>
+            <a:ext cx="289560" cy="338554"/>
+          </a:xfrm>
+          <a:prstGeom prst="rect">
+            <a:avLst/>
+          </a:prstGeom>
+          <a:noFill/>
+        </p:spPr>
+        <p:txBody>
+          <a:bodyPr wrap="square" rtlCol="0">
+            <a:spAutoFit/>
+          </a:bodyPr>
+          <a:lstStyle/>
+          <a:p>
+            <a:pPr algn="ctr"/>
+            <a:r>
+              <a:rPr lang="ko-KR" altLang="en-US" sz="1600" b="1" dirty="0">
+                <a:solidFill>
+                  <a:srgbClr val="FF0000"/>
+                </a:solidFill>
+              </a:rPr>
+              <a:t>①</a:t>
+            </a:r>
+          </a:p>
+        </p:txBody>
+      </p:sp>
+      <p:sp>
+        <p:nvSpPr>
+          <p:cNvPr id="14" name="TextBox 13">
+            <a:extLst>
+              <a:ext uri="{FF2B5EF4-FFF2-40B4-BE49-F238E27FC236}">
+                <a16:creationId xmlns:a16="http://schemas.microsoft.com/office/drawing/2014/main" id="{CFE74844-EF51-4E25-B4DB-BD360266C861}"/>
+              </a:ext>
+            </a:extLst>
+          </p:cNvPr>
+          <p:cNvSpPr txBox="1"/>
+          <p:nvPr/>
+        </p:nvSpPr>
+        <p:spPr>
+          <a:xfrm>
+            <a:off x="4046220" y="3277668"/>
+            <a:ext cx="289560" cy="338554"/>
+          </a:xfrm>
+          <a:prstGeom prst="rect">
+            <a:avLst/>
+          </a:prstGeom>
+          <a:noFill/>
+        </p:spPr>
+        <p:txBody>
+          <a:bodyPr wrap="square" rtlCol="0">
+            <a:spAutoFit/>
+          </a:bodyPr>
+          <a:lstStyle/>
+          <a:p>
+            <a:pPr algn="ctr"/>
+            <a:r>
+              <a:rPr lang="ko-KR" altLang="en-US" sz="1600" b="1" dirty="0">
+                <a:solidFill>
+                  <a:srgbClr val="FF0000"/>
+                </a:solidFill>
+              </a:rPr>
+              <a:t>②</a:t>
+            </a:r>
+          </a:p>
+        </p:txBody>
+      </p:sp>
+      <p:sp>
+        <p:nvSpPr>
+          <p:cNvPr id="17" name="TextBox 16">
+            <a:extLst>
+              <a:ext uri="{FF2B5EF4-FFF2-40B4-BE49-F238E27FC236}">
+                <a16:creationId xmlns:a16="http://schemas.microsoft.com/office/drawing/2014/main" id="{1E8EB34A-2025-40CF-A261-C4EC349C7345}"/>
+              </a:ext>
+            </a:extLst>
+          </p:cNvPr>
+          <p:cNvSpPr txBox="1"/>
+          <p:nvPr/>
+        </p:nvSpPr>
+        <p:spPr>
+          <a:xfrm>
+            <a:off x="4046220" y="3775034"/>
+            <a:ext cx="289560" cy="338554"/>
+          </a:xfrm>
+          <a:prstGeom prst="rect">
+            <a:avLst/>
+          </a:prstGeom>
+          <a:noFill/>
+        </p:spPr>
+        <p:txBody>
+          <a:bodyPr wrap="square" rtlCol="0">
+            <a:spAutoFit/>
+          </a:bodyPr>
+          <a:lstStyle/>
+          <a:p>
+            <a:pPr algn="ctr"/>
+            <a:r>
+              <a:rPr lang="ko-KR" altLang="en-US" sz="1600" b="1" dirty="0">
+                <a:solidFill>
+                  <a:srgbClr val="FF0000"/>
+                </a:solidFill>
+              </a:rPr>
+              <a:t>③</a:t>
+            </a:r>
+          </a:p>
+        </p:txBody>
+      </p:sp>
+    </p:spTree>
+    <p:extLst>
+      <p:ext uri="{BB962C8B-B14F-4D97-AF65-F5344CB8AC3E}">
+        <p14:creationId xmlns:p14="http://schemas.microsoft.com/office/powerpoint/2010/main" val="125821783"/>
+      </p:ext>
+    </p:extLst>
+  </p:cSld>
+  <p:clrMapOvr>
+    <a:masterClrMapping/>
+  </p:clrMapOvr>
+</p:sld>
+</file>
+
+<file path=ppt/slides/slide36.xml><?xml version="1.0" encoding="utf-8"?>
+<p:sld xmlns:a="http://schemas.openxmlformats.org/drawingml/2006/main" xmlns:r="http://schemas.openxmlformats.org/officeDocument/2006/relationships" xmlns:p="http://schemas.openxmlformats.org/presentationml/2006/main">
+  <p:cSld>
+    <p:spTree>
+      <p:nvGrpSpPr>
+        <p:cNvPr id="1" name=""/>
+        <p:cNvGrpSpPr/>
+        <p:nvPr/>
+      </p:nvGrpSpPr>
+      <p:grpSpPr>
+        <a:xfrm>
+          <a:off x="0" y="0"/>
+          <a:ext cx="0" cy="0"/>
+          <a:chOff x="0" y="0"/>
+          <a:chExt cx="0" cy="0"/>
+        </a:xfrm>
+      </p:grpSpPr>
+      <p:grpSp>
+        <p:nvGrpSpPr>
+          <p:cNvPr id="6" name="그룹 5">
+            <a:extLst>
+              <a:ext uri="{FF2B5EF4-FFF2-40B4-BE49-F238E27FC236}">
+                <a16:creationId xmlns:a16="http://schemas.microsoft.com/office/drawing/2014/main" id="{FDABD448-6304-43CC-A6DB-A4F0D5EC05D9}"/>
+              </a:ext>
+            </a:extLst>
+          </p:cNvPr>
+          <p:cNvGrpSpPr/>
+          <p:nvPr/>
+        </p:nvGrpSpPr>
+        <p:grpSpPr>
+          <a:xfrm>
+            <a:off x="1463828" y="3255275"/>
+            <a:ext cx="4632172" cy="1238435"/>
+            <a:chOff x="1514475" y="2190565"/>
+            <a:chExt cx="4632172" cy="1238435"/>
+          </a:xfrm>
+        </p:grpSpPr>
+        <p:grpSp>
+          <p:nvGrpSpPr>
+            <p:cNvPr id="7" name="그룹 6">
+              <a:extLst>
+                <a:ext uri="{FF2B5EF4-FFF2-40B4-BE49-F238E27FC236}">
+                  <a16:creationId xmlns:a16="http://schemas.microsoft.com/office/drawing/2014/main" id="{08CA45A4-D6DA-4FFA-8C48-16D4264A1B06}"/>
+                </a:ext>
+              </a:extLst>
+            </p:cNvPr>
+            <p:cNvGrpSpPr/>
+            <p:nvPr/>
+          </p:nvGrpSpPr>
+          <p:grpSpPr>
+            <a:xfrm>
+              <a:off x="3026003" y="2251788"/>
+              <a:ext cx="996798" cy="1177212"/>
+              <a:chOff x="1400403" y="4127499"/>
+              <a:chExt cx="996798" cy="1177212"/>
+            </a:xfrm>
+          </p:grpSpPr>
+          <p:pic>
+            <p:nvPicPr>
+              <p:cNvPr id="3" name="그림 2">
+                <a:extLst>
+                  <a:ext uri="{FF2B5EF4-FFF2-40B4-BE49-F238E27FC236}">
+                    <a16:creationId xmlns:a16="http://schemas.microsoft.com/office/drawing/2014/main" id="{9A4CE93E-B10B-4A3A-9E47-EDBCE782B5EB}"/>
+                  </a:ext>
+                </a:extLst>
+              </p:cNvPr>
+              <p:cNvPicPr>
+                <a:picLocks noChangeAspect="1"/>
+              </p:cNvPicPr>
+              <p:nvPr/>
+            </p:nvPicPr>
+            <p:blipFill>
+              <a:blip r:embed="rId2">
+                <a:extLst>
+                  <a:ext uri="{28A0092B-C50C-407E-A947-70E740481C1C}">
+                    <a14:useLocalDpi xmlns:a14="http://schemas.microsoft.com/office/drawing/2010/main" val="0"/>
+                  </a:ext>
+                </a:extLst>
+              </a:blip>
+              <a:stretch>
+                <a:fillRect/>
+              </a:stretch>
+            </p:blipFill>
+            <p:spPr>
+              <a:xfrm>
+                <a:off x="1549705" y="4127499"/>
+                <a:ext cx="698195" cy="698195"/>
+              </a:xfrm>
+              <a:prstGeom prst="rect">
+                <a:avLst/>
+              </a:prstGeom>
+            </p:spPr>
+          </p:pic>
+          <p:sp>
+            <p:nvSpPr>
+              <p:cNvPr id="4" name="TextBox 3">
+                <a:extLst>
+                  <a:ext uri="{FF2B5EF4-FFF2-40B4-BE49-F238E27FC236}">
+                    <a16:creationId xmlns:a16="http://schemas.microsoft.com/office/drawing/2014/main" id="{7C20D63D-521C-498B-9FD2-1FA384A89DF2}"/>
+                  </a:ext>
+                </a:extLst>
+              </p:cNvPr>
+              <p:cNvSpPr txBox="1"/>
+              <p:nvPr/>
+            </p:nvSpPr>
+            <p:spPr>
+              <a:xfrm>
+                <a:off x="1400403" y="4996934"/>
+                <a:ext cx="996798" cy="307777"/>
+              </a:xfrm>
+              <a:prstGeom prst="rect">
+                <a:avLst/>
+              </a:prstGeom>
+              <a:noFill/>
+            </p:spPr>
+            <p:txBody>
+              <a:bodyPr wrap="square" rtlCol="0">
+                <a:spAutoFit/>
+              </a:bodyPr>
+              <a:lstStyle/>
+              <a:p>
+                <a:pPr algn="ctr"/>
+                <a:r>
+                  <a:rPr lang="en-US" altLang="ko-KR" sz="1400" dirty="0">
+                    <a:latin typeface="AppleSDGothicNeoM00" panose="02000503000000000000" pitchFamily="2" charset="-127"/>
+                    <a:ea typeface="AppleSDGothicNeoM00" panose="02000503000000000000" pitchFamily="2" charset="-127"/>
+                  </a:rPr>
+                  <a:t>f1.txt</a:t>
+                </a:r>
+                <a:endParaRPr lang="ko-KR" altLang="en-US" sz="1400" dirty="0">
+                  <a:latin typeface="AppleSDGothicNeoM00" panose="02000503000000000000" pitchFamily="2" charset="-127"/>
+                  <a:ea typeface="AppleSDGothicNeoM00" panose="02000503000000000000" pitchFamily="2" charset="-127"/>
+                </a:endParaRPr>
+              </a:p>
+            </p:txBody>
+          </p:sp>
+        </p:grpSp>
+        <p:sp>
+          <p:nvSpPr>
+            <p:cNvPr id="2" name="직사각형 1">
+              <a:extLst>
+                <a:ext uri="{FF2B5EF4-FFF2-40B4-BE49-F238E27FC236}">
+                  <a16:creationId xmlns:a16="http://schemas.microsoft.com/office/drawing/2014/main" id="{9E1F216E-6AED-4CEE-B740-0B2EC489E1EC}"/>
+                </a:ext>
+              </a:extLst>
+            </p:cNvPr>
+            <p:cNvSpPr/>
+            <p:nvPr/>
+          </p:nvSpPr>
+          <p:spPr>
+            <a:xfrm>
+              <a:off x="4022801" y="2190565"/>
+              <a:ext cx="2123846" cy="820639"/>
+            </a:xfrm>
+            <a:prstGeom prst="rect">
+              <a:avLst/>
+            </a:prstGeom>
+            <a:solidFill>
+              <a:schemeClr val="bg1">
+                <a:lumMod val="85000"/>
+              </a:schemeClr>
+            </a:solidFill>
+            <a:ln>
+              <a:noFill/>
+            </a:ln>
+          </p:spPr>
+          <p:style>
+            <a:lnRef idx="2">
+              <a:schemeClr val="accent1">
+                <a:shade val="50000"/>
+              </a:schemeClr>
+            </a:lnRef>
+            <a:fillRef idx="1">
+              <a:schemeClr val="accent1"/>
+            </a:fillRef>
+            <a:effectRef idx="0">
+              <a:schemeClr val="accent1"/>
+            </a:effectRef>
+            <a:fontRef idx="minor">
+              <a:schemeClr val="lt1"/>
+            </a:fontRef>
+          </p:style>
+          <p:txBody>
+            <a:bodyPr rtlCol="0" anchor="ctr"/>
+            <a:lstStyle/>
+            <a:p>
+              <a:pPr algn="ctr"/>
+              <a:r>
+                <a:rPr lang="en-US" altLang="ko-KR" dirty="0">
+                  <a:solidFill>
+                    <a:schemeClr val="tx1"/>
+                  </a:solidFill>
+                </a:rPr>
+                <a:t>a</a:t>
+              </a:r>
+              <a:endParaRPr lang="ko-KR" altLang="en-US" dirty="0">
+                <a:solidFill>
+                  <a:schemeClr val="tx1"/>
+                </a:solidFill>
+              </a:endParaRPr>
+            </a:p>
+          </p:txBody>
+        </p:sp>
+        <p:sp>
+          <p:nvSpPr>
+            <p:cNvPr id="5" name="TextBox 4">
+              <a:extLst>
+                <a:ext uri="{FF2B5EF4-FFF2-40B4-BE49-F238E27FC236}">
+                  <a16:creationId xmlns:a16="http://schemas.microsoft.com/office/drawing/2014/main" id="{B2926FBE-7C75-4A81-AD28-4DCEC488B2C8}"/>
+                </a:ext>
+              </a:extLst>
+            </p:cNvPr>
+            <p:cNvSpPr txBox="1"/>
+            <p:nvPr/>
+          </p:nvSpPr>
+          <p:spPr>
+            <a:xfrm>
+              <a:off x="1514475" y="2457450"/>
+              <a:ext cx="1266825" cy="369332"/>
+            </a:xfrm>
+            <a:prstGeom prst="rect">
+              <a:avLst/>
+            </a:prstGeom>
+            <a:noFill/>
+          </p:spPr>
+          <p:txBody>
+            <a:bodyPr wrap="square" rtlCol="0">
+              <a:spAutoFit/>
+            </a:bodyPr>
+            <a:lstStyle/>
+            <a:p>
+              <a:pPr algn="ctr"/>
+              <a:r>
+                <a:rPr lang="en-US" altLang="ko-KR" b="1" dirty="0">
+                  <a:latin typeface="AppleSDGothicNeoB00" panose="02000503000000000000" pitchFamily="2" charset="-127"/>
+                  <a:ea typeface="AppleSDGothicNeoB00" panose="02000503000000000000" pitchFamily="2" charset="-127"/>
+                </a:rPr>
+                <a:t>Commit 1</a:t>
+              </a:r>
+              <a:endParaRPr lang="ko-KR" altLang="en-US" b="1" dirty="0">
+                <a:latin typeface="AppleSDGothicNeoB00" panose="02000503000000000000" pitchFamily="2" charset="-127"/>
+                <a:ea typeface="AppleSDGothicNeoB00" panose="02000503000000000000" pitchFamily="2" charset="-127"/>
+              </a:endParaRPr>
+            </a:p>
+          </p:txBody>
+        </p:sp>
+      </p:grpSp>
+      <p:grpSp>
+        <p:nvGrpSpPr>
+          <p:cNvPr id="11" name="그룹 10">
+            <a:extLst>
+              <a:ext uri="{FF2B5EF4-FFF2-40B4-BE49-F238E27FC236}">
+                <a16:creationId xmlns:a16="http://schemas.microsoft.com/office/drawing/2014/main" id="{EE4FA759-2033-443E-9AA3-84FAAB400435}"/>
+              </a:ext>
+            </a:extLst>
+          </p:cNvPr>
+          <p:cNvGrpSpPr/>
+          <p:nvPr/>
+        </p:nvGrpSpPr>
+        <p:grpSpPr>
+          <a:xfrm>
+            <a:off x="1463827" y="1845599"/>
+            <a:ext cx="4632173" cy="1238436"/>
+            <a:chOff x="1514474" y="4117075"/>
+            <a:chExt cx="4632173" cy="1238436"/>
+          </a:xfrm>
+        </p:grpSpPr>
+        <p:grpSp>
+          <p:nvGrpSpPr>
+            <p:cNvPr id="8" name="그룹 7">
+              <a:extLst>
+                <a:ext uri="{FF2B5EF4-FFF2-40B4-BE49-F238E27FC236}">
+                  <a16:creationId xmlns:a16="http://schemas.microsoft.com/office/drawing/2014/main" id="{B998628B-6428-43CD-9AF7-38C0C21BE3C5}"/>
+                </a:ext>
+              </a:extLst>
+            </p:cNvPr>
+            <p:cNvGrpSpPr/>
+            <p:nvPr/>
+          </p:nvGrpSpPr>
+          <p:grpSpPr>
+            <a:xfrm>
+              <a:off x="3026003" y="4178299"/>
+              <a:ext cx="996798" cy="1177212"/>
+              <a:chOff x="1400403" y="4127499"/>
+              <a:chExt cx="996798" cy="1177212"/>
+            </a:xfrm>
+          </p:grpSpPr>
+          <p:pic>
+            <p:nvPicPr>
+              <p:cNvPr id="9" name="그림 8">
+                <a:extLst>
+                  <a:ext uri="{FF2B5EF4-FFF2-40B4-BE49-F238E27FC236}">
+                    <a16:creationId xmlns:a16="http://schemas.microsoft.com/office/drawing/2014/main" id="{EFDCFE6E-CE1F-4A3C-884B-E5C305EE327F}"/>
+                  </a:ext>
+                </a:extLst>
+              </p:cNvPr>
+              <p:cNvPicPr>
+                <a:picLocks noChangeAspect="1"/>
+              </p:cNvPicPr>
+              <p:nvPr/>
+            </p:nvPicPr>
+            <p:blipFill>
+              <a:blip r:embed="rId2">
+                <a:extLst>
+                  <a:ext uri="{28A0092B-C50C-407E-A947-70E740481C1C}">
+                    <a14:useLocalDpi xmlns:a14="http://schemas.microsoft.com/office/drawing/2010/main" val="0"/>
+                  </a:ext>
+                </a:extLst>
+              </a:blip>
+              <a:stretch>
+                <a:fillRect/>
+              </a:stretch>
+            </p:blipFill>
+            <p:spPr>
+              <a:xfrm>
+                <a:off x="1549705" y="4127499"/>
+                <a:ext cx="698195" cy="698195"/>
+              </a:xfrm>
+              <a:prstGeom prst="rect">
+                <a:avLst/>
+              </a:prstGeom>
+            </p:spPr>
+          </p:pic>
+          <p:sp>
+            <p:nvSpPr>
+              <p:cNvPr id="10" name="TextBox 9">
+                <a:extLst>
+                  <a:ext uri="{FF2B5EF4-FFF2-40B4-BE49-F238E27FC236}">
+                    <a16:creationId xmlns:a16="http://schemas.microsoft.com/office/drawing/2014/main" id="{BD5B45B1-5EFD-4EF3-A661-A7671274CA3F}"/>
+                  </a:ext>
+                </a:extLst>
+              </p:cNvPr>
+              <p:cNvSpPr txBox="1"/>
+              <p:nvPr/>
+            </p:nvSpPr>
+            <p:spPr>
+              <a:xfrm>
+                <a:off x="1400403" y="4996934"/>
+                <a:ext cx="996798" cy="307777"/>
+              </a:xfrm>
+              <a:prstGeom prst="rect">
+                <a:avLst/>
+              </a:prstGeom>
+              <a:noFill/>
+            </p:spPr>
+            <p:txBody>
+              <a:bodyPr wrap="square" rtlCol="0">
+                <a:spAutoFit/>
+              </a:bodyPr>
+              <a:lstStyle/>
+              <a:p>
+                <a:pPr algn="ctr"/>
+                <a:r>
+                  <a:rPr lang="en-US" altLang="ko-KR" sz="1400" dirty="0">
+                    <a:latin typeface="AppleSDGothicNeoM00" panose="02000503000000000000" pitchFamily="2" charset="-127"/>
+                    <a:ea typeface="AppleSDGothicNeoM00" panose="02000503000000000000" pitchFamily="2" charset="-127"/>
+                  </a:rPr>
+                  <a:t>f2.txt</a:t>
+                </a:r>
+                <a:endParaRPr lang="ko-KR" altLang="en-US" sz="1400" dirty="0">
+                  <a:latin typeface="AppleSDGothicNeoM00" panose="02000503000000000000" pitchFamily="2" charset="-127"/>
+                  <a:ea typeface="AppleSDGothicNeoM00" panose="02000503000000000000" pitchFamily="2" charset="-127"/>
+                </a:endParaRPr>
+              </a:p>
+            </p:txBody>
+          </p:sp>
+        </p:grpSp>
+        <p:sp>
+          <p:nvSpPr>
+            <p:cNvPr id="50" name="직사각형 49">
+              <a:extLst>
+                <a:ext uri="{FF2B5EF4-FFF2-40B4-BE49-F238E27FC236}">
+                  <a16:creationId xmlns:a16="http://schemas.microsoft.com/office/drawing/2014/main" id="{A1FE1584-2E7A-4F46-AE1A-EA950D62D869}"/>
+                </a:ext>
+              </a:extLst>
+            </p:cNvPr>
+            <p:cNvSpPr/>
+            <p:nvPr/>
+          </p:nvSpPr>
+          <p:spPr>
+            <a:xfrm>
+              <a:off x="4022801" y="4117075"/>
+              <a:ext cx="2123846" cy="820639"/>
+            </a:xfrm>
+            <a:prstGeom prst="rect">
+              <a:avLst/>
+            </a:prstGeom>
+            <a:solidFill>
+              <a:schemeClr val="bg1">
+                <a:lumMod val="85000"/>
+              </a:schemeClr>
+            </a:solidFill>
+            <a:ln>
+              <a:noFill/>
+            </a:ln>
+          </p:spPr>
+          <p:style>
+            <a:lnRef idx="2">
+              <a:schemeClr val="accent1">
+                <a:shade val="50000"/>
+              </a:schemeClr>
+            </a:lnRef>
+            <a:fillRef idx="1">
+              <a:schemeClr val="accent1"/>
+            </a:fillRef>
+            <a:effectRef idx="0">
+              <a:schemeClr val="accent1"/>
+            </a:effectRef>
+            <a:fontRef idx="minor">
+              <a:schemeClr val="lt1"/>
+            </a:fontRef>
+          </p:style>
+          <p:txBody>
+            <a:bodyPr rtlCol="0" anchor="ctr"/>
+            <a:lstStyle/>
+            <a:p>
+              <a:pPr algn="ctr"/>
+              <a:r>
+                <a:rPr lang="en-US" altLang="ko-KR" dirty="0">
+                  <a:solidFill>
+                    <a:schemeClr val="tx1"/>
+                  </a:solidFill>
+                </a:rPr>
+                <a:t>x</a:t>
+              </a:r>
+              <a:endParaRPr lang="ko-KR" altLang="en-US" dirty="0">
+                <a:solidFill>
+                  <a:schemeClr val="tx1"/>
+                </a:solidFill>
+              </a:endParaRPr>
+            </a:p>
+          </p:txBody>
+        </p:sp>
+        <p:sp>
+          <p:nvSpPr>
+            <p:cNvPr id="51" name="TextBox 50">
+              <a:extLst>
+                <a:ext uri="{FF2B5EF4-FFF2-40B4-BE49-F238E27FC236}">
+                  <a16:creationId xmlns:a16="http://schemas.microsoft.com/office/drawing/2014/main" id="{29E4FCDC-1D9B-4B8D-979B-9B2A2B980A21}"/>
+                </a:ext>
+              </a:extLst>
+            </p:cNvPr>
+            <p:cNvSpPr txBox="1"/>
+            <p:nvPr/>
+          </p:nvSpPr>
+          <p:spPr>
+            <a:xfrm>
+              <a:off x="1514474" y="4342728"/>
+              <a:ext cx="1266825" cy="369332"/>
+            </a:xfrm>
+            <a:prstGeom prst="rect">
+              <a:avLst/>
+            </a:prstGeom>
+            <a:noFill/>
+          </p:spPr>
+          <p:txBody>
+            <a:bodyPr wrap="square" rtlCol="0">
+              <a:spAutoFit/>
+            </a:bodyPr>
+            <a:lstStyle/>
+            <a:p>
+              <a:pPr algn="ctr"/>
+              <a:r>
+                <a:rPr lang="en-US" altLang="ko-KR" b="1" dirty="0">
+                  <a:latin typeface="AppleSDGothicNeoB00" panose="02000503000000000000" pitchFamily="2" charset="-127"/>
+                  <a:ea typeface="AppleSDGothicNeoB00" panose="02000503000000000000" pitchFamily="2" charset="-127"/>
+                </a:rPr>
+                <a:t>Commit 2</a:t>
+              </a:r>
+              <a:endParaRPr lang="ko-KR" altLang="en-US" b="1" dirty="0">
+                <a:latin typeface="AppleSDGothicNeoB00" panose="02000503000000000000" pitchFamily="2" charset="-127"/>
+                <a:ea typeface="AppleSDGothicNeoB00" panose="02000503000000000000" pitchFamily="2" charset="-127"/>
+              </a:endParaRPr>
+            </a:p>
+          </p:txBody>
+        </p:sp>
+      </p:grpSp>
+    </p:spTree>
+    <p:extLst>
+      <p:ext uri="{BB962C8B-B14F-4D97-AF65-F5344CB8AC3E}">
+        <p14:creationId xmlns:p14="http://schemas.microsoft.com/office/powerpoint/2010/main" val="2173777706"/>
+      </p:ext>
+    </p:extLst>
+  </p:cSld>
+  <p:clrMapOvr>
+    <a:masterClrMapping/>
+  </p:clrMapOvr>
+</p:sld>
+</file>
+
+<file path=ppt/slides/slide37.xml><?xml version="1.0" encoding="utf-8"?>
+<p:sld xmlns:a="http://schemas.openxmlformats.org/drawingml/2006/main" xmlns:r="http://schemas.openxmlformats.org/officeDocument/2006/relationships" xmlns:p="http://schemas.openxmlformats.org/presentationml/2006/main">
+  <p:cSld>
+    <p:spTree>
+      <p:nvGrpSpPr>
+        <p:cNvPr id="1" name=""/>
+        <p:cNvGrpSpPr/>
+        <p:nvPr/>
+      </p:nvGrpSpPr>
+      <p:grpSpPr>
+        <a:xfrm>
+          <a:off x="0" y="0"/>
+          <a:ext cx="0" cy="0"/>
+          <a:chOff x="0" y="0"/>
+          <a:chExt cx="0" cy="0"/>
+        </a:xfrm>
+      </p:grpSpPr>
+      <p:grpSp>
+        <p:nvGrpSpPr>
+          <p:cNvPr id="7" name="그룹 6">
+            <a:extLst>
+              <a:ext uri="{FF2B5EF4-FFF2-40B4-BE49-F238E27FC236}">
+                <a16:creationId xmlns:a16="http://schemas.microsoft.com/office/drawing/2014/main" id="{08CA45A4-D6DA-4FFA-8C48-16D4264A1B06}"/>
+              </a:ext>
+            </a:extLst>
+          </p:cNvPr>
+          <p:cNvGrpSpPr/>
+          <p:nvPr/>
+        </p:nvGrpSpPr>
+        <p:grpSpPr>
+          <a:xfrm>
+            <a:off x="613003" y="4178299"/>
+            <a:ext cx="996798" cy="1177212"/>
+            <a:chOff x="1400403" y="4127499"/>
+            <a:chExt cx="996798" cy="1177212"/>
+          </a:xfrm>
+        </p:grpSpPr>
+        <p:pic>
+          <p:nvPicPr>
+            <p:cNvPr id="3" name="그림 2">
+              <a:extLst>
+                <a:ext uri="{FF2B5EF4-FFF2-40B4-BE49-F238E27FC236}">
+                  <a16:creationId xmlns:a16="http://schemas.microsoft.com/office/drawing/2014/main" id="{9A4CE93E-B10B-4A3A-9E47-EDBCE782B5EB}"/>
+                </a:ext>
+              </a:extLst>
+            </p:cNvPr>
+            <p:cNvPicPr>
+              <a:picLocks noChangeAspect="1"/>
+            </p:cNvPicPr>
+            <p:nvPr/>
+          </p:nvPicPr>
+          <p:blipFill>
+            <a:blip r:embed="rId2">
+              <a:extLst>
+                <a:ext uri="{28A0092B-C50C-407E-A947-70E740481C1C}">
+                  <a14:useLocalDpi xmlns:a14="http://schemas.microsoft.com/office/drawing/2010/main" val="0"/>
+                </a:ext>
+              </a:extLst>
+            </a:blip>
+            <a:stretch>
+              <a:fillRect/>
+            </a:stretch>
+          </p:blipFill>
+          <p:spPr>
+            <a:xfrm>
+              <a:off x="1549705" y="4127499"/>
+              <a:ext cx="698195" cy="698195"/>
+            </a:xfrm>
+            <a:prstGeom prst="rect">
+              <a:avLst/>
+            </a:prstGeom>
+          </p:spPr>
+        </p:pic>
+        <p:sp>
+          <p:nvSpPr>
+            <p:cNvPr id="4" name="TextBox 3">
+              <a:extLst>
+                <a:ext uri="{FF2B5EF4-FFF2-40B4-BE49-F238E27FC236}">
+                  <a16:creationId xmlns:a16="http://schemas.microsoft.com/office/drawing/2014/main" id="{7C20D63D-521C-498B-9FD2-1FA384A89DF2}"/>
+                </a:ext>
+              </a:extLst>
+            </p:cNvPr>
+            <p:cNvSpPr txBox="1"/>
+            <p:nvPr/>
+          </p:nvSpPr>
+          <p:spPr>
+            <a:xfrm>
+              <a:off x="1400403" y="4996934"/>
+              <a:ext cx="996798" cy="307777"/>
+            </a:xfrm>
+            <a:prstGeom prst="rect">
+              <a:avLst/>
+            </a:prstGeom>
+            <a:noFill/>
+          </p:spPr>
+          <p:txBody>
+            <a:bodyPr wrap="square" rtlCol="0">
+              <a:spAutoFit/>
+            </a:bodyPr>
+            <a:lstStyle/>
+            <a:p>
+              <a:pPr algn="ctr"/>
+              <a:r>
+                <a:rPr lang="en-US" altLang="ko-KR" sz="1400" dirty="0">
+                  <a:latin typeface="AppleSDGothicNeoM00" panose="02000503000000000000" pitchFamily="2" charset="-127"/>
+                  <a:ea typeface="AppleSDGothicNeoM00" panose="02000503000000000000" pitchFamily="2" charset="-127"/>
+                </a:rPr>
+                <a:t>f1.txt</a:t>
+              </a:r>
+              <a:endParaRPr lang="ko-KR" altLang="en-US" sz="1400" dirty="0">
+                <a:latin typeface="AppleSDGothicNeoM00" panose="02000503000000000000" pitchFamily="2" charset="-127"/>
+                <a:ea typeface="AppleSDGothicNeoM00" panose="02000503000000000000" pitchFamily="2" charset="-127"/>
+              </a:endParaRPr>
+            </a:p>
+          </p:txBody>
+        </p:sp>
+      </p:grpSp>
+      <p:grpSp>
+        <p:nvGrpSpPr>
+          <p:cNvPr id="8" name="그룹 7">
+            <a:extLst>
+              <a:ext uri="{FF2B5EF4-FFF2-40B4-BE49-F238E27FC236}">
+                <a16:creationId xmlns:a16="http://schemas.microsoft.com/office/drawing/2014/main" id="{B998628B-6428-43CD-9AF7-38C0C21BE3C5}"/>
+              </a:ext>
+            </a:extLst>
+          </p:cNvPr>
+          <p:cNvGrpSpPr/>
+          <p:nvPr/>
+        </p:nvGrpSpPr>
+        <p:grpSpPr>
+          <a:xfrm>
+            <a:off x="3026003" y="4178299"/>
+            <a:ext cx="996798" cy="1177212"/>
+            <a:chOff x="1400403" y="4127499"/>
+            <a:chExt cx="996798" cy="1177212"/>
+          </a:xfrm>
+        </p:grpSpPr>
+        <p:pic>
+          <p:nvPicPr>
+            <p:cNvPr id="9" name="그림 8">
+              <a:extLst>
+                <a:ext uri="{FF2B5EF4-FFF2-40B4-BE49-F238E27FC236}">
+                  <a16:creationId xmlns:a16="http://schemas.microsoft.com/office/drawing/2014/main" id="{EFDCFE6E-CE1F-4A3C-884B-E5C305EE327F}"/>
+                </a:ext>
+              </a:extLst>
+            </p:cNvPr>
+            <p:cNvPicPr>
+              <a:picLocks noChangeAspect="1"/>
+            </p:cNvPicPr>
+            <p:nvPr/>
+          </p:nvPicPr>
+          <p:blipFill>
+            <a:blip r:embed="rId2">
+              <a:extLst>
+                <a:ext uri="{28A0092B-C50C-407E-A947-70E740481C1C}">
+                  <a14:useLocalDpi xmlns:a14="http://schemas.microsoft.com/office/drawing/2010/main" val="0"/>
+                </a:ext>
+              </a:extLst>
+            </a:blip>
+            <a:stretch>
+              <a:fillRect/>
+            </a:stretch>
+          </p:blipFill>
+          <p:spPr>
+            <a:xfrm>
+              <a:off x="1549705" y="4127499"/>
+              <a:ext cx="698195" cy="698195"/>
+            </a:xfrm>
+            <a:prstGeom prst="rect">
+              <a:avLst/>
+            </a:prstGeom>
+          </p:spPr>
+        </p:pic>
+        <p:sp>
+          <p:nvSpPr>
+            <p:cNvPr id="10" name="TextBox 9">
+              <a:extLst>
+                <a:ext uri="{FF2B5EF4-FFF2-40B4-BE49-F238E27FC236}">
+                  <a16:creationId xmlns:a16="http://schemas.microsoft.com/office/drawing/2014/main" id="{BD5B45B1-5EFD-4EF3-A661-A7671274CA3F}"/>
+                </a:ext>
+              </a:extLst>
+            </p:cNvPr>
+            <p:cNvSpPr txBox="1"/>
+            <p:nvPr/>
+          </p:nvSpPr>
+          <p:spPr>
+            <a:xfrm>
+              <a:off x="1400403" y="4996934"/>
+              <a:ext cx="996798" cy="307777"/>
+            </a:xfrm>
+            <a:prstGeom prst="rect">
+              <a:avLst/>
+            </a:prstGeom>
+            <a:noFill/>
+          </p:spPr>
+          <p:txBody>
+            <a:bodyPr wrap="square" rtlCol="0">
+              <a:spAutoFit/>
+            </a:bodyPr>
+            <a:lstStyle/>
+            <a:p>
+              <a:pPr algn="ctr"/>
+              <a:r>
+                <a:rPr lang="en-US" altLang="ko-KR" sz="1400" dirty="0">
+                  <a:latin typeface="AppleSDGothicNeoM00" panose="02000503000000000000" pitchFamily="2" charset="-127"/>
+                  <a:ea typeface="AppleSDGothicNeoM00" panose="02000503000000000000" pitchFamily="2" charset="-127"/>
+                </a:rPr>
+                <a:t>f2.txt</a:t>
+              </a:r>
+              <a:endParaRPr lang="ko-KR" altLang="en-US" sz="1400" dirty="0">
+                <a:latin typeface="AppleSDGothicNeoM00" panose="02000503000000000000" pitchFamily="2" charset="-127"/>
+                <a:ea typeface="AppleSDGothicNeoM00" panose="02000503000000000000" pitchFamily="2" charset="-127"/>
+              </a:endParaRPr>
+            </a:p>
+          </p:txBody>
+        </p:sp>
+      </p:grpSp>
+      <p:sp>
+        <p:nvSpPr>
+          <p:cNvPr id="21" name="자유형: 도형 20">
+            <a:extLst>
+              <a:ext uri="{FF2B5EF4-FFF2-40B4-BE49-F238E27FC236}">
+                <a16:creationId xmlns:a16="http://schemas.microsoft.com/office/drawing/2014/main" id="{C05E4B6F-8376-4B37-BDE1-C51A2C65AE8A}"/>
+              </a:ext>
+            </a:extLst>
+          </p:cNvPr>
+          <p:cNvSpPr/>
+          <p:nvPr/>
+        </p:nvSpPr>
+        <p:spPr>
+          <a:xfrm>
+            <a:off x="1894154" y="4363205"/>
+            <a:ext cx="847497" cy="328381"/>
+          </a:xfrm>
+          <a:custGeom>
+            <a:avLst/>
+            <a:gdLst>
+              <a:gd name="connsiteX0" fmla="*/ 273050 w 1409395"/>
+              <a:gd name="connsiteY0" fmla="*/ 98320 h 546100"/>
+              <a:gd name="connsiteX1" fmla="*/ 95250 w 1409395"/>
+              <a:gd name="connsiteY1" fmla="*/ 276120 h 546100"/>
+              <a:gd name="connsiteX2" fmla="*/ 273050 w 1409395"/>
+              <a:gd name="connsiteY2" fmla="*/ 453920 h 546100"/>
+              <a:gd name="connsiteX3" fmla="*/ 450850 w 1409395"/>
+              <a:gd name="connsiteY3" fmla="*/ 276120 h 546100"/>
+              <a:gd name="connsiteX4" fmla="*/ 273050 w 1409395"/>
+              <a:gd name="connsiteY4" fmla="*/ 98320 h 546100"/>
+              <a:gd name="connsiteX5" fmla="*/ 273050 w 1409395"/>
+              <a:gd name="connsiteY5" fmla="*/ 0 h 546100"/>
+              <a:gd name="connsiteX6" fmla="*/ 524642 w 1409395"/>
+              <a:gd name="connsiteY6" fmla="*/ 166767 h 546100"/>
+              <a:gd name="connsiteX7" fmla="*/ 526870 w 1409395"/>
+              <a:gd name="connsiteY7" fmla="*/ 177800 h 546100"/>
+              <a:gd name="connsiteX8" fmla="*/ 1218895 w 1409395"/>
+              <a:gd name="connsiteY8" fmla="*/ 177800 h 546100"/>
+              <a:gd name="connsiteX9" fmla="*/ 1218895 w 1409395"/>
+              <a:gd name="connsiteY9" fmla="*/ 82550 h 546100"/>
+              <a:gd name="connsiteX10" fmla="*/ 1409395 w 1409395"/>
+              <a:gd name="connsiteY10" fmla="*/ 273050 h 546100"/>
+              <a:gd name="connsiteX11" fmla="*/ 1218895 w 1409395"/>
+              <a:gd name="connsiteY11" fmla="*/ 463550 h 546100"/>
+              <a:gd name="connsiteX12" fmla="*/ 1218895 w 1409395"/>
+              <a:gd name="connsiteY12" fmla="*/ 368300 h 546100"/>
+              <a:gd name="connsiteX13" fmla="*/ 526870 w 1409395"/>
+              <a:gd name="connsiteY13" fmla="*/ 368300 h 546100"/>
+              <a:gd name="connsiteX14" fmla="*/ 524642 w 1409395"/>
+              <a:gd name="connsiteY14" fmla="*/ 379333 h 546100"/>
+              <a:gd name="connsiteX15" fmla="*/ 273050 w 1409395"/>
+              <a:gd name="connsiteY15" fmla="*/ 546100 h 546100"/>
+              <a:gd name="connsiteX16" fmla="*/ 0 w 1409395"/>
+              <a:gd name="connsiteY16" fmla="*/ 273050 h 546100"/>
+              <a:gd name="connsiteX17" fmla="*/ 273050 w 1409395"/>
+              <a:gd name="connsiteY17" fmla="*/ 0 h 546100"/>
+            </a:gdLst>
+            <a:ahLst/>
+            <a:cxnLst>
+              <a:cxn ang="0">
+                <a:pos x="connsiteX0" y="connsiteY0"/>
+              </a:cxn>
+              <a:cxn ang="0">
+                <a:pos x="connsiteX1" y="connsiteY1"/>
+              </a:cxn>
+              <a:cxn ang="0">
+                <a:pos x="connsiteX2" y="connsiteY2"/>
+              </a:cxn>
+              <a:cxn ang="0">
+                <a:pos x="connsiteX3" y="connsiteY3"/>
+              </a:cxn>
+              <a:cxn ang="0">
+                <a:pos x="connsiteX4" y="connsiteY4"/>
+              </a:cxn>
+              <a:cxn ang="0">
+                <a:pos x="connsiteX5" y="connsiteY5"/>
+              </a:cxn>
+              <a:cxn ang="0">
+                <a:pos x="connsiteX6" y="connsiteY6"/>
+              </a:cxn>
+              <a:cxn ang="0">
+                <a:pos x="connsiteX7" y="connsiteY7"/>
+              </a:cxn>
+              <a:cxn ang="0">
+                <a:pos x="connsiteX8" y="connsiteY8"/>
+              </a:cxn>
+              <a:cxn ang="0">
+                <a:pos x="connsiteX9" y="connsiteY9"/>
+              </a:cxn>
+              <a:cxn ang="0">
+                <a:pos x="connsiteX10" y="connsiteY10"/>
+              </a:cxn>
+              <a:cxn ang="0">
+                <a:pos x="connsiteX11" y="connsiteY11"/>
+              </a:cxn>
+              <a:cxn ang="0">
+                <a:pos x="connsiteX12" y="connsiteY12"/>
+              </a:cxn>
+              <a:cxn ang="0">
+                <a:pos x="connsiteX13" y="connsiteY13"/>
+              </a:cxn>
+              <a:cxn ang="0">
+                <a:pos x="connsiteX14" y="connsiteY14"/>
+              </a:cxn>
+              <a:cxn ang="0">
+                <a:pos x="connsiteX15" y="connsiteY15"/>
+              </a:cxn>
+              <a:cxn ang="0">
+                <a:pos x="connsiteX16" y="connsiteY16"/>
+              </a:cxn>
+              <a:cxn ang="0">
+                <a:pos x="connsiteX17" y="connsiteY17"/>
+              </a:cxn>
+            </a:cxnLst>
+            <a:rect l="l" t="t" r="r" b="b"/>
+            <a:pathLst>
+              <a:path w="1409395" h="546100">
+                <a:moveTo>
+                  <a:pt x="273050" y="98320"/>
+                </a:moveTo>
+                <a:cubicBezTo>
+                  <a:pt x="174854" y="98320"/>
+                  <a:pt x="95250" y="177924"/>
+                  <a:pt x="95250" y="276120"/>
+                </a:cubicBezTo>
+                <a:cubicBezTo>
+                  <a:pt x="95250" y="374316"/>
+                  <a:pt x="174854" y="453920"/>
+                  <a:pt x="273050" y="453920"/>
+                </a:cubicBezTo>
+                <a:cubicBezTo>
+                  <a:pt x="371246" y="453920"/>
+                  <a:pt x="450850" y="374316"/>
+                  <a:pt x="450850" y="276120"/>
+                </a:cubicBezTo>
+                <a:cubicBezTo>
+                  <a:pt x="450850" y="177924"/>
+                  <a:pt x="371246" y="98320"/>
+                  <a:pt x="273050" y="98320"/>
+                </a:cubicBezTo>
+                <a:close/>
+                <a:moveTo>
+                  <a:pt x="273050" y="0"/>
+                </a:moveTo>
+                <a:cubicBezTo>
+                  <a:pt x="386151" y="0"/>
+                  <a:pt x="483191" y="68765"/>
+                  <a:pt x="524642" y="166767"/>
+                </a:cubicBezTo>
+                <a:lnTo>
+                  <a:pt x="526870" y="177800"/>
+                </a:lnTo>
+                <a:lnTo>
+                  <a:pt x="1218895" y="177800"/>
+                </a:lnTo>
+                <a:lnTo>
+                  <a:pt x="1218895" y="82550"/>
+                </a:lnTo>
+                <a:lnTo>
+                  <a:pt x="1409395" y="273050"/>
+                </a:lnTo>
+                <a:lnTo>
+                  <a:pt x="1218895" y="463550"/>
+                </a:lnTo>
+                <a:lnTo>
+                  <a:pt x="1218895" y="368300"/>
+                </a:lnTo>
+                <a:lnTo>
+                  <a:pt x="526870" y="368300"/>
+                </a:lnTo>
+                <a:lnTo>
+                  <a:pt x="524642" y="379333"/>
+                </a:lnTo>
+                <a:cubicBezTo>
+                  <a:pt x="483191" y="477335"/>
+                  <a:pt x="386151" y="546100"/>
+                  <a:pt x="273050" y="546100"/>
+                </a:cubicBezTo>
+                <a:cubicBezTo>
+                  <a:pt x="122249" y="546100"/>
+                  <a:pt x="0" y="423851"/>
+                  <a:pt x="0" y="273050"/>
+                </a:cubicBezTo>
+                <a:cubicBezTo>
+                  <a:pt x="0" y="122249"/>
+                  <a:pt x="122249" y="0"/>
+                  <a:pt x="273050" y="0"/>
+                </a:cubicBezTo>
+                <a:close/>
+              </a:path>
+            </a:pathLst>
+          </a:custGeom>
+          <a:solidFill>
+            <a:schemeClr val="tx1"/>
+          </a:solidFill>
+          <a:ln>
+            <a:noFill/>
+          </a:ln>
+        </p:spPr>
+        <p:style>
+          <a:lnRef idx="2">
+            <a:schemeClr val="accent1">
+              <a:shade val="50000"/>
+            </a:schemeClr>
+          </a:lnRef>
+          <a:fillRef idx="1">
+            <a:schemeClr val="accent1"/>
+          </a:fillRef>
+          <a:effectRef idx="0">
+            <a:schemeClr val="accent1"/>
+          </a:effectRef>
+          <a:fontRef idx="minor">
+            <a:schemeClr val="lt1"/>
+          </a:fontRef>
+        </p:style>
+        <p:txBody>
+          <a:bodyPr wrap="square" rtlCol="0" anchor="ctr">
+            <a:noAutofit/>
+          </a:bodyPr>
+          <a:lstStyle/>
+          <a:p>
+            <a:pPr algn="ctr"/>
+            <a:endParaRPr lang="ko-KR" altLang="en-US"/>
+          </a:p>
+        </p:txBody>
+      </p:sp>
+      <p:sp>
+        <p:nvSpPr>
+          <p:cNvPr id="22" name="자유형: 도형 21">
+            <a:extLst>
+              <a:ext uri="{FF2B5EF4-FFF2-40B4-BE49-F238E27FC236}">
+                <a16:creationId xmlns:a16="http://schemas.microsoft.com/office/drawing/2014/main" id="{32545EB5-2C70-4BD2-8D88-1F41ED41009B}"/>
+              </a:ext>
+            </a:extLst>
+          </p:cNvPr>
+          <p:cNvSpPr/>
+          <p:nvPr/>
+        </p:nvSpPr>
+        <p:spPr>
+          <a:xfrm rot="19064363">
+            <a:off x="4205554" y="3722099"/>
+            <a:ext cx="847497" cy="328381"/>
+          </a:xfrm>
+          <a:custGeom>
+            <a:avLst/>
+            <a:gdLst>
+              <a:gd name="connsiteX0" fmla="*/ 273050 w 1409395"/>
+              <a:gd name="connsiteY0" fmla="*/ 98320 h 546100"/>
+              <a:gd name="connsiteX1" fmla="*/ 95250 w 1409395"/>
+              <a:gd name="connsiteY1" fmla="*/ 276120 h 546100"/>
+              <a:gd name="connsiteX2" fmla="*/ 273050 w 1409395"/>
+              <a:gd name="connsiteY2" fmla="*/ 453920 h 546100"/>
+              <a:gd name="connsiteX3" fmla="*/ 450850 w 1409395"/>
+              <a:gd name="connsiteY3" fmla="*/ 276120 h 546100"/>
+              <a:gd name="connsiteX4" fmla="*/ 273050 w 1409395"/>
+              <a:gd name="connsiteY4" fmla="*/ 98320 h 546100"/>
+              <a:gd name="connsiteX5" fmla="*/ 273050 w 1409395"/>
+              <a:gd name="connsiteY5" fmla="*/ 0 h 546100"/>
+              <a:gd name="connsiteX6" fmla="*/ 524642 w 1409395"/>
+              <a:gd name="connsiteY6" fmla="*/ 166767 h 546100"/>
+              <a:gd name="connsiteX7" fmla="*/ 526870 w 1409395"/>
+              <a:gd name="connsiteY7" fmla="*/ 177800 h 546100"/>
+              <a:gd name="connsiteX8" fmla="*/ 1218895 w 1409395"/>
+              <a:gd name="connsiteY8" fmla="*/ 177800 h 546100"/>
+              <a:gd name="connsiteX9" fmla="*/ 1218895 w 1409395"/>
+              <a:gd name="connsiteY9" fmla="*/ 82550 h 546100"/>
+              <a:gd name="connsiteX10" fmla="*/ 1409395 w 1409395"/>
+              <a:gd name="connsiteY10" fmla="*/ 273050 h 546100"/>
+              <a:gd name="connsiteX11" fmla="*/ 1218895 w 1409395"/>
+              <a:gd name="connsiteY11" fmla="*/ 463550 h 546100"/>
+              <a:gd name="connsiteX12" fmla="*/ 1218895 w 1409395"/>
+              <a:gd name="connsiteY12" fmla="*/ 368300 h 546100"/>
+              <a:gd name="connsiteX13" fmla="*/ 526870 w 1409395"/>
+              <a:gd name="connsiteY13" fmla="*/ 368300 h 546100"/>
+              <a:gd name="connsiteX14" fmla="*/ 524642 w 1409395"/>
+              <a:gd name="connsiteY14" fmla="*/ 379333 h 546100"/>
+              <a:gd name="connsiteX15" fmla="*/ 273050 w 1409395"/>
+              <a:gd name="connsiteY15" fmla="*/ 546100 h 546100"/>
+              <a:gd name="connsiteX16" fmla="*/ 0 w 1409395"/>
+              <a:gd name="connsiteY16" fmla="*/ 273050 h 546100"/>
+              <a:gd name="connsiteX17" fmla="*/ 273050 w 1409395"/>
+              <a:gd name="connsiteY17" fmla="*/ 0 h 546100"/>
+            </a:gdLst>
+            <a:ahLst/>
+            <a:cxnLst>
+              <a:cxn ang="0">
+                <a:pos x="connsiteX0" y="connsiteY0"/>
+              </a:cxn>
+              <a:cxn ang="0">
+                <a:pos x="connsiteX1" y="connsiteY1"/>
+              </a:cxn>
+              <a:cxn ang="0">
+                <a:pos x="connsiteX2" y="connsiteY2"/>
+              </a:cxn>
+              <a:cxn ang="0">
+                <a:pos x="connsiteX3" y="connsiteY3"/>
+              </a:cxn>
+              <a:cxn ang="0">
+                <a:pos x="connsiteX4" y="connsiteY4"/>
+              </a:cxn>
+              <a:cxn ang="0">
+                <a:pos x="connsiteX5" y="connsiteY5"/>
+              </a:cxn>
+              <a:cxn ang="0">
+                <a:pos x="connsiteX6" y="connsiteY6"/>
+              </a:cxn>
+              <a:cxn ang="0">
+                <a:pos x="connsiteX7" y="connsiteY7"/>
+              </a:cxn>
+              <a:cxn ang="0">
+                <a:pos x="connsiteX8" y="connsiteY8"/>
+              </a:cxn>
+              <a:cxn ang="0">
+                <a:pos x="connsiteX9" y="connsiteY9"/>
+              </a:cxn>
+              <a:cxn ang="0">
+                <a:pos x="connsiteX10" y="connsiteY10"/>
+              </a:cxn>
+              <a:cxn ang="0">
+                <a:pos x="connsiteX11" y="connsiteY11"/>
+              </a:cxn>
+              <a:cxn ang="0">
+                <a:pos x="connsiteX12" y="connsiteY12"/>
+              </a:cxn>
+              <a:cxn ang="0">
+                <a:pos x="connsiteX13" y="connsiteY13"/>
+              </a:cxn>
+              <a:cxn ang="0">
+                <a:pos x="connsiteX14" y="connsiteY14"/>
+              </a:cxn>
+              <a:cxn ang="0">
+                <a:pos x="connsiteX15" y="connsiteY15"/>
+              </a:cxn>
+              <a:cxn ang="0">
+                <a:pos x="connsiteX16" y="connsiteY16"/>
+              </a:cxn>
+              <a:cxn ang="0">
+                <a:pos x="connsiteX17" y="connsiteY17"/>
+              </a:cxn>
+            </a:cxnLst>
+            <a:rect l="l" t="t" r="r" b="b"/>
+            <a:pathLst>
+              <a:path w="1409395" h="546100">
+                <a:moveTo>
+                  <a:pt x="273050" y="98320"/>
+                </a:moveTo>
+                <a:cubicBezTo>
+                  <a:pt x="174854" y="98320"/>
+                  <a:pt x="95250" y="177924"/>
+                  <a:pt x="95250" y="276120"/>
+                </a:cubicBezTo>
+                <a:cubicBezTo>
+                  <a:pt x="95250" y="374316"/>
+                  <a:pt x="174854" y="453920"/>
+                  <a:pt x="273050" y="453920"/>
+                </a:cubicBezTo>
+                <a:cubicBezTo>
+                  <a:pt x="371246" y="453920"/>
+                  <a:pt x="450850" y="374316"/>
+                  <a:pt x="450850" y="276120"/>
+                </a:cubicBezTo>
+                <a:cubicBezTo>
+                  <a:pt x="450850" y="177924"/>
+                  <a:pt x="371246" y="98320"/>
+                  <a:pt x="273050" y="98320"/>
+                </a:cubicBezTo>
+                <a:close/>
+                <a:moveTo>
+                  <a:pt x="273050" y="0"/>
+                </a:moveTo>
+                <a:cubicBezTo>
+                  <a:pt x="386151" y="0"/>
+                  <a:pt x="483191" y="68765"/>
+                  <a:pt x="524642" y="166767"/>
+                </a:cubicBezTo>
+                <a:lnTo>
+                  <a:pt x="526870" y="177800"/>
+                </a:lnTo>
+                <a:lnTo>
+                  <a:pt x="1218895" y="177800"/>
+                </a:lnTo>
+                <a:lnTo>
+                  <a:pt x="1218895" y="82550"/>
+                </a:lnTo>
+                <a:lnTo>
+                  <a:pt x="1409395" y="273050"/>
+                </a:lnTo>
+                <a:lnTo>
+                  <a:pt x="1218895" y="463550"/>
+                </a:lnTo>
+                <a:lnTo>
+                  <a:pt x="1218895" y="368300"/>
+                </a:lnTo>
+                <a:lnTo>
+                  <a:pt x="526870" y="368300"/>
+                </a:lnTo>
+                <a:lnTo>
+                  <a:pt x="524642" y="379333"/>
+                </a:lnTo>
+                <a:cubicBezTo>
+                  <a:pt x="483191" y="477335"/>
+                  <a:pt x="386151" y="546100"/>
+                  <a:pt x="273050" y="546100"/>
+                </a:cubicBezTo>
+                <a:cubicBezTo>
+                  <a:pt x="122249" y="546100"/>
+                  <a:pt x="0" y="423851"/>
+                  <a:pt x="0" y="273050"/>
+                </a:cubicBezTo>
+                <a:cubicBezTo>
+                  <a:pt x="0" y="122249"/>
+                  <a:pt x="122249" y="0"/>
+                  <a:pt x="273050" y="0"/>
+                </a:cubicBezTo>
+                <a:close/>
+              </a:path>
+            </a:pathLst>
+          </a:custGeom>
+          <a:solidFill>
+            <a:schemeClr val="tx1"/>
+          </a:solidFill>
+          <a:ln>
+            <a:noFill/>
+          </a:ln>
+        </p:spPr>
+        <p:style>
+          <a:lnRef idx="2">
+            <a:schemeClr val="accent1">
+              <a:shade val="50000"/>
+            </a:schemeClr>
+          </a:lnRef>
+          <a:fillRef idx="1">
+            <a:schemeClr val="accent1"/>
+          </a:fillRef>
+          <a:effectRef idx="0">
+            <a:schemeClr val="accent1"/>
+          </a:effectRef>
+          <a:fontRef idx="minor">
+            <a:schemeClr val="lt1"/>
+          </a:fontRef>
+        </p:style>
+        <p:txBody>
+          <a:bodyPr wrap="square" rtlCol="0" anchor="ctr">
+            <a:noAutofit/>
+          </a:bodyPr>
+          <a:lstStyle/>
+          <a:p>
+            <a:pPr algn="ctr"/>
+            <a:endParaRPr lang="ko-KR" altLang="en-US"/>
+          </a:p>
+        </p:txBody>
+      </p:sp>
+      <p:sp>
+        <p:nvSpPr>
+          <p:cNvPr id="23" name="TextBox 22">
+            <a:extLst>
+              <a:ext uri="{FF2B5EF4-FFF2-40B4-BE49-F238E27FC236}">
+                <a16:creationId xmlns:a16="http://schemas.microsoft.com/office/drawing/2014/main" id="{374BFD39-8102-4311-AAE1-83D9A774EDD9}"/>
+              </a:ext>
+            </a:extLst>
+          </p:cNvPr>
+          <p:cNvSpPr txBox="1"/>
+          <p:nvPr/>
+        </p:nvSpPr>
+        <p:spPr>
+          <a:xfrm>
+            <a:off x="4205270" y="3104932"/>
+            <a:ext cx="1179835" cy="369332"/>
+          </a:xfrm>
+          <a:prstGeom prst="rect">
+            <a:avLst/>
+          </a:prstGeom>
+          <a:noFill/>
+        </p:spPr>
+        <p:txBody>
+          <a:bodyPr wrap="square" rtlCol="0">
+            <a:spAutoFit/>
+          </a:bodyPr>
+          <a:lstStyle/>
+          <a:p>
+            <a:pPr algn="ctr"/>
+            <a:r>
+              <a:rPr lang="en-US" altLang="ko-KR" dirty="0">
+                <a:solidFill>
+                  <a:schemeClr val="accent1"/>
+                </a:solidFill>
+                <a:latin typeface="AppleSDGothicNeoM00" panose="02000503000000000000" pitchFamily="2" charset="-127"/>
+                <a:ea typeface="AppleSDGothicNeoM00" panose="02000503000000000000" pitchFamily="2" charset="-127"/>
+              </a:rPr>
+              <a:t>exp</a:t>
+            </a:r>
+            <a:endParaRPr lang="ko-KR" altLang="en-US" dirty="0">
+              <a:solidFill>
+                <a:schemeClr val="accent1"/>
+              </a:solidFill>
+              <a:latin typeface="AppleSDGothicNeoM00" panose="02000503000000000000" pitchFamily="2" charset="-127"/>
+              <a:ea typeface="AppleSDGothicNeoM00" panose="02000503000000000000" pitchFamily="2" charset="-127"/>
+            </a:endParaRPr>
+          </a:p>
+        </p:txBody>
+      </p:sp>
+      <p:sp>
+        <p:nvSpPr>
+          <p:cNvPr id="24" name="자유형: 도형 23">
+            <a:extLst>
+              <a:ext uri="{FF2B5EF4-FFF2-40B4-BE49-F238E27FC236}">
+                <a16:creationId xmlns:a16="http://schemas.microsoft.com/office/drawing/2014/main" id="{7D7B8D12-4A2E-4E0E-9C43-1A3D1B6D7088}"/>
+              </a:ext>
+            </a:extLst>
+          </p:cNvPr>
+          <p:cNvSpPr/>
+          <p:nvPr/>
+        </p:nvSpPr>
+        <p:spPr>
+          <a:xfrm>
+            <a:off x="4297532" y="4407988"/>
+            <a:ext cx="847497" cy="328381"/>
+          </a:xfrm>
+          <a:custGeom>
+            <a:avLst/>
+            <a:gdLst>
+              <a:gd name="connsiteX0" fmla="*/ 273050 w 1409395"/>
+              <a:gd name="connsiteY0" fmla="*/ 98320 h 546100"/>
+              <a:gd name="connsiteX1" fmla="*/ 95250 w 1409395"/>
+              <a:gd name="connsiteY1" fmla="*/ 276120 h 546100"/>
+              <a:gd name="connsiteX2" fmla="*/ 273050 w 1409395"/>
+              <a:gd name="connsiteY2" fmla="*/ 453920 h 546100"/>
+              <a:gd name="connsiteX3" fmla="*/ 450850 w 1409395"/>
+              <a:gd name="connsiteY3" fmla="*/ 276120 h 546100"/>
+              <a:gd name="connsiteX4" fmla="*/ 273050 w 1409395"/>
+              <a:gd name="connsiteY4" fmla="*/ 98320 h 546100"/>
+              <a:gd name="connsiteX5" fmla="*/ 273050 w 1409395"/>
+              <a:gd name="connsiteY5" fmla="*/ 0 h 546100"/>
+              <a:gd name="connsiteX6" fmla="*/ 524642 w 1409395"/>
+              <a:gd name="connsiteY6" fmla="*/ 166767 h 546100"/>
+              <a:gd name="connsiteX7" fmla="*/ 526870 w 1409395"/>
+              <a:gd name="connsiteY7" fmla="*/ 177800 h 546100"/>
+              <a:gd name="connsiteX8" fmla="*/ 1218895 w 1409395"/>
+              <a:gd name="connsiteY8" fmla="*/ 177800 h 546100"/>
+              <a:gd name="connsiteX9" fmla="*/ 1218895 w 1409395"/>
+              <a:gd name="connsiteY9" fmla="*/ 82550 h 546100"/>
+              <a:gd name="connsiteX10" fmla="*/ 1409395 w 1409395"/>
+              <a:gd name="connsiteY10" fmla="*/ 273050 h 546100"/>
+              <a:gd name="connsiteX11" fmla="*/ 1218895 w 1409395"/>
+              <a:gd name="connsiteY11" fmla="*/ 463550 h 546100"/>
+              <a:gd name="connsiteX12" fmla="*/ 1218895 w 1409395"/>
+              <a:gd name="connsiteY12" fmla="*/ 368300 h 546100"/>
+              <a:gd name="connsiteX13" fmla="*/ 526870 w 1409395"/>
+              <a:gd name="connsiteY13" fmla="*/ 368300 h 546100"/>
+              <a:gd name="connsiteX14" fmla="*/ 524642 w 1409395"/>
+              <a:gd name="connsiteY14" fmla="*/ 379333 h 546100"/>
+              <a:gd name="connsiteX15" fmla="*/ 273050 w 1409395"/>
+              <a:gd name="connsiteY15" fmla="*/ 546100 h 546100"/>
+              <a:gd name="connsiteX16" fmla="*/ 0 w 1409395"/>
+              <a:gd name="connsiteY16" fmla="*/ 273050 h 546100"/>
+              <a:gd name="connsiteX17" fmla="*/ 273050 w 1409395"/>
+              <a:gd name="connsiteY17" fmla="*/ 0 h 546100"/>
+            </a:gdLst>
+            <a:ahLst/>
+            <a:cxnLst>
+              <a:cxn ang="0">
+                <a:pos x="connsiteX0" y="connsiteY0"/>
+              </a:cxn>
+              <a:cxn ang="0">
+                <a:pos x="connsiteX1" y="connsiteY1"/>
+              </a:cxn>
+              <a:cxn ang="0">
+                <a:pos x="connsiteX2" y="connsiteY2"/>
+              </a:cxn>
+              <a:cxn ang="0">
+                <a:pos x="connsiteX3" y="connsiteY3"/>
+              </a:cxn>
+              <a:cxn ang="0">
+                <a:pos x="connsiteX4" y="connsiteY4"/>
+              </a:cxn>
+              <a:cxn ang="0">
+                <a:pos x="connsiteX5" y="connsiteY5"/>
+              </a:cxn>
+              <a:cxn ang="0">
+                <a:pos x="connsiteX6" y="connsiteY6"/>
+              </a:cxn>
+              <a:cxn ang="0">
+                <a:pos x="connsiteX7" y="connsiteY7"/>
+              </a:cxn>
+              <a:cxn ang="0">
+                <a:pos x="connsiteX8" y="connsiteY8"/>
+              </a:cxn>
+              <a:cxn ang="0">
+                <a:pos x="connsiteX9" y="connsiteY9"/>
+              </a:cxn>
+              <a:cxn ang="0">
+                <a:pos x="connsiteX10" y="connsiteY10"/>
+              </a:cxn>
+              <a:cxn ang="0">
+                <a:pos x="connsiteX11" y="connsiteY11"/>
+              </a:cxn>
+              <a:cxn ang="0">
+                <a:pos x="connsiteX12" y="connsiteY12"/>
+              </a:cxn>
+              <a:cxn ang="0">
+                <a:pos x="connsiteX13" y="connsiteY13"/>
+              </a:cxn>
+              <a:cxn ang="0">
+                <a:pos x="connsiteX14" y="connsiteY14"/>
+              </a:cxn>
+              <a:cxn ang="0">
+                <a:pos x="connsiteX15" y="connsiteY15"/>
+              </a:cxn>
+              <a:cxn ang="0">
+                <a:pos x="connsiteX16" y="connsiteY16"/>
+              </a:cxn>
+              <a:cxn ang="0">
+                <a:pos x="connsiteX17" y="connsiteY17"/>
+              </a:cxn>
+            </a:cxnLst>
+            <a:rect l="l" t="t" r="r" b="b"/>
+            <a:pathLst>
+              <a:path w="1409395" h="546100">
+                <a:moveTo>
+                  <a:pt x="273050" y="98320"/>
+                </a:moveTo>
+                <a:cubicBezTo>
+                  <a:pt x="174854" y="98320"/>
+                  <a:pt x="95250" y="177924"/>
+                  <a:pt x="95250" y="276120"/>
+                </a:cubicBezTo>
+                <a:cubicBezTo>
+                  <a:pt x="95250" y="374316"/>
+                  <a:pt x="174854" y="453920"/>
+                  <a:pt x="273050" y="453920"/>
+                </a:cubicBezTo>
+                <a:cubicBezTo>
+                  <a:pt x="371246" y="453920"/>
+                  <a:pt x="450850" y="374316"/>
+                  <a:pt x="450850" y="276120"/>
+                </a:cubicBezTo>
+                <a:cubicBezTo>
+                  <a:pt x="450850" y="177924"/>
+                  <a:pt x="371246" y="98320"/>
+                  <a:pt x="273050" y="98320"/>
+                </a:cubicBezTo>
+                <a:close/>
+                <a:moveTo>
+                  <a:pt x="273050" y="0"/>
+                </a:moveTo>
+                <a:cubicBezTo>
+                  <a:pt x="386151" y="0"/>
+                  <a:pt x="483191" y="68765"/>
+                  <a:pt x="524642" y="166767"/>
+                </a:cubicBezTo>
+                <a:lnTo>
+                  <a:pt x="526870" y="177800"/>
+                </a:lnTo>
+                <a:lnTo>
+                  <a:pt x="1218895" y="177800"/>
+                </a:lnTo>
+                <a:lnTo>
+                  <a:pt x="1218895" y="82550"/>
+                </a:lnTo>
+                <a:lnTo>
+                  <a:pt x="1409395" y="273050"/>
+                </a:lnTo>
+                <a:lnTo>
+                  <a:pt x="1218895" y="463550"/>
+                </a:lnTo>
+                <a:lnTo>
+                  <a:pt x="1218895" y="368300"/>
+                </a:lnTo>
+                <a:lnTo>
+                  <a:pt x="526870" y="368300"/>
+                </a:lnTo>
+                <a:lnTo>
+                  <a:pt x="524642" y="379333"/>
+                </a:lnTo>
+                <a:cubicBezTo>
+                  <a:pt x="483191" y="477335"/>
+                  <a:pt x="386151" y="546100"/>
+                  <a:pt x="273050" y="546100"/>
+                </a:cubicBezTo>
+                <a:cubicBezTo>
+                  <a:pt x="122249" y="546100"/>
+                  <a:pt x="0" y="423851"/>
+                  <a:pt x="0" y="273050"/>
+                </a:cubicBezTo>
+                <a:cubicBezTo>
+                  <a:pt x="0" y="122249"/>
+                  <a:pt x="122249" y="0"/>
+                  <a:pt x="273050" y="0"/>
+                </a:cubicBezTo>
+                <a:close/>
+              </a:path>
+            </a:pathLst>
+          </a:custGeom>
+          <a:solidFill>
+            <a:schemeClr val="tx1"/>
+          </a:solidFill>
+          <a:ln>
+            <a:noFill/>
+          </a:ln>
+        </p:spPr>
+        <p:style>
+          <a:lnRef idx="2">
+            <a:schemeClr val="accent1">
+              <a:shade val="50000"/>
+            </a:schemeClr>
+          </a:lnRef>
+          <a:fillRef idx="1">
+            <a:schemeClr val="accent1"/>
+          </a:fillRef>
+          <a:effectRef idx="0">
+            <a:schemeClr val="accent1"/>
+          </a:effectRef>
+          <a:fontRef idx="minor">
+            <a:schemeClr val="lt1"/>
+          </a:fontRef>
+        </p:style>
+        <p:txBody>
+          <a:bodyPr wrap="square" rtlCol="0" anchor="ctr">
+            <a:noAutofit/>
+          </a:bodyPr>
+          <a:lstStyle/>
+          <a:p>
+            <a:pPr algn="ctr"/>
+            <a:endParaRPr lang="ko-KR" altLang="en-US"/>
+          </a:p>
+        </p:txBody>
+      </p:sp>
+      <p:grpSp>
+        <p:nvGrpSpPr>
+          <p:cNvPr id="34" name="그룹 33">
+            <a:extLst>
+              <a:ext uri="{FF2B5EF4-FFF2-40B4-BE49-F238E27FC236}">
+                <a16:creationId xmlns:a16="http://schemas.microsoft.com/office/drawing/2014/main" id="{4372D672-9F36-452C-90EC-8750A77F1537}"/>
+              </a:ext>
+            </a:extLst>
+          </p:cNvPr>
+          <p:cNvGrpSpPr/>
+          <p:nvPr/>
+        </p:nvGrpSpPr>
+        <p:grpSpPr>
+          <a:xfrm>
+            <a:off x="5544773" y="2528629"/>
+            <a:ext cx="1179834" cy="1392655"/>
+            <a:chOff x="1308885" y="4127499"/>
+            <a:chExt cx="1179834" cy="1392655"/>
+          </a:xfrm>
+        </p:grpSpPr>
+        <p:pic>
+          <p:nvPicPr>
+            <p:cNvPr id="35" name="그림 34">
+              <a:extLst>
+                <a:ext uri="{FF2B5EF4-FFF2-40B4-BE49-F238E27FC236}">
+                  <a16:creationId xmlns:a16="http://schemas.microsoft.com/office/drawing/2014/main" id="{73E5371D-15C3-443C-B7ED-066235295AA8}"/>
+                </a:ext>
+              </a:extLst>
+            </p:cNvPr>
+            <p:cNvPicPr>
+              <a:picLocks noChangeAspect="1"/>
+            </p:cNvPicPr>
+            <p:nvPr/>
+          </p:nvPicPr>
+          <p:blipFill>
+            <a:blip r:embed="rId2">
+              <a:extLst>
+                <a:ext uri="{28A0092B-C50C-407E-A947-70E740481C1C}">
+                  <a14:useLocalDpi xmlns:a14="http://schemas.microsoft.com/office/drawing/2010/main" val="0"/>
+                </a:ext>
+              </a:extLst>
+            </a:blip>
+            <a:stretch>
+              <a:fillRect/>
+            </a:stretch>
+          </p:blipFill>
+          <p:spPr>
+            <a:xfrm>
+              <a:off x="1549705" y="4127499"/>
+              <a:ext cx="698195" cy="698195"/>
+            </a:xfrm>
+            <a:prstGeom prst="rect">
+              <a:avLst/>
+            </a:prstGeom>
+          </p:spPr>
+        </p:pic>
+        <p:sp>
+          <p:nvSpPr>
+            <p:cNvPr id="36" name="TextBox 35">
+              <a:extLst>
+                <a:ext uri="{FF2B5EF4-FFF2-40B4-BE49-F238E27FC236}">
+                  <a16:creationId xmlns:a16="http://schemas.microsoft.com/office/drawing/2014/main" id="{4DE83C4F-F50D-4973-A345-2B3626A76621}"/>
+                </a:ext>
+              </a:extLst>
+            </p:cNvPr>
+            <p:cNvSpPr txBox="1"/>
+            <p:nvPr/>
+          </p:nvSpPr>
+          <p:spPr>
+            <a:xfrm>
+              <a:off x="1308885" y="4996934"/>
+              <a:ext cx="1179834" cy="523220"/>
+            </a:xfrm>
+            <a:prstGeom prst="rect">
+              <a:avLst/>
+            </a:prstGeom>
+            <a:noFill/>
+          </p:spPr>
+          <p:txBody>
+            <a:bodyPr wrap="square" rtlCol="0">
+              <a:spAutoFit/>
+            </a:bodyPr>
+            <a:lstStyle/>
+            <a:p>
+              <a:pPr algn="ctr"/>
+              <a:r>
+                <a:rPr lang="en-US" altLang="ko-KR" sz="1400" dirty="0">
+                  <a:latin typeface="AppleSDGothicNeoM00" panose="02000503000000000000" pitchFamily="2" charset="-127"/>
+                  <a:ea typeface="AppleSDGothicNeoM00" panose="02000503000000000000" pitchFamily="2" charset="-127"/>
+                </a:rPr>
+                <a:t>f1.txt</a:t>
+              </a:r>
+            </a:p>
+            <a:p>
+              <a:pPr algn="ctr"/>
+              <a:r>
+                <a:rPr lang="en-US" altLang="ko-KR" sz="1400" dirty="0">
+                  <a:solidFill>
+                    <a:srgbClr val="0070C0"/>
+                  </a:solidFill>
+                  <a:latin typeface="AppleSDGothicNeoM00" panose="02000503000000000000" pitchFamily="2" charset="-127"/>
+                  <a:ea typeface="AppleSDGothicNeoM00" panose="02000503000000000000" pitchFamily="2" charset="-127"/>
+                </a:rPr>
+                <a:t>(+”b”)</a:t>
+              </a:r>
+              <a:endParaRPr lang="ko-KR" altLang="en-US" sz="1400" dirty="0">
+                <a:solidFill>
+                  <a:srgbClr val="0070C0"/>
+                </a:solidFill>
+                <a:latin typeface="AppleSDGothicNeoM00" panose="02000503000000000000" pitchFamily="2" charset="-127"/>
+                <a:ea typeface="AppleSDGothicNeoM00" panose="02000503000000000000" pitchFamily="2" charset="-127"/>
+              </a:endParaRPr>
+            </a:p>
+          </p:txBody>
+        </p:sp>
+      </p:grpSp>
+      <p:sp>
+        <p:nvSpPr>
+          <p:cNvPr id="37" name="TextBox 36">
+            <a:extLst>
+              <a:ext uri="{FF2B5EF4-FFF2-40B4-BE49-F238E27FC236}">
+                <a16:creationId xmlns:a16="http://schemas.microsoft.com/office/drawing/2014/main" id="{49359F68-9490-4D7D-ABAC-CB07F924486F}"/>
+              </a:ext>
+            </a:extLst>
+          </p:cNvPr>
+          <p:cNvSpPr txBox="1"/>
+          <p:nvPr/>
+        </p:nvSpPr>
+        <p:spPr>
+          <a:xfrm>
+            <a:off x="4205270" y="4986179"/>
+            <a:ext cx="1179835" cy="369332"/>
+          </a:xfrm>
+          <a:prstGeom prst="rect">
+            <a:avLst/>
+          </a:prstGeom>
+          <a:noFill/>
+        </p:spPr>
+        <p:txBody>
+          <a:bodyPr wrap="square" rtlCol="0">
+            <a:spAutoFit/>
+          </a:bodyPr>
+          <a:lstStyle/>
+          <a:p>
+            <a:pPr algn="ctr"/>
+            <a:r>
+              <a:rPr lang="en-US" altLang="ko-KR" dirty="0">
+                <a:solidFill>
+                  <a:schemeClr val="accent1"/>
+                </a:solidFill>
+                <a:latin typeface="AppleSDGothicNeoM00" panose="02000503000000000000" pitchFamily="2" charset="-127"/>
+                <a:ea typeface="AppleSDGothicNeoM00" panose="02000503000000000000" pitchFamily="2" charset="-127"/>
+              </a:rPr>
+              <a:t>main</a:t>
+            </a:r>
+            <a:endParaRPr lang="ko-KR" altLang="en-US" dirty="0">
+              <a:solidFill>
+                <a:schemeClr val="accent1"/>
+              </a:solidFill>
+              <a:latin typeface="AppleSDGothicNeoM00" panose="02000503000000000000" pitchFamily="2" charset="-127"/>
+              <a:ea typeface="AppleSDGothicNeoM00" panose="02000503000000000000" pitchFamily="2" charset="-127"/>
+            </a:endParaRPr>
+          </a:p>
+        </p:txBody>
+      </p:sp>
+      <p:sp>
+        <p:nvSpPr>
+          <p:cNvPr id="48" name="직사각형 47">
+            <a:extLst>
+              <a:ext uri="{FF2B5EF4-FFF2-40B4-BE49-F238E27FC236}">
+                <a16:creationId xmlns:a16="http://schemas.microsoft.com/office/drawing/2014/main" id="{F2786057-82EC-4C81-B3B6-B195AFE5EE10}"/>
+              </a:ext>
+            </a:extLst>
+          </p:cNvPr>
+          <p:cNvSpPr/>
+          <p:nvPr/>
+        </p:nvSpPr>
+        <p:spPr>
+          <a:xfrm>
+            <a:off x="5592446" y="2397195"/>
+            <a:ext cx="1072274" cy="1524089"/>
+          </a:xfrm>
+          <a:prstGeom prst="rect">
+            <a:avLst/>
+          </a:prstGeom>
+          <a:noFill/>
+          <a:ln w="28575">
+            <a:solidFill>
+              <a:srgbClr val="FF0000"/>
+            </a:solidFill>
+            <a:prstDash val="sysDash"/>
+          </a:ln>
+        </p:spPr>
+        <p:style>
+          <a:lnRef idx="2">
+            <a:schemeClr val="accent1">
+              <a:shade val="50000"/>
+            </a:schemeClr>
+          </a:lnRef>
+          <a:fillRef idx="1">
+            <a:schemeClr val="accent1"/>
+          </a:fillRef>
+          <a:effectRef idx="0">
+            <a:schemeClr val="accent1"/>
+          </a:effectRef>
+          <a:fontRef idx="minor">
+            <a:schemeClr val="lt1"/>
+          </a:fontRef>
+        </p:style>
+        <p:txBody>
+          <a:bodyPr rtlCol="0" anchor="ctr"/>
+          <a:lstStyle/>
+          <a:p>
+            <a:pPr algn="ctr"/>
+            <a:endParaRPr lang="ko-KR" altLang="en-US"/>
+          </a:p>
+        </p:txBody>
+      </p:sp>
+      <p:sp>
+        <p:nvSpPr>
+          <p:cNvPr id="49" name="TextBox 48">
+            <a:extLst>
+              <a:ext uri="{FF2B5EF4-FFF2-40B4-BE49-F238E27FC236}">
+                <a16:creationId xmlns:a16="http://schemas.microsoft.com/office/drawing/2014/main" id="{F1E130FE-2C80-4F2C-BBBA-AE5E851D3F24}"/>
+              </a:ext>
+            </a:extLst>
+          </p:cNvPr>
+          <p:cNvSpPr txBox="1"/>
+          <p:nvPr/>
+        </p:nvSpPr>
+        <p:spPr>
+          <a:xfrm>
+            <a:off x="5506082" y="2023701"/>
+            <a:ext cx="1179835" cy="307777"/>
+          </a:xfrm>
+          <a:prstGeom prst="rect">
+            <a:avLst/>
+          </a:prstGeom>
+          <a:noFill/>
+        </p:spPr>
+        <p:txBody>
+          <a:bodyPr wrap="square" rtlCol="0">
+            <a:spAutoFit/>
+          </a:bodyPr>
+          <a:lstStyle/>
+          <a:p>
+            <a:pPr algn="ctr"/>
+            <a:r>
+              <a:rPr lang="ko-KR" altLang="en-US" sz="1400" dirty="0">
+                <a:solidFill>
+                  <a:srgbClr val="FF0000"/>
+                </a:solidFill>
+                <a:latin typeface="AppleSDGothicNeoM00" panose="02000503000000000000" pitchFamily="2" charset="-127"/>
+                <a:ea typeface="AppleSDGothicNeoM00" panose="02000503000000000000" pitchFamily="2" charset="-127"/>
+              </a:rPr>
+              <a:t>내용 추가</a:t>
+            </a:r>
+          </a:p>
+        </p:txBody>
+      </p:sp>
+    </p:spTree>
+    <p:extLst>
+      <p:ext uri="{BB962C8B-B14F-4D97-AF65-F5344CB8AC3E}">
+        <p14:creationId xmlns:p14="http://schemas.microsoft.com/office/powerpoint/2010/main" val="2500399469"/>
+      </p:ext>
+    </p:extLst>
+  </p:cSld>
+  <p:clrMapOvr>
+    <a:masterClrMapping/>
+  </p:clrMapOvr>
+</p:sld>
+</file>
+
+<file path=ppt/slides/slide38.xml><?xml version="1.0" encoding="utf-8"?>
+<p:sld xmlns:a="http://schemas.openxmlformats.org/drawingml/2006/main" xmlns:r="http://schemas.openxmlformats.org/officeDocument/2006/relationships" xmlns:p="http://schemas.openxmlformats.org/presentationml/2006/main">
+  <p:cSld>
+    <p:spTree>
+      <p:nvGrpSpPr>
+        <p:cNvPr id="1" name=""/>
+        <p:cNvGrpSpPr/>
+        <p:nvPr/>
+      </p:nvGrpSpPr>
+      <p:grpSpPr>
+        <a:xfrm>
+          <a:off x="0" y="0"/>
+          <a:ext cx="0" cy="0"/>
+          <a:chOff x="0" y="0"/>
+          <a:chExt cx="0" cy="0"/>
+        </a:xfrm>
+      </p:grpSpPr>
+      <p:pic>
+        <p:nvPicPr>
+          <p:cNvPr id="10" name="그림 9">
+            <a:extLst>
+              <a:ext uri="{FF2B5EF4-FFF2-40B4-BE49-F238E27FC236}">
+                <a16:creationId xmlns:a16="http://schemas.microsoft.com/office/drawing/2014/main" id="{7F3B3566-3574-4F5F-932B-D05D365369B4}"/>
+              </a:ext>
+            </a:extLst>
+          </p:cNvPr>
+          <p:cNvPicPr>
+            <a:picLocks noChangeAspect="1"/>
+          </p:cNvPicPr>
+          <p:nvPr/>
+        </p:nvPicPr>
+        <p:blipFill>
+          <a:blip r:embed="rId2"/>
+          <a:stretch>
+            <a:fillRect/>
+          </a:stretch>
+        </p:blipFill>
+        <p:spPr>
+          <a:xfrm>
+            <a:off x="4705108" y="2352511"/>
+            <a:ext cx="3467584" cy="2343477"/>
+          </a:xfrm>
+          <a:prstGeom prst="rect">
+            <a:avLst/>
+          </a:prstGeom>
+        </p:spPr>
+      </p:pic>
+      <p:sp>
+        <p:nvSpPr>
+          <p:cNvPr id="4" name="직사각형 3">
+            <a:extLst>
+              <a:ext uri="{FF2B5EF4-FFF2-40B4-BE49-F238E27FC236}">
+                <a16:creationId xmlns:a16="http://schemas.microsoft.com/office/drawing/2014/main" id="{1CD2E149-162C-4423-AB03-84B5912A58A1}"/>
+              </a:ext>
+            </a:extLst>
+          </p:cNvPr>
+          <p:cNvSpPr/>
+          <p:nvPr/>
+        </p:nvSpPr>
+        <p:spPr>
+          <a:xfrm>
+            <a:off x="4714682" y="2443025"/>
+            <a:ext cx="576904" cy="128789"/>
+          </a:xfrm>
+          <a:prstGeom prst="rect">
+            <a:avLst/>
+          </a:prstGeom>
+          <a:solidFill>
+            <a:schemeClr val="bg1">
+              <a:lumMod val="75000"/>
+            </a:schemeClr>
+          </a:solidFill>
+          <a:ln>
+            <a:noFill/>
+          </a:ln>
+        </p:spPr>
+        <p:style>
+          <a:lnRef idx="2">
+            <a:schemeClr val="accent1">
+              <a:shade val="50000"/>
+            </a:schemeClr>
+          </a:lnRef>
+          <a:fillRef idx="1">
+            <a:schemeClr val="accent1"/>
+          </a:fillRef>
+          <a:effectRef idx="0">
+            <a:schemeClr val="accent1"/>
+          </a:effectRef>
+          <a:fontRef idx="minor">
+            <a:schemeClr val="lt1"/>
+          </a:fontRef>
+        </p:style>
+        <p:txBody>
+          <a:bodyPr rtlCol="0" anchor="ctr"/>
+          <a:lstStyle/>
+          <a:p>
+            <a:pPr algn="ctr"/>
+            <a:endParaRPr lang="ko-KR" altLang="en-US"/>
+          </a:p>
+        </p:txBody>
+      </p:sp>
+      <p:sp>
+        <p:nvSpPr>
+          <p:cNvPr id="5" name="직사각형 4">
+            <a:extLst>
+              <a:ext uri="{FF2B5EF4-FFF2-40B4-BE49-F238E27FC236}">
+                <a16:creationId xmlns:a16="http://schemas.microsoft.com/office/drawing/2014/main" id="{92307290-F7DF-48AD-AE00-A32C63FFF6EB}"/>
+              </a:ext>
+            </a:extLst>
+          </p:cNvPr>
+          <p:cNvSpPr/>
+          <p:nvPr/>
+        </p:nvSpPr>
+        <p:spPr>
+          <a:xfrm>
+            <a:off x="4714682" y="2657475"/>
+            <a:ext cx="1724218" cy="323786"/>
+          </a:xfrm>
+          <a:prstGeom prst="rect">
+            <a:avLst/>
+          </a:prstGeom>
+          <a:noFill/>
+          <a:ln w="28575">
+            <a:solidFill>
+              <a:srgbClr val="FF0000"/>
+            </a:solidFill>
+            <a:prstDash val="sysDash"/>
+          </a:ln>
+        </p:spPr>
+        <p:style>
+          <a:lnRef idx="2">
+            <a:schemeClr val="accent1">
+              <a:shade val="50000"/>
+            </a:schemeClr>
+          </a:lnRef>
+          <a:fillRef idx="1">
+            <a:schemeClr val="accent1"/>
+          </a:fillRef>
+          <a:effectRef idx="0">
+            <a:schemeClr val="accent1"/>
+          </a:effectRef>
+          <a:fontRef idx="minor">
+            <a:schemeClr val="lt1"/>
+          </a:fontRef>
+        </p:style>
+        <p:txBody>
+          <a:bodyPr rtlCol="0" anchor="ctr"/>
+          <a:lstStyle/>
+          <a:p>
+            <a:pPr algn="ctr"/>
+            <a:endParaRPr lang="ko-KR" altLang="en-US"/>
+          </a:p>
+        </p:txBody>
+      </p:sp>
+      <p:sp>
+        <p:nvSpPr>
+          <p:cNvPr id="6" name="직사각형 5">
+            <a:extLst>
+              <a:ext uri="{FF2B5EF4-FFF2-40B4-BE49-F238E27FC236}">
+                <a16:creationId xmlns:a16="http://schemas.microsoft.com/office/drawing/2014/main" id="{EF9DCF11-37AE-4E6B-A44D-C8B9F9B82D05}"/>
+              </a:ext>
+            </a:extLst>
+          </p:cNvPr>
+          <p:cNvSpPr/>
+          <p:nvPr/>
+        </p:nvSpPr>
+        <p:spPr>
+          <a:xfrm>
+            <a:off x="4705108" y="4029075"/>
+            <a:ext cx="1724218" cy="514349"/>
+          </a:xfrm>
+          <a:prstGeom prst="rect">
+            <a:avLst/>
+          </a:prstGeom>
+          <a:noFill/>
+          <a:ln w="28575">
+            <a:solidFill>
+              <a:srgbClr val="FF0000"/>
+            </a:solidFill>
+            <a:prstDash val="sysDash"/>
+          </a:ln>
+        </p:spPr>
+        <p:style>
+          <a:lnRef idx="2">
+            <a:schemeClr val="accent1">
+              <a:shade val="50000"/>
+            </a:schemeClr>
+          </a:lnRef>
+          <a:fillRef idx="1">
+            <a:schemeClr val="accent1"/>
+          </a:fillRef>
+          <a:effectRef idx="0">
+            <a:schemeClr val="accent1"/>
+          </a:effectRef>
+          <a:fontRef idx="minor">
+            <a:schemeClr val="lt1"/>
+          </a:fontRef>
+        </p:style>
+        <p:txBody>
+          <a:bodyPr rtlCol="0" anchor="ctr"/>
+          <a:lstStyle/>
+          <a:p>
+            <a:pPr algn="ctr"/>
+            <a:endParaRPr lang="ko-KR" altLang="en-US"/>
+          </a:p>
+        </p:txBody>
+      </p:sp>
+      <p:sp>
+        <p:nvSpPr>
+          <p:cNvPr id="7" name="직사각형 6">
+            <a:extLst>
+              <a:ext uri="{FF2B5EF4-FFF2-40B4-BE49-F238E27FC236}">
+                <a16:creationId xmlns:a16="http://schemas.microsoft.com/office/drawing/2014/main" id="{BA905F3D-1144-4139-83B7-31059D63107F}"/>
+              </a:ext>
+            </a:extLst>
+          </p:cNvPr>
+          <p:cNvSpPr/>
+          <p:nvPr/>
+        </p:nvSpPr>
+        <p:spPr>
+          <a:xfrm>
+            <a:off x="4714682" y="3095487"/>
+            <a:ext cx="576904" cy="128789"/>
+          </a:xfrm>
+          <a:prstGeom prst="rect">
+            <a:avLst/>
+          </a:prstGeom>
+          <a:solidFill>
+            <a:schemeClr val="bg1">
+              <a:lumMod val="75000"/>
+            </a:schemeClr>
+          </a:solidFill>
+          <a:ln>
+            <a:noFill/>
+          </a:ln>
+        </p:spPr>
+        <p:style>
+          <a:lnRef idx="2">
+            <a:schemeClr val="accent1">
+              <a:shade val="50000"/>
+            </a:schemeClr>
+          </a:lnRef>
+          <a:fillRef idx="1">
+            <a:schemeClr val="accent1"/>
+          </a:fillRef>
+          <a:effectRef idx="0">
+            <a:schemeClr val="accent1"/>
+          </a:effectRef>
+          <a:fontRef idx="minor">
+            <a:schemeClr val="lt1"/>
+          </a:fontRef>
+        </p:style>
+        <p:txBody>
+          <a:bodyPr rtlCol="0" anchor="ctr"/>
+          <a:lstStyle/>
+          <a:p>
+            <a:pPr algn="ctr"/>
+            <a:endParaRPr lang="ko-KR" altLang="en-US"/>
+          </a:p>
+        </p:txBody>
+      </p:sp>
+    </p:spTree>
+    <p:extLst>
+      <p:ext uri="{BB962C8B-B14F-4D97-AF65-F5344CB8AC3E}">
+        <p14:creationId xmlns:p14="http://schemas.microsoft.com/office/powerpoint/2010/main" val="2340157151"/>
+      </p:ext>
+    </p:extLst>
+  </p:cSld>
+  <p:clrMapOvr>
+    <a:masterClrMapping/>
+  </p:clrMapOvr>
+</p:sld>
+</file>
+
+<file path=ppt/slides/slide39.xml><?xml version="1.0" encoding="utf-8"?>
+<p:sld xmlns:a="http://schemas.openxmlformats.org/drawingml/2006/main" xmlns:r="http://schemas.openxmlformats.org/officeDocument/2006/relationships" xmlns:p="http://schemas.openxmlformats.org/presentationml/2006/main">
+  <p:cSld>
+    <p:spTree>
+      <p:nvGrpSpPr>
+        <p:cNvPr id="1" name=""/>
+        <p:cNvGrpSpPr/>
+        <p:nvPr/>
+      </p:nvGrpSpPr>
+      <p:grpSpPr>
+        <a:xfrm>
+          <a:off x="0" y="0"/>
+          <a:ext cx="0" cy="0"/>
+          <a:chOff x="0" y="0"/>
+          <a:chExt cx="0" cy="0"/>
+        </a:xfrm>
+      </p:grpSpPr>
+      <p:pic>
+        <p:nvPicPr>
+          <p:cNvPr id="3" name="그림 2">
+            <a:extLst>
+              <a:ext uri="{FF2B5EF4-FFF2-40B4-BE49-F238E27FC236}">
+                <a16:creationId xmlns:a16="http://schemas.microsoft.com/office/drawing/2014/main" id="{A35DE9BB-8809-4AE3-A674-F01A4E3D2106}"/>
+              </a:ext>
+            </a:extLst>
+          </p:cNvPr>
+          <p:cNvPicPr>
+            <a:picLocks noChangeAspect="1"/>
+          </p:cNvPicPr>
+          <p:nvPr/>
+        </p:nvPicPr>
+        <p:blipFill>
+          <a:blip r:embed="rId2"/>
+          <a:stretch>
+            <a:fillRect/>
+          </a:stretch>
+        </p:blipFill>
+        <p:spPr>
+          <a:xfrm>
+            <a:off x="4714682" y="2443025"/>
+            <a:ext cx="2762636" cy="1971950"/>
+          </a:xfrm>
+          <a:prstGeom prst="rect">
+            <a:avLst/>
+          </a:prstGeom>
+        </p:spPr>
+      </p:pic>
+      <p:sp>
+        <p:nvSpPr>
+          <p:cNvPr id="4" name="직사각형 3">
+            <a:extLst>
+              <a:ext uri="{FF2B5EF4-FFF2-40B4-BE49-F238E27FC236}">
+                <a16:creationId xmlns:a16="http://schemas.microsoft.com/office/drawing/2014/main" id="{1CD2E149-162C-4423-AB03-84B5912A58A1}"/>
+              </a:ext>
+            </a:extLst>
+          </p:cNvPr>
+          <p:cNvSpPr/>
+          <p:nvPr/>
+        </p:nvSpPr>
+        <p:spPr>
+          <a:xfrm>
+            <a:off x="4714682" y="2443025"/>
+            <a:ext cx="576904" cy="128789"/>
+          </a:xfrm>
+          <a:prstGeom prst="rect">
+            <a:avLst/>
+          </a:prstGeom>
+          <a:solidFill>
+            <a:schemeClr val="bg1">
+              <a:lumMod val="75000"/>
+            </a:schemeClr>
+          </a:solidFill>
+          <a:ln>
+            <a:noFill/>
+          </a:ln>
+        </p:spPr>
+        <p:style>
+          <a:lnRef idx="2">
+            <a:schemeClr val="accent1">
+              <a:shade val="50000"/>
+            </a:schemeClr>
+          </a:lnRef>
+          <a:fillRef idx="1">
+            <a:schemeClr val="accent1"/>
+          </a:fillRef>
+          <a:effectRef idx="0">
+            <a:schemeClr val="accent1"/>
+          </a:effectRef>
+          <a:fontRef idx="minor">
+            <a:schemeClr val="lt1"/>
+          </a:fontRef>
+        </p:style>
+        <p:txBody>
+          <a:bodyPr rtlCol="0" anchor="ctr"/>
+          <a:lstStyle/>
+          <a:p>
+            <a:pPr algn="ctr"/>
+            <a:endParaRPr lang="ko-KR" altLang="en-US"/>
+          </a:p>
+        </p:txBody>
+      </p:sp>
+      <p:sp>
+        <p:nvSpPr>
+          <p:cNvPr id="5" name="직사각형 4">
+            <a:extLst>
+              <a:ext uri="{FF2B5EF4-FFF2-40B4-BE49-F238E27FC236}">
+                <a16:creationId xmlns:a16="http://schemas.microsoft.com/office/drawing/2014/main" id="{92307290-F7DF-48AD-AE00-A32C63FFF6EB}"/>
+              </a:ext>
+            </a:extLst>
+          </p:cNvPr>
+          <p:cNvSpPr/>
+          <p:nvPr/>
+        </p:nvSpPr>
+        <p:spPr>
+          <a:xfrm>
+            <a:off x="4714682" y="2571814"/>
+            <a:ext cx="1724218" cy="323786"/>
+          </a:xfrm>
+          <a:prstGeom prst="rect">
+            <a:avLst/>
+          </a:prstGeom>
+          <a:noFill/>
+          <a:ln w="28575">
+            <a:solidFill>
+              <a:srgbClr val="FF0000"/>
+            </a:solidFill>
+            <a:prstDash val="sysDash"/>
+          </a:ln>
+        </p:spPr>
+        <p:style>
+          <a:lnRef idx="2">
+            <a:schemeClr val="accent1">
+              <a:shade val="50000"/>
+            </a:schemeClr>
+          </a:lnRef>
+          <a:fillRef idx="1">
+            <a:schemeClr val="accent1"/>
+          </a:fillRef>
+          <a:effectRef idx="0">
+            <a:schemeClr val="accent1"/>
+          </a:effectRef>
+          <a:fontRef idx="minor">
+            <a:schemeClr val="lt1"/>
+          </a:fontRef>
+        </p:style>
+        <p:txBody>
+          <a:bodyPr rtlCol="0" anchor="ctr"/>
+          <a:lstStyle/>
+          <a:p>
+            <a:pPr algn="ctr"/>
+            <a:endParaRPr lang="ko-KR" altLang="en-US"/>
+          </a:p>
+        </p:txBody>
+      </p:sp>
+      <p:sp>
+        <p:nvSpPr>
+          <p:cNvPr id="6" name="직사각형 5">
+            <a:extLst>
+              <a:ext uri="{FF2B5EF4-FFF2-40B4-BE49-F238E27FC236}">
+                <a16:creationId xmlns:a16="http://schemas.microsoft.com/office/drawing/2014/main" id="{EF9DCF11-37AE-4E6B-A44D-C8B9F9B82D05}"/>
+              </a:ext>
+            </a:extLst>
+          </p:cNvPr>
+          <p:cNvSpPr/>
+          <p:nvPr/>
+        </p:nvSpPr>
+        <p:spPr>
+          <a:xfrm>
+            <a:off x="4705157" y="3876739"/>
+            <a:ext cx="1724218" cy="323786"/>
+          </a:xfrm>
+          <a:prstGeom prst="rect">
+            <a:avLst/>
+          </a:prstGeom>
+          <a:noFill/>
+          <a:ln w="28575">
+            <a:solidFill>
+              <a:srgbClr val="FF0000"/>
+            </a:solidFill>
+            <a:prstDash val="sysDash"/>
+          </a:ln>
+        </p:spPr>
+        <p:style>
+          <a:lnRef idx="2">
+            <a:schemeClr val="accent1">
+              <a:shade val="50000"/>
+            </a:schemeClr>
+          </a:lnRef>
+          <a:fillRef idx="1">
+            <a:schemeClr val="accent1"/>
+          </a:fillRef>
+          <a:effectRef idx="0">
+            <a:schemeClr val="accent1"/>
+          </a:effectRef>
+          <a:fontRef idx="minor">
+            <a:schemeClr val="lt1"/>
+          </a:fontRef>
+        </p:style>
+        <p:txBody>
+          <a:bodyPr rtlCol="0" anchor="ctr"/>
+          <a:lstStyle/>
+          <a:p>
+            <a:pPr algn="ctr"/>
+            <a:endParaRPr lang="ko-KR" altLang="en-US"/>
+          </a:p>
+        </p:txBody>
+      </p:sp>
+      <p:sp>
+        <p:nvSpPr>
+          <p:cNvPr id="7" name="직사각형 6">
+            <a:extLst>
+              <a:ext uri="{FF2B5EF4-FFF2-40B4-BE49-F238E27FC236}">
+                <a16:creationId xmlns:a16="http://schemas.microsoft.com/office/drawing/2014/main" id="{BA905F3D-1144-4139-83B7-31059D63107F}"/>
+              </a:ext>
+            </a:extLst>
+          </p:cNvPr>
+          <p:cNvSpPr/>
+          <p:nvPr/>
+        </p:nvSpPr>
+        <p:spPr>
+          <a:xfrm>
+            <a:off x="4714682" y="2966699"/>
+            <a:ext cx="576904" cy="128789"/>
+          </a:xfrm>
+          <a:prstGeom prst="rect">
+            <a:avLst/>
+          </a:prstGeom>
+          <a:solidFill>
+            <a:schemeClr val="bg1">
+              <a:lumMod val="75000"/>
+            </a:schemeClr>
+          </a:solidFill>
+          <a:ln>
+            <a:noFill/>
+          </a:ln>
+        </p:spPr>
+        <p:style>
+          <a:lnRef idx="2">
+            <a:schemeClr val="accent1">
+              <a:shade val="50000"/>
+            </a:schemeClr>
+          </a:lnRef>
+          <a:fillRef idx="1">
+            <a:schemeClr val="accent1"/>
+          </a:fillRef>
+          <a:effectRef idx="0">
+            <a:schemeClr val="accent1"/>
+          </a:effectRef>
+          <a:fontRef idx="minor">
+            <a:schemeClr val="lt1"/>
+          </a:fontRef>
+        </p:style>
+        <p:txBody>
+          <a:bodyPr rtlCol="0" anchor="ctr"/>
+          <a:lstStyle/>
+          <a:p>
+            <a:pPr algn="ctr"/>
+            <a:endParaRPr lang="ko-KR" altLang="en-US"/>
+          </a:p>
+        </p:txBody>
+      </p:sp>
+    </p:spTree>
+    <p:extLst>
+      <p:ext uri="{BB962C8B-B14F-4D97-AF65-F5344CB8AC3E}">
+        <p14:creationId xmlns:p14="http://schemas.microsoft.com/office/powerpoint/2010/main" val="2113987953"/>
+      </p:ext>
+    </p:extLst>
+  </p:cSld>
+  <p:clrMapOvr>
+    <a:masterClrMapping/>
+  </p:clrMapOvr>
+</p:sld>
+</file>
+
 <file path=ppt/slides/slide4.xml><?xml version="1.0" encoding="utf-8"?>
 <p:sld xmlns:a="http://schemas.openxmlformats.org/drawingml/2006/main" xmlns:r="http://schemas.openxmlformats.org/officeDocument/2006/relationships" xmlns:p="http://schemas.openxmlformats.org/presentationml/2006/main">
   <p:cSld>
@@ -20499,6 +27468,2791 @@
     <p:extLst>
       <p:ext uri="{BB962C8B-B14F-4D97-AF65-F5344CB8AC3E}">
         <p14:creationId xmlns:p14="http://schemas.microsoft.com/office/powerpoint/2010/main" val="2987707350"/>
+      </p:ext>
+    </p:extLst>
+  </p:cSld>
+  <p:clrMapOvr>
+    <a:masterClrMapping/>
+  </p:clrMapOvr>
+</p:sld>
+</file>
+
+<file path=ppt/slides/slide40.xml><?xml version="1.0" encoding="utf-8"?>
+<p:sld xmlns:a="http://schemas.openxmlformats.org/drawingml/2006/main" xmlns:r="http://schemas.openxmlformats.org/officeDocument/2006/relationships" xmlns:p="http://schemas.openxmlformats.org/presentationml/2006/main">
+  <p:cSld>
+    <p:spTree>
+      <p:nvGrpSpPr>
+        <p:cNvPr id="1" name=""/>
+        <p:cNvGrpSpPr/>
+        <p:nvPr/>
+      </p:nvGrpSpPr>
+      <p:grpSpPr>
+        <a:xfrm>
+          <a:off x="0" y="0"/>
+          <a:ext cx="0" cy="0"/>
+          <a:chOff x="0" y="0"/>
+          <a:chExt cx="0" cy="0"/>
+        </a:xfrm>
+      </p:grpSpPr>
+      <p:grpSp>
+        <p:nvGrpSpPr>
+          <p:cNvPr id="7" name="그룹 6">
+            <a:extLst>
+              <a:ext uri="{FF2B5EF4-FFF2-40B4-BE49-F238E27FC236}">
+                <a16:creationId xmlns:a16="http://schemas.microsoft.com/office/drawing/2014/main" id="{08CA45A4-D6DA-4FFA-8C48-16D4264A1B06}"/>
+              </a:ext>
+            </a:extLst>
+          </p:cNvPr>
+          <p:cNvGrpSpPr/>
+          <p:nvPr/>
+        </p:nvGrpSpPr>
+        <p:grpSpPr>
+          <a:xfrm>
+            <a:off x="613003" y="4178299"/>
+            <a:ext cx="996798" cy="1177212"/>
+            <a:chOff x="1400403" y="4127499"/>
+            <a:chExt cx="996798" cy="1177212"/>
+          </a:xfrm>
+        </p:grpSpPr>
+        <p:pic>
+          <p:nvPicPr>
+            <p:cNvPr id="3" name="그림 2">
+              <a:extLst>
+                <a:ext uri="{FF2B5EF4-FFF2-40B4-BE49-F238E27FC236}">
+                  <a16:creationId xmlns:a16="http://schemas.microsoft.com/office/drawing/2014/main" id="{9A4CE93E-B10B-4A3A-9E47-EDBCE782B5EB}"/>
+                </a:ext>
+              </a:extLst>
+            </p:cNvPr>
+            <p:cNvPicPr>
+              <a:picLocks noChangeAspect="1"/>
+            </p:cNvPicPr>
+            <p:nvPr/>
+          </p:nvPicPr>
+          <p:blipFill>
+            <a:blip r:embed="rId2">
+              <a:extLst>
+                <a:ext uri="{28A0092B-C50C-407E-A947-70E740481C1C}">
+                  <a14:useLocalDpi xmlns:a14="http://schemas.microsoft.com/office/drawing/2010/main" val="0"/>
+                </a:ext>
+              </a:extLst>
+            </a:blip>
+            <a:stretch>
+              <a:fillRect/>
+            </a:stretch>
+          </p:blipFill>
+          <p:spPr>
+            <a:xfrm>
+              <a:off x="1549705" y="4127499"/>
+              <a:ext cx="698195" cy="698195"/>
+            </a:xfrm>
+            <a:prstGeom prst="rect">
+              <a:avLst/>
+            </a:prstGeom>
+          </p:spPr>
+        </p:pic>
+        <p:sp>
+          <p:nvSpPr>
+            <p:cNvPr id="4" name="TextBox 3">
+              <a:extLst>
+                <a:ext uri="{FF2B5EF4-FFF2-40B4-BE49-F238E27FC236}">
+                  <a16:creationId xmlns:a16="http://schemas.microsoft.com/office/drawing/2014/main" id="{7C20D63D-521C-498B-9FD2-1FA384A89DF2}"/>
+                </a:ext>
+              </a:extLst>
+            </p:cNvPr>
+            <p:cNvSpPr txBox="1"/>
+            <p:nvPr/>
+          </p:nvSpPr>
+          <p:spPr>
+            <a:xfrm>
+              <a:off x="1400403" y="4996934"/>
+              <a:ext cx="996798" cy="307777"/>
+            </a:xfrm>
+            <a:prstGeom prst="rect">
+              <a:avLst/>
+            </a:prstGeom>
+            <a:noFill/>
+          </p:spPr>
+          <p:txBody>
+            <a:bodyPr wrap="square" rtlCol="0">
+              <a:spAutoFit/>
+            </a:bodyPr>
+            <a:lstStyle/>
+            <a:p>
+              <a:pPr algn="ctr"/>
+              <a:r>
+                <a:rPr lang="en-US" altLang="ko-KR" sz="1400" dirty="0">
+                  <a:latin typeface="AppleSDGothicNeoM00" panose="02000503000000000000" pitchFamily="2" charset="-127"/>
+                  <a:ea typeface="AppleSDGothicNeoM00" panose="02000503000000000000" pitchFamily="2" charset="-127"/>
+                </a:rPr>
+                <a:t>f1.txt</a:t>
+              </a:r>
+              <a:endParaRPr lang="ko-KR" altLang="en-US" sz="1400" dirty="0">
+                <a:latin typeface="AppleSDGothicNeoM00" panose="02000503000000000000" pitchFamily="2" charset="-127"/>
+                <a:ea typeface="AppleSDGothicNeoM00" panose="02000503000000000000" pitchFamily="2" charset="-127"/>
+              </a:endParaRPr>
+            </a:p>
+          </p:txBody>
+        </p:sp>
+      </p:grpSp>
+      <p:grpSp>
+        <p:nvGrpSpPr>
+          <p:cNvPr id="8" name="그룹 7">
+            <a:extLst>
+              <a:ext uri="{FF2B5EF4-FFF2-40B4-BE49-F238E27FC236}">
+                <a16:creationId xmlns:a16="http://schemas.microsoft.com/office/drawing/2014/main" id="{B998628B-6428-43CD-9AF7-38C0C21BE3C5}"/>
+              </a:ext>
+            </a:extLst>
+          </p:cNvPr>
+          <p:cNvGrpSpPr/>
+          <p:nvPr/>
+        </p:nvGrpSpPr>
+        <p:grpSpPr>
+          <a:xfrm>
+            <a:off x="3026003" y="4178299"/>
+            <a:ext cx="996798" cy="1177212"/>
+            <a:chOff x="1400403" y="4127499"/>
+            <a:chExt cx="996798" cy="1177212"/>
+          </a:xfrm>
+        </p:grpSpPr>
+        <p:pic>
+          <p:nvPicPr>
+            <p:cNvPr id="9" name="그림 8">
+              <a:extLst>
+                <a:ext uri="{FF2B5EF4-FFF2-40B4-BE49-F238E27FC236}">
+                  <a16:creationId xmlns:a16="http://schemas.microsoft.com/office/drawing/2014/main" id="{EFDCFE6E-CE1F-4A3C-884B-E5C305EE327F}"/>
+                </a:ext>
+              </a:extLst>
+            </p:cNvPr>
+            <p:cNvPicPr>
+              <a:picLocks noChangeAspect="1"/>
+            </p:cNvPicPr>
+            <p:nvPr/>
+          </p:nvPicPr>
+          <p:blipFill>
+            <a:blip r:embed="rId2">
+              <a:extLst>
+                <a:ext uri="{28A0092B-C50C-407E-A947-70E740481C1C}">
+                  <a14:useLocalDpi xmlns:a14="http://schemas.microsoft.com/office/drawing/2010/main" val="0"/>
+                </a:ext>
+              </a:extLst>
+            </a:blip>
+            <a:stretch>
+              <a:fillRect/>
+            </a:stretch>
+          </p:blipFill>
+          <p:spPr>
+            <a:xfrm>
+              <a:off x="1549705" y="4127499"/>
+              <a:ext cx="698195" cy="698195"/>
+            </a:xfrm>
+            <a:prstGeom prst="rect">
+              <a:avLst/>
+            </a:prstGeom>
+          </p:spPr>
+        </p:pic>
+        <p:sp>
+          <p:nvSpPr>
+            <p:cNvPr id="10" name="TextBox 9">
+              <a:extLst>
+                <a:ext uri="{FF2B5EF4-FFF2-40B4-BE49-F238E27FC236}">
+                  <a16:creationId xmlns:a16="http://schemas.microsoft.com/office/drawing/2014/main" id="{BD5B45B1-5EFD-4EF3-A661-A7671274CA3F}"/>
+                </a:ext>
+              </a:extLst>
+            </p:cNvPr>
+            <p:cNvSpPr txBox="1"/>
+            <p:nvPr/>
+          </p:nvSpPr>
+          <p:spPr>
+            <a:xfrm>
+              <a:off x="1400403" y="4996934"/>
+              <a:ext cx="996798" cy="307777"/>
+            </a:xfrm>
+            <a:prstGeom prst="rect">
+              <a:avLst/>
+            </a:prstGeom>
+            <a:noFill/>
+          </p:spPr>
+          <p:txBody>
+            <a:bodyPr wrap="square" rtlCol="0">
+              <a:spAutoFit/>
+            </a:bodyPr>
+            <a:lstStyle/>
+            <a:p>
+              <a:pPr algn="ctr"/>
+              <a:r>
+                <a:rPr lang="en-US" altLang="ko-KR" sz="1400" dirty="0">
+                  <a:latin typeface="AppleSDGothicNeoM00" panose="02000503000000000000" pitchFamily="2" charset="-127"/>
+                  <a:ea typeface="AppleSDGothicNeoM00" panose="02000503000000000000" pitchFamily="2" charset="-127"/>
+                </a:rPr>
+                <a:t>f2.txt</a:t>
+              </a:r>
+              <a:endParaRPr lang="ko-KR" altLang="en-US" sz="1400" dirty="0">
+                <a:latin typeface="AppleSDGothicNeoM00" panose="02000503000000000000" pitchFamily="2" charset="-127"/>
+                <a:ea typeface="AppleSDGothicNeoM00" panose="02000503000000000000" pitchFamily="2" charset="-127"/>
+              </a:endParaRPr>
+            </a:p>
+          </p:txBody>
+        </p:sp>
+      </p:grpSp>
+      <p:sp>
+        <p:nvSpPr>
+          <p:cNvPr id="21" name="자유형: 도형 20">
+            <a:extLst>
+              <a:ext uri="{FF2B5EF4-FFF2-40B4-BE49-F238E27FC236}">
+                <a16:creationId xmlns:a16="http://schemas.microsoft.com/office/drawing/2014/main" id="{C05E4B6F-8376-4B37-BDE1-C51A2C65AE8A}"/>
+              </a:ext>
+            </a:extLst>
+          </p:cNvPr>
+          <p:cNvSpPr/>
+          <p:nvPr/>
+        </p:nvSpPr>
+        <p:spPr>
+          <a:xfrm>
+            <a:off x="1894154" y="4363205"/>
+            <a:ext cx="847497" cy="328381"/>
+          </a:xfrm>
+          <a:custGeom>
+            <a:avLst/>
+            <a:gdLst>
+              <a:gd name="connsiteX0" fmla="*/ 273050 w 1409395"/>
+              <a:gd name="connsiteY0" fmla="*/ 98320 h 546100"/>
+              <a:gd name="connsiteX1" fmla="*/ 95250 w 1409395"/>
+              <a:gd name="connsiteY1" fmla="*/ 276120 h 546100"/>
+              <a:gd name="connsiteX2" fmla="*/ 273050 w 1409395"/>
+              <a:gd name="connsiteY2" fmla="*/ 453920 h 546100"/>
+              <a:gd name="connsiteX3" fmla="*/ 450850 w 1409395"/>
+              <a:gd name="connsiteY3" fmla="*/ 276120 h 546100"/>
+              <a:gd name="connsiteX4" fmla="*/ 273050 w 1409395"/>
+              <a:gd name="connsiteY4" fmla="*/ 98320 h 546100"/>
+              <a:gd name="connsiteX5" fmla="*/ 273050 w 1409395"/>
+              <a:gd name="connsiteY5" fmla="*/ 0 h 546100"/>
+              <a:gd name="connsiteX6" fmla="*/ 524642 w 1409395"/>
+              <a:gd name="connsiteY6" fmla="*/ 166767 h 546100"/>
+              <a:gd name="connsiteX7" fmla="*/ 526870 w 1409395"/>
+              <a:gd name="connsiteY7" fmla="*/ 177800 h 546100"/>
+              <a:gd name="connsiteX8" fmla="*/ 1218895 w 1409395"/>
+              <a:gd name="connsiteY8" fmla="*/ 177800 h 546100"/>
+              <a:gd name="connsiteX9" fmla="*/ 1218895 w 1409395"/>
+              <a:gd name="connsiteY9" fmla="*/ 82550 h 546100"/>
+              <a:gd name="connsiteX10" fmla="*/ 1409395 w 1409395"/>
+              <a:gd name="connsiteY10" fmla="*/ 273050 h 546100"/>
+              <a:gd name="connsiteX11" fmla="*/ 1218895 w 1409395"/>
+              <a:gd name="connsiteY11" fmla="*/ 463550 h 546100"/>
+              <a:gd name="connsiteX12" fmla="*/ 1218895 w 1409395"/>
+              <a:gd name="connsiteY12" fmla="*/ 368300 h 546100"/>
+              <a:gd name="connsiteX13" fmla="*/ 526870 w 1409395"/>
+              <a:gd name="connsiteY13" fmla="*/ 368300 h 546100"/>
+              <a:gd name="connsiteX14" fmla="*/ 524642 w 1409395"/>
+              <a:gd name="connsiteY14" fmla="*/ 379333 h 546100"/>
+              <a:gd name="connsiteX15" fmla="*/ 273050 w 1409395"/>
+              <a:gd name="connsiteY15" fmla="*/ 546100 h 546100"/>
+              <a:gd name="connsiteX16" fmla="*/ 0 w 1409395"/>
+              <a:gd name="connsiteY16" fmla="*/ 273050 h 546100"/>
+              <a:gd name="connsiteX17" fmla="*/ 273050 w 1409395"/>
+              <a:gd name="connsiteY17" fmla="*/ 0 h 546100"/>
+            </a:gdLst>
+            <a:ahLst/>
+            <a:cxnLst>
+              <a:cxn ang="0">
+                <a:pos x="connsiteX0" y="connsiteY0"/>
+              </a:cxn>
+              <a:cxn ang="0">
+                <a:pos x="connsiteX1" y="connsiteY1"/>
+              </a:cxn>
+              <a:cxn ang="0">
+                <a:pos x="connsiteX2" y="connsiteY2"/>
+              </a:cxn>
+              <a:cxn ang="0">
+                <a:pos x="connsiteX3" y="connsiteY3"/>
+              </a:cxn>
+              <a:cxn ang="0">
+                <a:pos x="connsiteX4" y="connsiteY4"/>
+              </a:cxn>
+              <a:cxn ang="0">
+                <a:pos x="connsiteX5" y="connsiteY5"/>
+              </a:cxn>
+              <a:cxn ang="0">
+                <a:pos x="connsiteX6" y="connsiteY6"/>
+              </a:cxn>
+              <a:cxn ang="0">
+                <a:pos x="connsiteX7" y="connsiteY7"/>
+              </a:cxn>
+              <a:cxn ang="0">
+                <a:pos x="connsiteX8" y="connsiteY8"/>
+              </a:cxn>
+              <a:cxn ang="0">
+                <a:pos x="connsiteX9" y="connsiteY9"/>
+              </a:cxn>
+              <a:cxn ang="0">
+                <a:pos x="connsiteX10" y="connsiteY10"/>
+              </a:cxn>
+              <a:cxn ang="0">
+                <a:pos x="connsiteX11" y="connsiteY11"/>
+              </a:cxn>
+              <a:cxn ang="0">
+                <a:pos x="connsiteX12" y="connsiteY12"/>
+              </a:cxn>
+              <a:cxn ang="0">
+                <a:pos x="connsiteX13" y="connsiteY13"/>
+              </a:cxn>
+              <a:cxn ang="0">
+                <a:pos x="connsiteX14" y="connsiteY14"/>
+              </a:cxn>
+              <a:cxn ang="0">
+                <a:pos x="connsiteX15" y="connsiteY15"/>
+              </a:cxn>
+              <a:cxn ang="0">
+                <a:pos x="connsiteX16" y="connsiteY16"/>
+              </a:cxn>
+              <a:cxn ang="0">
+                <a:pos x="connsiteX17" y="connsiteY17"/>
+              </a:cxn>
+            </a:cxnLst>
+            <a:rect l="l" t="t" r="r" b="b"/>
+            <a:pathLst>
+              <a:path w="1409395" h="546100">
+                <a:moveTo>
+                  <a:pt x="273050" y="98320"/>
+                </a:moveTo>
+                <a:cubicBezTo>
+                  <a:pt x="174854" y="98320"/>
+                  <a:pt x="95250" y="177924"/>
+                  <a:pt x="95250" y="276120"/>
+                </a:cubicBezTo>
+                <a:cubicBezTo>
+                  <a:pt x="95250" y="374316"/>
+                  <a:pt x="174854" y="453920"/>
+                  <a:pt x="273050" y="453920"/>
+                </a:cubicBezTo>
+                <a:cubicBezTo>
+                  <a:pt x="371246" y="453920"/>
+                  <a:pt x="450850" y="374316"/>
+                  <a:pt x="450850" y="276120"/>
+                </a:cubicBezTo>
+                <a:cubicBezTo>
+                  <a:pt x="450850" y="177924"/>
+                  <a:pt x="371246" y="98320"/>
+                  <a:pt x="273050" y="98320"/>
+                </a:cubicBezTo>
+                <a:close/>
+                <a:moveTo>
+                  <a:pt x="273050" y="0"/>
+                </a:moveTo>
+                <a:cubicBezTo>
+                  <a:pt x="386151" y="0"/>
+                  <a:pt x="483191" y="68765"/>
+                  <a:pt x="524642" y="166767"/>
+                </a:cubicBezTo>
+                <a:lnTo>
+                  <a:pt x="526870" y="177800"/>
+                </a:lnTo>
+                <a:lnTo>
+                  <a:pt x="1218895" y="177800"/>
+                </a:lnTo>
+                <a:lnTo>
+                  <a:pt x="1218895" y="82550"/>
+                </a:lnTo>
+                <a:lnTo>
+                  <a:pt x="1409395" y="273050"/>
+                </a:lnTo>
+                <a:lnTo>
+                  <a:pt x="1218895" y="463550"/>
+                </a:lnTo>
+                <a:lnTo>
+                  <a:pt x="1218895" y="368300"/>
+                </a:lnTo>
+                <a:lnTo>
+                  <a:pt x="526870" y="368300"/>
+                </a:lnTo>
+                <a:lnTo>
+                  <a:pt x="524642" y="379333"/>
+                </a:lnTo>
+                <a:cubicBezTo>
+                  <a:pt x="483191" y="477335"/>
+                  <a:pt x="386151" y="546100"/>
+                  <a:pt x="273050" y="546100"/>
+                </a:cubicBezTo>
+                <a:cubicBezTo>
+                  <a:pt x="122249" y="546100"/>
+                  <a:pt x="0" y="423851"/>
+                  <a:pt x="0" y="273050"/>
+                </a:cubicBezTo>
+                <a:cubicBezTo>
+                  <a:pt x="0" y="122249"/>
+                  <a:pt x="122249" y="0"/>
+                  <a:pt x="273050" y="0"/>
+                </a:cubicBezTo>
+                <a:close/>
+              </a:path>
+            </a:pathLst>
+          </a:custGeom>
+          <a:solidFill>
+            <a:schemeClr val="tx1"/>
+          </a:solidFill>
+          <a:ln>
+            <a:noFill/>
+          </a:ln>
+        </p:spPr>
+        <p:style>
+          <a:lnRef idx="2">
+            <a:schemeClr val="accent1">
+              <a:shade val="50000"/>
+            </a:schemeClr>
+          </a:lnRef>
+          <a:fillRef idx="1">
+            <a:schemeClr val="accent1"/>
+          </a:fillRef>
+          <a:effectRef idx="0">
+            <a:schemeClr val="accent1"/>
+          </a:effectRef>
+          <a:fontRef idx="minor">
+            <a:schemeClr val="lt1"/>
+          </a:fontRef>
+        </p:style>
+        <p:txBody>
+          <a:bodyPr wrap="square" rtlCol="0" anchor="ctr">
+            <a:noAutofit/>
+          </a:bodyPr>
+          <a:lstStyle/>
+          <a:p>
+            <a:pPr algn="ctr"/>
+            <a:endParaRPr lang="ko-KR" altLang="en-US"/>
+          </a:p>
+        </p:txBody>
+      </p:sp>
+      <p:sp>
+        <p:nvSpPr>
+          <p:cNvPr id="22" name="자유형: 도형 21">
+            <a:extLst>
+              <a:ext uri="{FF2B5EF4-FFF2-40B4-BE49-F238E27FC236}">
+                <a16:creationId xmlns:a16="http://schemas.microsoft.com/office/drawing/2014/main" id="{32545EB5-2C70-4BD2-8D88-1F41ED41009B}"/>
+              </a:ext>
+            </a:extLst>
+          </p:cNvPr>
+          <p:cNvSpPr/>
+          <p:nvPr/>
+        </p:nvSpPr>
+        <p:spPr>
+          <a:xfrm rot="19064363">
+            <a:off x="4205554" y="3722099"/>
+            <a:ext cx="847497" cy="328381"/>
+          </a:xfrm>
+          <a:custGeom>
+            <a:avLst/>
+            <a:gdLst>
+              <a:gd name="connsiteX0" fmla="*/ 273050 w 1409395"/>
+              <a:gd name="connsiteY0" fmla="*/ 98320 h 546100"/>
+              <a:gd name="connsiteX1" fmla="*/ 95250 w 1409395"/>
+              <a:gd name="connsiteY1" fmla="*/ 276120 h 546100"/>
+              <a:gd name="connsiteX2" fmla="*/ 273050 w 1409395"/>
+              <a:gd name="connsiteY2" fmla="*/ 453920 h 546100"/>
+              <a:gd name="connsiteX3" fmla="*/ 450850 w 1409395"/>
+              <a:gd name="connsiteY3" fmla="*/ 276120 h 546100"/>
+              <a:gd name="connsiteX4" fmla="*/ 273050 w 1409395"/>
+              <a:gd name="connsiteY4" fmla="*/ 98320 h 546100"/>
+              <a:gd name="connsiteX5" fmla="*/ 273050 w 1409395"/>
+              <a:gd name="connsiteY5" fmla="*/ 0 h 546100"/>
+              <a:gd name="connsiteX6" fmla="*/ 524642 w 1409395"/>
+              <a:gd name="connsiteY6" fmla="*/ 166767 h 546100"/>
+              <a:gd name="connsiteX7" fmla="*/ 526870 w 1409395"/>
+              <a:gd name="connsiteY7" fmla="*/ 177800 h 546100"/>
+              <a:gd name="connsiteX8" fmla="*/ 1218895 w 1409395"/>
+              <a:gd name="connsiteY8" fmla="*/ 177800 h 546100"/>
+              <a:gd name="connsiteX9" fmla="*/ 1218895 w 1409395"/>
+              <a:gd name="connsiteY9" fmla="*/ 82550 h 546100"/>
+              <a:gd name="connsiteX10" fmla="*/ 1409395 w 1409395"/>
+              <a:gd name="connsiteY10" fmla="*/ 273050 h 546100"/>
+              <a:gd name="connsiteX11" fmla="*/ 1218895 w 1409395"/>
+              <a:gd name="connsiteY11" fmla="*/ 463550 h 546100"/>
+              <a:gd name="connsiteX12" fmla="*/ 1218895 w 1409395"/>
+              <a:gd name="connsiteY12" fmla="*/ 368300 h 546100"/>
+              <a:gd name="connsiteX13" fmla="*/ 526870 w 1409395"/>
+              <a:gd name="connsiteY13" fmla="*/ 368300 h 546100"/>
+              <a:gd name="connsiteX14" fmla="*/ 524642 w 1409395"/>
+              <a:gd name="connsiteY14" fmla="*/ 379333 h 546100"/>
+              <a:gd name="connsiteX15" fmla="*/ 273050 w 1409395"/>
+              <a:gd name="connsiteY15" fmla="*/ 546100 h 546100"/>
+              <a:gd name="connsiteX16" fmla="*/ 0 w 1409395"/>
+              <a:gd name="connsiteY16" fmla="*/ 273050 h 546100"/>
+              <a:gd name="connsiteX17" fmla="*/ 273050 w 1409395"/>
+              <a:gd name="connsiteY17" fmla="*/ 0 h 546100"/>
+            </a:gdLst>
+            <a:ahLst/>
+            <a:cxnLst>
+              <a:cxn ang="0">
+                <a:pos x="connsiteX0" y="connsiteY0"/>
+              </a:cxn>
+              <a:cxn ang="0">
+                <a:pos x="connsiteX1" y="connsiteY1"/>
+              </a:cxn>
+              <a:cxn ang="0">
+                <a:pos x="connsiteX2" y="connsiteY2"/>
+              </a:cxn>
+              <a:cxn ang="0">
+                <a:pos x="connsiteX3" y="connsiteY3"/>
+              </a:cxn>
+              <a:cxn ang="0">
+                <a:pos x="connsiteX4" y="connsiteY4"/>
+              </a:cxn>
+              <a:cxn ang="0">
+                <a:pos x="connsiteX5" y="connsiteY5"/>
+              </a:cxn>
+              <a:cxn ang="0">
+                <a:pos x="connsiteX6" y="connsiteY6"/>
+              </a:cxn>
+              <a:cxn ang="0">
+                <a:pos x="connsiteX7" y="connsiteY7"/>
+              </a:cxn>
+              <a:cxn ang="0">
+                <a:pos x="connsiteX8" y="connsiteY8"/>
+              </a:cxn>
+              <a:cxn ang="0">
+                <a:pos x="connsiteX9" y="connsiteY9"/>
+              </a:cxn>
+              <a:cxn ang="0">
+                <a:pos x="connsiteX10" y="connsiteY10"/>
+              </a:cxn>
+              <a:cxn ang="0">
+                <a:pos x="connsiteX11" y="connsiteY11"/>
+              </a:cxn>
+              <a:cxn ang="0">
+                <a:pos x="connsiteX12" y="connsiteY12"/>
+              </a:cxn>
+              <a:cxn ang="0">
+                <a:pos x="connsiteX13" y="connsiteY13"/>
+              </a:cxn>
+              <a:cxn ang="0">
+                <a:pos x="connsiteX14" y="connsiteY14"/>
+              </a:cxn>
+              <a:cxn ang="0">
+                <a:pos x="connsiteX15" y="connsiteY15"/>
+              </a:cxn>
+              <a:cxn ang="0">
+                <a:pos x="connsiteX16" y="connsiteY16"/>
+              </a:cxn>
+              <a:cxn ang="0">
+                <a:pos x="connsiteX17" y="connsiteY17"/>
+              </a:cxn>
+            </a:cxnLst>
+            <a:rect l="l" t="t" r="r" b="b"/>
+            <a:pathLst>
+              <a:path w="1409395" h="546100">
+                <a:moveTo>
+                  <a:pt x="273050" y="98320"/>
+                </a:moveTo>
+                <a:cubicBezTo>
+                  <a:pt x="174854" y="98320"/>
+                  <a:pt x="95250" y="177924"/>
+                  <a:pt x="95250" y="276120"/>
+                </a:cubicBezTo>
+                <a:cubicBezTo>
+                  <a:pt x="95250" y="374316"/>
+                  <a:pt x="174854" y="453920"/>
+                  <a:pt x="273050" y="453920"/>
+                </a:cubicBezTo>
+                <a:cubicBezTo>
+                  <a:pt x="371246" y="453920"/>
+                  <a:pt x="450850" y="374316"/>
+                  <a:pt x="450850" y="276120"/>
+                </a:cubicBezTo>
+                <a:cubicBezTo>
+                  <a:pt x="450850" y="177924"/>
+                  <a:pt x="371246" y="98320"/>
+                  <a:pt x="273050" y="98320"/>
+                </a:cubicBezTo>
+                <a:close/>
+                <a:moveTo>
+                  <a:pt x="273050" y="0"/>
+                </a:moveTo>
+                <a:cubicBezTo>
+                  <a:pt x="386151" y="0"/>
+                  <a:pt x="483191" y="68765"/>
+                  <a:pt x="524642" y="166767"/>
+                </a:cubicBezTo>
+                <a:lnTo>
+                  <a:pt x="526870" y="177800"/>
+                </a:lnTo>
+                <a:lnTo>
+                  <a:pt x="1218895" y="177800"/>
+                </a:lnTo>
+                <a:lnTo>
+                  <a:pt x="1218895" y="82550"/>
+                </a:lnTo>
+                <a:lnTo>
+                  <a:pt x="1409395" y="273050"/>
+                </a:lnTo>
+                <a:lnTo>
+                  <a:pt x="1218895" y="463550"/>
+                </a:lnTo>
+                <a:lnTo>
+                  <a:pt x="1218895" y="368300"/>
+                </a:lnTo>
+                <a:lnTo>
+                  <a:pt x="526870" y="368300"/>
+                </a:lnTo>
+                <a:lnTo>
+                  <a:pt x="524642" y="379333"/>
+                </a:lnTo>
+                <a:cubicBezTo>
+                  <a:pt x="483191" y="477335"/>
+                  <a:pt x="386151" y="546100"/>
+                  <a:pt x="273050" y="546100"/>
+                </a:cubicBezTo>
+                <a:cubicBezTo>
+                  <a:pt x="122249" y="546100"/>
+                  <a:pt x="0" y="423851"/>
+                  <a:pt x="0" y="273050"/>
+                </a:cubicBezTo>
+                <a:cubicBezTo>
+                  <a:pt x="0" y="122249"/>
+                  <a:pt x="122249" y="0"/>
+                  <a:pt x="273050" y="0"/>
+                </a:cubicBezTo>
+                <a:close/>
+              </a:path>
+            </a:pathLst>
+          </a:custGeom>
+          <a:solidFill>
+            <a:schemeClr val="tx1"/>
+          </a:solidFill>
+          <a:ln>
+            <a:noFill/>
+          </a:ln>
+        </p:spPr>
+        <p:style>
+          <a:lnRef idx="2">
+            <a:schemeClr val="accent1">
+              <a:shade val="50000"/>
+            </a:schemeClr>
+          </a:lnRef>
+          <a:fillRef idx="1">
+            <a:schemeClr val="accent1"/>
+          </a:fillRef>
+          <a:effectRef idx="0">
+            <a:schemeClr val="accent1"/>
+          </a:effectRef>
+          <a:fontRef idx="minor">
+            <a:schemeClr val="lt1"/>
+          </a:fontRef>
+        </p:style>
+        <p:txBody>
+          <a:bodyPr wrap="square" rtlCol="0" anchor="ctr">
+            <a:noAutofit/>
+          </a:bodyPr>
+          <a:lstStyle/>
+          <a:p>
+            <a:pPr algn="ctr"/>
+            <a:endParaRPr lang="ko-KR" altLang="en-US"/>
+          </a:p>
+        </p:txBody>
+      </p:sp>
+      <p:sp>
+        <p:nvSpPr>
+          <p:cNvPr id="23" name="TextBox 22">
+            <a:extLst>
+              <a:ext uri="{FF2B5EF4-FFF2-40B4-BE49-F238E27FC236}">
+                <a16:creationId xmlns:a16="http://schemas.microsoft.com/office/drawing/2014/main" id="{374BFD39-8102-4311-AAE1-83D9A774EDD9}"/>
+              </a:ext>
+            </a:extLst>
+          </p:cNvPr>
+          <p:cNvSpPr txBox="1"/>
+          <p:nvPr/>
+        </p:nvSpPr>
+        <p:spPr>
+          <a:xfrm>
+            <a:off x="4205270" y="3104932"/>
+            <a:ext cx="1179835" cy="369332"/>
+          </a:xfrm>
+          <a:prstGeom prst="rect">
+            <a:avLst/>
+          </a:prstGeom>
+          <a:noFill/>
+        </p:spPr>
+        <p:txBody>
+          <a:bodyPr wrap="square" rtlCol="0">
+            <a:spAutoFit/>
+          </a:bodyPr>
+          <a:lstStyle/>
+          <a:p>
+            <a:pPr algn="ctr"/>
+            <a:r>
+              <a:rPr lang="en-US" altLang="ko-KR" dirty="0">
+                <a:solidFill>
+                  <a:schemeClr val="accent1"/>
+                </a:solidFill>
+                <a:latin typeface="AppleSDGothicNeoM00" panose="02000503000000000000" pitchFamily="2" charset="-127"/>
+                <a:ea typeface="AppleSDGothicNeoM00" panose="02000503000000000000" pitchFamily="2" charset="-127"/>
+              </a:rPr>
+              <a:t>exp</a:t>
+            </a:r>
+            <a:endParaRPr lang="ko-KR" altLang="en-US" dirty="0">
+              <a:solidFill>
+                <a:schemeClr val="accent1"/>
+              </a:solidFill>
+              <a:latin typeface="AppleSDGothicNeoM00" panose="02000503000000000000" pitchFamily="2" charset="-127"/>
+              <a:ea typeface="AppleSDGothicNeoM00" panose="02000503000000000000" pitchFamily="2" charset="-127"/>
+            </a:endParaRPr>
+          </a:p>
+        </p:txBody>
+      </p:sp>
+      <p:sp>
+        <p:nvSpPr>
+          <p:cNvPr id="24" name="자유형: 도형 23">
+            <a:extLst>
+              <a:ext uri="{FF2B5EF4-FFF2-40B4-BE49-F238E27FC236}">
+                <a16:creationId xmlns:a16="http://schemas.microsoft.com/office/drawing/2014/main" id="{7D7B8D12-4A2E-4E0E-9C43-1A3D1B6D7088}"/>
+              </a:ext>
+            </a:extLst>
+          </p:cNvPr>
+          <p:cNvSpPr/>
+          <p:nvPr/>
+        </p:nvSpPr>
+        <p:spPr>
+          <a:xfrm>
+            <a:off x="4297532" y="4407988"/>
+            <a:ext cx="847497" cy="328381"/>
+          </a:xfrm>
+          <a:custGeom>
+            <a:avLst/>
+            <a:gdLst>
+              <a:gd name="connsiteX0" fmla="*/ 273050 w 1409395"/>
+              <a:gd name="connsiteY0" fmla="*/ 98320 h 546100"/>
+              <a:gd name="connsiteX1" fmla="*/ 95250 w 1409395"/>
+              <a:gd name="connsiteY1" fmla="*/ 276120 h 546100"/>
+              <a:gd name="connsiteX2" fmla="*/ 273050 w 1409395"/>
+              <a:gd name="connsiteY2" fmla="*/ 453920 h 546100"/>
+              <a:gd name="connsiteX3" fmla="*/ 450850 w 1409395"/>
+              <a:gd name="connsiteY3" fmla="*/ 276120 h 546100"/>
+              <a:gd name="connsiteX4" fmla="*/ 273050 w 1409395"/>
+              <a:gd name="connsiteY4" fmla="*/ 98320 h 546100"/>
+              <a:gd name="connsiteX5" fmla="*/ 273050 w 1409395"/>
+              <a:gd name="connsiteY5" fmla="*/ 0 h 546100"/>
+              <a:gd name="connsiteX6" fmla="*/ 524642 w 1409395"/>
+              <a:gd name="connsiteY6" fmla="*/ 166767 h 546100"/>
+              <a:gd name="connsiteX7" fmla="*/ 526870 w 1409395"/>
+              <a:gd name="connsiteY7" fmla="*/ 177800 h 546100"/>
+              <a:gd name="connsiteX8" fmla="*/ 1218895 w 1409395"/>
+              <a:gd name="connsiteY8" fmla="*/ 177800 h 546100"/>
+              <a:gd name="connsiteX9" fmla="*/ 1218895 w 1409395"/>
+              <a:gd name="connsiteY9" fmla="*/ 82550 h 546100"/>
+              <a:gd name="connsiteX10" fmla="*/ 1409395 w 1409395"/>
+              <a:gd name="connsiteY10" fmla="*/ 273050 h 546100"/>
+              <a:gd name="connsiteX11" fmla="*/ 1218895 w 1409395"/>
+              <a:gd name="connsiteY11" fmla="*/ 463550 h 546100"/>
+              <a:gd name="connsiteX12" fmla="*/ 1218895 w 1409395"/>
+              <a:gd name="connsiteY12" fmla="*/ 368300 h 546100"/>
+              <a:gd name="connsiteX13" fmla="*/ 526870 w 1409395"/>
+              <a:gd name="connsiteY13" fmla="*/ 368300 h 546100"/>
+              <a:gd name="connsiteX14" fmla="*/ 524642 w 1409395"/>
+              <a:gd name="connsiteY14" fmla="*/ 379333 h 546100"/>
+              <a:gd name="connsiteX15" fmla="*/ 273050 w 1409395"/>
+              <a:gd name="connsiteY15" fmla="*/ 546100 h 546100"/>
+              <a:gd name="connsiteX16" fmla="*/ 0 w 1409395"/>
+              <a:gd name="connsiteY16" fmla="*/ 273050 h 546100"/>
+              <a:gd name="connsiteX17" fmla="*/ 273050 w 1409395"/>
+              <a:gd name="connsiteY17" fmla="*/ 0 h 546100"/>
+            </a:gdLst>
+            <a:ahLst/>
+            <a:cxnLst>
+              <a:cxn ang="0">
+                <a:pos x="connsiteX0" y="connsiteY0"/>
+              </a:cxn>
+              <a:cxn ang="0">
+                <a:pos x="connsiteX1" y="connsiteY1"/>
+              </a:cxn>
+              <a:cxn ang="0">
+                <a:pos x="connsiteX2" y="connsiteY2"/>
+              </a:cxn>
+              <a:cxn ang="0">
+                <a:pos x="connsiteX3" y="connsiteY3"/>
+              </a:cxn>
+              <a:cxn ang="0">
+                <a:pos x="connsiteX4" y="connsiteY4"/>
+              </a:cxn>
+              <a:cxn ang="0">
+                <a:pos x="connsiteX5" y="connsiteY5"/>
+              </a:cxn>
+              <a:cxn ang="0">
+                <a:pos x="connsiteX6" y="connsiteY6"/>
+              </a:cxn>
+              <a:cxn ang="0">
+                <a:pos x="connsiteX7" y="connsiteY7"/>
+              </a:cxn>
+              <a:cxn ang="0">
+                <a:pos x="connsiteX8" y="connsiteY8"/>
+              </a:cxn>
+              <a:cxn ang="0">
+                <a:pos x="connsiteX9" y="connsiteY9"/>
+              </a:cxn>
+              <a:cxn ang="0">
+                <a:pos x="connsiteX10" y="connsiteY10"/>
+              </a:cxn>
+              <a:cxn ang="0">
+                <a:pos x="connsiteX11" y="connsiteY11"/>
+              </a:cxn>
+              <a:cxn ang="0">
+                <a:pos x="connsiteX12" y="connsiteY12"/>
+              </a:cxn>
+              <a:cxn ang="0">
+                <a:pos x="connsiteX13" y="connsiteY13"/>
+              </a:cxn>
+              <a:cxn ang="0">
+                <a:pos x="connsiteX14" y="connsiteY14"/>
+              </a:cxn>
+              <a:cxn ang="0">
+                <a:pos x="connsiteX15" y="connsiteY15"/>
+              </a:cxn>
+              <a:cxn ang="0">
+                <a:pos x="connsiteX16" y="connsiteY16"/>
+              </a:cxn>
+              <a:cxn ang="0">
+                <a:pos x="connsiteX17" y="connsiteY17"/>
+              </a:cxn>
+            </a:cxnLst>
+            <a:rect l="l" t="t" r="r" b="b"/>
+            <a:pathLst>
+              <a:path w="1409395" h="546100">
+                <a:moveTo>
+                  <a:pt x="273050" y="98320"/>
+                </a:moveTo>
+                <a:cubicBezTo>
+                  <a:pt x="174854" y="98320"/>
+                  <a:pt x="95250" y="177924"/>
+                  <a:pt x="95250" y="276120"/>
+                </a:cubicBezTo>
+                <a:cubicBezTo>
+                  <a:pt x="95250" y="374316"/>
+                  <a:pt x="174854" y="453920"/>
+                  <a:pt x="273050" y="453920"/>
+                </a:cubicBezTo>
+                <a:cubicBezTo>
+                  <a:pt x="371246" y="453920"/>
+                  <a:pt x="450850" y="374316"/>
+                  <a:pt x="450850" y="276120"/>
+                </a:cubicBezTo>
+                <a:cubicBezTo>
+                  <a:pt x="450850" y="177924"/>
+                  <a:pt x="371246" y="98320"/>
+                  <a:pt x="273050" y="98320"/>
+                </a:cubicBezTo>
+                <a:close/>
+                <a:moveTo>
+                  <a:pt x="273050" y="0"/>
+                </a:moveTo>
+                <a:cubicBezTo>
+                  <a:pt x="386151" y="0"/>
+                  <a:pt x="483191" y="68765"/>
+                  <a:pt x="524642" y="166767"/>
+                </a:cubicBezTo>
+                <a:lnTo>
+                  <a:pt x="526870" y="177800"/>
+                </a:lnTo>
+                <a:lnTo>
+                  <a:pt x="1218895" y="177800"/>
+                </a:lnTo>
+                <a:lnTo>
+                  <a:pt x="1218895" y="82550"/>
+                </a:lnTo>
+                <a:lnTo>
+                  <a:pt x="1409395" y="273050"/>
+                </a:lnTo>
+                <a:lnTo>
+                  <a:pt x="1218895" y="463550"/>
+                </a:lnTo>
+                <a:lnTo>
+                  <a:pt x="1218895" y="368300"/>
+                </a:lnTo>
+                <a:lnTo>
+                  <a:pt x="526870" y="368300"/>
+                </a:lnTo>
+                <a:lnTo>
+                  <a:pt x="524642" y="379333"/>
+                </a:lnTo>
+                <a:cubicBezTo>
+                  <a:pt x="483191" y="477335"/>
+                  <a:pt x="386151" y="546100"/>
+                  <a:pt x="273050" y="546100"/>
+                </a:cubicBezTo>
+                <a:cubicBezTo>
+                  <a:pt x="122249" y="546100"/>
+                  <a:pt x="0" y="423851"/>
+                  <a:pt x="0" y="273050"/>
+                </a:cubicBezTo>
+                <a:cubicBezTo>
+                  <a:pt x="0" y="122249"/>
+                  <a:pt x="122249" y="0"/>
+                  <a:pt x="273050" y="0"/>
+                </a:cubicBezTo>
+                <a:close/>
+              </a:path>
+            </a:pathLst>
+          </a:custGeom>
+          <a:solidFill>
+            <a:schemeClr val="tx1"/>
+          </a:solidFill>
+          <a:ln>
+            <a:noFill/>
+          </a:ln>
+        </p:spPr>
+        <p:style>
+          <a:lnRef idx="2">
+            <a:schemeClr val="accent1">
+              <a:shade val="50000"/>
+            </a:schemeClr>
+          </a:lnRef>
+          <a:fillRef idx="1">
+            <a:schemeClr val="accent1"/>
+          </a:fillRef>
+          <a:effectRef idx="0">
+            <a:schemeClr val="accent1"/>
+          </a:effectRef>
+          <a:fontRef idx="minor">
+            <a:schemeClr val="lt1"/>
+          </a:fontRef>
+        </p:style>
+        <p:txBody>
+          <a:bodyPr wrap="square" rtlCol="0" anchor="ctr">
+            <a:noAutofit/>
+          </a:bodyPr>
+          <a:lstStyle/>
+          <a:p>
+            <a:pPr algn="ctr"/>
+            <a:endParaRPr lang="ko-KR" altLang="en-US"/>
+          </a:p>
+        </p:txBody>
+      </p:sp>
+      <p:grpSp>
+        <p:nvGrpSpPr>
+          <p:cNvPr id="34" name="그룹 33">
+            <a:extLst>
+              <a:ext uri="{FF2B5EF4-FFF2-40B4-BE49-F238E27FC236}">
+                <a16:creationId xmlns:a16="http://schemas.microsoft.com/office/drawing/2014/main" id="{4372D672-9F36-452C-90EC-8750A77F1537}"/>
+              </a:ext>
+            </a:extLst>
+          </p:cNvPr>
+          <p:cNvGrpSpPr/>
+          <p:nvPr/>
+        </p:nvGrpSpPr>
+        <p:grpSpPr>
+          <a:xfrm>
+            <a:off x="5544773" y="2528629"/>
+            <a:ext cx="1179834" cy="1392655"/>
+            <a:chOff x="1308885" y="4127499"/>
+            <a:chExt cx="1179834" cy="1392655"/>
+          </a:xfrm>
+        </p:grpSpPr>
+        <p:pic>
+          <p:nvPicPr>
+            <p:cNvPr id="35" name="그림 34">
+              <a:extLst>
+                <a:ext uri="{FF2B5EF4-FFF2-40B4-BE49-F238E27FC236}">
+                  <a16:creationId xmlns:a16="http://schemas.microsoft.com/office/drawing/2014/main" id="{73E5371D-15C3-443C-B7ED-066235295AA8}"/>
+                </a:ext>
+              </a:extLst>
+            </p:cNvPr>
+            <p:cNvPicPr>
+              <a:picLocks noChangeAspect="1"/>
+            </p:cNvPicPr>
+            <p:nvPr/>
+          </p:nvPicPr>
+          <p:blipFill>
+            <a:blip r:embed="rId2">
+              <a:extLst>
+                <a:ext uri="{28A0092B-C50C-407E-A947-70E740481C1C}">
+                  <a14:useLocalDpi xmlns:a14="http://schemas.microsoft.com/office/drawing/2010/main" val="0"/>
+                </a:ext>
+              </a:extLst>
+            </a:blip>
+            <a:stretch>
+              <a:fillRect/>
+            </a:stretch>
+          </p:blipFill>
+          <p:spPr>
+            <a:xfrm>
+              <a:off x="1549705" y="4127499"/>
+              <a:ext cx="698195" cy="698195"/>
+            </a:xfrm>
+            <a:prstGeom prst="rect">
+              <a:avLst/>
+            </a:prstGeom>
+          </p:spPr>
+        </p:pic>
+        <p:sp>
+          <p:nvSpPr>
+            <p:cNvPr id="36" name="TextBox 35">
+              <a:extLst>
+                <a:ext uri="{FF2B5EF4-FFF2-40B4-BE49-F238E27FC236}">
+                  <a16:creationId xmlns:a16="http://schemas.microsoft.com/office/drawing/2014/main" id="{4DE83C4F-F50D-4973-A345-2B3626A76621}"/>
+                </a:ext>
+              </a:extLst>
+            </p:cNvPr>
+            <p:cNvSpPr txBox="1"/>
+            <p:nvPr/>
+          </p:nvSpPr>
+          <p:spPr>
+            <a:xfrm>
+              <a:off x="1308885" y="4996934"/>
+              <a:ext cx="1179834" cy="523220"/>
+            </a:xfrm>
+            <a:prstGeom prst="rect">
+              <a:avLst/>
+            </a:prstGeom>
+            <a:noFill/>
+          </p:spPr>
+          <p:txBody>
+            <a:bodyPr wrap="square" rtlCol="0">
+              <a:spAutoFit/>
+            </a:bodyPr>
+            <a:lstStyle/>
+            <a:p>
+              <a:pPr algn="ctr"/>
+              <a:r>
+                <a:rPr lang="en-US" altLang="ko-KR" sz="1400" dirty="0">
+                  <a:latin typeface="AppleSDGothicNeoM00" panose="02000503000000000000" pitchFamily="2" charset="-127"/>
+                  <a:ea typeface="AppleSDGothicNeoM00" panose="02000503000000000000" pitchFamily="2" charset="-127"/>
+                </a:rPr>
+                <a:t>f1.txt</a:t>
+              </a:r>
+            </a:p>
+            <a:p>
+              <a:pPr algn="ctr"/>
+              <a:r>
+                <a:rPr lang="en-US" altLang="ko-KR" sz="1400" dirty="0">
+                  <a:solidFill>
+                    <a:srgbClr val="0070C0"/>
+                  </a:solidFill>
+                  <a:latin typeface="AppleSDGothicNeoM00" panose="02000503000000000000" pitchFamily="2" charset="-127"/>
+                  <a:ea typeface="AppleSDGothicNeoM00" panose="02000503000000000000" pitchFamily="2" charset="-127"/>
+                </a:rPr>
+                <a:t>(+”b”)</a:t>
+              </a:r>
+              <a:endParaRPr lang="ko-KR" altLang="en-US" sz="1400" dirty="0">
+                <a:solidFill>
+                  <a:srgbClr val="0070C0"/>
+                </a:solidFill>
+                <a:latin typeface="AppleSDGothicNeoM00" panose="02000503000000000000" pitchFamily="2" charset="-127"/>
+                <a:ea typeface="AppleSDGothicNeoM00" panose="02000503000000000000" pitchFamily="2" charset="-127"/>
+              </a:endParaRPr>
+            </a:p>
+          </p:txBody>
+        </p:sp>
+      </p:grpSp>
+      <p:sp>
+        <p:nvSpPr>
+          <p:cNvPr id="37" name="TextBox 36">
+            <a:extLst>
+              <a:ext uri="{FF2B5EF4-FFF2-40B4-BE49-F238E27FC236}">
+                <a16:creationId xmlns:a16="http://schemas.microsoft.com/office/drawing/2014/main" id="{49359F68-9490-4D7D-ABAC-CB07F924486F}"/>
+              </a:ext>
+            </a:extLst>
+          </p:cNvPr>
+          <p:cNvSpPr txBox="1"/>
+          <p:nvPr/>
+        </p:nvSpPr>
+        <p:spPr>
+          <a:xfrm>
+            <a:off x="4205270" y="4986179"/>
+            <a:ext cx="1179835" cy="369332"/>
+          </a:xfrm>
+          <a:prstGeom prst="rect">
+            <a:avLst/>
+          </a:prstGeom>
+          <a:noFill/>
+        </p:spPr>
+        <p:txBody>
+          <a:bodyPr wrap="square" rtlCol="0">
+            <a:spAutoFit/>
+          </a:bodyPr>
+          <a:lstStyle/>
+          <a:p>
+            <a:pPr algn="ctr"/>
+            <a:r>
+              <a:rPr lang="en-US" altLang="ko-KR" dirty="0">
+                <a:solidFill>
+                  <a:schemeClr val="accent1"/>
+                </a:solidFill>
+                <a:latin typeface="AppleSDGothicNeoM00" panose="02000503000000000000" pitchFamily="2" charset="-127"/>
+                <a:ea typeface="AppleSDGothicNeoM00" panose="02000503000000000000" pitchFamily="2" charset="-127"/>
+              </a:rPr>
+              <a:t>main</a:t>
+            </a:r>
+            <a:endParaRPr lang="ko-KR" altLang="en-US" dirty="0">
+              <a:solidFill>
+                <a:schemeClr val="accent1"/>
+              </a:solidFill>
+              <a:latin typeface="AppleSDGothicNeoM00" panose="02000503000000000000" pitchFamily="2" charset="-127"/>
+              <a:ea typeface="AppleSDGothicNeoM00" panose="02000503000000000000" pitchFamily="2" charset="-127"/>
+            </a:endParaRPr>
+          </a:p>
+        </p:txBody>
+      </p:sp>
+      <p:sp>
+        <p:nvSpPr>
+          <p:cNvPr id="48" name="직사각형 47">
+            <a:extLst>
+              <a:ext uri="{FF2B5EF4-FFF2-40B4-BE49-F238E27FC236}">
+                <a16:creationId xmlns:a16="http://schemas.microsoft.com/office/drawing/2014/main" id="{F2786057-82EC-4C81-B3B6-B195AFE5EE10}"/>
+              </a:ext>
+            </a:extLst>
+          </p:cNvPr>
+          <p:cNvSpPr/>
+          <p:nvPr/>
+        </p:nvSpPr>
+        <p:spPr>
+          <a:xfrm>
+            <a:off x="5592446" y="2397195"/>
+            <a:ext cx="1072274" cy="1524089"/>
+          </a:xfrm>
+          <a:prstGeom prst="rect">
+            <a:avLst/>
+          </a:prstGeom>
+          <a:noFill/>
+          <a:ln w="28575">
+            <a:solidFill>
+              <a:srgbClr val="FF0000"/>
+            </a:solidFill>
+            <a:prstDash val="sysDash"/>
+          </a:ln>
+        </p:spPr>
+        <p:style>
+          <a:lnRef idx="2">
+            <a:schemeClr val="accent1">
+              <a:shade val="50000"/>
+            </a:schemeClr>
+          </a:lnRef>
+          <a:fillRef idx="1">
+            <a:schemeClr val="accent1"/>
+          </a:fillRef>
+          <a:effectRef idx="0">
+            <a:schemeClr val="accent1"/>
+          </a:effectRef>
+          <a:fontRef idx="minor">
+            <a:schemeClr val="lt1"/>
+          </a:fontRef>
+        </p:style>
+        <p:txBody>
+          <a:bodyPr rtlCol="0" anchor="ctr"/>
+          <a:lstStyle/>
+          <a:p>
+            <a:pPr algn="ctr"/>
+            <a:endParaRPr lang="ko-KR" altLang="en-US"/>
+          </a:p>
+        </p:txBody>
+      </p:sp>
+      <p:sp>
+        <p:nvSpPr>
+          <p:cNvPr id="49" name="TextBox 48">
+            <a:extLst>
+              <a:ext uri="{FF2B5EF4-FFF2-40B4-BE49-F238E27FC236}">
+                <a16:creationId xmlns:a16="http://schemas.microsoft.com/office/drawing/2014/main" id="{F1E130FE-2C80-4F2C-BBBA-AE5E851D3F24}"/>
+              </a:ext>
+            </a:extLst>
+          </p:cNvPr>
+          <p:cNvSpPr txBox="1"/>
+          <p:nvPr/>
+        </p:nvSpPr>
+        <p:spPr>
+          <a:xfrm>
+            <a:off x="5506082" y="2023701"/>
+            <a:ext cx="1179835" cy="307777"/>
+          </a:xfrm>
+          <a:prstGeom prst="rect">
+            <a:avLst/>
+          </a:prstGeom>
+          <a:noFill/>
+        </p:spPr>
+        <p:txBody>
+          <a:bodyPr wrap="square" rtlCol="0">
+            <a:spAutoFit/>
+          </a:bodyPr>
+          <a:lstStyle/>
+          <a:p>
+            <a:pPr algn="ctr"/>
+            <a:r>
+              <a:rPr lang="ko-KR" altLang="en-US" sz="1400" dirty="0">
+                <a:solidFill>
+                  <a:srgbClr val="FF0000"/>
+                </a:solidFill>
+                <a:latin typeface="AppleSDGothicNeoM00" panose="02000503000000000000" pitchFamily="2" charset="-127"/>
+                <a:ea typeface="AppleSDGothicNeoM00" panose="02000503000000000000" pitchFamily="2" charset="-127"/>
+              </a:rPr>
+              <a:t>내용 추가</a:t>
+            </a:r>
+          </a:p>
+        </p:txBody>
+      </p:sp>
+      <p:sp>
+        <p:nvSpPr>
+          <p:cNvPr id="2" name="직사각형 1">
+            <a:extLst>
+              <a:ext uri="{FF2B5EF4-FFF2-40B4-BE49-F238E27FC236}">
+                <a16:creationId xmlns:a16="http://schemas.microsoft.com/office/drawing/2014/main" id="{9A76B806-D228-4B8A-9954-61777B874A48}"/>
+              </a:ext>
+            </a:extLst>
+          </p:cNvPr>
+          <p:cNvSpPr/>
+          <p:nvPr/>
+        </p:nvSpPr>
+        <p:spPr>
+          <a:xfrm>
+            <a:off x="4022801" y="1885950"/>
+            <a:ext cx="3244774" cy="2406829"/>
+          </a:xfrm>
+          <a:prstGeom prst="rect">
+            <a:avLst/>
+          </a:prstGeom>
+          <a:solidFill>
+            <a:schemeClr val="bg1">
+              <a:alpha val="60000"/>
+            </a:schemeClr>
+          </a:solidFill>
+          <a:ln w="28575">
+            <a:noFill/>
+            <a:prstDash val="sysDot"/>
+          </a:ln>
+        </p:spPr>
+        <p:style>
+          <a:lnRef idx="2">
+            <a:schemeClr val="accent1">
+              <a:shade val="50000"/>
+            </a:schemeClr>
+          </a:lnRef>
+          <a:fillRef idx="1">
+            <a:schemeClr val="accent1"/>
+          </a:fillRef>
+          <a:effectRef idx="0">
+            <a:schemeClr val="accent1"/>
+          </a:effectRef>
+          <a:fontRef idx="minor">
+            <a:schemeClr val="lt1"/>
+          </a:fontRef>
+        </p:style>
+        <p:txBody>
+          <a:bodyPr rtlCol="0" anchor="ctr"/>
+          <a:lstStyle/>
+          <a:p>
+            <a:pPr algn="ctr"/>
+            <a:endParaRPr lang="ko-KR" altLang="en-US"/>
+          </a:p>
+        </p:txBody>
+      </p:sp>
+      <p:sp>
+        <p:nvSpPr>
+          <p:cNvPr id="20" name="직사각형 19">
+            <a:extLst>
+              <a:ext uri="{FF2B5EF4-FFF2-40B4-BE49-F238E27FC236}">
+                <a16:creationId xmlns:a16="http://schemas.microsoft.com/office/drawing/2014/main" id="{3940DF71-651F-413E-BF00-B67BEA50B55B}"/>
+              </a:ext>
+            </a:extLst>
+          </p:cNvPr>
+          <p:cNvSpPr/>
+          <p:nvPr/>
+        </p:nvSpPr>
+        <p:spPr>
+          <a:xfrm>
+            <a:off x="2983695" y="3810133"/>
+            <a:ext cx="1072274" cy="1524089"/>
+          </a:xfrm>
+          <a:prstGeom prst="rect">
+            <a:avLst/>
+          </a:prstGeom>
+          <a:noFill/>
+          <a:ln w="28575">
+            <a:solidFill>
+              <a:srgbClr val="FF0000"/>
+            </a:solidFill>
+            <a:prstDash val="sysDash"/>
+          </a:ln>
+        </p:spPr>
+        <p:style>
+          <a:lnRef idx="2">
+            <a:schemeClr val="accent1">
+              <a:shade val="50000"/>
+            </a:schemeClr>
+          </a:lnRef>
+          <a:fillRef idx="1">
+            <a:schemeClr val="accent1"/>
+          </a:fillRef>
+          <a:effectRef idx="0">
+            <a:schemeClr val="accent1"/>
+          </a:effectRef>
+          <a:fontRef idx="minor">
+            <a:schemeClr val="lt1"/>
+          </a:fontRef>
+        </p:style>
+        <p:txBody>
+          <a:bodyPr rtlCol="0" anchor="ctr"/>
+          <a:lstStyle/>
+          <a:p>
+            <a:pPr algn="ctr"/>
+            <a:endParaRPr lang="ko-KR" altLang="en-US"/>
+          </a:p>
+        </p:txBody>
+      </p:sp>
+    </p:spTree>
+    <p:extLst>
+      <p:ext uri="{BB962C8B-B14F-4D97-AF65-F5344CB8AC3E}">
+        <p14:creationId xmlns:p14="http://schemas.microsoft.com/office/powerpoint/2010/main" val="920918104"/>
+      </p:ext>
+    </p:extLst>
+  </p:cSld>
+  <p:clrMapOvr>
+    <a:masterClrMapping/>
+  </p:clrMapOvr>
+</p:sld>
+</file>
+
+<file path=ppt/slides/slide41.xml><?xml version="1.0" encoding="utf-8"?>
+<p:sld xmlns:a="http://schemas.openxmlformats.org/drawingml/2006/main" xmlns:r="http://schemas.openxmlformats.org/officeDocument/2006/relationships" xmlns:p="http://schemas.openxmlformats.org/presentationml/2006/main">
+  <p:cSld>
+    <p:spTree>
+      <p:nvGrpSpPr>
+        <p:cNvPr id="1" name=""/>
+        <p:cNvGrpSpPr/>
+        <p:nvPr/>
+      </p:nvGrpSpPr>
+      <p:grpSpPr>
+        <a:xfrm>
+          <a:off x="0" y="0"/>
+          <a:ext cx="0" cy="0"/>
+          <a:chOff x="0" y="0"/>
+          <a:chExt cx="0" cy="0"/>
+        </a:xfrm>
+      </p:grpSpPr>
+      <p:pic>
+        <p:nvPicPr>
+          <p:cNvPr id="3" name="그림 2">
+            <a:extLst>
+              <a:ext uri="{FF2B5EF4-FFF2-40B4-BE49-F238E27FC236}">
+                <a16:creationId xmlns:a16="http://schemas.microsoft.com/office/drawing/2014/main" id="{8B499343-E287-4662-B7F6-E9B4B579DA7F}"/>
+              </a:ext>
+            </a:extLst>
+          </p:cNvPr>
+          <p:cNvPicPr>
+            <a:picLocks noChangeAspect="1"/>
+          </p:cNvPicPr>
+          <p:nvPr/>
+        </p:nvPicPr>
+        <p:blipFill>
+          <a:blip r:embed="rId2"/>
+          <a:stretch>
+            <a:fillRect/>
+          </a:stretch>
+        </p:blipFill>
+        <p:spPr>
+          <a:xfrm>
+            <a:off x="2908735" y="2711537"/>
+            <a:ext cx="4448796" cy="3400900"/>
+          </a:xfrm>
+          <a:prstGeom prst="rect">
+            <a:avLst/>
+          </a:prstGeom>
+        </p:spPr>
+      </p:pic>
+      <p:sp>
+        <p:nvSpPr>
+          <p:cNvPr id="11" name="직사각형 10">
+            <a:extLst>
+              <a:ext uri="{FF2B5EF4-FFF2-40B4-BE49-F238E27FC236}">
+                <a16:creationId xmlns:a16="http://schemas.microsoft.com/office/drawing/2014/main" id="{9DF968F5-A8FD-4327-A0E2-249EB01503AD}"/>
+              </a:ext>
+            </a:extLst>
+          </p:cNvPr>
+          <p:cNvSpPr/>
+          <p:nvPr/>
+        </p:nvSpPr>
+        <p:spPr>
+          <a:xfrm>
+            <a:off x="2908735" y="2711537"/>
+            <a:ext cx="576904" cy="128789"/>
+          </a:xfrm>
+          <a:prstGeom prst="rect">
+            <a:avLst/>
+          </a:prstGeom>
+          <a:solidFill>
+            <a:schemeClr val="bg1">
+              <a:lumMod val="75000"/>
+            </a:schemeClr>
+          </a:solidFill>
+          <a:ln>
+            <a:noFill/>
+          </a:ln>
+        </p:spPr>
+        <p:style>
+          <a:lnRef idx="2">
+            <a:schemeClr val="accent1">
+              <a:shade val="50000"/>
+            </a:schemeClr>
+          </a:lnRef>
+          <a:fillRef idx="1">
+            <a:schemeClr val="accent1"/>
+          </a:fillRef>
+          <a:effectRef idx="0">
+            <a:schemeClr val="accent1"/>
+          </a:effectRef>
+          <a:fontRef idx="minor">
+            <a:schemeClr val="lt1"/>
+          </a:fontRef>
+        </p:style>
+        <p:txBody>
+          <a:bodyPr rtlCol="0" anchor="ctr"/>
+          <a:lstStyle/>
+          <a:p>
+            <a:pPr algn="ctr"/>
+            <a:endParaRPr lang="ko-KR" altLang="en-US"/>
+          </a:p>
+        </p:txBody>
+      </p:sp>
+      <p:sp>
+        <p:nvSpPr>
+          <p:cNvPr id="10" name="직사각형 9">
+            <a:extLst>
+              <a:ext uri="{FF2B5EF4-FFF2-40B4-BE49-F238E27FC236}">
+                <a16:creationId xmlns:a16="http://schemas.microsoft.com/office/drawing/2014/main" id="{5F45C269-1697-4FD3-8ACE-C0635D4667EA}"/>
+              </a:ext>
+            </a:extLst>
+          </p:cNvPr>
+          <p:cNvSpPr/>
+          <p:nvPr/>
+        </p:nvSpPr>
+        <p:spPr>
+          <a:xfrm>
+            <a:off x="2908735" y="2977541"/>
+            <a:ext cx="4111190" cy="1470634"/>
+          </a:xfrm>
+          <a:prstGeom prst="rect">
+            <a:avLst/>
+          </a:prstGeom>
+          <a:noFill/>
+          <a:ln w="38100">
+            <a:solidFill>
+              <a:srgbClr val="FF0000"/>
+            </a:solidFill>
+          </a:ln>
+        </p:spPr>
+        <p:style>
+          <a:lnRef idx="2">
+            <a:schemeClr val="accent1">
+              <a:shade val="50000"/>
+            </a:schemeClr>
+          </a:lnRef>
+          <a:fillRef idx="1">
+            <a:schemeClr val="accent1"/>
+          </a:fillRef>
+          <a:effectRef idx="0">
+            <a:schemeClr val="accent1"/>
+          </a:effectRef>
+          <a:fontRef idx="minor">
+            <a:schemeClr val="lt1"/>
+          </a:fontRef>
+        </p:style>
+        <p:txBody>
+          <a:bodyPr rtlCol="0" anchor="ctr"/>
+          <a:lstStyle/>
+          <a:p>
+            <a:pPr algn="ctr"/>
+            <a:endParaRPr lang="ko-KR" altLang="en-US"/>
+          </a:p>
+        </p:txBody>
+      </p:sp>
+      <p:sp>
+        <p:nvSpPr>
+          <p:cNvPr id="12" name="TextBox 11">
+            <a:extLst>
+              <a:ext uri="{FF2B5EF4-FFF2-40B4-BE49-F238E27FC236}">
+                <a16:creationId xmlns:a16="http://schemas.microsoft.com/office/drawing/2014/main" id="{6B7F5C8C-8CFB-4BF8-8135-DD9B7B247AE5}"/>
+              </a:ext>
+            </a:extLst>
+          </p:cNvPr>
+          <p:cNvSpPr txBox="1"/>
+          <p:nvPr/>
+        </p:nvSpPr>
+        <p:spPr>
+          <a:xfrm>
+            <a:off x="7067971" y="2904449"/>
+            <a:ext cx="289560" cy="338554"/>
+          </a:xfrm>
+          <a:prstGeom prst="rect">
+            <a:avLst/>
+          </a:prstGeom>
+          <a:noFill/>
+        </p:spPr>
+        <p:txBody>
+          <a:bodyPr wrap="square" rtlCol="0">
+            <a:spAutoFit/>
+          </a:bodyPr>
+          <a:lstStyle/>
+          <a:p>
+            <a:pPr algn="ctr"/>
+            <a:r>
+              <a:rPr lang="ko-KR" altLang="en-US" sz="1600" b="1" dirty="0">
+                <a:solidFill>
+                  <a:srgbClr val="FF0000"/>
+                </a:solidFill>
+              </a:rPr>
+              <a:t>①</a:t>
+            </a:r>
+          </a:p>
+        </p:txBody>
+      </p:sp>
+      <p:sp>
+        <p:nvSpPr>
+          <p:cNvPr id="14" name="TextBox 13">
+            <a:extLst>
+              <a:ext uri="{FF2B5EF4-FFF2-40B4-BE49-F238E27FC236}">
+                <a16:creationId xmlns:a16="http://schemas.microsoft.com/office/drawing/2014/main" id="{CFE74844-EF51-4E25-B4DB-BD360266C861}"/>
+              </a:ext>
+            </a:extLst>
+          </p:cNvPr>
+          <p:cNvSpPr txBox="1"/>
+          <p:nvPr/>
+        </p:nvSpPr>
+        <p:spPr>
+          <a:xfrm>
+            <a:off x="7067971" y="4576503"/>
+            <a:ext cx="289560" cy="338554"/>
+          </a:xfrm>
+          <a:prstGeom prst="rect">
+            <a:avLst/>
+          </a:prstGeom>
+          <a:noFill/>
+        </p:spPr>
+        <p:txBody>
+          <a:bodyPr wrap="square" rtlCol="0">
+            <a:spAutoFit/>
+          </a:bodyPr>
+          <a:lstStyle/>
+          <a:p>
+            <a:pPr algn="ctr"/>
+            <a:r>
+              <a:rPr lang="ko-KR" altLang="en-US" sz="1600" b="1" dirty="0">
+                <a:solidFill>
+                  <a:srgbClr val="0070C0"/>
+                </a:solidFill>
+              </a:rPr>
+              <a:t>②</a:t>
+            </a:r>
+          </a:p>
+        </p:txBody>
+      </p:sp>
+      <p:sp>
+        <p:nvSpPr>
+          <p:cNvPr id="17" name="직사각형 16">
+            <a:extLst>
+              <a:ext uri="{FF2B5EF4-FFF2-40B4-BE49-F238E27FC236}">
+                <a16:creationId xmlns:a16="http://schemas.microsoft.com/office/drawing/2014/main" id="{69985456-5434-4DB0-8369-9DA6618E387E}"/>
+              </a:ext>
+            </a:extLst>
+          </p:cNvPr>
+          <p:cNvSpPr/>
+          <p:nvPr/>
+        </p:nvSpPr>
+        <p:spPr>
+          <a:xfrm>
+            <a:off x="2908735" y="4561318"/>
+            <a:ext cx="4111190" cy="1470634"/>
+          </a:xfrm>
+          <a:prstGeom prst="rect">
+            <a:avLst/>
+          </a:prstGeom>
+          <a:noFill/>
+          <a:ln w="38100">
+            <a:solidFill>
+              <a:srgbClr val="0070C0"/>
+            </a:solidFill>
+          </a:ln>
+        </p:spPr>
+        <p:style>
+          <a:lnRef idx="2">
+            <a:schemeClr val="accent1">
+              <a:shade val="50000"/>
+            </a:schemeClr>
+          </a:lnRef>
+          <a:fillRef idx="1">
+            <a:schemeClr val="accent1"/>
+          </a:fillRef>
+          <a:effectRef idx="0">
+            <a:schemeClr val="accent1"/>
+          </a:effectRef>
+          <a:fontRef idx="minor">
+            <a:schemeClr val="lt1"/>
+          </a:fontRef>
+        </p:style>
+        <p:txBody>
+          <a:bodyPr rtlCol="0" anchor="ctr"/>
+          <a:lstStyle/>
+          <a:p>
+            <a:pPr algn="ctr"/>
+            <a:endParaRPr lang="ko-KR" altLang="en-US"/>
+          </a:p>
+        </p:txBody>
+      </p:sp>
+    </p:spTree>
+    <p:extLst>
+      <p:ext uri="{BB962C8B-B14F-4D97-AF65-F5344CB8AC3E}">
+        <p14:creationId xmlns:p14="http://schemas.microsoft.com/office/powerpoint/2010/main" val="1152422240"/>
+      </p:ext>
+    </p:extLst>
+  </p:cSld>
+  <p:clrMapOvr>
+    <a:masterClrMapping/>
+  </p:clrMapOvr>
+</p:sld>
+</file>
+
+<file path=ppt/slides/slide42.xml><?xml version="1.0" encoding="utf-8"?>
+<p:sld xmlns:a="http://schemas.openxmlformats.org/drawingml/2006/main" xmlns:r="http://schemas.openxmlformats.org/officeDocument/2006/relationships" xmlns:p="http://schemas.openxmlformats.org/presentationml/2006/main">
+  <p:cSld>
+    <p:spTree>
+      <p:nvGrpSpPr>
+        <p:cNvPr id="1" name=""/>
+        <p:cNvGrpSpPr/>
+        <p:nvPr/>
+      </p:nvGrpSpPr>
+      <p:grpSpPr>
+        <a:xfrm>
+          <a:off x="0" y="0"/>
+          <a:ext cx="0" cy="0"/>
+          <a:chOff x="0" y="0"/>
+          <a:chExt cx="0" cy="0"/>
+        </a:xfrm>
+      </p:grpSpPr>
+      <p:pic>
+        <p:nvPicPr>
+          <p:cNvPr id="4" name="그림 3">
+            <a:extLst>
+              <a:ext uri="{FF2B5EF4-FFF2-40B4-BE49-F238E27FC236}">
+                <a16:creationId xmlns:a16="http://schemas.microsoft.com/office/drawing/2014/main" id="{D9D90D41-1C75-42F9-8920-E9521432C413}"/>
+              </a:ext>
+            </a:extLst>
+          </p:cNvPr>
+          <p:cNvPicPr>
+            <a:picLocks noChangeAspect="1"/>
+          </p:cNvPicPr>
+          <p:nvPr/>
+        </p:nvPicPr>
+        <p:blipFill>
+          <a:blip r:embed="rId2"/>
+          <a:stretch>
+            <a:fillRect/>
+          </a:stretch>
+        </p:blipFill>
+        <p:spPr>
+          <a:xfrm>
+            <a:off x="2844386" y="2709645"/>
+            <a:ext cx="4648849" cy="3439005"/>
+          </a:xfrm>
+          <a:prstGeom prst="rect">
+            <a:avLst/>
+          </a:prstGeom>
+        </p:spPr>
+      </p:pic>
+      <p:sp>
+        <p:nvSpPr>
+          <p:cNvPr id="11" name="직사각형 10">
+            <a:extLst>
+              <a:ext uri="{FF2B5EF4-FFF2-40B4-BE49-F238E27FC236}">
+                <a16:creationId xmlns:a16="http://schemas.microsoft.com/office/drawing/2014/main" id="{9DF968F5-A8FD-4327-A0E2-249EB01503AD}"/>
+              </a:ext>
+            </a:extLst>
+          </p:cNvPr>
+          <p:cNvSpPr/>
+          <p:nvPr/>
+        </p:nvSpPr>
+        <p:spPr>
+          <a:xfrm>
+            <a:off x="2908735" y="2711537"/>
+            <a:ext cx="576904" cy="128789"/>
+          </a:xfrm>
+          <a:prstGeom prst="rect">
+            <a:avLst/>
+          </a:prstGeom>
+          <a:solidFill>
+            <a:schemeClr val="bg1">
+              <a:lumMod val="75000"/>
+            </a:schemeClr>
+          </a:solidFill>
+          <a:ln>
+            <a:noFill/>
+          </a:ln>
+        </p:spPr>
+        <p:style>
+          <a:lnRef idx="2">
+            <a:schemeClr val="accent1">
+              <a:shade val="50000"/>
+            </a:schemeClr>
+          </a:lnRef>
+          <a:fillRef idx="1">
+            <a:schemeClr val="accent1"/>
+          </a:fillRef>
+          <a:effectRef idx="0">
+            <a:schemeClr val="accent1"/>
+          </a:effectRef>
+          <a:fontRef idx="minor">
+            <a:schemeClr val="lt1"/>
+          </a:fontRef>
+        </p:style>
+        <p:txBody>
+          <a:bodyPr rtlCol="0" anchor="ctr"/>
+          <a:lstStyle/>
+          <a:p>
+            <a:pPr algn="ctr"/>
+            <a:endParaRPr lang="ko-KR" altLang="en-US"/>
+          </a:p>
+        </p:txBody>
+      </p:sp>
+      <p:sp>
+        <p:nvSpPr>
+          <p:cNvPr id="17" name="직사각형 16">
+            <a:extLst>
+              <a:ext uri="{FF2B5EF4-FFF2-40B4-BE49-F238E27FC236}">
+                <a16:creationId xmlns:a16="http://schemas.microsoft.com/office/drawing/2014/main" id="{69985456-5434-4DB0-8369-9DA6618E387E}"/>
+              </a:ext>
+            </a:extLst>
+          </p:cNvPr>
+          <p:cNvSpPr/>
+          <p:nvPr/>
+        </p:nvSpPr>
+        <p:spPr>
+          <a:xfrm>
+            <a:off x="2739390" y="2963015"/>
+            <a:ext cx="289560" cy="2551960"/>
+          </a:xfrm>
+          <a:prstGeom prst="rect">
+            <a:avLst/>
+          </a:prstGeom>
+          <a:noFill/>
+          <a:ln w="38100">
+            <a:solidFill>
+              <a:srgbClr val="0070C0"/>
+            </a:solidFill>
+          </a:ln>
+        </p:spPr>
+        <p:style>
+          <a:lnRef idx="2">
+            <a:schemeClr val="accent1">
+              <a:shade val="50000"/>
+            </a:schemeClr>
+          </a:lnRef>
+          <a:fillRef idx="1">
+            <a:schemeClr val="accent1"/>
+          </a:fillRef>
+          <a:effectRef idx="0">
+            <a:schemeClr val="accent1"/>
+          </a:effectRef>
+          <a:fontRef idx="minor">
+            <a:schemeClr val="lt1"/>
+          </a:fontRef>
+        </p:style>
+        <p:txBody>
+          <a:bodyPr rtlCol="0" anchor="ctr"/>
+          <a:lstStyle/>
+          <a:p>
+            <a:pPr algn="ctr"/>
+            <a:endParaRPr lang="ko-KR" altLang="en-US"/>
+          </a:p>
+        </p:txBody>
+      </p:sp>
+    </p:spTree>
+    <p:extLst>
+      <p:ext uri="{BB962C8B-B14F-4D97-AF65-F5344CB8AC3E}">
+        <p14:creationId xmlns:p14="http://schemas.microsoft.com/office/powerpoint/2010/main" val="2406603535"/>
+      </p:ext>
+    </p:extLst>
+  </p:cSld>
+  <p:clrMapOvr>
+    <a:masterClrMapping/>
+  </p:clrMapOvr>
+</p:sld>
+</file>
+
+<file path=ppt/slides/slide43.xml><?xml version="1.0" encoding="utf-8"?>
+<p:sld xmlns:a="http://schemas.openxmlformats.org/drawingml/2006/main" xmlns:r="http://schemas.openxmlformats.org/officeDocument/2006/relationships" xmlns:p="http://schemas.openxmlformats.org/presentationml/2006/main">
+  <p:cSld>
+    <p:spTree>
+      <p:nvGrpSpPr>
+        <p:cNvPr id="1" name=""/>
+        <p:cNvGrpSpPr/>
+        <p:nvPr/>
+      </p:nvGrpSpPr>
+      <p:grpSpPr>
+        <a:xfrm>
+          <a:off x="0" y="0"/>
+          <a:ext cx="0" cy="0"/>
+          <a:chOff x="0" y="0"/>
+          <a:chExt cx="0" cy="0"/>
+        </a:xfrm>
+      </p:grpSpPr>
+      <p:pic>
+        <p:nvPicPr>
+          <p:cNvPr id="6" name="그림 5">
+            <a:extLst>
+              <a:ext uri="{FF2B5EF4-FFF2-40B4-BE49-F238E27FC236}">
+                <a16:creationId xmlns:a16="http://schemas.microsoft.com/office/drawing/2014/main" id="{DF4A8208-BEF8-44AF-8163-E5EFD8ED2448}"/>
+              </a:ext>
+            </a:extLst>
+          </p:cNvPr>
+          <p:cNvPicPr>
+            <a:picLocks noChangeAspect="1"/>
+          </p:cNvPicPr>
+          <p:nvPr/>
+        </p:nvPicPr>
+        <p:blipFill>
+          <a:blip r:embed="rId2"/>
+          <a:stretch>
+            <a:fillRect/>
+          </a:stretch>
+        </p:blipFill>
+        <p:spPr>
+          <a:xfrm>
+            <a:off x="2739390" y="2109860"/>
+            <a:ext cx="4477375" cy="4258269"/>
+          </a:xfrm>
+          <a:prstGeom prst="rect">
+            <a:avLst/>
+          </a:prstGeom>
+        </p:spPr>
+      </p:pic>
+      <p:sp>
+        <p:nvSpPr>
+          <p:cNvPr id="11" name="직사각형 10">
+            <a:extLst>
+              <a:ext uri="{FF2B5EF4-FFF2-40B4-BE49-F238E27FC236}">
+                <a16:creationId xmlns:a16="http://schemas.microsoft.com/office/drawing/2014/main" id="{9DF968F5-A8FD-4327-A0E2-249EB01503AD}"/>
+              </a:ext>
+            </a:extLst>
+          </p:cNvPr>
+          <p:cNvSpPr/>
+          <p:nvPr/>
+        </p:nvSpPr>
+        <p:spPr>
+          <a:xfrm>
+            <a:off x="2739390" y="2123541"/>
+            <a:ext cx="576904" cy="128789"/>
+          </a:xfrm>
+          <a:prstGeom prst="rect">
+            <a:avLst/>
+          </a:prstGeom>
+          <a:solidFill>
+            <a:schemeClr val="bg1">
+              <a:lumMod val="75000"/>
+            </a:schemeClr>
+          </a:solidFill>
+          <a:ln>
+            <a:noFill/>
+          </a:ln>
+        </p:spPr>
+        <p:style>
+          <a:lnRef idx="2">
+            <a:schemeClr val="accent1">
+              <a:shade val="50000"/>
+            </a:schemeClr>
+          </a:lnRef>
+          <a:fillRef idx="1">
+            <a:schemeClr val="accent1"/>
+          </a:fillRef>
+          <a:effectRef idx="0">
+            <a:schemeClr val="accent1"/>
+          </a:effectRef>
+          <a:fontRef idx="minor">
+            <a:schemeClr val="lt1"/>
+          </a:fontRef>
+        </p:style>
+        <p:txBody>
+          <a:bodyPr rtlCol="0" anchor="ctr"/>
+          <a:lstStyle/>
+          <a:p>
+            <a:pPr algn="ctr"/>
+            <a:endParaRPr lang="ko-KR" altLang="en-US"/>
+          </a:p>
+        </p:txBody>
+      </p:sp>
+      <p:sp>
+        <p:nvSpPr>
+          <p:cNvPr id="17" name="직사각형 16">
+            <a:extLst>
+              <a:ext uri="{FF2B5EF4-FFF2-40B4-BE49-F238E27FC236}">
+                <a16:creationId xmlns:a16="http://schemas.microsoft.com/office/drawing/2014/main" id="{69985456-5434-4DB0-8369-9DA6618E387E}"/>
+              </a:ext>
+            </a:extLst>
+          </p:cNvPr>
+          <p:cNvSpPr/>
+          <p:nvPr/>
+        </p:nvSpPr>
+        <p:spPr>
+          <a:xfrm>
+            <a:off x="2609850" y="2362200"/>
+            <a:ext cx="419100" cy="3381375"/>
+          </a:xfrm>
+          <a:prstGeom prst="rect">
+            <a:avLst/>
+          </a:prstGeom>
+          <a:noFill/>
+          <a:ln w="38100">
+            <a:solidFill>
+              <a:srgbClr val="0070C0"/>
+            </a:solidFill>
+          </a:ln>
+        </p:spPr>
+        <p:style>
+          <a:lnRef idx="2">
+            <a:schemeClr val="accent1">
+              <a:shade val="50000"/>
+            </a:schemeClr>
+          </a:lnRef>
+          <a:fillRef idx="1">
+            <a:schemeClr val="accent1"/>
+          </a:fillRef>
+          <a:effectRef idx="0">
+            <a:schemeClr val="accent1"/>
+          </a:effectRef>
+          <a:fontRef idx="minor">
+            <a:schemeClr val="lt1"/>
+          </a:fontRef>
+        </p:style>
+        <p:txBody>
+          <a:bodyPr rtlCol="0" anchor="ctr"/>
+          <a:lstStyle/>
+          <a:p>
+            <a:pPr algn="ctr"/>
+            <a:endParaRPr lang="ko-KR" altLang="en-US"/>
+          </a:p>
+        </p:txBody>
+      </p:sp>
+    </p:spTree>
+    <p:extLst>
+      <p:ext uri="{BB962C8B-B14F-4D97-AF65-F5344CB8AC3E}">
+        <p14:creationId xmlns:p14="http://schemas.microsoft.com/office/powerpoint/2010/main" val="1225784509"/>
+      </p:ext>
+    </p:extLst>
+  </p:cSld>
+  <p:clrMapOvr>
+    <a:masterClrMapping/>
+  </p:clrMapOvr>
+</p:sld>
+</file>
+
+<file path=ppt/slides/slide44.xml><?xml version="1.0" encoding="utf-8"?>
+<p:sld xmlns:a="http://schemas.openxmlformats.org/drawingml/2006/main" xmlns:r="http://schemas.openxmlformats.org/officeDocument/2006/relationships" xmlns:p="http://schemas.openxmlformats.org/presentationml/2006/main">
+  <p:cSld>
+    <p:spTree>
+      <p:nvGrpSpPr>
+        <p:cNvPr id="1" name=""/>
+        <p:cNvGrpSpPr/>
+        <p:nvPr/>
+      </p:nvGrpSpPr>
+      <p:grpSpPr>
+        <a:xfrm>
+          <a:off x="0" y="0"/>
+          <a:ext cx="0" cy="0"/>
+          <a:chOff x="0" y="0"/>
+          <a:chExt cx="0" cy="0"/>
+        </a:xfrm>
+      </p:grpSpPr>
+      <p:pic>
+        <p:nvPicPr>
+          <p:cNvPr id="3" name="그림 2">
+            <a:extLst>
+              <a:ext uri="{FF2B5EF4-FFF2-40B4-BE49-F238E27FC236}">
+                <a16:creationId xmlns:a16="http://schemas.microsoft.com/office/drawing/2014/main" id="{63FC4E3B-E048-42D8-8995-898DFAB794A6}"/>
+              </a:ext>
+            </a:extLst>
+          </p:cNvPr>
+          <p:cNvPicPr>
+            <a:picLocks noChangeAspect="1"/>
+          </p:cNvPicPr>
+          <p:nvPr/>
+        </p:nvPicPr>
+        <p:blipFill>
+          <a:blip r:embed="rId2"/>
+          <a:stretch>
+            <a:fillRect/>
+          </a:stretch>
+        </p:blipFill>
+        <p:spPr>
+          <a:xfrm>
+            <a:off x="2739390" y="2123541"/>
+            <a:ext cx="4496427" cy="1228896"/>
+          </a:xfrm>
+          <a:prstGeom prst="rect">
+            <a:avLst/>
+          </a:prstGeom>
+        </p:spPr>
+      </p:pic>
+      <p:sp>
+        <p:nvSpPr>
+          <p:cNvPr id="11" name="직사각형 10">
+            <a:extLst>
+              <a:ext uri="{FF2B5EF4-FFF2-40B4-BE49-F238E27FC236}">
+                <a16:creationId xmlns:a16="http://schemas.microsoft.com/office/drawing/2014/main" id="{9DF968F5-A8FD-4327-A0E2-249EB01503AD}"/>
+              </a:ext>
+            </a:extLst>
+          </p:cNvPr>
+          <p:cNvSpPr/>
+          <p:nvPr/>
+        </p:nvSpPr>
+        <p:spPr>
+          <a:xfrm>
+            <a:off x="2739390" y="2123541"/>
+            <a:ext cx="576904" cy="128789"/>
+          </a:xfrm>
+          <a:prstGeom prst="rect">
+            <a:avLst/>
+          </a:prstGeom>
+          <a:solidFill>
+            <a:schemeClr val="bg1">
+              <a:lumMod val="75000"/>
+            </a:schemeClr>
+          </a:solidFill>
+          <a:ln>
+            <a:noFill/>
+          </a:ln>
+        </p:spPr>
+        <p:style>
+          <a:lnRef idx="2">
+            <a:schemeClr val="accent1">
+              <a:shade val="50000"/>
+            </a:schemeClr>
+          </a:lnRef>
+          <a:fillRef idx="1">
+            <a:schemeClr val="accent1"/>
+          </a:fillRef>
+          <a:effectRef idx="0">
+            <a:schemeClr val="accent1"/>
+          </a:effectRef>
+          <a:fontRef idx="minor">
+            <a:schemeClr val="lt1"/>
+          </a:fontRef>
+        </p:style>
+        <p:txBody>
+          <a:bodyPr rtlCol="0" anchor="ctr"/>
+          <a:lstStyle/>
+          <a:p>
+            <a:pPr algn="ctr"/>
+            <a:endParaRPr lang="ko-KR" altLang="en-US"/>
+          </a:p>
+        </p:txBody>
+      </p:sp>
+      <p:sp>
+        <p:nvSpPr>
+          <p:cNvPr id="7" name="직사각형 6">
+            <a:extLst>
+              <a:ext uri="{FF2B5EF4-FFF2-40B4-BE49-F238E27FC236}">
+                <a16:creationId xmlns:a16="http://schemas.microsoft.com/office/drawing/2014/main" id="{2E3B21C9-E7F9-401B-9894-C85B1B0C42EA}"/>
+              </a:ext>
+            </a:extLst>
+          </p:cNvPr>
+          <p:cNvSpPr/>
+          <p:nvPr/>
+        </p:nvSpPr>
+        <p:spPr>
+          <a:xfrm>
+            <a:off x="2739390" y="2252330"/>
+            <a:ext cx="2604135" cy="195595"/>
+          </a:xfrm>
+          <a:prstGeom prst="rect">
+            <a:avLst/>
+          </a:prstGeom>
+          <a:noFill/>
+          <a:ln w="38100">
+            <a:solidFill>
+              <a:srgbClr val="FF0000"/>
+            </a:solidFill>
+          </a:ln>
+        </p:spPr>
+        <p:style>
+          <a:lnRef idx="2">
+            <a:schemeClr val="accent1">
+              <a:shade val="50000"/>
+            </a:schemeClr>
+          </a:lnRef>
+          <a:fillRef idx="1">
+            <a:schemeClr val="accent1"/>
+          </a:fillRef>
+          <a:effectRef idx="0">
+            <a:schemeClr val="accent1"/>
+          </a:effectRef>
+          <a:fontRef idx="minor">
+            <a:schemeClr val="lt1"/>
+          </a:fontRef>
+        </p:style>
+        <p:txBody>
+          <a:bodyPr rtlCol="0" anchor="ctr"/>
+          <a:lstStyle/>
+          <a:p>
+            <a:pPr algn="ctr"/>
+            <a:endParaRPr lang="ko-KR" altLang="en-US"/>
+          </a:p>
+        </p:txBody>
+      </p:sp>
+    </p:spTree>
+    <p:extLst>
+      <p:ext uri="{BB962C8B-B14F-4D97-AF65-F5344CB8AC3E}">
+        <p14:creationId xmlns:p14="http://schemas.microsoft.com/office/powerpoint/2010/main" val="3159420923"/>
+      </p:ext>
+    </p:extLst>
+  </p:cSld>
+  <p:clrMapOvr>
+    <a:masterClrMapping/>
+  </p:clrMapOvr>
+</p:sld>
+</file>
+
+<file path=ppt/slides/slide45.xml><?xml version="1.0" encoding="utf-8"?>
+<p:sld xmlns:a="http://schemas.openxmlformats.org/drawingml/2006/main" xmlns:r="http://schemas.openxmlformats.org/officeDocument/2006/relationships" xmlns:p="http://schemas.openxmlformats.org/presentationml/2006/main">
+  <p:cSld>
+    <p:spTree>
+      <p:nvGrpSpPr>
+        <p:cNvPr id="1" name=""/>
+        <p:cNvGrpSpPr/>
+        <p:nvPr/>
+      </p:nvGrpSpPr>
+      <p:grpSpPr>
+        <a:xfrm>
+          <a:off x="0" y="0"/>
+          <a:ext cx="0" cy="0"/>
+          <a:chOff x="0" y="0"/>
+          <a:chExt cx="0" cy="0"/>
+        </a:xfrm>
+      </p:grpSpPr>
+      <p:pic>
+        <p:nvPicPr>
+          <p:cNvPr id="4" name="그림 3">
+            <a:extLst>
+              <a:ext uri="{FF2B5EF4-FFF2-40B4-BE49-F238E27FC236}">
+                <a16:creationId xmlns:a16="http://schemas.microsoft.com/office/drawing/2014/main" id="{54875A68-6983-44F9-AD53-9783FF515DED}"/>
+              </a:ext>
+            </a:extLst>
+          </p:cNvPr>
+          <p:cNvPicPr>
+            <a:picLocks noChangeAspect="1"/>
+          </p:cNvPicPr>
+          <p:nvPr/>
+        </p:nvPicPr>
+        <p:blipFill>
+          <a:blip r:embed="rId2"/>
+          <a:stretch>
+            <a:fillRect/>
+          </a:stretch>
+        </p:blipFill>
+        <p:spPr>
+          <a:xfrm>
+            <a:off x="2739390" y="2094966"/>
+            <a:ext cx="4582164" cy="1914792"/>
+          </a:xfrm>
+          <a:prstGeom prst="rect">
+            <a:avLst/>
+          </a:prstGeom>
+        </p:spPr>
+      </p:pic>
+      <p:sp>
+        <p:nvSpPr>
+          <p:cNvPr id="11" name="직사각형 10">
+            <a:extLst>
+              <a:ext uri="{FF2B5EF4-FFF2-40B4-BE49-F238E27FC236}">
+                <a16:creationId xmlns:a16="http://schemas.microsoft.com/office/drawing/2014/main" id="{9DF968F5-A8FD-4327-A0E2-249EB01503AD}"/>
+              </a:ext>
+            </a:extLst>
+          </p:cNvPr>
+          <p:cNvSpPr/>
+          <p:nvPr/>
+        </p:nvSpPr>
+        <p:spPr>
+          <a:xfrm>
+            <a:off x="2739390" y="2123541"/>
+            <a:ext cx="576904" cy="128789"/>
+          </a:xfrm>
+          <a:prstGeom prst="rect">
+            <a:avLst/>
+          </a:prstGeom>
+          <a:solidFill>
+            <a:schemeClr val="bg1">
+              <a:lumMod val="75000"/>
+            </a:schemeClr>
+          </a:solidFill>
+          <a:ln>
+            <a:noFill/>
+          </a:ln>
+        </p:spPr>
+        <p:style>
+          <a:lnRef idx="2">
+            <a:schemeClr val="accent1">
+              <a:shade val="50000"/>
+            </a:schemeClr>
+          </a:lnRef>
+          <a:fillRef idx="1">
+            <a:schemeClr val="accent1"/>
+          </a:fillRef>
+          <a:effectRef idx="0">
+            <a:schemeClr val="accent1"/>
+          </a:effectRef>
+          <a:fontRef idx="minor">
+            <a:schemeClr val="lt1"/>
+          </a:fontRef>
+        </p:style>
+        <p:txBody>
+          <a:bodyPr rtlCol="0" anchor="ctr"/>
+          <a:lstStyle/>
+          <a:p>
+            <a:pPr algn="ctr"/>
+            <a:endParaRPr lang="ko-KR" altLang="en-US"/>
+          </a:p>
+        </p:txBody>
+      </p:sp>
+      <p:sp>
+        <p:nvSpPr>
+          <p:cNvPr id="7" name="직사각형 6">
+            <a:extLst>
+              <a:ext uri="{FF2B5EF4-FFF2-40B4-BE49-F238E27FC236}">
+                <a16:creationId xmlns:a16="http://schemas.microsoft.com/office/drawing/2014/main" id="{2E3B21C9-E7F9-401B-9894-C85B1B0C42EA}"/>
+              </a:ext>
+            </a:extLst>
+          </p:cNvPr>
+          <p:cNvSpPr/>
+          <p:nvPr/>
+        </p:nvSpPr>
+        <p:spPr>
+          <a:xfrm>
+            <a:off x="2739390" y="2252330"/>
+            <a:ext cx="3709035" cy="1757428"/>
+          </a:xfrm>
+          <a:prstGeom prst="rect">
+            <a:avLst/>
+          </a:prstGeom>
+          <a:noFill/>
+          <a:ln w="38100">
+            <a:solidFill>
+              <a:srgbClr val="FF0000"/>
+            </a:solidFill>
+          </a:ln>
+        </p:spPr>
+        <p:style>
+          <a:lnRef idx="2">
+            <a:schemeClr val="accent1">
+              <a:shade val="50000"/>
+            </a:schemeClr>
+          </a:lnRef>
+          <a:fillRef idx="1">
+            <a:schemeClr val="accent1"/>
+          </a:fillRef>
+          <a:effectRef idx="0">
+            <a:schemeClr val="accent1"/>
+          </a:effectRef>
+          <a:fontRef idx="minor">
+            <a:schemeClr val="lt1"/>
+          </a:fontRef>
+        </p:style>
+        <p:txBody>
+          <a:bodyPr rtlCol="0" anchor="ctr"/>
+          <a:lstStyle/>
+          <a:p>
+            <a:pPr algn="ctr"/>
+            <a:endParaRPr lang="ko-KR" altLang="en-US"/>
+          </a:p>
+        </p:txBody>
+      </p:sp>
+    </p:spTree>
+    <p:extLst>
+      <p:ext uri="{BB962C8B-B14F-4D97-AF65-F5344CB8AC3E}">
+        <p14:creationId xmlns:p14="http://schemas.microsoft.com/office/powerpoint/2010/main" val="3561439188"/>
+      </p:ext>
+    </p:extLst>
+  </p:cSld>
+  <p:clrMapOvr>
+    <a:masterClrMapping/>
+  </p:clrMapOvr>
+</p:sld>
+</file>
+
+<file path=ppt/slides/slide46.xml><?xml version="1.0" encoding="utf-8"?>
+<p:sld xmlns:a="http://schemas.openxmlformats.org/drawingml/2006/main" xmlns:r="http://schemas.openxmlformats.org/officeDocument/2006/relationships" xmlns:p="http://schemas.openxmlformats.org/presentationml/2006/main">
+  <p:cSld>
+    <p:spTree>
+      <p:nvGrpSpPr>
+        <p:cNvPr id="1" name=""/>
+        <p:cNvGrpSpPr/>
+        <p:nvPr/>
+      </p:nvGrpSpPr>
+      <p:grpSpPr>
+        <a:xfrm>
+          <a:off x="0" y="0"/>
+          <a:ext cx="0" cy="0"/>
+          <a:chOff x="0" y="0"/>
+          <a:chExt cx="0" cy="0"/>
+        </a:xfrm>
+      </p:grpSpPr>
+      <p:pic>
+        <p:nvPicPr>
+          <p:cNvPr id="3" name="그림 2">
+            <a:extLst>
+              <a:ext uri="{FF2B5EF4-FFF2-40B4-BE49-F238E27FC236}">
+                <a16:creationId xmlns:a16="http://schemas.microsoft.com/office/drawing/2014/main" id="{CD35E432-331F-4139-9566-685CAAB0FBA6}"/>
+              </a:ext>
+            </a:extLst>
+          </p:cNvPr>
+          <p:cNvPicPr>
+            <a:picLocks noChangeAspect="1"/>
+          </p:cNvPicPr>
+          <p:nvPr/>
+        </p:nvPicPr>
+        <p:blipFill>
+          <a:blip r:embed="rId2"/>
+          <a:stretch>
+            <a:fillRect/>
+          </a:stretch>
+        </p:blipFill>
+        <p:spPr>
+          <a:xfrm>
+            <a:off x="2739390" y="2104491"/>
+            <a:ext cx="4515480" cy="1095528"/>
+          </a:xfrm>
+          <a:prstGeom prst="rect">
+            <a:avLst/>
+          </a:prstGeom>
+        </p:spPr>
+      </p:pic>
+      <p:sp>
+        <p:nvSpPr>
+          <p:cNvPr id="11" name="직사각형 10">
+            <a:extLst>
+              <a:ext uri="{FF2B5EF4-FFF2-40B4-BE49-F238E27FC236}">
+                <a16:creationId xmlns:a16="http://schemas.microsoft.com/office/drawing/2014/main" id="{9DF968F5-A8FD-4327-A0E2-249EB01503AD}"/>
+              </a:ext>
+            </a:extLst>
+          </p:cNvPr>
+          <p:cNvSpPr/>
+          <p:nvPr/>
+        </p:nvSpPr>
+        <p:spPr>
+          <a:xfrm>
+            <a:off x="2739390" y="2123541"/>
+            <a:ext cx="576904" cy="128789"/>
+          </a:xfrm>
+          <a:prstGeom prst="rect">
+            <a:avLst/>
+          </a:prstGeom>
+          <a:solidFill>
+            <a:schemeClr val="bg1">
+              <a:lumMod val="75000"/>
+            </a:schemeClr>
+          </a:solidFill>
+          <a:ln>
+            <a:noFill/>
+          </a:ln>
+        </p:spPr>
+        <p:style>
+          <a:lnRef idx="2">
+            <a:schemeClr val="accent1">
+              <a:shade val="50000"/>
+            </a:schemeClr>
+          </a:lnRef>
+          <a:fillRef idx="1">
+            <a:schemeClr val="accent1"/>
+          </a:fillRef>
+          <a:effectRef idx="0">
+            <a:schemeClr val="accent1"/>
+          </a:effectRef>
+          <a:fontRef idx="minor">
+            <a:schemeClr val="lt1"/>
+          </a:fontRef>
+        </p:style>
+        <p:txBody>
+          <a:bodyPr rtlCol="0" anchor="ctr"/>
+          <a:lstStyle/>
+          <a:p>
+            <a:pPr algn="ctr"/>
+            <a:endParaRPr lang="ko-KR" altLang="en-US"/>
+          </a:p>
+        </p:txBody>
+      </p:sp>
+      <p:sp>
+        <p:nvSpPr>
+          <p:cNvPr id="7" name="직사각형 6">
+            <a:extLst>
+              <a:ext uri="{FF2B5EF4-FFF2-40B4-BE49-F238E27FC236}">
+                <a16:creationId xmlns:a16="http://schemas.microsoft.com/office/drawing/2014/main" id="{2E3B21C9-E7F9-401B-9894-C85B1B0C42EA}"/>
+              </a:ext>
+            </a:extLst>
+          </p:cNvPr>
+          <p:cNvSpPr/>
+          <p:nvPr/>
+        </p:nvSpPr>
+        <p:spPr>
+          <a:xfrm>
+            <a:off x="2739390" y="2252330"/>
+            <a:ext cx="3689985" cy="947689"/>
+          </a:xfrm>
+          <a:prstGeom prst="rect">
+            <a:avLst/>
+          </a:prstGeom>
+          <a:noFill/>
+          <a:ln w="38100">
+            <a:solidFill>
+              <a:srgbClr val="FF0000"/>
+            </a:solidFill>
+          </a:ln>
+        </p:spPr>
+        <p:style>
+          <a:lnRef idx="2">
+            <a:schemeClr val="accent1">
+              <a:shade val="50000"/>
+            </a:schemeClr>
+          </a:lnRef>
+          <a:fillRef idx="1">
+            <a:schemeClr val="accent1"/>
+          </a:fillRef>
+          <a:effectRef idx="0">
+            <a:schemeClr val="accent1"/>
+          </a:effectRef>
+          <a:fontRef idx="minor">
+            <a:schemeClr val="lt1"/>
+          </a:fontRef>
+        </p:style>
+        <p:txBody>
+          <a:bodyPr rtlCol="0" anchor="ctr"/>
+          <a:lstStyle/>
+          <a:p>
+            <a:pPr algn="ctr"/>
+            <a:endParaRPr lang="ko-KR" altLang="en-US"/>
+          </a:p>
+        </p:txBody>
+      </p:sp>
+    </p:spTree>
+    <p:extLst>
+      <p:ext uri="{BB962C8B-B14F-4D97-AF65-F5344CB8AC3E}">
+        <p14:creationId xmlns:p14="http://schemas.microsoft.com/office/powerpoint/2010/main" val="3310160802"/>
+      </p:ext>
+    </p:extLst>
+  </p:cSld>
+  <p:clrMapOvr>
+    <a:masterClrMapping/>
+  </p:clrMapOvr>
+</p:sld>
+</file>
+
+<file path=ppt/slides/slide47.xml><?xml version="1.0" encoding="utf-8"?>
+<p:sld xmlns:a="http://schemas.openxmlformats.org/drawingml/2006/main" xmlns:r="http://schemas.openxmlformats.org/officeDocument/2006/relationships" xmlns:p="http://schemas.openxmlformats.org/presentationml/2006/main">
+  <p:cSld>
+    <p:spTree>
+      <p:nvGrpSpPr>
+        <p:cNvPr id="1" name=""/>
+        <p:cNvGrpSpPr/>
+        <p:nvPr/>
+      </p:nvGrpSpPr>
+      <p:grpSpPr>
+        <a:xfrm>
+          <a:off x="0" y="0"/>
+          <a:ext cx="0" cy="0"/>
+          <a:chOff x="0" y="0"/>
+          <a:chExt cx="0" cy="0"/>
+        </a:xfrm>
+      </p:grpSpPr>
+      <p:pic>
+        <p:nvPicPr>
+          <p:cNvPr id="4" name="그림 3">
+            <a:extLst>
+              <a:ext uri="{FF2B5EF4-FFF2-40B4-BE49-F238E27FC236}">
+                <a16:creationId xmlns:a16="http://schemas.microsoft.com/office/drawing/2014/main" id="{BEE37A41-3558-439B-B6BE-24F3B10E5B4D}"/>
+              </a:ext>
+            </a:extLst>
+          </p:cNvPr>
+          <p:cNvPicPr>
+            <a:picLocks noChangeAspect="1"/>
+          </p:cNvPicPr>
+          <p:nvPr/>
+        </p:nvPicPr>
+        <p:blipFill>
+          <a:blip r:embed="rId2"/>
+          <a:stretch>
+            <a:fillRect/>
+          </a:stretch>
+        </p:blipFill>
+        <p:spPr>
+          <a:xfrm>
+            <a:off x="2739390" y="2094585"/>
+            <a:ext cx="4544059" cy="2172003"/>
+          </a:xfrm>
+          <a:prstGeom prst="rect">
+            <a:avLst/>
+          </a:prstGeom>
+        </p:spPr>
+      </p:pic>
+      <p:sp>
+        <p:nvSpPr>
+          <p:cNvPr id="11" name="직사각형 10">
+            <a:extLst>
+              <a:ext uri="{FF2B5EF4-FFF2-40B4-BE49-F238E27FC236}">
+                <a16:creationId xmlns:a16="http://schemas.microsoft.com/office/drawing/2014/main" id="{9DF968F5-A8FD-4327-A0E2-249EB01503AD}"/>
+              </a:ext>
+            </a:extLst>
+          </p:cNvPr>
+          <p:cNvSpPr/>
+          <p:nvPr/>
+        </p:nvSpPr>
+        <p:spPr>
+          <a:xfrm>
+            <a:off x="2739390" y="2123541"/>
+            <a:ext cx="576904" cy="128789"/>
+          </a:xfrm>
+          <a:prstGeom prst="rect">
+            <a:avLst/>
+          </a:prstGeom>
+          <a:solidFill>
+            <a:schemeClr val="bg1">
+              <a:lumMod val="75000"/>
+            </a:schemeClr>
+          </a:solidFill>
+          <a:ln>
+            <a:noFill/>
+          </a:ln>
+        </p:spPr>
+        <p:style>
+          <a:lnRef idx="2">
+            <a:schemeClr val="accent1">
+              <a:shade val="50000"/>
+            </a:schemeClr>
+          </a:lnRef>
+          <a:fillRef idx="1">
+            <a:schemeClr val="accent1"/>
+          </a:fillRef>
+          <a:effectRef idx="0">
+            <a:schemeClr val="accent1"/>
+          </a:effectRef>
+          <a:fontRef idx="minor">
+            <a:schemeClr val="lt1"/>
+          </a:fontRef>
+        </p:style>
+        <p:txBody>
+          <a:bodyPr rtlCol="0" anchor="ctr"/>
+          <a:lstStyle/>
+          <a:p>
+            <a:pPr algn="ctr"/>
+            <a:endParaRPr lang="ko-KR" altLang="en-US"/>
+          </a:p>
+        </p:txBody>
+      </p:sp>
+      <p:sp>
+        <p:nvSpPr>
+          <p:cNvPr id="7" name="직사각형 6">
+            <a:extLst>
+              <a:ext uri="{FF2B5EF4-FFF2-40B4-BE49-F238E27FC236}">
+                <a16:creationId xmlns:a16="http://schemas.microsoft.com/office/drawing/2014/main" id="{2E3B21C9-E7F9-401B-9894-C85B1B0C42EA}"/>
+              </a:ext>
+            </a:extLst>
+          </p:cNvPr>
+          <p:cNvSpPr/>
+          <p:nvPr/>
+        </p:nvSpPr>
+        <p:spPr>
+          <a:xfrm>
+            <a:off x="2739390" y="3076574"/>
+            <a:ext cx="3689985" cy="1190013"/>
+          </a:xfrm>
+          <a:prstGeom prst="rect">
+            <a:avLst/>
+          </a:prstGeom>
+          <a:noFill/>
+          <a:ln w="38100">
+            <a:solidFill>
+              <a:srgbClr val="FF0000"/>
+            </a:solidFill>
+          </a:ln>
+        </p:spPr>
+        <p:style>
+          <a:lnRef idx="2">
+            <a:schemeClr val="accent1">
+              <a:shade val="50000"/>
+            </a:schemeClr>
+          </a:lnRef>
+          <a:fillRef idx="1">
+            <a:schemeClr val="accent1"/>
+          </a:fillRef>
+          <a:effectRef idx="0">
+            <a:schemeClr val="accent1"/>
+          </a:effectRef>
+          <a:fontRef idx="minor">
+            <a:schemeClr val="lt1"/>
+          </a:fontRef>
+        </p:style>
+        <p:txBody>
+          <a:bodyPr rtlCol="0" anchor="ctr"/>
+          <a:lstStyle/>
+          <a:p>
+            <a:pPr algn="ctr"/>
+            <a:endParaRPr lang="ko-KR" altLang="en-US"/>
+          </a:p>
+        </p:txBody>
+      </p:sp>
+    </p:spTree>
+    <p:extLst>
+      <p:ext uri="{BB962C8B-B14F-4D97-AF65-F5344CB8AC3E}">
+        <p14:creationId xmlns:p14="http://schemas.microsoft.com/office/powerpoint/2010/main" val="829366639"/>
+      </p:ext>
+    </p:extLst>
+  </p:cSld>
+  <p:clrMapOvr>
+    <a:masterClrMapping/>
+  </p:clrMapOvr>
+</p:sld>
+</file>
+
+<file path=ppt/slides/slide48.xml><?xml version="1.0" encoding="utf-8"?>
+<p:sld xmlns:a="http://schemas.openxmlformats.org/drawingml/2006/main" xmlns:r="http://schemas.openxmlformats.org/officeDocument/2006/relationships" xmlns:p="http://schemas.openxmlformats.org/presentationml/2006/main">
+  <p:cSld>
+    <p:spTree>
+      <p:nvGrpSpPr>
+        <p:cNvPr id="1" name=""/>
+        <p:cNvGrpSpPr/>
+        <p:nvPr/>
+      </p:nvGrpSpPr>
+      <p:grpSpPr>
+        <a:xfrm>
+          <a:off x="0" y="0"/>
+          <a:ext cx="0" cy="0"/>
+          <a:chOff x="0" y="0"/>
+          <a:chExt cx="0" cy="0"/>
+        </a:xfrm>
+      </p:grpSpPr>
+      <p:pic>
+        <p:nvPicPr>
+          <p:cNvPr id="3" name="그림 2">
+            <a:extLst>
+              <a:ext uri="{FF2B5EF4-FFF2-40B4-BE49-F238E27FC236}">
+                <a16:creationId xmlns:a16="http://schemas.microsoft.com/office/drawing/2014/main" id="{4E44C36E-5F65-4ACF-9537-E14E360F39C2}"/>
+              </a:ext>
+            </a:extLst>
+          </p:cNvPr>
+          <p:cNvPicPr>
+            <a:picLocks noChangeAspect="1"/>
+          </p:cNvPicPr>
+          <p:nvPr/>
+        </p:nvPicPr>
+        <p:blipFill>
+          <a:blip r:embed="rId2"/>
+          <a:stretch>
+            <a:fillRect/>
+          </a:stretch>
+        </p:blipFill>
+        <p:spPr>
+          <a:xfrm>
+            <a:off x="2739390" y="2094966"/>
+            <a:ext cx="4429743" cy="1838582"/>
+          </a:xfrm>
+          <a:prstGeom prst="rect">
+            <a:avLst/>
+          </a:prstGeom>
+        </p:spPr>
+      </p:pic>
+      <p:sp>
+        <p:nvSpPr>
+          <p:cNvPr id="11" name="직사각형 10">
+            <a:extLst>
+              <a:ext uri="{FF2B5EF4-FFF2-40B4-BE49-F238E27FC236}">
+                <a16:creationId xmlns:a16="http://schemas.microsoft.com/office/drawing/2014/main" id="{9DF968F5-A8FD-4327-A0E2-249EB01503AD}"/>
+              </a:ext>
+            </a:extLst>
+          </p:cNvPr>
+          <p:cNvSpPr/>
+          <p:nvPr/>
+        </p:nvSpPr>
+        <p:spPr>
+          <a:xfrm>
+            <a:off x="2739390" y="2123541"/>
+            <a:ext cx="576904" cy="128789"/>
+          </a:xfrm>
+          <a:prstGeom prst="rect">
+            <a:avLst/>
+          </a:prstGeom>
+          <a:solidFill>
+            <a:schemeClr val="bg1">
+              <a:lumMod val="75000"/>
+            </a:schemeClr>
+          </a:solidFill>
+          <a:ln>
+            <a:noFill/>
+          </a:ln>
+        </p:spPr>
+        <p:style>
+          <a:lnRef idx="2">
+            <a:schemeClr val="accent1">
+              <a:shade val="50000"/>
+            </a:schemeClr>
+          </a:lnRef>
+          <a:fillRef idx="1">
+            <a:schemeClr val="accent1"/>
+          </a:fillRef>
+          <a:effectRef idx="0">
+            <a:schemeClr val="accent1"/>
+          </a:effectRef>
+          <a:fontRef idx="minor">
+            <a:schemeClr val="lt1"/>
+          </a:fontRef>
+        </p:style>
+        <p:txBody>
+          <a:bodyPr rtlCol="0" anchor="ctr"/>
+          <a:lstStyle/>
+          <a:p>
+            <a:pPr algn="ctr"/>
+            <a:endParaRPr lang="ko-KR" altLang="en-US"/>
+          </a:p>
+        </p:txBody>
+      </p:sp>
+      <p:sp>
+        <p:nvSpPr>
+          <p:cNvPr id="7" name="직사각형 6">
+            <a:extLst>
+              <a:ext uri="{FF2B5EF4-FFF2-40B4-BE49-F238E27FC236}">
+                <a16:creationId xmlns:a16="http://schemas.microsoft.com/office/drawing/2014/main" id="{2E3B21C9-E7F9-401B-9894-C85B1B0C42EA}"/>
+              </a:ext>
+            </a:extLst>
+          </p:cNvPr>
+          <p:cNvSpPr/>
+          <p:nvPr/>
+        </p:nvSpPr>
+        <p:spPr>
+          <a:xfrm>
+            <a:off x="2739390" y="2647950"/>
+            <a:ext cx="3689985" cy="714376"/>
+          </a:xfrm>
+          <a:prstGeom prst="rect">
+            <a:avLst/>
+          </a:prstGeom>
+          <a:noFill/>
+          <a:ln w="38100">
+            <a:solidFill>
+              <a:srgbClr val="FF0000"/>
+            </a:solidFill>
+          </a:ln>
+        </p:spPr>
+        <p:style>
+          <a:lnRef idx="2">
+            <a:schemeClr val="accent1">
+              <a:shade val="50000"/>
+            </a:schemeClr>
+          </a:lnRef>
+          <a:fillRef idx="1">
+            <a:schemeClr val="accent1"/>
+          </a:fillRef>
+          <a:effectRef idx="0">
+            <a:schemeClr val="accent1"/>
+          </a:effectRef>
+          <a:fontRef idx="minor">
+            <a:schemeClr val="lt1"/>
+          </a:fontRef>
+        </p:style>
+        <p:txBody>
+          <a:bodyPr rtlCol="0" anchor="ctr"/>
+          <a:lstStyle/>
+          <a:p>
+            <a:pPr algn="ctr"/>
+            <a:endParaRPr lang="ko-KR" altLang="en-US"/>
+          </a:p>
+        </p:txBody>
+      </p:sp>
+    </p:spTree>
+    <p:extLst>
+      <p:ext uri="{BB962C8B-B14F-4D97-AF65-F5344CB8AC3E}">
+        <p14:creationId xmlns:p14="http://schemas.microsoft.com/office/powerpoint/2010/main" val="562462090"/>
       </p:ext>
     </p:extLst>
   </p:cSld>
